--- a/Spark_PPT/Spark_part1.pptx
+++ b/Spark_PPT/Spark_part1.pptx
@@ -4,6 +4,26 @@
   <p:sldMasterIdLst>
     <p:sldMasterId id="2147483648" r:id="rId1"/>
   </p:sldMasterIdLst>
+  <p:sldIdLst>
+    <p:sldId id="256" r:id="rId2"/>
+    <p:sldId id="257" r:id="rId3"/>
+    <p:sldId id="258" r:id="rId4"/>
+    <p:sldId id="259" r:id="rId5"/>
+    <p:sldId id="260" r:id="rId6"/>
+    <p:sldId id="261" r:id="rId7"/>
+    <p:sldId id="262" r:id="rId8"/>
+    <p:sldId id="263" r:id="rId9"/>
+    <p:sldId id="264" r:id="rId10"/>
+    <p:sldId id="265" r:id="rId11"/>
+    <p:sldId id="267" r:id="rId12"/>
+    <p:sldId id="266" r:id="rId13"/>
+    <p:sldId id="268" r:id="rId14"/>
+    <p:sldId id="269" r:id="rId15"/>
+    <p:sldId id="270" r:id="rId16"/>
+    <p:sldId id="271" r:id="rId17"/>
+    <p:sldId id="272" r:id="rId18"/>
+    <p:sldId id="273" r:id="rId19"/>
+  </p:sldIdLst>
   <p:sldSz cx="9144000" cy="6858000" type="screen4x3"/>
   <p:notesSz cx="6858000" cy="9144000"/>
   <p:defaultTextStyle>
@@ -286,7 +306,7 @@
             <a:fld id="{1D8BD707-D9CF-40AE-B4C6-C98DA3205C09}" type="datetimeFigureOut">
               <a:rPr lang="en-US" smtClean="0"/>
               <a:pPr/>
-              <a:t>9/18/2006</a:t>
+              <a:t>2/10/2016</a:t>
             </a:fld>
             <a:endParaRPr lang="en-US"/>
           </a:p>
@@ -453,7 +473,7 @@
             <a:fld id="{1D8BD707-D9CF-40AE-B4C6-C98DA3205C09}" type="datetimeFigureOut">
               <a:rPr lang="en-US" smtClean="0"/>
               <a:pPr/>
-              <a:t>9/18/2006</a:t>
+              <a:t>2/10/2016</a:t>
             </a:fld>
             <a:endParaRPr lang="en-US"/>
           </a:p>
@@ -630,7 +650,7 @@
             <a:fld id="{1D8BD707-D9CF-40AE-B4C6-C98DA3205C09}" type="datetimeFigureOut">
               <a:rPr lang="en-US" smtClean="0"/>
               <a:pPr/>
-              <a:t>9/18/2006</a:t>
+              <a:t>2/10/2016</a:t>
             </a:fld>
             <a:endParaRPr lang="en-US"/>
           </a:p>
@@ -797,7 +817,7 @@
             <a:fld id="{1D8BD707-D9CF-40AE-B4C6-C98DA3205C09}" type="datetimeFigureOut">
               <a:rPr lang="en-US" smtClean="0"/>
               <a:pPr/>
-              <a:t>9/18/2006</a:t>
+              <a:t>2/10/2016</a:t>
             </a:fld>
             <a:endParaRPr lang="en-US"/>
           </a:p>
@@ -1040,7 +1060,7 @@
             <a:fld id="{1D8BD707-D9CF-40AE-B4C6-C98DA3205C09}" type="datetimeFigureOut">
               <a:rPr lang="en-US" smtClean="0"/>
               <a:pPr/>
-              <a:t>9/18/2006</a:t>
+              <a:t>2/10/2016</a:t>
             </a:fld>
             <a:endParaRPr lang="en-US"/>
           </a:p>
@@ -1325,7 +1345,7 @@
             <a:fld id="{1D8BD707-D9CF-40AE-B4C6-C98DA3205C09}" type="datetimeFigureOut">
               <a:rPr lang="en-US" smtClean="0"/>
               <a:pPr/>
-              <a:t>9/18/2006</a:t>
+              <a:t>2/10/2016</a:t>
             </a:fld>
             <a:endParaRPr lang="en-US"/>
           </a:p>
@@ -1744,7 +1764,7 @@
             <a:fld id="{1D8BD707-D9CF-40AE-B4C6-C98DA3205C09}" type="datetimeFigureOut">
               <a:rPr lang="en-US" smtClean="0"/>
               <a:pPr/>
-              <a:t>9/18/2006</a:t>
+              <a:t>2/10/2016</a:t>
             </a:fld>
             <a:endParaRPr lang="en-US"/>
           </a:p>
@@ -1859,7 +1879,7 @@
             <a:fld id="{1D8BD707-D9CF-40AE-B4C6-C98DA3205C09}" type="datetimeFigureOut">
               <a:rPr lang="en-US" smtClean="0"/>
               <a:pPr/>
-              <a:t>9/18/2006</a:t>
+              <a:t>2/10/2016</a:t>
             </a:fld>
             <a:endParaRPr lang="en-US"/>
           </a:p>
@@ -1951,7 +1971,7 @@
             <a:fld id="{1D8BD707-D9CF-40AE-B4C6-C98DA3205C09}" type="datetimeFigureOut">
               <a:rPr lang="en-US" smtClean="0"/>
               <a:pPr/>
-              <a:t>9/18/2006</a:t>
+              <a:t>2/10/2016</a:t>
             </a:fld>
             <a:endParaRPr lang="en-US"/>
           </a:p>
@@ -2225,7 +2245,7 @@
             <a:fld id="{1D8BD707-D9CF-40AE-B4C6-C98DA3205C09}" type="datetimeFigureOut">
               <a:rPr lang="en-US" smtClean="0"/>
               <a:pPr/>
-              <a:t>9/18/2006</a:t>
+              <a:t>2/10/2016</a:t>
             </a:fld>
             <a:endParaRPr lang="en-US"/>
           </a:p>
@@ -2475,7 +2495,7 @@
             <a:fld id="{1D8BD707-D9CF-40AE-B4C6-C98DA3205C09}" type="datetimeFigureOut">
               <a:rPr lang="en-US" smtClean="0"/>
               <a:pPr/>
-              <a:t>9/18/2006</a:t>
+              <a:t>2/10/2016</a:t>
             </a:fld>
             <a:endParaRPr lang="en-US"/>
           </a:p>
@@ -2685,7 +2705,7 @@
             <a:fld id="{1D8BD707-D9CF-40AE-B4C6-C98DA3205C09}" type="datetimeFigureOut">
               <a:rPr lang="en-US" smtClean="0"/>
               <a:pPr/>
-              <a:t>9/18/2006</a:t>
+              <a:t>2/10/2016</a:t>
             </a:fld>
             <a:endParaRPr lang="en-US"/>
           </a:p>
@@ -3037,6 +3057,9464 @@
     </p:otherStyle>
   </p:txStyles>
 </p:sldMaster>
+</file>
+
+<file path=ppt/slides/slide1.xml><?xml version="1.0" encoding="utf-8"?>
+<p:sld xmlns:a="http://schemas.openxmlformats.org/drawingml/2006/main" xmlns:r="http://schemas.openxmlformats.org/officeDocument/2006/relationships" xmlns:p="http://schemas.openxmlformats.org/presentationml/2006/main">
+  <p:cSld>
+    <p:spTree>
+      <p:nvGrpSpPr>
+        <p:cNvPr id="1" name=""/>
+        <p:cNvGrpSpPr/>
+        <p:nvPr/>
+      </p:nvGrpSpPr>
+      <p:grpSpPr>
+        <a:xfrm>
+          <a:off x="0" y="0"/>
+          <a:ext cx="0" cy="0"/>
+          <a:chOff x="0" y="0"/>
+          <a:chExt cx="0" cy="0"/>
+        </a:xfrm>
+      </p:grpSpPr>
+      <p:sp>
+        <p:nvSpPr>
+          <p:cNvPr id="2" name="Title 1"/>
+          <p:cNvSpPr>
+            <a:spLocks noGrp="1"/>
+          </p:cNvSpPr>
+          <p:nvPr>
+            <p:ph type="ctrTitle"/>
+          </p:nvPr>
+        </p:nvSpPr>
+        <p:spPr/>
+        <p:txBody>
+          <a:bodyPr/>
+          <a:lstStyle/>
+          <a:p>
+            <a:r>
+              <a:rPr lang="en-US" dirty="0" smtClean="0"/>
+              <a:t>Spark</a:t>
+            </a:r>
+            <a:endParaRPr lang="en-US" dirty="0"/>
+          </a:p>
+        </p:txBody>
+      </p:sp>
+      <p:sp>
+        <p:nvSpPr>
+          <p:cNvPr id="3" name="Subtitle 2"/>
+          <p:cNvSpPr>
+            <a:spLocks noGrp="1"/>
+          </p:cNvSpPr>
+          <p:nvPr>
+            <p:ph type="subTitle" idx="1"/>
+          </p:nvPr>
+        </p:nvSpPr>
+        <p:spPr/>
+        <p:txBody>
+          <a:bodyPr/>
+          <a:lstStyle/>
+          <a:p>
+            <a:r>
+              <a:rPr lang="en-US" dirty="0" smtClean="0">
+                <a:solidFill>
+                  <a:schemeClr val="tx1"/>
+                </a:solidFill>
+              </a:rPr>
+              <a:t>Introduction</a:t>
+            </a:r>
+            <a:endParaRPr lang="en-US" dirty="0">
+              <a:solidFill>
+                <a:schemeClr val="tx1"/>
+              </a:solidFill>
+            </a:endParaRPr>
+          </a:p>
+        </p:txBody>
+      </p:sp>
+    </p:spTree>
+    <p:extLst>
+      <p:ext uri="{BB962C8B-B14F-4D97-AF65-F5344CB8AC3E}">
+        <p14:creationId xmlns:p14="http://schemas.microsoft.com/office/powerpoint/2010/main" val="951693753"/>
+      </p:ext>
+    </p:extLst>
+  </p:cSld>
+  <p:clrMapOvr>
+    <a:masterClrMapping/>
+  </p:clrMapOvr>
+  <p:timing>
+    <p:tnLst>
+      <p:par>
+        <p:cTn id="1" dur="indefinite" restart="never" nodeType="tmRoot"/>
+      </p:par>
+    </p:tnLst>
+  </p:timing>
+</p:sld>
+</file>
+
+<file path=ppt/slides/slide10.xml><?xml version="1.0" encoding="utf-8"?>
+<p:sld xmlns:a="http://schemas.openxmlformats.org/drawingml/2006/main" xmlns:r="http://schemas.openxmlformats.org/officeDocument/2006/relationships" xmlns:p="http://schemas.openxmlformats.org/presentationml/2006/main">
+  <p:cSld>
+    <p:spTree>
+      <p:nvGrpSpPr>
+        <p:cNvPr id="1" name=""/>
+        <p:cNvGrpSpPr/>
+        <p:nvPr/>
+      </p:nvGrpSpPr>
+      <p:grpSpPr>
+        <a:xfrm>
+          <a:off x="0" y="0"/>
+          <a:ext cx="0" cy="0"/>
+          <a:chOff x="0" y="0"/>
+          <a:chExt cx="0" cy="0"/>
+        </a:xfrm>
+      </p:grpSpPr>
+      <p:sp>
+        <p:nvSpPr>
+          <p:cNvPr id="2" name="Title 1"/>
+          <p:cNvSpPr>
+            <a:spLocks noGrp="1"/>
+          </p:cNvSpPr>
+          <p:nvPr>
+            <p:ph type="title"/>
+          </p:nvPr>
+        </p:nvSpPr>
+        <p:spPr>
+          <a:xfrm>
+            <a:off x="381000" y="12700"/>
+            <a:ext cx="8229600" cy="901700"/>
+          </a:xfrm>
+        </p:spPr>
+        <p:txBody>
+          <a:bodyPr/>
+          <a:lstStyle/>
+          <a:p>
+            <a:pPr algn="l"/>
+            <a:r>
+              <a:rPr lang="en-US" dirty="0" smtClean="0"/>
+              <a:t>Spark Stack – Cluster Management</a:t>
+            </a:r>
+            <a:endParaRPr lang="en-US" dirty="0"/>
+          </a:p>
+        </p:txBody>
+      </p:sp>
+      <p:sp>
+        <p:nvSpPr>
+          <p:cNvPr id="3" name="Content Placeholder 2"/>
+          <p:cNvSpPr>
+            <a:spLocks noGrp="1"/>
+          </p:cNvSpPr>
+          <p:nvPr>
+            <p:ph idx="1"/>
+          </p:nvPr>
+        </p:nvSpPr>
+        <p:spPr>
+          <a:xfrm>
+            <a:off x="457200" y="990600"/>
+            <a:ext cx="8382000" cy="5257800"/>
+          </a:xfrm>
+        </p:spPr>
+        <p:txBody>
+          <a:bodyPr>
+            <a:normAutofit lnSpcReduction="10000"/>
+          </a:bodyPr>
+          <a:lstStyle/>
+          <a:p>
+            <a:r>
+              <a:rPr lang="en-US" dirty="0" smtClean="0"/>
+              <a:t>Spark is designed to </a:t>
+            </a:r>
+            <a:r>
+              <a:rPr lang="en-US" dirty="0" err="1" smtClean="0"/>
+              <a:t>scaleup</a:t>
+            </a:r>
+            <a:r>
+              <a:rPr lang="en-US" dirty="0" smtClean="0"/>
+              <a:t> efficiently from one to many thousands of compute nodes.</a:t>
+            </a:r>
+          </a:p>
+          <a:p>
+            <a:r>
+              <a:rPr lang="en-US" dirty="0" smtClean="0"/>
+              <a:t>Spark can run over a variety of cluster managers, like</a:t>
+            </a:r>
+          </a:p>
+          <a:p>
+            <a:pPr lvl="1"/>
+            <a:r>
+              <a:rPr lang="en-US" dirty="0" smtClean="0"/>
+              <a:t>Hadoop YARN,</a:t>
+            </a:r>
+          </a:p>
+          <a:p>
+            <a:pPr lvl="1"/>
+            <a:r>
+              <a:rPr lang="en-US" dirty="0" smtClean="0"/>
+              <a:t>Apache </a:t>
+            </a:r>
+            <a:r>
+              <a:rPr lang="en-US" dirty="0" err="1" smtClean="0"/>
+              <a:t>Mesos</a:t>
+            </a:r>
+            <a:r>
+              <a:rPr lang="en-US" dirty="0" smtClean="0"/>
+              <a:t>,</a:t>
+            </a:r>
+          </a:p>
+          <a:p>
+            <a:pPr lvl="1"/>
+            <a:r>
+              <a:rPr lang="en-US" dirty="0" smtClean="0"/>
+              <a:t>Simple cluster manager included in Spark (called Standalone Scheduler)</a:t>
+            </a:r>
+          </a:p>
+          <a:p>
+            <a:r>
+              <a:rPr lang="en-US" dirty="0" smtClean="0"/>
+              <a:t>If you are just installing Spark on an empty set of machines, Standalone Scheduler provides an easy way to get started.</a:t>
+            </a:r>
+          </a:p>
+        </p:txBody>
+      </p:sp>
+    </p:spTree>
+    <p:extLst>
+      <p:ext uri="{BB962C8B-B14F-4D97-AF65-F5344CB8AC3E}">
+        <p14:creationId xmlns:p14="http://schemas.microsoft.com/office/powerpoint/2010/main" val="2477868703"/>
+      </p:ext>
+    </p:extLst>
+  </p:cSld>
+  <p:clrMapOvr>
+    <a:masterClrMapping/>
+  </p:clrMapOvr>
+  <p:timing>
+    <p:tnLst>
+      <p:par>
+        <p:cTn id="1" dur="indefinite" restart="never" nodeType="tmRoot">
+          <p:childTnLst>
+            <p:seq concurrent="1" nextAc="seek">
+              <p:cTn id="2" dur="indefinite" nodeType="mainSeq">
+                <p:childTnLst>
+                  <p:par>
+                    <p:cTn id="3" fill="hold">
+                      <p:stCondLst>
+                        <p:cond delay="indefinite"/>
+                      </p:stCondLst>
+                      <p:childTnLst>
+                        <p:par>
+                          <p:cTn id="4" fill="hold">
+                            <p:stCondLst>
+                              <p:cond delay="0"/>
+                            </p:stCondLst>
+                            <p:childTnLst>
+                              <p:par>
+                                <p:cTn id="5" presetID="16" presetClass="entr" presetSubtype="21" fill="hold" nodeType="clickEffect">
+                                  <p:stCondLst>
+                                    <p:cond delay="0"/>
+                                  </p:stCondLst>
+                                  <p:childTnLst>
+                                    <p:set>
+                                      <p:cBhvr>
+                                        <p:cTn id="6" dur="1" fill="hold">
+                                          <p:stCondLst>
+                                            <p:cond delay="0"/>
+                                          </p:stCondLst>
+                                        </p:cTn>
+                                        <p:tgtEl>
+                                          <p:spTgt spid="3">
+                                            <p:txEl>
+                                              <p:pRg st="0" end="0"/>
+                                            </p:txEl>
+                                          </p:spTgt>
+                                        </p:tgtEl>
+                                        <p:attrNameLst>
+                                          <p:attrName>style.visibility</p:attrName>
+                                        </p:attrNameLst>
+                                      </p:cBhvr>
+                                      <p:to>
+                                        <p:strVal val="visible"/>
+                                      </p:to>
+                                    </p:set>
+                                    <p:animEffect transition="in" filter="barn(inVertical)">
+                                      <p:cBhvr>
+                                        <p:cTn id="7" dur="500"/>
+                                        <p:tgtEl>
+                                          <p:spTgt spid="3">
+                                            <p:txEl>
+                                              <p:pRg st="0" end="0"/>
+                                            </p:txEl>
+                                          </p:spTgt>
+                                        </p:tgtEl>
+                                      </p:cBhvr>
+                                    </p:animEffect>
+                                  </p:childTnLst>
+                                </p:cTn>
+                              </p:par>
+                            </p:childTnLst>
+                          </p:cTn>
+                        </p:par>
+                      </p:childTnLst>
+                    </p:cTn>
+                  </p:par>
+                  <p:par>
+                    <p:cTn id="8" fill="hold">
+                      <p:stCondLst>
+                        <p:cond delay="indefinite"/>
+                      </p:stCondLst>
+                      <p:childTnLst>
+                        <p:par>
+                          <p:cTn id="9" fill="hold">
+                            <p:stCondLst>
+                              <p:cond delay="0"/>
+                            </p:stCondLst>
+                            <p:childTnLst>
+                              <p:par>
+                                <p:cTn id="10" presetID="16" presetClass="entr" presetSubtype="21" fill="hold" nodeType="clickEffect">
+                                  <p:stCondLst>
+                                    <p:cond delay="0"/>
+                                  </p:stCondLst>
+                                  <p:childTnLst>
+                                    <p:set>
+                                      <p:cBhvr>
+                                        <p:cTn id="11" dur="1" fill="hold">
+                                          <p:stCondLst>
+                                            <p:cond delay="0"/>
+                                          </p:stCondLst>
+                                        </p:cTn>
+                                        <p:tgtEl>
+                                          <p:spTgt spid="3">
+                                            <p:txEl>
+                                              <p:pRg st="1" end="1"/>
+                                            </p:txEl>
+                                          </p:spTgt>
+                                        </p:tgtEl>
+                                        <p:attrNameLst>
+                                          <p:attrName>style.visibility</p:attrName>
+                                        </p:attrNameLst>
+                                      </p:cBhvr>
+                                      <p:to>
+                                        <p:strVal val="visible"/>
+                                      </p:to>
+                                    </p:set>
+                                    <p:animEffect transition="in" filter="barn(inVertical)">
+                                      <p:cBhvr>
+                                        <p:cTn id="12" dur="500"/>
+                                        <p:tgtEl>
+                                          <p:spTgt spid="3">
+                                            <p:txEl>
+                                              <p:pRg st="1" end="1"/>
+                                            </p:txEl>
+                                          </p:spTgt>
+                                        </p:tgtEl>
+                                      </p:cBhvr>
+                                    </p:animEffect>
+                                  </p:childTnLst>
+                                </p:cTn>
+                              </p:par>
+                            </p:childTnLst>
+                          </p:cTn>
+                        </p:par>
+                      </p:childTnLst>
+                    </p:cTn>
+                  </p:par>
+                  <p:par>
+                    <p:cTn id="13" fill="hold">
+                      <p:stCondLst>
+                        <p:cond delay="indefinite"/>
+                      </p:stCondLst>
+                      <p:childTnLst>
+                        <p:par>
+                          <p:cTn id="14" fill="hold">
+                            <p:stCondLst>
+                              <p:cond delay="0"/>
+                            </p:stCondLst>
+                            <p:childTnLst>
+                              <p:par>
+                                <p:cTn id="15" presetID="16" presetClass="entr" presetSubtype="21" fill="hold" nodeType="clickEffect">
+                                  <p:stCondLst>
+                                    <p:cond delay="0"/>
+                                  </p:stCondLst>
+                                  <p:childTnLst>
+                                    <p:set>
+                                      <p:cBhvr>
+                                        <p:cTn id="16" dur="1" fill="hold">
+                                          <p:stCondLst>
+                                            <p:cond delay="0"/>
+                                          </p:stCondLst>
+                                        </p:cTn>
+                                        <p:tgtEl>
+                                          <p:spTgt spid="3">
+                                            <p:txEl>
+                                              <p:pRg st="2" end="2"/>
+                                            </p:txEl>
+                                          </p:spTgt>
+                                        </p:tgtEl>
+                                        <p:attrNameLst>
+                                          <p:attrName>style.visibility</p:attrName>
+                                        </p:attrNameLst>
+                                      </p:cBhvr>
+                                      <p:to>
+                                        <p:strVal val="visible"/>
+                                      </p:to>
+                                    </p:set>
+                                    <p:animEffect transition="in" filter="barn(inVertical)">
+                                      <p:cBhvr>
+                                        <p:cTn id="17" dur="500"/>
+                                        <p:tgtEl>
+                                          <p:spTgt spid="3">
+                                            <p:txEl>
+                                              <p:pRg st="2" end="2"/>
+                                            </p:txEl>
+                                          </p:spTgt>
+                                        </p:tgtEl>
+                                      </p:cBhvr>
+                                    </p:animEffect>
+                                  </p:childTnLst>
+                                </p:cTn>
+                              </p:par>
+                            </p:childTnLst>
+                          </p:cTn>
+                        </p:par>
+                      </p:childTnLst>
+                    </p:cTn>
+                  </p:par>
+                  <p:par>
+                    <p:cTn id="18" fill="hold">
+                      <p:stCondLst>
+                        <p:cond delay="indefinite"/>
+                      </p:stCondLst>
+                      <p:childTnLst>
+                        <p:par>
+                          <p:cTn id="19" fill="hold">
+                            <p:stCondLst>
+                              <p:cond delay="0"/>
+                            </p:stCondLst>
+                            <p:childTnLst>
+                              <p:par>
+                                <p:cTn id="20" presetID="16" presetClass="entr" presetSubtype="21" fill="hold" nodeType="clickEffect">
+                                  <p:stCondLst>
+                                    <p:cond delay="0"/>
+                                  </p:stCondLst>
+                                  <p:childTnLst>
+                                    <p:set>
+                                      <p:cBhvr>
+                                        <p:cTn id="21" dur="1" fill="hold">
+                                          <p:stCondLst>
+                                            <p:cond delay="0"/>
+                                          </p:stCondLst>
+                                        </p:cTn>
+                                        <p:tgtEl>
+                                          <p:spTgt spid="3">
+                                            <p:txEl>
+                                              <p:pRg st="3" end="3"/>
+                                            </p:txEl>
+                                          </p:spTgt>
+                                        </p:tgtEl>
+                                        <p:attrNameLst>
+                                          <p:attrName>style.visibility</p:attrName>
+                                        </p:attrNameLst>
+                                      </p:cBhvr>
+                                      <p:to>
+                                        <p:strVal val="visible"/>
+                                      </p:to>
+                                    </p:set>
+                                    <p:animEffect transition="in" filter="barn(inVertical)">
+                                      <p:cBhvr>
+                                        <p:cTn id="22" dur="500"/>
+                                        <p:tgtEl>
+                                          <p:spTgt spid="3">
+                                            <p:txEl>
+                                              <p:pRg st="3" end="3"/>
+                                            </p:txEl>
+                                          </p:spTgt>
+                                        </p:tgtEl>
+                                      </p:cBhvr>
+                                    </p:animEffect>
+                                  </p:childTnLst>
+                                </p:cTn>
+                              </p:par>
+                            </p:childTnLst>
+                          </p:cTn>
+                        </p:par>
+                      </p:childTnLst>
+                    </p:cTn>
+                  </p:par>
+                  <p:par>
+                    <p:cTn id="23" fill="hold">
+                      <p:stCondLst>
+                        <p:cond delay="indefinite"/>
+                      </p:stCondLst>
+                      <p:childTnLst>
+                        <p:par>
+                          <p:cTn id="24" fill="hold">
+                            <p:stCondLst>
+                              <p:cond delay="0"/>
+                            </p:stCondLst>
+                            <p:childTnLst>
+                              <p:par>
+                                <p:cTn id="25" presetID="16" presetClass="entr" presetSubtype="21" fill="hold" nodeType="clickEffect">
+                                  <p:stCondLst>
+                                    <p:cond delay="0"/>
+                                  </p:stCondLst>
+                                  <p:childTnLst>
+                                    <p:set>
+                                      <p:cBhvr>
+                                        <p:cTn id="26" dur="1" fill="hold">
+                                          <p:stCondLst>
+                                            <p:cond delay="0"/>
+                                          </p:stCondLst>
+                                        </p:cTn>
+                                        <p:tgtEl>
+                                          <p:spTgt spid="3">
+                                            <p:txEl>
+                                              <p:pRg st="4" end="4"/>
+                                            </p:txEl>
+                                          </p:spTgt>
+                                        </p:tgtEl>
+                                        <p:attrNameLst>
+                                          <p:attrName>style.visibility</p:attrName>
+                                        </p:attrNameLst>
+                                      </p:cBhvr>
+                                      <p:to>
+                                        <p:strVal val="visible"/>
+                                      </p:to>
+                                    </p:set>
+                                    <p:animEffect transition="in" filter="barn(inVertical)">
+                                      <p:cBhvr>
+                                        <p:cTn id="27" dur="500"/>
+                                        <p:tgtEl>
+                                          <p:spTgt spid="3">
+                                            <p:txEl>
+                                              <p:pRg st="4" end="4"/>
+                                            </p:txEl>
+                                          </p:spTgt>
+                                        </p:tgtEl>
+                                      </p:cBhvr>
+                                    </p:animEffect>
+                                  </p:childTnLst>
+                                </p:cTn>
+                              </p:par>
+                            </p:childTnLst>
+                          </p:cTn>
+                        </p:par>
+                      </p:childTnLst>
+                    </p:cTn>
+                  </p:par>
+                  <p:par>
+                    <p:cTn id="28" fill="hold">
+                      <p:stCondLst>
+                        <p:cond delay="indefinite"/>
+                      </p:stCondLst>
+                      <p:childTnLst>
+                        <p:par>
+                          <p:cTn id="29" fill="hold">
+                            <p:stCondLst>
+                              <p:cond delay="0"/>
+                            </p:stCondLst>
+                            <p:childTnLst>
+                              <p:par>
+                                <p:cTn id="30" presetID="16" presetClass="entr" presetSubtype="21" fill="hold" nodeType="clickEffect">
+                                  <p:stCondLst>
+                                    <p:cond delay="0"/>
+                                  </p:stCondLst>
+                                  <p:childTnLst>
+                                    <p:set>
+                                      <p:cBhvr>
+                                        <p:cTn id="31" dur="1" fill="hold">
+                                          <p:stCondLst>
+                                            <p:cond delay="0"/>
+                                          </p:stCondLst>
+                                        </p:cTn>
+                                        <p:tgtEl>
+                                          <p:spTgt spid="3">
+                                            <p:txEl>
+                                              <p:pRg st="5" end="5"/>
+                                            </p:txEl>
+                                          </p:spTgt>
+                                        </p:tgtEl>
+                                        <p:attrNameLst>
+                                          <p:attrName>style.visibility</p:attrName>
+                                        </p:attrNameLst>
+                                      </p:cBhvr>
+                                      <p:to>
+                                        <p:strVal val="visible"/>
+                                      </p:to>
+                                    </p:set>
+                                    <p:animEffect transition="in" filter="barn(inVertical)">
+                                      <p:cBhvr>
+                                        <p:cTn id="32" dur="500"/>
+                                        <p:tgtEl>
+                                          <p:spTgt spid="3">
+                                            <p:txEl>
+                                              <p:pRg st="5" end="5"/>
+                                            </p:txEl>
+                                          </p:spTgt>
+                                        </p:tgtEl>
+                                      </p:cBhvr>
+                                    </p:animEffect>
+                                  </p:childTnLst>
+                                </p:cTn>
+                              </p:par>
+                            </p:childTnLst>
+                          </p:cTn>
+                        </p:par>
+                      </p:childTnLst>
+                    </p:cTn>
+                  </p:par>
+                </p:childTnLst>
+              </p:cTn>
+              <p:prevCondLst>
+                <p:cond evt="onPrev" delay="0">
+                  <p:tgtEl>
+                    <p:sldTgt/>
+                  </p:tgtEl>
+                </p:cond>
+              </p:prevCondLst>
+              <p:nextCondLst>
+                <p:cond evt="onNext" delay="0">
+                  <p:tgtEl>
+                    <p:sldTgt/>
+                  </p:tgtEl>
+                </p:cond>
+              </p:nextCondLst>
+            </p:seq>
+          </p:childTnLst>
+        </p:cTn>
+      </p:par>
+    </p:tnLst>
+  </p:timing>
+</p:sld>
+</file>
+
+<file path=ppt/slides/slide11.xml><?xml version="1.0" encoding="utf-8"?>
+<p:sld xmlns:a="http://schemas.openxmlformats.org/drawingml/2006/main" xmlns:r="http://schemas.openxmlformats.org/officeDocument/2006/relationships" xmlns:p="http://schemas.openxmlformats.org/presentationml/2006/main">
+  <p:cSld>
+    <p:spTree>
+      <p:nvGrpSpPr>
+        <p:cNvPr id="1" name=""/>
+        <p:cNvGrpSpPr/>
+        <p:nvPr/>
+      </p:nvGrpSpPr>
+      <p:grpSpPr>
+        <a:xfrm>
+          <a:off x="0" y="0"/>
+          <a:ext cx="0" cy="0"/>
+          <a:chOff x="0" y="0"/>
+          <a:chExt cx="0" cy="0"/>
+        </a:xfrm>
+      </p:grpSpPr>
+      <p:sp>
+        <p:nvSpPr>
+          <p:cNvPr id="2" name="Title 1"/>
+          <p:cNvSpPr>
+            <a:spLocks noGrp="1"/>
+          </p:cNvSpPr>
+          <p:nvPr>
+            <p:ph type="title"/>
+          </p:nvPr>
+        </p:nvSpPr>
+        <p:spPr>
+          <a:xfrm>
+            <a:off x="381000" y="12700"/>
+            <a:ext cx="8229600" cy="901700"/>
+          </a:xfrm>
+        </p:spPr>
+        <p:txBody>
+          <a:bodyPr/>
+          <a:lstStyle/>
+          <a:p>
+            <a:pPr algn="l"/>
+            <a:r>
+              <a:rPr lang="en-US" dirty="0" smtClean="0"/>
+              <a:t>Spark – Use Cases</a:t>
+            </a:r>
+            <a:endParaRPr lang="en-US" dirty="0"/>
+          </a:p>
+        </p:txBody>
+      </p:sp>
+      <p:sp>
+        <p:nvSpPr>
+          <p:cNvPr id="3" name="Content Placeholder 2"/>
+          <p:cNvSpPr>
+            <a:spLocks noGrp="1"/>
+          </p:cNvSpPr>
+          <p:nvPr>
+            <p:ph idx="1"/>
+          </p:nvPr>
+        </p:nvSpPr>
+        <p:spPr>
+          <a:xfrm>
+            <a:off x="457200" y="990600"/>
+            <a:ext cx="8382000" cy="5257800"/>
+          </a:xfrm>
+        </p:spPr>
+        <p:txBody>
+          <a:bodyPr>
+            <a:normAutofit/>
+          </a:bodyPr>
+          <a:lstStyle/>
+          <a:p>
+            <a:r>
+              <a:rPr lang="en-US" dirty="0" smtClean="0"/>
+              <a:t>Spark is General purpose framework for cluster computing, hence it is used over a wide range of applications.</a:t>
+            </a:r>
+          </a:p>
+          <a:p>
+            <a:r>
+              <a:rPr lang="en-US" dirty="0" smtClean="0"/>
+              <a:t>There are majorly two categories of use cases.</a:t>
+            </a:r>
+          </a:p>
+          <a:p>
+            <a:pPr lvl="1"/>
+            <a:r>
+              <a:rPr lang="en-US" dirty="0" smtClean="0"/>
+              <a:t>Data Science tasks</a:t>
+            </a:r>
+          </a:p>
+          <a:p>
+            <a:pPr lvl="1"/>
+            <a:r>
+              <a:rPr lang="en-US" dirty="0" smtClean="0"/>
+              <a:t>Data processing applications</a:t>
+            </a:r>
+          </a:p>
+        </p:txBody>
+      </p:sp>
+    </p:spTree>
+    <p:extLst>
+      <p:ext uri="{BB962C8B-B14F-4D97-AF65-F5344CB8AC3E}">
+        <p14:creationId xmlns:p14="http://schemas.microsoft.com/office/powerpoint/2010/main" val="2965342050"/>
+      </p:ext>
+    </p:extLst>
+  </p:cSld>
+  <p:clrMapOvr>
+    <a:masterClrMapping/>
+  </p:clrMapOvr>
+  <p:timing>
+    <p:tnLst>
+      <p:par>
+        <p:cTn id="1" dur="indefinite" restart="never" nodeType="tmRoot">
+          <p:childTnLst>
+            <p:seq concurrent="1" nextAc="seek">
+              <p:cTn id="2" dur="indefinite" nodeType="mainSeq">
+                <p:childTnLst>
+                  <p:par>
+                    <p:cTn id="3" fill="hold">
+                      <p:stCondLst>
+                        <p:cond delay="indefinite"/>
+                      </p:stCondLst>
+                      <p:childTnLst>
+                        <p:par>
+                          <p:cTn id="4" fill="hold">
+                            <p:stCondLst>
+                              <p:cond delay="0"/>
+                            </p:stCondLst>
+                            <p:childTnLst>
+                              <p:par>
+                                <p:cTn id="5" presetID="16" presetClass="entr" presetSubtype="21" fill="hold" nodeType="clickEffect">
+                                  <p:stCondLst>
+                                    <p:cond delay="0"/>
+                                  </p:stCondLst>
+                                  <p:childTnLst>
+                                    <p:set>
+                                      <p:cBhvr>
+                                        <p:cTn id="6" dur="1" fill="hold">
+                                          <p:stCondLst>
+                                            <p:cond delay="0"/>
+                                          </p:stCondLst>
+                                        </p:cTn>
+                                        <p:tgtEl>
+                                          <p:spTgt spid="3">
+                                            <p:txEl>
+                                              <p:pRg st="0" end="0"/>
+                                            </p:txEl>
+                                          </p:spTgt>
+                                        </p:tgtEl>
+                                        <p:attrNameLst>
+                                          <p:attrName>style.visibility</p:attrName>
+                                        </p:attrNameLst>
+                                      </p:cBhvr>
+                                      <p:to>
+                                        <p:strVal val="visible"/>
+                                      </p:to>
+                                    </p:set>
+                                    <p:animEffect transition="in" filter="barn(inVertical)">
+                                      <p:cBhvr>
+                                        <p:cTn id="7" dur="500"/>
+                                        <p:tgtEl>
+                                          <p:spTgt spid="3">
+                                            <p:txEl>
+                                              <p:pRg st="0" end="0"/>
+                                            </p:txEl>
+                                          </p:spTgt>
+                                        </p:tgtEl>
+                                      </p:cBhvr>
+                                    </p:animEffect>
+                                  </p:childTnLst>
+                                </p:cTn>
+                              </p:par>
+                            </p:childTnLst>
+                          </p:cTn>
+                        </p:par>
+                      </p:childTnLst>
+                    </p:cTn>
+                  </p:par>
+                  <p:par>
+                    <p:cTn id="8" fill="hold">
+                      <p:stCondLst>
+                        <p:cond delay="indefinite"/>
+                      </p:stCondLst>
+                      <p:childTnLst>
+                        <p:par>
+                          <p:cTn id="9" fill="hold">
+                            <p:stCondLst>
+                              <p:cond delay="0"/>
+                            </p:stCondLst>
+                            <p:childTnLst>
+                              <p:par>
+                                <p:cTn id="10" presetID="16" presetClass="entr" presetSubtype="21" fill="hold" nodeType="clickEffect">
+                                  <p:stCondLst>
+                                    <p:cond delay="0"/>
+                                  </p:stCondLst>
+                                  <p:childTnLst>
+                                    <p:set>
+                                      <p:cBhvr>
+                                        <p:cTn id="11" dur="1" fill="hold">
+                                          <p:stCondLst>
+                                            <p:cond delay="0"/>
+                                          </p:stCondLst>
+                                        </p:cTn>
+                                        <p:tgtEl>
+                                          <p:spTgt spid="3">
+                                            <p:txEl>
+                                              <p:pRg st="1" end="1"/>
+                                            </p:txEl>
+                                          </p:spTgt>
+                                        </p:tgtEl>
+                                        <p:attrNameLst>
+                                          <p:attrName>style.visibility</p:attrName>
+                                        </p:attrNameLst>
+                                      </p:cBhvr>
+                                      <p:to>
+                                        <p:strVal val="visible"/>
+                                      </p:to>
+                                    </p:set>
+                                    <p:animEffect transition="in" filter="barn(inVertical)">
+                                      <p:cBhvr>
+                                        <p:cTn id="12" dur="500"/>
+                                        <p:tgtEl>
+                                          <p:spTgt spid="3">
+                                            <p:txEl>
+                                              <p:pRg st="1" end="1"/>
+                                            </p:txEl>
+                                          </p:spTgt>
+                                        </p:tgtEl>
+                                      </p:cBhvr>
+                                    </p:animEffect>
+                                  </p:childTnLst>
+                                </p:cTn>
+                              </p:par>
+                            </p:childTnLst>
+                          </p:cTn>
+                        </p:par>
+                      </p:childTnLst>
+                    </p:cTn>
+                  </p:par>
+                  <p:par>
+                    <p:cTn id="13" fill="hold">
+                      <p:stCondLst>
+                        <p:cond delay="indefinite"/>
+                      </p:stCondLst>
+                      <p:childTnLst>
+                        <p:par>
+                          <p:cTn id="14" fill="hold">
+                            <p:stCondLst>
+                              <p:cond delay="0"/>
+                            </p:stCondLst>
+                            <p:childTnLst>
+                              <p:par>
+                                <p:cTn id="15" presetID="16" presetClass="entr" presetSubtype="21" fill="hold" nodeType="clickEffect">
+                                  <p:stCondLst>
+                                    <p:cond delay="0"/>
+                                  </p:stCondLst>
+                                  <p:childTnLst>
+                                    <p:set>
+                                      <p:cBhvr>
+                                        <p:cTn id="16" dur="1" fill="hold">
+                                          <p:stCondLst>
+                                            <p:cond delay="0"/>
+                                          </p:stCondLst>
+                                        </p:cTn>
+                                        <p:tgtEl>
+                                          <p:spTgt spid="3">
+                                            <p:txEl>
+                                              <p:pRg st="2" end="2"/>
+                                            </p:txEl>
+                                          </p:spTgt>
+                                        </p:tgtEl>
+                                        <p:attrNameLst>
+                                          <p:attrName>style.visibility</p:attrName>
+                                        </p:attrNameLst>
+                                      </p:cBhvr>
+                                      <p:to>
+                                        <p:strVal val="visible"/>
+                                      </p:to>
+                                    </p:set>
+                                    <p:animEffect transition="in" filter="barn(inVertical)">
+                                      <p:cBhvr>
+                                        <p:cTn id="17" dur="500"/>
+                                        <p:tgtEl>
+                                          <p:spTgt spid="3">
+                                            <p:txEl>
+                                              <p:pRg st="2" end="2"/>
+                                            </p:txEl>
+                                          </p:spTgt>
+                                        </p:tgtEl>
+                                      </p:cBhvr>
+                                    </p:animEffect>
+                                  </p:childTnLst>
+                                </p:cTn>
+                              </p:par>
+                            </p:childTnLst>
+                          </p:cTn>
+                        </p:par>
+                      </p:childTnLst>
+                    </p:cTn>
+                  </p:par>
+                  <p:par>
+                    <p:cTn id="18" fill="hold">
+                      <p:stCondLst>
+                        <p:cond delay="indefinite"/>
+                      </p:stCondLst>
+                      <p:childTnLst>
+                        <p:par>
+                          <p:cTn id="19" fill="hold">
+                            <p:stCondLst>
+                              <p:cond delay="0"/>
+                            </p:stCondLst>
+                            <p:childTnLst>
+                              <p:par>
+                                <p:cTn id="20" presetID="16" presetClass="entr" presetSubtype="21" fill="hold" nodeType="clickEffect">
+                                  <p:stCondLst>
+                                    <p:cond delay="0"/>
+                                  </p:stCondLst>
+                                  <p:childTnLst>
+                                    <p:set>
+                                      <p:cBhvr>
+                                        <p:cTn id="21" dur="1" fill="hold">
+                                          <p:stCondLst>
+                                            <p:cond delay="0"/>
+                                          </p:stCondLst>
+                                        </p:cTn>
+                                        <p:tgtEl>
+                                          <p:spTgt spid="3">
+                                            <p:txEl>
+                                              <p:pRg st="3" end="3"/>
+                                            </p:txEl>
+                                          </p:spTgt>
+                                        </p:tgtEl>
+                                        <p:attrNameLst>
+                                          <p:attrName>style.visibility</p:attrName>
+                                        </p:attrNameLst>
+                                      </p:cBhvr>
+                                      <p:to>
+                                        <p:strVal val="visible"/>
+                                      </p:to>
+                                    </p:set>
+                                    <p:animEffect transition="in" filter="barn(inVertical)">
+                                      <p:cBhvr>
+                                        <p:cTn id="22" dur="500"/>
+                                        <p:tgtEl>
+                                          <p:spTgt spid="3">
+                                            <p:txEl>
+                                              <p:pRg st="3" end="3"/>
+                                            </p:txEl>
+                                          </p:spTgt>
+                                        </p:tgtEl>
+                                      </p:cBhvr>
+                                    </p:animEffect>
+                                  </p:childTnLst>
+                                </p:cTn>
+                              </p:par>
+                            </p:childTnLst>
+                          </p:cTn>
+                        </p:par>
+                      </p:childTnLst>
+                    </p:cTn>
+                  </p:par>
+                </p:childTnLst>
+              </p:cTn>
+              <p:prevCondLst>
+                <p:cond evt="onPrev" delay="0">
+                  <p:tgtEl>
+                    <p:sldTgt/>
+                  </p:tgtEl>
+                </p:cond>
+              </p:prevCondLst>
+              <p:nextCondLst>
+                <p:cond evt="onNext" delay="0">
+                  <p:tgtEl>
+                    <p:sldTgt/>
+                  </p:tgtEl>
+                </p:cond>
+              </p:nextCondLst>
+            </p:seq>
+          </p:childTnLst>
+        </p:cTn>
+      </p:par>
+    </p:tnLst>
+  </p:timing>
+</p:sld>
+</file>
+
+<file path=ppt/slides/slide12.xml><?xml version="1.0" encoding="utf-8"?>
+<p:sld xmlns:a="http://schemas.openxmlformats.org/drawingml/2006/main" xmlns:r="http://schemas.openxmlformats.org/officeDocument/2006/relationships" xmlns:p="http://schemas.openxmlformats.org/presentationml/2006/main">
+  <p:cSld>
+    <p:spTree>
+      <p:nvGrpSpPr>
+        <p:cNvPr id="1" name=""/>
+        <p:cNvGrpSpPr/>
+        <p:nvPr/>
+      </p:nvGrpSpPr>
+      <p:grpSpPr>
+        <a:xfrm>
+          <a:off x="0" y="0"/>
+          <a:ext cx="0" cy="0"/>
+          <a:chOff x="0" y="0"/>
+          <a:chExt cx="0" cy="0"/>
+        </a:xfrm>
+      </p:grpSpPr>
+      <p:sp>
+        <p:nvSpPr>
+          <p:cNvPr id="2" name="Title 1"/>
+          <p:cNvSpPr>
+            <a:spLocks noGrp="1"/>
+          </p:cNvSpPr>
+          <p:nvPr>
+            <p:ph type="title"/>
+          </p:nvPr>
+        </p:nvSpPr>
+        <p:spPr>
+          <a:xfrm>
+            <a:off x="381000" y="12700"/>
+            <a:ext cx="8229600" cy="901700"/>
+          </a:xfrm>
+        </p:spPr>
+        <p:txBody>
+          <a:bodyPr/>
+          <a:lstStyle/>
+          <a:p>
+            <a:pPr algn="l"/>
+            <a:r>
+              <a:rPr lang="en-US" dirty="0" smtClean="0"/>
+              <a:t>Spark – </a:t>
+            </a:r>
+            <a:r>
+              <a:rPr lang="en-US" dirty="0"/>
+              <a:t>Data Science </a:t>
+            </a:r>
+            <a:r>
+              <a:rPr lang="en-US" dirty="0" smtClean="0"/>
+              <a:t>Use Cases</a:t>
+            </a:r>
+            <a:endParaRPr lang="en-US" dirty="0"/>
+          </a:p>
+        </p:txBody>
+      </p:sp>
+      <p:sp>
+        <p:nvSpPr>
+          <p:cNvPr id="3" name="Content Placeholder 2"/>
+          <p:cNvSpPr>
+            <a:spLocks noGrp="1"/>
+          </p:cNvSpPr>
+          <p:nvPr>
+            <p:ph idx="1"/>
+          </p:nvPr>
+        </p:nvSpPr>
+        <p:spPr>
+          <a:xfrm>
+            <a:off x="457200" y="990600"/>
+            <a:ext cx="8382000" cy="5257800"/>
+          </a:xfrm>
+        </p:spPr>
+        <p:txBody>
+          <a:bodyPr>
+            <a:normAutofit fontScale="77500" lnSpcReduction="20000"/>
+          </a:bodyPr>
+          <a:lstStyle/>
+          <a:p>
+            <a:r>
+              <a:rPr lang="en-US" dirty="0" smtClean="0"/>
+              <a:t>Data Science, centers on analyzing data.</a:t>
+            </a:r>
+          </a:p>
+          <a:p>
+            <a:r>
+              <a:rPr lang="en-US" dirty="0" smtClean="0"/>
+              <a:t>Data Scientist’s main task is to analyze and model data.</a:t>
+            </a:r>
+            <a:r>
+              <a:rPr lang="en-US" dirty="0"/>
+              <a:t> </a:t>
+            </a:r>
+            <a:r>
+              <a:rPr lang="en-US" dirty="0" smtClean="0"/>
+              <a:t>They need experience on </a:t>
+            </a:r>
+          </a:p>
+          <a:p>
+            <a:pPr lvl="1"/>
+            <a:r>
+              <a:rPr lang="en-US" dirty="0" smtClean="0"/>
+              <a:t>SQL  </a:t>
+            </a:r>
+          </a:p>
+          <a:p>
+            <a:pPr lvl="1"/>
+            <a:r>
+              <a:rPr lang="en-US" dirty="0" smtClean="0"/>
+              <a:t>Statistics,</a:t>
+            </a:r>
+          </a:p>
+          <a:p>
+            <a:pPr lvl="1"/>
+            <a:r>
+              <a:rPr lang="en-US" dirty="0" smtClean="0"/>
+              <a:t>Predictive modeling and Machine Learning</a:t>
+            </a:r>
+          </a:p>
+          <a:p>
+            <a:pPr lvl="1"/>
+            <a:r>
+              <a:rPr lang="en-US" dirty="0" smtClean="0"/>
+              <a:t>Programming in Python, </a:t>
+            </a:r>
+            <a:r>
+              <a:rPr lang="en-US" dirty="0" err="1" smtClean="0"/>
+              <a:t>Matlab</a:t>
+            </a:r>
+            <a:r>
+              <a:rPr lang="en-US" dirty="0" smtClean="0"/>
+              <a:t> or R</a:t>
+            </a:r>
+          </a:p>
+          <a:p>
+            <a:r>
+              <a:rPr lang="en-US" dirty="0" smtClean="0"/>
+              <a:t>Data Scientist should have experience in Data Wrangling -transform data into formats that can be analyzed for insights.</a:t>
+            </a:r>
+          </a:p>
+          <a:p>
+            <a:r>
+              <a:rPr lang="en-US" dirty="0" smtClean="0"/>
+              <a:t>Often the workflow involves </a:t>
+            </a:r>
+            <a:r>
+              <a:rPr lang="en-US" dirty="0" err="1" smtClean="0"/>
+              <a:t>adhoc</a:t>
+            </a:r>
+            <a:r>
+              <a:rPr lang="en-US" dirty="0" smtClean="0"/>
+              <a:t> analysis, so they need to perform interactive analysis and see the results of queries in less time.</a:t>
+            </a:r>
+          </a:p>
+          <a:p>
+            <a:r>
+              <a:rPr lang="en-US" dirty="0" smtClean="0"/>
+              <a:t>Spark’s speed and simple API is best suited for this need and also provides built-in libraries that contains many algorithms.</a:t>
+            </a:r>
+          </a:p>
+        </p:txBody>
+      </p:sp>
+    </p:spTree>
+    <p:extLst>
+      <p:ext uri="{BB962C8B-B14F-4D97-AF65-F5344CB8AC3E}">
+        <p14:creationId xmlns:p14="http://schemas.microsoft.com/office/powerpoint/2010/main" val="2630000170"/>
+      </p:ext>
+    </p:extLst>
+  </p:cSld>
+  <p:clrMapOvr>
+    <a:masterClrMapping/>
+  </p:clrMapOvr>
+  <p:timing>
+    <p:tnLst>
+      <p:par>
+        <p:cTn id="1" dur="indefinite" restart="never" nodeType="tmRoot">
+          <p:childTnLst>
+            <p:seq concurrent="1" nextAc="seek">
+              <p:cTn id="2" dur="indefinite" nodeType="mainSeq">
+                <p:childTnLst>
+                  <p:par>
+                    <p:cTn id="3" fill="hold">
+                      <p:stCondLst>
+                        <p:cond delay="indefinite"/>
+                      </p:stCondLst>
+                      <p:childTnLst>
+                        <p:par>
+                          <p:cTn id="4" fill="hold">
+                            <p:stCondLst>
+                              <p:cond delay="0"/>
+                            </p:stCondLst>
+                            <p:childTnLst>
+                              <p:par>
+                                <p:cTn id="5" presetID="16" presetClass="entr" presetSubtype="21" fill="hold" nodeType="clickEffect">
+                                  <p:stCondLst>
+                                    <p:cond delay="0"/>
+                                  </p:stCondLst>
+                                  <p:childTnLst>
+                                    <p:set>
+                                      <p:cBhvr>
+                                        <p:cTn id="6" dur="1" fill="hold">
+                                          <p:stCondLst>
+                                            <p:cond delay="0"/>
+                                          </p:stCondLst>
+                                        </p:cTn>
+                                        <p:tgtEl>
+                                          <p:spTgt spid="3">
+                                            <p:txEl>
+                                              <p:pRg st="0" end="0"/>
+                                            </p:txEl>
+                                          </p:spTgt>
+                                        </p:tgtEl>
+                                        <p:attrNameLst>
+                                          <p:attrName>style.visibility</p:attrName>
+                                        </p:attrNameLst>
+                                      </p:cBhvr>
+                                      <p:to>
+                                        <p:strVal val="visible"/>
+                                      </p:to>
+                                    </p:set>
+                                    <p:animEffect transition="in" filter="barn(inVertical)">
+                                      <p:cBhvr>
+                                        <p:cTn id="7" dur="500"/>
+                                        <p:tgtEl>
+                                          <p:spTgt spid="3">
+                                            <p:txEl>
+                                              <p:pRg st="0" end="0"/>
+                                            </p:txEl>
+                                          </p:spTgt>
+                                        </p:tgtEl>
+                                      </p:cBhvr>
+                                    </p:animEffect>
+                                  </p:childTnLst>
+                                </p:cTn>
+                              </p:par>
+                            </p:childTnLst>
+                          </p:cTn>
+                        </p:par>
+                      </p:childTnLst>
+                    </p:cTn>
+                  </p:par>
+                  <p:par>
+                    <p:cTn id="8" fill="hold">
+                      <p:stCondLst>
+                        <p:cond delay="indefinite"/>
+                      </p:stCondLst>
+                      <p:childTnLst>
+                        <p:par>
+                          <p:cTn id="9" fill="hold">
+                            <p:stCondLst>
+                              <p:cond delay="0"/>
+                            </p:stCondLst>
+                            <p:childTnLst>
+                              <p:par>
+                                <p:cTn id="10" presetID="16" presetClass="entr" presetSubtype="21" fill="hold" nodeType="clickEffect">
+                                  <p:stCondLst>
+                                    <p:cond delay="0"/>
+                                  </p:stCondLst>
+                                  <p:childTnLst>
+                                    <p:set>
+                                      <p:cBhvr>
+                                        <p:cTn id="11" dur="1" fill="hold">
+                                          <p:stCondLst>
+                                            <p:cond delay="0"/>
+                                          </p:stCondLst>
+                                        </p:cTn>
+                                        <p:tgtEl>
+                                          <p:spTgt spid="3">
+                                            <p:txEl>
+                                              <p:pRg st="1" end="1"/>
+                                            </p:txEl>
+                                          </p:spTgt>
+                                        </p:tgtEl>
+                                        <p:attrNameLst>
+                                          <p:attrName>style.visibility</p:attrName>
+                                        </p:attrNameLst>
+                                      </p:cBhvr>
+                                      <p:to>
+                                        <p:strVal val="visible"/>
+                                      </p:to>
+                                    </p:set>
+                                    <p:animEffect transition="in" filter="barn(inVertical)">
+                                      <p:cBhvr>
+                                        <p:cTn id="12" dur="500"/>
+                                        <p:tgtEl>
+                                          <p:spTgt spid="3">
+                                            <p:txEl>
+                                              <p:pRg st="1" end="1"/>
+                                            </p:txEl>
+                                          </p:spTgt>
+                                        </p:tgtEl>
+                                      </p:cBhvr>
+                                    </p:animEffect>
+                                  </p:childTnLst>
+                                </p:cTn>
+                              </p:par>
+                            </p:childTnLst>
+                          </p:cTn>
+                        </p:par>
+                      </p:childTnLst>
+                    </p:cTn>
+                  </p:par>
+                  <p:par>
+                    <p:cTn id="13" fill="hold">
+                      <p:stCondLst>
+                        <p:cond delay="indefinite"/>
+                      </p:stCondLst>
+                      <p:childTnLst>
+                        <p:par>
+                          <p:cTn id="14" fill="hold">
+                            <p:stCondLst>
+                              <p:cond delay="0"/>
+                            </p:stCondLst>
+                            <p:childTnLst>
+                              <p:par>
+                                <p:cTn id="15" presetID="16" presetClass="entr" presetSubtype="21" fill="hold" nodeType="clickEffect">
+                                  <p:stCondLst>
+                                    <p:cond delay="0"/>
+                                  </p:stCondLst>
+                                  <p:childTnLst>
+                                    <p:set>
+                                      <p:cBhvr>
+                                        <p:cTn id="16" dur="1" fill="hold">
+                                          <p:stCondLst>
+                                            <p:cond delay="0"/>
+                                          </p:stCondLst>
+                                        </p:cTn>
+                                        <p:tgtEl>
+                                          <p:spTgt spid="3">
+                                            <p:txEl>
+                                              <p:pRg st="2" end="2"/>
+                                            </p:txEl>
+                                          </p:spTgt>
+                                        </p:tgtEl>
+                                        <p:attrNameLst>
+                                          <p:attrName>style.visibility</p:attrName>
+                                        </p:attrNameLst>
+                                      </p:cBhvr>
+                                      <p:to>
+                                        <p:strVal val="visible"/>
+                                      </p:to>
+                                    </p:set>
+                                    <p:animEffect transition="in" filter="barn(inVertical)">
+                                      <p:cBhvr>
+                                        <p:cTn id="17" dur="500"/>
+                                        <p:tgtEl>
+                                          <p:spTgt spid="3">
+                                            <p:txEl>
+                                              <p:pRg st="2" end="2"/>
+                                            </p:txEl>
+                                          </p:spTgt>
+                                        </p:tgtEl>
+                                      </p:cBhvr>
+                                    </p:animEffect>
+                                  </p:childTnLst>
+                                </p:cTn>
+                              </p:par>
+                            </p:childTnLst>
+                          </p:cTn>
+                        </p:par>
+                      </p:childTnLst>
+                    </p:cTn>
+                  </p:par>
+                  <p:par>
+                    <p:cTn id="18" fill="hold">
+                      <p:stCondLst>
+                        <p:cond delay="indefinite"/>
+                      </p:stCondLst>
+                      <p:childTnLst>
+                        <p:par>
+                          <p:cTn id="19" fill="hold">
+                            <p:stCondLst>
+                              <p:cond delay="0"/>
+                            </p:stCondLst>
+                            <p:childTnLst>
+                              <p:par>
+                                <p:cTn id="20" presetID="16" presetClass="entr" presetSubtype="21" fill="hold" nodeType="clickEffect">
+                                  <p:stCondLst>
+                                    <p:cond delay="0"/>
+                                  </p:stCondLst>
+                                  <p:childTnLst>
+                                    <p:set>
+                                      <p:cBhvr>
+                                        <p:cTn id="21" dur="1" fill="hold">
+                                          <p:stCondLst>
+                                            <p:cond delay="0"/>
+                                          </p:stCondLst>
+                                        </p:cTn>
+                                        <p:tgtEl>
+                                          <p:spTgt spid="3">
+                                            <p:txEl>
+                                              <p:pRg st="3" end="3"/>
+                                            </p:txEl>
+                                          </p:spTgt>
+                                        </p:tgtEl>
+                                        <p:attrNameLst>
+                                          <p:attrName>style.visibility</p:attrName>
+                                        </p:attrNameLst>
+                                      </p:cBhvr>
+                                      <p:to>
+                                        <p:strVal val="visible"/>
+                                      </p:to>
+                                    </p:set>
+                                    <p:animEffect transition="in" filter="barn(inVertical)">
+                                      <p:cBhvr>
+                                        <p:cTn id="22" dur="500"/>
+                                        <p:tgtEl>
+                                          <p:spTgt spid="3">
+                                            <p:txEl>
+                                              <p:pRg st="3" end="3"/>
+                                            </p:txEl>
+                                          </p:spTgt>
+                                        </p:tgtEl>
+                                      </p:cBhvr>
+                                    </p:animEffect>
+                                  </p:childTnLst>
+                                </p:cTn>
+                              </p:par>
+                            </p:childTnLst>
+                          </p:cTn>
+                        </p:par>
+                      </p:childTnLst>
+                    </p:cTn>
+                  </p:par>
+                  <p:par>
+                    <p:cTn id="23" fill="hold">
+                      <p:stCondLst>
+                        <p:cond delay="indefinite"/>
+                      </p:stCondLst>
+                      <p:childTnLst>
+                        <p:par>
+                          <p:cTn id="24" fill="hold">
+                            <p:stCondLst>
+                              <p:cond delay="0"/>
+                            </p:stCondLst>
+                            <p:childTnLst>
+                              <p:par>
+                                <p:cTn id="25" presetID="16" presetClass="entr" presetSubtype="21" fill="hold" nodeType="clickEffect">
+                                  <p:stCondLst>
+                                    <p:cond delay="0"/>
+                                  </p:stCondLst>
+                                  <p:childTnLst>
+                                    <p:set>
+                                      <p:cBhvr>
+                                        <p:cTn id="26" dur="1" fill="hold">
+                                          <p:stCondLst>
+                                            <p:cond delay="0"/>
+                                          </p:stCondLst>
+                                        </p:cTn>
+                                        <p:tgtEl>
+                                          <p:spTgt spid="3">
+                                            <p:txEl>
+                                              <p:pRg st="4" end="4"/>
+                                            </p:txEl>
+                                          </p:spTgt>
+                                        </p:tgtEl>
+                                        <p:attrNameLst>
+                                          <p:attrName>style.visibility</p:attrName>
+                                        </p:attrNameLst>
+                                      </p:cBhvr>
+                                      <p:to>
+                                        <p:strVal val="visible"/>
+                                      </p:to>
+                                    </p:set>
+                                    <p:animEffect transition="in" filter="barn(inVertical)">
+                                      <p:cBhvr>
+                                        <p:cTn id="27" dur="500"/>
+                                        <p:tgtEl>
+                                          <p:spTgt spid="3">
+                                            <p:txEl>
+                                              <p:pRg st="4" end="4"/>
+                                            </p:txEl>
+                                          </p:spTgt>
+                                        </p:tgtEl>
+                                      </p:cBhvr>
+                                    </p:animEffect>
+                                  </p:childTnLst>
+                                </p:cTn>
+                              </p:par>
+                            </p:childTnLst>
+                          </p:cTn>
+                        </p:par>
+                      </p:childTnLst>
+                    </p:cTn>
+                  </p:par>
+                  <p:par>
+                    <p:cTn id="28" fill="hold">
+                      <p:stCondLst>
+                        <p:cond delay="indefinite"/>
+                      </p:stCondLst>
+                      <p:childTnLst>
+                        <p:par>
+                          <p:cTn id="29" fill="hold">
+                            <p:stCondLst>
+                              <p:cond delay="0"/>
+                            </p:stCondLst>
+                            <p:childTnLst>
+                              <p:par>
+                                <p:cTn id="30" presetID="16" presetClass="entr" presetSubtype="21" fill="hold" nodeType="clickEffect">
+                                  <p:stCondLst>
+                                    <p:cond delay="0"/>
+                                  </p:stCondLst>
+                                  <p:childTnLst>
+                                    <p:set>
+                                      <p:cBhvr>
+                                        <p:cTn id="31" dur="1" fill="hold">
+                                          <p:stCondLst>
+                                            <p:cond delay="0"/>
+                                          </p:stCondLst>
+                                        </p:cTn>
+                                        <p:tgtEl>
+                                          <p:spTgt spid="3">
+                                            <p:txEl>
+                                              <p:pRg st="5" end="5"/>
+                                            </p:txEl>
+                                          </p:spTgt>
+                                        </p:tgtEl>
+                                        <p:attrNameLst>
+                                          <p:attrName>style.visibility</p:attrName>
+                                        </p:attrNameLst>
+                                      </p:cBhvr>
+                                      <p:to>
+                                        <p:strVal val="visible"/>
+                                      </p:to>
+                                    </p:set>
+                                    <p:animEffect transition="in" filter="barn(inVertical)">
+                                      <p:cBhvr>
+                                        <p:cTn id="32" dur="500"/>
+                                        <p:tgtEl>
+                                          <p:spTgt spid="3">
+                                            <p:txEl>
+                                              <p:pRg st="5" end="5"/>
+                                            </p:txEl>
+                                          </p:spTgt>
+                                        </p:tgtEl>
+                                      </p:cBhvr>
+                                    </p:animEffect>
+                                  </p:childTnLst>
+                                </p:cTn>
+                              </p:par>
+                            </p:childTnLst>
+                          </p:cTn>
+                        </p:par>
+                      </p:childTnLst>
+                    </p:cTn>
+                  </p:par>
+                  <p:par>
+                    <p:cTn id="33" fill="hold">
+                      <p:stCondLst>
+                        <p:cond delay="indefinite"/>
+                      </p:stCondLst>
+                      <p:childTnLst>
+                        <p:par>
+                          <p:cTn id="34" fill="hold">
+                            <p:stCondLst>
+                              <p:cond delay="0"/>
+                            </p:stCondLst>
+                            <p:childTnLst>
+                              <p:par>
+                                <p:cTn id="35" presetID="16" presetClass="entr" presetSubtype="21" fill="hold" nodeType="clickEffect">
+                                  <p:stCondLst>
+                                    <p:cond delay="0"/>
+                                  </p:stCondLst>
+                                  <p:childTnLst>
+                                    <p:set>
+                                      <p:cBhvr>
+                                        <p:cTn id="36" dur="1" fill="hold">
+                                          <p:stCondLst>
+                                            <p:cond delay="0"/>
+                                          </p:stCondLst>
+                                        </p:cTn>
+                                        <p:tgtEl>
+                                          <p:spTgt spid="3">
+                                            <p:txEl>
+                                              <p:pRg st="6" end="6"/>
+                                            </p:txEl>
+                                          </p:spTgt>
+                                        </p:tgtEl>
+                                        <p:attrNameLst>
+                                          <p:attrName>style.visibility</p:attrName>
+                                        </p:attrNameLst>
+                                      </p:cBhvr>
+                                      <p:to>
+                                        <p:strVal val="visible"/>
+                                      </p:to>
+                                    </p:set>
+                                    <p:animEffect transition="in" filter="barn(inVertical)">
+                                      <p:cBhvr>
+                                        <p:cTn id="37" dur="500"/>
+                                        <p:tgtEl>
+                                          <p:spTgt spid="3">
+                                            <p:txEl>
+                                              <p:pRg st="6" end="6"/>
+                                            </p:txEl>
+                                          </p:spTgt>
+                                        </p:tgtEl>
+                                      </p:cBhvr>
+                                    </p:animEffect>
+                                  </p:childTnLst>
+                                </p:cTn>
+                              </p:par>
+                            </p:childTnLst>
+                          </p:cTn>
+                        </p:par>
+                      </p:childTnLst>
+                    </p:cTn>
+                  </p:par>
+                  <p:par>
+                    <p:cTn id="38" fill="hold">
+                      <p:stCondLst>
+                        <p:cond delay="indefinite"/>
+                      </p:stCondLst>
+                      <p:childTnLst>
+                        <p:par>
+                          <p:cTn id="39" fill="hold">
+                            <p:stCondLst>
+                              <p:cond delay="0"/>
+                            </p:stCondLst>
+                            <p:childTnLst>
+                              <p:par>
+                                <p:cTn id="40" presetID="16" presetClass="entr" presetSubtype="21" fill="hold" nodeType="clickEffect">
+                                  <p:stCondLst>
+                                    <p:cond delay="0"/>
+                                  </p:stCondLst>
+                                  <p:childTnLst>
+                                    <p:set>
+                                      <p:cBhvr>
+                                        <p:cTn id="41" dur="1" fill="hold">
+                                          <p:stCondLst>
+                                            <p:cond delay="0"/>
+                                          </p:stCondLst>
+                                        </p:cTn>
+                                        <p:tgtEl>
+                                          <p:spTgt spid="3">
+                                            <p:txEl>
+                                              <p:pRg st="7" end="7"/>
+                                            </p:txEl>
+                                          </p:spTgt>
+                                        </p:tgtEl>
+                                        <p:attrNameLst>
+                                          <p:attrName>style.visibility</p:attrName>
+                                        </p:attrNameLst>
+                                      </p:cBhvr>
+                                      <p:to>
+                                        <p:strVal val="visible"/>
+                                      </p:to>
+                                    </p:set>
+                                    <p:animEffect transition="in" filter="barn(inVertical)">
+                                      <p:cBhvr>
+                                        <p:cTn id="42" dur="500"/>
+                                        <p:tgtEl>
+                                          <p:spTgt spid="3">
+                                            <p:txEl>
+                                              <p:pRg st="7" end="7"/>
+                                            </p:txEl>
+                                          </p:spTgt>
+                                        </p:tgtEl>
+                                      </p:cBhvr>
+                                    </p:animEffect>
+                                  </p:childTnLst>
+                                </p:cTn>
+                              </p:par>
+                            </p:childTnLst>
+                          </p:cTn>
+                        </p:par>
+                      </p:childTnLst>
+                    </p:cTn>
+                  </p:par>
+                  <p:par>
+                    <p:cTn id="43" fill="hold">
+                      <p:stCondLst>
+                        <p:cond delay="indefinite"/>
+                      </p:stCondLst>
+                      <p:childTnLst>
+                        <p:par>
+                          <p:cTn id="44" fill="hold">
+                            <p:stCondLst>
+                              <p:cond delay="0"/>
+                            </p:stCondLst>
+                            <p:childTnLst>
+                              <p:par>
+                                <p:cTn id="45" presetID="16" presetClass="entr" presetSubtype="21" fill="hold" nodeType="clickEffect">
+                                  <p:stCondLst>
+                                    <p:cond delay="0"/>
+                                  </p:stCondLst>
+                                  <p:childTnLst>
+                                    <p:set>
+                                      <p:cBhvr>
+                                        <p:cTn id="46" dur="1" fill="hold">
+                                          <p:stCondLst>
+                                            <p:cond delay="0"/>
+                                          </p:stCondLst>
+                                        </p:cTn>
+                                        <p:tgtEl>
+                                          <p:spTgt spid="3">
+                                            <p:txEl>
+                                              <p:pRg st="8" end="8"/>
+                                            </p:txEl>
+                                          </p:spTgt>
+                                        </p:tgtEl>
+                                        <p:attrNameLst>
+                                          <p:attrName>style.visibility</p:attrName>
+                                        </p:attrNameLst>
+                                      </p:cBhvr>
+                                      <p:to>
+                                        <p:strVal val="visible"/>
+                                      </p:to>
+                                    </p:set>
+                                    <p:animEffect transition="in" filter="barn(inVertical)">
+                                      <p:cBhvr>
+                                        <p:cTn id="47" dur="500"/>
+                                        <p:tgtEl>
+                                          <p:spTgt spid="3">
+                                            <p:txEl>
+                                              <p:pRg st="8" end="8"/>
+                                            </p:txEl>
+                                          </p:spTgt>
+                                        </p:tgtEl>
+                                      </p:cBhvr>
+                                    </p:animEffect>
+                                  </p:childTnLst>
+                                </p:cTn>
+                              </p:par>
+                            </p:childTnLst>
+                          </p:cTn>
+                        </p:par>
+                      </p:childTnLst>
+                    </p:cTn>
+                  </p:par>
+                </p:childTnLst>
+              </p:cTn>
+              <p:prevCondLst>
+                <p:cond evt="onPrev" delay="0">
+                  <p:tgtEl>
+                    <p:sldTgt/>
+                  </p:tgtEl>
+                </p:cond>
+              </p:prevCondLst>
+              <p:nextCondLst>
+                <p:cond evt="onNext" delay="0">
+                  <p:tgtEl>
+                    <p:sldTgt/>
+                  </p:tgtEl>
+                </p:cond>
+              </p:nextCondLst>
+            </p:seq>
+          </p:childTnLst>
+        </p:cTn>
+      </p:par>
+    </p:tnLst>
+  </p:timing>
+</p:sld>
+</file>
+
+<file path=ppt/slides/slide13.xml><?xml version="1.0" encoding="utf-8"?>
+<p:sld xmlns:a="http://schemas.openxmlformats.org/drawingml/2006/main" xmlns:r="http://schemas.openxmlformats.org/officeDocument/2006/relationships" xmlns:p="http://schemas.openxmlformats.org/presentationml/2006/main">
+  <p:cSld>
+    <p:spTree>
+      <p:nvGrpSpPr>
+        <p:cNvPr id="1" name=""/>
+        <p:cNvGrpSpPr/>
+        <p:nvPr/>
+      </p:nvGrpSpPr>
+      <p:grpSpPr>
+        <a:xfrm>
+          <a:off x="0" y="0"/>
+          <a:ext cx="0" cy="0"/>
+          <a:chOff x="0" y="0"/>
+          <a:chExt cx="0" cy="0"/>
+        </a:xfrm>
+      </p:grpSpPr>
+      <p:sp>
+        <p:nvSpPr>
+          <p:cNvPr id="2" name="Title 1"/>
+          <p:cNvSpPr>
+            <a:spLocks noGrp="1"/>
+          </p:cNvSpPr>
+          <p:nvPr>
+            <p:ph type="title"/>
+          </p:nvPr>
+        </p:nvSpPr>
+        <p:spPr>
+          <a:xfrm>
+            <a:off x="381000" y="12700"/>
+            <a:ext cx="8229600" cy="901700"/>
+          </a:xfrm>
+        </p:spPr>
+        <p:txBody>
+          <a:bodyPr/>
+          <a:lstStyle/>
+          <a:p>
+            <a:pPr algn="l"/>
+            <a:r>
+              <a:rPr lang="en-US" dirty="0" smtClean="0"/>
+              <a:t>Spark – </a:t>
+            </a:r>
+            <a:r>
+              <a:rPr lang="en-US" dirty="0"/>
+              <a:t>Data Science </a:t>
+            </a:r>
+            <a:r>
+              <a:rPr lang="en-US" dirty="0" smtClean="0"/>
+              <a:t>Use Cases</a:t>
+            </a:r>
+            <a:endParaRPr lang="en-US" dirty="0"/>
+          </a:p>
+        </p:txBody>
+      </p:sp>
+      <p:sp>
+        <p:nvSpPr>
+          <p:cNvPr id="3" name="Content Placeholder 2"/>
+          <p:cNvSpPr>
+            <a:spLocks noGrp="1"/>
+          </p:cNvSpPr>
+          <p:nvPr>
+            <p:ph idx="1"/>
+          </p:nvPr>
+        </p:nvSpPr>
+        <p:spPr>
+          <a:xfrm>
+            <a:off x="457200" y="990600"/>
+            <a:ext cx="8382000" cy="5257800"/>
+          </a:xfrm>
+        </p:spPr>
+        <p:txBody>
+          <a:bodyPr>
+            <a:normAutofit fontScale="92500" lnSpcReduction="10000"/>
+          </a:bodyPr>
+          <a:lstStyle/>
+          <a:p>
+            <a:r>
+              <a:rPr lang="en-US" dirty="0" smtClean="0"/>
+              <a:t>Spark supports different tasks of data scientists with no of components.</a:t>
+            </a:r>
+          </a:p>
+          <a:p>
+            <a:pPr lvl="1"/>
+            <a:r>
+              <a:rPr lang="en-US" dirty="0" smtClean="0"/>
+              <a:t>SQL  - spark </a:t>
+            </a:r>
+            <a:r>
+              <a:rPr lang="en-US" dirty="0" err="1" smtClean="0"/>
+              <a:t>sql</a:t>
+            </a:r>
+            <a:r>
+              <a:rPr lang="en-US" dirty="0" smtClean="0"/>
+              <a:t> allows to explore data using SQL</a:t>
+            </a:r>
+            <a:endParaRPr lang="en-US" dirty="0"/>
+          </a:p>
+          <a:p>
+            <a:pPr lvl="1"/>
+            <a:r>
+              <a:rPr lang="en-US" dirty="0"/>
+              <a:t>Statistics,</a:t>
+            </a:r>
+          </a:p>
+          <a:p>
+            <a:pPr lvl="1"/>
+            <a:r>
+              <a:rPr lang="en-US" dirty="0"/>
+              <a:t>Predictive modeling and Machine </a:t>
+            </a:r>
+            <a:r>
+              <a:rPr lang="en-US" dirty="0" smtClean="0"/>
+              <a:t>Learning - </a:t>
+            </a:r>
+            <a:r>
+              <a:rPr lang="en-US" dirty="0" err="1" smtClean="0"/>
+              <a:t>MLlib</a:t>
+            </a:r>
+            <a:endParaRPr lang="en-US" dirty="0"/>
+          </a:p>
+          <a:p>
+            <a:pPr lvl="1"/>
+            <a:r>
+              <a:rPr lang="en-US" dirty="0"/>
+              <a:t>Programming in Python, </a:t>
+            </a:r>
+            <a:r>
+              <a:rPr lang="en-US" dirty="0" err="1"/>
+              <a:t>Matlab</a:t>
+            </a:r>
+            <a:r>
+              <a:rPr lang="en-US" dirty="0"/>
+              <a:t> or </a:t>
+            </a:r>
+            <a:r>
+              <a:rPr lang="en-US" dirty="0" smtClean="0"/>
+              <a:t>R – Spark Core provides interactive analysis using Python, Scala.</a:t>
+            </a:r>
+          </a:p>
+          <a:p>
+            <a:pPr lvl="1"/>
+            <a:r>
+              <a:rPr lang="en-US" dirty="0" smtClean="0"/>
+              <a:t>Spark Core have support to call external programs in </a:t>
+            </a:r>
+            <a:r>
+              <a:rPr lang="en-US" dirty="0" err="1" smtClean="0"/>
+              <a:t>Matlab</a:t>
+            </a:r>
+            <a:r>
+              <a:rPr lang="en-US" dirty="0" smtClean="0"/>
+              <a:t> </a:t>
+            </a:r>
+            <a:r>
+              <a:rPr lang="en-US" dirty="0" err="1" smtClean="0"/>
+              <a:t>ro</a:t>
+            </a:r>
+            <a:r>
+              <a:rPr lang="en-US" dirty="0" smtClean="0"/>
+              <a:t> R.</a:t>
+            </a:r>
+          </a:p>
+          <a:p>
+            <a:r>
+              <a:rPr lang="en-US" dirty="0" smtClean="0"/>
+              <a:t>Once data scientists completes the exploration phase, it is the work of Data Engineer to productize the work of data scientist.</a:t>
+            </a:r>
+            <a:endParaRPr lang="en-US" dirty="0"/>
+          </a:p>
+          <a:p>
+            <a:endParaRPr lang="en-US" dirty="0" smtClean="0"/>
+          </a:p>
+        </p:txBody>
+      </p:sp>
+    </p:spTree>
+    <p:extLst>
+      <p:ext uri="{BB962C8B-B14F-4D97-AF65-F5344CB8AC3E}">
+        <p14:creationId xmlns:p14="http://schemas.microsoft.com/office/powerpoint/2010/main" val="2925053375"/>
+      </p:ext>
+    </p:extLst>
+  </p:cSld>
+  <p:clrMapOvr>
+    <a:masterClrMapping/>
+  </p:clrMapOvr>
+  <p:timing>
+    <p:tnLst>
+      <p:par>
+        <p:cTn id="1" dur="indefinite" restart="never" nodeType="tmRoot">
+          <p:childTnLst>
+            <p:seq concurrent="1" nextAc="seek">
+              <p:cTn id="2" dur="indefinite" nodeType="mainSeq">
+                <p:childTnLst>
+                  <p:par>
+                    <p:cTn id="3" fill="hold">
+                      <p:stCondLst>
+                        <p:cond delay="indefinite"/>
+                      </p:stCondLst>
+                      <p:childTnLst>
+                        <p:par>
+                          <p:cTn id="4" fill="hold">
+                            <p:stCondLst>
+                              <p:cond delay="0"/>
+                            </p:stCondLst>
+                            <p:childTnLst>
+                              <p:par>
+                                <p:cTn id="5" presetID="16" presetClass="entr" presetSubtype="21" fill="hold" nodeType="clickEffect">
+                                  <p:stCondLst>
+                                    <p:cond delay="0"/>
+                                  </p:stCondLst>
+                                  <p:childTnLst>
+                                    <p:set>
+                                      <p:cBhvr>
+                                        <p:cTn id="6" dur="1" fill="hold">
+                                          <p:stCondLst>
+                                            <p:cond delay="0"/>
+                                          </p:stCondLst>
+                                        </p:cTn>
+                                        <p:tgtEl>
+                                          <p:spTgt spid="3">
+                                            <p:txEl>
+                                              <p:pRg st="1" end="1"/>
+                                            </p:txEl>
+                                          </p:spTgt>
+                                        </p:tgtEl>
+                                        <p:attrNameLst>
+                                          <p:attrName>style.visibility</p:attrName>
+                                        </p:attrNameLst>
+                                      </p:cBhvr>
+                                      <p:to>
+                                        <p:strVal val="visible"/>
+                                      </p:to>
+                                    </p:set>
+                                    <p:animEffect transition="in" filter="barn(inVertical)">
+                                      <p:cBhvr>
+                                        <p:cTn id="7" dur="500"/>
+                                        <p:tgtEl>
+                                          <p:spTgt spid="3">
+                                            <p:txEl>
+                                              <p:pRg st="1" end="1"/>
+                                            </p:txEl>
+                                          </p:spTgt>
+                                        </p:tgtEl>
+                                      </p:cBhvr>
+                                    </p:animEffect>
+                                  </p:childTnLst>
+                                </p:cTn>
+                              </p:par>
+                            </p:childTnLst>
+                          </p:cTn>
+                        </p:par>
+                      </p:childTnLst>
+                    </p:cTn>
+                  </p:par>
+                  <p:par>
+                    <p:cTn id="8" fill="hold">
+                      <p:stCondLst>
+                        <p:cond delay="indefinite"/>
+                      </p:stCondLst>
+                      <p:childTnLst>
+                        <p:par>
+                          <p:cTn id="9" fill="hold">
+                            <p:stCondLst>
+                              <p:cond delay="0"/>
+                            </p:stCondLst>
+                            <p:childTnLst>
+                              <p:par>
+                                <p:cTn id="10" presetID="16" presetClass="entr" presetSubtype="21" fill="hold" nodeType="clickEffect">
+                                  <p:stCondLst>
+                                    <p:cond delay="0"/>
+                                  </p:stCondLst>
+                                  <p:childTnLst>
+                                    <p:set>
+                                      <p:cBhvr>
+                                        <p:cTn id="11" dur="1" fill="hold">
+                                          <p:stCondLst>
+                                            <p:cond delay="0"/>
+                                          </p:stCondLst>
+                                        </p:cTn>
+                                        <p:tgtEl>
+                                          <p:spTgt spid="3">
+                                            <p:txEl>
+                                              <p:pRg st="0" end="0"/>
+                                            </p:txEl>
+                                          </p:spTgt>
+                                        </p:tgtEl>
+                                        <p:attrNameLst>
+                                          <p:attrName>style.visibility</p:attrName>
+                                        </p:attrNameLst>
+                                      </p:cBhvr>
+                                      <p:to>
+                                        <p:strVal val="visible"/>
+                                      </p:to>
+                                    </p:set>
+                                    <p:animEffect transition="in" filter="barn(inVertical)">
+                                      <p:cBhvr>
+                                        <p:cTn id="12" dur="500"/>
+                                        <p:tgtEl>
+                                          <p:spTgt spid="3">
+                                            <p:txEl>
+                                              <p:pRg st="0" end="0"/>
+                                            </p:txEl>
+                                          </p:spTgt>
+                                        </p:tgtEl>
+                                      </p:cBhvr>
+                                    </p:animEffect>
+                                  </p:childTnLst>
+                                </p:cTn>
+                              </p:par>
+                            </p:childTnLst>
+                          </p:cTn>
+                        </p:par>
+                      </p:childTnLst>
+                    </p:cTn>
+                  </p:par>
+                  <p:par>
+                    <p:cTn id="13" fill="hold">
+                      <p:stCondLst>
+                        <p:cond delay="indefinite"/>
+                      </p:stCondLst>
+                      <p:childTnLst>
+                        <p:par>
+                          <p:cTn id="14" fill="hold">
+                            <p:stCondLst>
+                              <p:cond delay="0"/>
+                            </p:stCondLst>
+                            <p:childTnLst>
+                              <p:par>
+                                <p:cTn id="15" presetID="16" presetClass="entr" presetSubtype="21" fill="hold" nodeType="clickEffect">
+                                  <p:stCondLst>
+                                    <p:cond delay="0"/>
+                                  </p:stCondLst>
+                                  <p:childTnLst>
+                                    <p:set>
+                                      <p:cBhvr>
+                                        <p:cTn id="16" dur="1" fill="hold">
+                                          <p:stCondLst>
+                                            <p:cond delay="0"/>
+                                          </p:stCondLst>
+                                        </p:cTn>
+                                        <p:tgtEl>
+                                          <p:spTgt spid="3">
+                                            <p:txEl>
+                                              <p:pRg st="2" end="2"/>
+                                            </p:txEl>
+                                          </p:spTgt>
+                                        </p:tgtEl>
+                                        <p:attrNameLst>
+                                          <p:attrName>style.visibility</p:attrName>
+                                        </p:attrNameLst>
+                                      </p:cBhvr>
+                                      <p:to>
+                                        <p:strVal val="visible"/>
+                                      </p:to>
+                                    </p:set>
+                                    <p:animEffect transition="in" filter="barn(inVertical)">
+                                      <p:cBhvr>
+                                        <p:cTn id="17" dur="500"/>
+                                        <p:tgtEl>
+                                          <p:spTgt spid="3">
+                                            <p:txEl>
+                                              <p:pRg st="2" end="2"/>
+                                            </p:txEl>
+                                          </p:spTgt>
+                                        </p:tgtEl>
+                                      </p:cBhvr>
+                                    </p:animEffect>
+                                  </p:childTnLst>
+                                </p:cTn>
+                              </p:par>
+                            </p:childTnLst>
+                          </p:cTn>
+                        </p:par>
+                      </p:childTnLst>
+                    </p:cTn>
+                  </p:par>
+                  <p:par>
+                    <p:cTn id="18" fill="hold">
+                      <p:stCondLst>
+                        <p:cond delay="indefinite"/>
+                      </p:stCondLst>
+                      <p:childTnLst>
+                        <p:par>
+                          <p:cTn id="19" fill="hold">
+                            <p:stCondLst>
+                              <p:cond delay="0"/>
+                            </p:stCondLst>
+                            <p:childTnLst>
+                              <p:par>
+                                <p:cTn id="20" presetID="16" presetClass="entr" presetSubtype="21" fill="hold" nodeType="clickEffect">
+                                  <p:stCondLst>
+                                    <p:cond delay="0"/>
+                                  </p:stCondLst>
+                                  <p:childTnLst>
+                                    <p:set>
+                                      <p:cBhvr>
+                                        <p:cTn id="21" dur="1" fill="hold">
+                                          <p:stCondLst>
+                                            <p:cond delay="0"/>
+                                          </p:stCondLst>
+                                        </p:cTn>
+                                        <p:tgtEl>
+                                          <p:spTgt spid="3">
+                                            <p:txEl>
+                                              <p:pRg st="3" end="3"/>
+                                            </p:txEl>
+                                          </p:spTgt>
+                                        </p:tgtEl>
+                                        <p:attrNameLst>
+                                          <p:attrName>style.visibility</p:attrName>
+                                        </p:attrNameLst>
+                                      </p:cBhvr>
+                                      <p:to>
+                                        <p:strVal val="visible"/>
+                                      </p:to>
+                                    </p:set>
+                                    <p:animEffect transition="in" filter="barn(inVertical)">
+                                      <p:cBhvr>
+                                        <p:cTn id="22" dur="500"/>
+                                        <p:tgtEl>
+                                          <p:spTgt spid="3">
+                                            <p:txEl>
+                                              <p:pRg st="3" end="3"/>
+                                            </p:txEl>
+                                          </p:spTgt>
+                                        </p:tgtEl>
+                                      </p:cBhvr>
+                                    </p:animEffect>
+                                  </p:childTnLst>
+                                </p:cTn>
+                              </p:par>
+                            </p:childTnLst>
+                          </p:cTn>
+                        </p:par>
+                      </p:childTnLst>
+                    </p:cTn>
+                  </p:par>
+                  <p:par>
+                    <p:cTn id="23" fill="hold">
+                      <p:stCondLst>
+                        <p:cond delay="indefinite"/>
+                      </p:stCondLst>
+                      <p:childTnLst>
+                        <p:par>
+                          <p:cTn id="24" fill="hold">
+                            <p:stCondLst>
+                              <p:cond delay="0"/>
+                            </p:stCondLst>
+                            <p:childTnLst>
+                              <p:par>
+                                <p:cTn id="25" presetID="16" presetClass="entr" presetSubtype="21" fill="hold" nodeType="clickEffect">
+                                  <p:stCondLst>
+                                    <p:cond delay="0"/>
+                                  </p:stCondLst>
+                                  <p:childTnLst>
+                                    <p:set>
+                                      <p:cBhvr>
+                                        <p:cTn id="26" dur="1" fill="hold">
+                                          <p:stCondLst>
+                                            <p:cond delay="0"/>
+                                          </p:stCondLst>
+                                        </p:cTn>
+                                        <p:tgtEl>
+                                          <p:spTgt spid="3">
+                                            <p:txEl>
+                                              <p:pRg st="4" end="4"/>
+                                            </p:txEl>
+                                          </p:spTgt>
+                                        </p:tgtEl>
+                                        <p:attrNameLst>
+                                          <p:attrName>style.visibility</p:attrName>
+                                        </p:attrNameLst>
+                                      </p:cBhvr>
+                                      <p:to>
+                                        <p:strVal val="visible"/>
+                                      </p:to>
+                                    </p:set>
+                                    <p:animEffect transition="in" filter="barn(inVertical)">
+                                      <p:cBhvr>
+                                        <p:cTn id="27" dur="500"/>
+                                        <p:tgtEl>
+                                          <p:spTgt spid="3">
+                                            <p:txEl>
+                                              <p:pRg st="4" end="4"/>
+                                            </p:txEl>
+                                          </p:spTgt>
+                                        </p:tgtEl>
+                                      </p:cBhvr>
+                                    </p:animEffect>
+                                  </p:childTnLst>
+                                </p:cTn>
+                              </p:par>
+                            </p:childTnLst>
+                          </p:cTn>
+                        </p:par>
+                      </p:childTnLst>
+                    </p:cTn>
+                  </p:par>
+                  <p:par>
+                    <p:cTn id="28" fill="hold">
+                      <p:stCondLst>
+                        <p:cond delay="indefinite"/>
+                      </p:stCondLst>
+                      <p:childTnLst>
+                        <p:par>
+                          <p:cTn id="29" fill="hold">
+                            <p:stCondLst>
+                              <p:cond delay="0"/>
+                            </p:stCondLst>
+                            <p:childTnLst>
+                              <p:par>
+                                <p:cTn id="30" presetID="16" presetClass="entr" presetSubtype="21" fill="hold" nodeType="clickEffect">
+                                  <p:stCondLst>
+                                    <p:cond delay="0"/>
+                                  </p:stCondLst>
+                                  <p:childTnLst>
+                                    <p:set>
+                                      <p:cBhvr>
+                                        <p:cTn id="31" dur="1" fill="hold">
+                                          <p:stCondLst>
+                                            <p:cond delay="0"/>
+                                          </p:stCondLst>
+                                        </p:cTn>
+                                        <p:tgtEl>
+                                          <p:spTgt spid="3">
+                                            <p:txEl>
+                                              <p:pRg st="5" end="5"/>
+                                            </p:txEl>
+                                          </p:spTgt>
+                                        </p:tgtEl>
+                                        <p:attrNameLst>
+                                          <p:attrName>style.visibility</p:attrName>
+                                        </p:attrNameLst>
+                                      </p:cBhvr>
+                                      <p:to>
+                                        <p:strVal val="visible"/>
+                                      </p:to>
+                                    </p:set>
+                                    <p:animEffect transition="in" filter="barn(inVertical)">
+                                      <p:cBhvr>
+                                        <p:cTn id="32" dur="500"/>
+                                        <p:tgtEl>
+                                          <p:spTgt spid="3">
+                                            <p:txEl>
+                                              <p:pRg st="5" end="5"/>
+                                            </p:txEl>
+                                          </p:spTgt>
+                                        </p:tgtEl>
+                                      </p:cBhvr>
+                                    </p:animEffect>
+                                  </p:childTnLst>
+                                </p:cTn>
+                              </p:par>
+                            </p:childTnLst>
+                          </p:cTn>
+                        </p:par>
+                      </p:childTnLst>
+                    </p:cTn>
+                  </p:par>
+                  <p:par>
+                    <p:cTn id="33" fill="hold">
+                      <p:stCondLst>
+                        <p:cond delay="indefinite"/>
+                      </p:stCondLst>
+                      <p:childTnLst>
+                        <p:par>
+                          <p:cTn id="34" fill="hold">
+                            <p:stCondLst>
+                              <p:cond delay="0"/>
+                            </p:stCondLst>
+                            <p:childTnLst>
+                              <p:par>
+                                <p:cTn id="35" presetID="16" presetClass="entr" presetSubtype="21" fill="hold" nodeType="clickEffect">
+                                  <p:stCondLst>
+                                    <p:cond delay="0"/>
+                                  </p:stCondLst>
+                                  <p:childTnLst>
+                                    <p:set>
+                                      <p:cBhvr>
+                                        <p:cTn id="36" dur="1" fill="hold">
+                                          <p:stCondLst>
+                                            <p:cond delay="0"/>
+                                          </p:stCondLst>
+                                        </p:cTn>
+                                        <p:tgtEl>
+                                          <p:spTgt spid="3">
+                                            <p:txEl>
+                                              <p:pRg st="6" end="6"/>
+                                            </p:txEl>
+                                          </p:spTgt>
+                                        </p:tgtEl>
+                                        <p:attrNameLst>
+                                          <p:attrName>style.visibility</p:attrName>
+                                        </p:attrNameLst>
+                                      </p:cBhvr>
+                                      <p:to>
+                                        <p:strVal val="visible"/>
+                                      </p:to>
+                                    </p:set>
+                                    <p:animEffect transition="in" filter="barn(inVertical)">
+                                      <p:cBhvr>
+                                        <p:cTn id="37" dur="500"/>
+                                        <p:tgtEl>
+                                          <p:spTgt spid="3">
+                                            <p:txEl>
+                                              <p:pRg st="6" end="6"/>
+                                            </p:txEl>
+                                          </p:spTgt>
+                                        </p:tgtEl>
+                                      </p:cBhvr>
+                                    </p:animEffect>
+                                  </p:childTnLst>
+                                </p:cTn>
+                              </p:par>
+                            </p:childTnLst>
+                          </p:cTn>
+                        </p:par>
+                      </p:childTnLst>
+                    </p:cTn>
+                  </p:par>
+                </p:childTnLst>
+              </p:cTn>
+              <p:prevCondLst>
+                <p:cond evt="onPrev" delay="0">
+                  <p:tgtEl>
+                    <p:sldTgt/>
+                  </p:tgtEl>
+                </p:cond>
+              </p:prevCondLst>
+              <p:nextCondLst>
+                <p:cond evt="onNext" delay="0">
+                  <p:tgtEl>
+                    <p:sldTgt/>
+                  </p:tgtEl>
+                </p:cond>
+              </p:nextCondLst>
+            </p:seq>
+          </p:childTnLst>
+        </p:cTn>
+      </p:par>
+    </p:tnLst>
+  </p:timing>
+</p:sld>
+</file>
+
+<file path=ppt/slides/slide14.xml><?xml version="1.0" encoding="utf-8"?>
+<p:sld xmlns:a="http://schemas.openxmlformats.org/drawingml/2006/main" xmlns:r="http://schemas.openxmlformats.org/officeDocument/2006/relationships" xmlns:p="http://schemas.openxmlformats.org/presentationml/2006/main">
+  <p:cSld>
+    <p:spTree>
+      <p:nvGrpSpPr>
+        <p:cNvPr id="1" name=""/>
+        <p:cNvGrpSpPr/>
+        <p:nvPr/>
+      </p:nvGrpSpPr>
+      <p:grpSpPr>
+        <a:xfrm>
+          <a:off x="0" y="0"/>
+          <a:ext cx="0" cy="0"/>
+          <a:chOff x="0" y="0"/>
+          <a:chExt cx="0" cy="0"/>
+        </a:xfrm>
+      </p:grpSpPr>
+      <p:sp>
+        <p:nvSpPr>
+          <p:cNvPr id="2" name="Title 1"/>
+          <p:cNvSpPr>
+            <a:spLocks noGrp="1"/>
+          </p:cNvSpPr>
+          <p:nvPr>
+            <p:ph type="title"/>
+          </p:nvPr>
+        </p:nvSpPr>
+        <p:spPr>
+          <a:xfrm>
+            <a:off x="381000" y="12700"/>
+            <a:ext cx="8229600" cy="901700"/>
+          </a:xfrm>
+        </p:spPr>
+        <p:txBody>
+          <a:bodyPr>
+            <a:normAutofit/>
+          </a:bodyPr>
+          <a:lstStyle/>
+          <a:p>
+            <a:pPr algn="l"/>
+            <a:r>
+              <a:rPr lang="en-US" sz="3200" dirty="0" smtClean="0"/>
+              <a:t>Spark – </a:t>
+            </a:r>
+            <a:r>
+              <a:rPr lang="en-US" sz="3200" dirty="0"/>
+              <a:t>Data </a:t>
+            </a:r>
+            <a:r>
+              <a:rPr lang="en-US" sz="3200" dirty="0" smtClean="0"/>
+              <a:t>Processing Applications  Use Cases</a:t>
+            </a:r>
+            <a:endParaRPr lang="en-US" sz="3200" dirty="0"/>
+          </a:p>
+        </p:txBody>
+      </p:sp>
+      <p:sp>
+        <p:nvSpPr>
+          <p:cNvPr id="3" name="Content Placeholder 2"/>
+          <p:cNvSpPr>
+            <a:spLocks noGrp="1"/>
+          </p:cNvSpPr>
+          <p:nvPr>
+            <p:ph idx="1"/>
+          </p:nvPr>
+        </p:nvSpPr>
+        <p:spPr>
+          <a:xfrm>
+            <a:off x="457200" y="990600"/>
+            <a:ext cx="8382000" cy="5638800"/>
+          </a:xfrm>
+        </p:spPr>
+        <p:txBody>
+          <a:bodyPr>
+            <a:normAutofit fontScale="85000" lnSpcReduction="20000"/>
+          </a:bodyPr>
+          <a:lstStyle/>
+          <a:p>
+            <a:r>
+              <a:rPr lang="en-US" dirty="0" smtClean="0"/>
+              <a:t>Developers need to design and build software systems that implement a business </a:t>
+            </a:r>
+            <a:r>
+              <a:rPr lang="en-US" dirty="0" err="1" smtClean="0"/>
+              <a:t>usecase</a:t>
+            </a:r>
+            <a:r>
+              <a:rPr lang="en-US" dirty="0" smtClean="0"/>
+              <a:t>.</a:t>
+            </a:r>
+          </a:p>
+          <a:p>
+            <a:r>
+              <a:rPr lang="en-US" dirty="0" smtClean="0"/>
+              <a:t>Spark provides a simple way to parallelize these applications across clusters and hides the complexity of </a:t>
+            </a:r>
+          </a:p>
+          <a:p>
+            <a:pPr lvl="1"/>
+            <a:r>
+              <a:rPr lang="en-US" dirty="0" smtClean="0"/>
+              <a:t>distributed programming, </a:t>
+            </a:r>
+          </a:p>
+          <a:p>
+            <a:pPr lvl="1"/>
+            <a:r>
+              <a:rPr lang="en-US" dirty="0" smtClean="0"/>
+              <a:t>Network communication and </a:t>
+            </a:r>
+          </a:p>
+          <a:p>
+            <a:pPr lvl="1"/>
+            <a:r>
+              <a:rPr lang="en-US" dirty="0" smtClean="0"/>
+              <a:t>Fault tolerance.</a:t>
+            </a:r>
+          </a:p>
+          <a:p>
+            <a:r>
+              <a:rPr lang="en-US" dirty="0" smtClean="0"/>
+              <a:t>The system gives them enough control to monitor, inspect and tune applications and also allows to implement common tasks quickly.</a:t>
+            </a:r>
+          </a:p>
+          <a:p>
+            <a:r>
+              <a:rPr lang="en-US" dirty="0" smtClean="0"/>
+              <a:t>Modular nature of APIs makes it easy to factor work into reusable libraries and test each locally and </a:t>
+            </a:r>
+            <a:r>
+              <a:rPr lang="en-US" dirty="0" err="1" smtClean="0"/>
+              <a:t>idividullay</a:t>
+            </a:r>
+            <a:r>
+              <a:rPr lang="en-US" dirty="0" smtClean="0"/>
+              <a:t>.</a:t>
+            </a:r>
+          </a:p>
+          <a:p>
+            <a:r>
+              <a:rPr lang="en-US" dirty="0" smtClean="0"/>
+              <a:t>Most users prefer Spark as it provides a wide variety of functionality, easy to learn and use, and mature and reliable.</a:t>
+            </a:r>
+          </a:p>
+        </p:txBody>
+      </p:sp>
+    </p:spTree>
+    <p:extLst>
+      <p:ext uri="{BB962C8B-B14F-4D97-AF65-F5344CB8AC3E}">
+        <p14:creationId xmlns:p14="http://schemas.microsoft.com/office/powerpoint/2010/main" val="3559522958"/>
+      </p:ext>
+    </p:extLst>
+  </p:cSld>
+  <p:clrMapOvr>
+    <a:masterClrMapping/>
+  </p:clrMapOvr>
+  <p:timing>
+    <p:tnLst>
+      <p:par>
+        <p:cTn id="1" dur="indefinite" restart="never" nodeType="tmRoot">
+          <p:childTnLst>
+            <p:seq concurrent="1" nextAc="seek">
+              <p:cTn id="2" dur="indefinite" nodeType="mainSeq">
+                <p:childTnLst>
+                  <p:par>
+                    <p:cTn id="3" fill="hold">
+                      <p:stCondLst>
+                        <p:cond delay="indefinite"/>
+                      </p:stCondLst>
+                      <p:childTnLst>
+                        <p:par>
+                          <p:cTn id="4" fill="hold">
+                            <p:stCondLst>
+                              <p:cond delay="0"/>
+                            </p:stCondLst>
+                            <p:childTnLst>
+                              <p:par>
+                                <p:cTn id="5" presetID="16" presetClass="entr" presetSubtype="21" fill="hold" nodeType="clickEffect">
+                                  <p:stCondLst>
+                                    <p:cond delay="0"/>
+                                  </p:stCondLst>
+                                  <p:childTnLst>
+                                    <p:set>
+                                      <p:cBhvr>
+                                        <p:cTn id="6" dur="1" fill="hold">
+                                          <p:stCondLst>
+                                            <p:cond delay="0"/>
+                                          </p:stCondLst>
+                                        </p:cTn>
+                                        <p:tgtEl>
+                                          <p:spTgt spid="3">
+                                            <p:txEl>
+                                              <p:pRg st="0" end="0"/>
+                                            </p:txEl>
+                                          </p:spTgt>
+                                        </p:tgtEl>
+                                        <p:attrNameLst>
+                                          <p:attrName>style.visibility</p:attrName>
+                                        </p:attrNameLst>
+                                      </p:cBhvr>
+                                      <p:to>
+                                        <p:strVal val="visible"/>
+                                      </p:to>
+                                    </p:set>
+                                    <p:animEffect transition="in" filter="barn(inVertical)">
+                                      <p:cBhvr>
+                                        <p:cTn id="7" dur="500"/>
+                                        <p:tgtEl>
+                                          <p:spTgt spid="3">
+                                            <p:txEl>
+                                              <p:pRg st="0" end="0"/>
+                                            </p:txEl>
+                                          </p:spTgt>
+                                        </p:tgtEl>
+                                      </p:cBhvr>
+                                    </p:animEffect>
+                                  </p:childTnLst>
+                                </p:cTn>
+                              </p:par>
+                            </p:childTnLst>
+                          </p:cTn>
+                        </p:par>
+                      </p:childTnLst>
+                    </p:cTn>
+                  </p:par>
+                  <p:par>
+                    <p:cTn id="8" fill="hold">
+                      <p:stCondLst>
+                        <p:cond delay="indefinite"/>
+                      </p:stCondLst>
+                      <p:childTnLst>
+                        <p:par>
+                          <p:cTn id="9" fill="hold">
+                            <p:stCondLst>
+                              <p:cond delay="0"/>
+                            </p:stCondLst>
+                            <p:childTnLst>
+                              <p:par>
+                                <p:cTn id="10" presetID="16" presetClass="entr" presetSubtype="21" fill="hold" nodeType="clickEffect">
+                                  <p:stCondLst>
+                                    <p:cond delay="0"/>
+                                  </p:stCondLst>
+                                  <p:childTnLst>
+                                    <p:set>
+                                      <p:cBhvr>
+                                        <p:cTn id="11" dur="1" fill="hold">
+                                          <p:stCondLst>
+                                            <p:cond delay="0"/>
+                                          </p:stCondLst>
+                                        </p:cTn>
+                                        <p:tgtEl>
+                                          <p:spTgt spid="3">
+                                            <p:txEl>
+                                              <p:pRg st="1" end="1"/>
+                                            </p:txEl>
+                                          </p:spTgt>
+                                        </p:tgtEl>
+                                        <p:attrNameLst>
+                                          <p:attrName>style.visibility</p:attrName>
+                                        </p:attrNameLst>
+                                      </p:cBhvr>
+                                      <p:to>
+                                        <p:strVal val="visible"/>
+                                      </p:to>
+                                    </p:set>
+                                    <p:animEffect transition="in" filter="barn(inVertical)">
+                                      <p:cBhvr>
+                                        <p:cTn id="12" dur="500"/>
+                                        <p:tgtEl>
+                                          <p:spTgt spid="3">
+                                            <p:txEl>
+                                              <p:pRg st="1" end="1"/>
+                                            </p:txEl>
+                                          </p:spTgt>
+                                        </p:tgtEl>
+                                      </p:cBhvr>
+                                    </p:animEffect>
+                                  </p:childTnLst>
+                                </p:cTn>
+                              </p:par>
+                              <p:par>
+                                <p:cTn id="13" presetID="16" presetClass="entr" presetSubtype="21" fill="hold" nodeType="withEffect">
+                                  <p:stCondLst>
+                                    <p:cond delay="0"/>
+                                  </p:stCondLst>
+                                  <p:childTnLst>
+                                    <p:set>
+                                      <p:cBhvr>
+                                        <p:cTn id="14" dur="1" fill="hold">
+                                          <p:stCondLst>
+                                            <p:cond delay="0"/>
+                                          </p:stCondLst>
+                                        </p:cTn>
+                                        <p:tgtEl>
+                                          <p:spTgt spid="3">
+                                            <p:txEl>
+                                              <p:pRg st="2" end="2"/>
+                                            </p:txEl>
+                                          </p:spTgt>
+                                        </p:tgtEl>
+                                        <p:attrNameLst>
+                                          <p:attrName>style.visibility</p:attrName>
+                                        </p:attrNameLst>
+                                      </p:cBhvr>
+                                      <p:to>
+                                        <p:strVal val="visible"/>
+                                      </p:to>
+                                    </p:set>
+                                    <p:animEffect transition="in" filter="barn(inVertical)">
+                                      <p:cBhvr>
+                                        <p:cTn id="15" dur="500"/>
+                                        <p:tgtEl>
+                                          <p:spTgt spid="3">
+                                            <p:txEl>
+                                              <p:pRg st="2" end="2"/>
+                                            </p:txEl>
+                                          </p:spTgt>
+                                        </p:tgtEl>
+                                      </p:cBhvr>
+                                    </p:animEffect>
+                                  </p:childTnLst>
+                                </p:cTn>
+                              </p:par>
+                              <p:par>
+                                <p:cTn id="16" presetID="16" presetClass="entr" presetSubtype="21" fill="hold" nodeType="withEffect">
+                                  <p:stCondLst>
+                                    <p:cond delay="0"/>
+                                  </p:stCondLst>
+                                  <p:childTnLst>
+                                    <p:set>
+                                      <p:cBhvr>
+                                        <p:cTn id="17" dur="1" fill="hold">
+                                          <p:stCondLst>
+                                            <p:cond delay="0"/>
+                                          </p:stCondLst>
+                                        </p:cTn>
+                                        <p:tgtEl>
+                                          <p:spTgt spid="3">
+                                            <p:txEl>
+                                              <p:pRg st="3" end="3"/>
+                                            </p:txEl>
+                                          </p:spTgt>
+                                        </p:tgtEl>
+                                        <p:attrNameLst>
+                                          <p:attrName>style.visibility</p:attrName>
+                                        </p:attrNameLst>
+                                      </p:cBhvr>
+                                      <p:to>
+                                        <p:strVal val="visible"/>
+                                      </p:to>
+                                    </p:set>
+                                    <p:animEffect transition="in" filter="barn(inVertical)">
+                                      <p:cBhvr>
+                                        <p:cTn id="18" dur="500"/>
+                                        <p:tgtEl>
+                                          <p:spTgt spid="3">
+                                            <p:txEl>
+                                              <p:pRg st="3" end="3"/>
+                                            </p:txEl>
+                                          </p:spTgt>
+                                        </p:tgtEl>
+                                      </p:cBhvr>
+                                    </p:animEffect>
+                                  </p:childTnLst>
+                                </p:cTn>
+                              </p:par>
+                              <p:par>
+                                <p:cTn id="19" presetID="16" presetClass="entr" presetSubtype="21" fill="hold" nodeType="withEffect">
+                                  <p:stCondLst>
+                                    <p:cond delay="0"/>
+                                  </p:stCondLst>
+                                  <p:childTnLst>
+                                    <p:set>
+                                      <p:cBhvr>
+                                        <p:cTn id="20" dur="1" fill="hold">
+                                          <p:stCondLst>
+                                            <p:cond delay="0"/>
+                                          </p:stCondLst>
+                                        </p:cTn>
+                                        <p:tgtEl>
+                                          <p:spTgt spid="3">
+                                            <p:txEl>
+                                              <p:pRg st="4" end="4"/>
+                                            </p:txEl>
+                                          </p:spTgt>
+                                        </p:tgtEl>
+                                        <p:attrNameLst>
+                                          <p:attrName>style.visibility</p:attrName>
+                                        </p:attrNameLst>
+                                      </p:cBhvr>
+                                      <p:to>
+                                        <p:strVal val="visible"/>
+                                      </p:to>
+                                    </p:set>
+                                    <p:animEffect transition="in" filter="barn(inVertical)">
+                                      <p:cBhvr>
+                                        <p:cTn id="21" dur="500"/>
+                                        <p:tgtEl>
+                                          <p:spTgt spid="3">
+                                            <p:txEl>
+                                              <p:pRg st="4" end="4"/>
+                                            </p:txEl>
+                                          </p:spTgt>
+                                        </p:tgtEl>
+                                      </p:cBhvr>
+                                    </p:animEffect>
+                                  </p:childTnLst>
+                                </p:cTn>
+                              </p:par>
+                            </p:childTnLst>
+                          </p:cTn>
+                        </p:par>
+                      </p:childTnLst>
+                    </p:cTn>
+                  </p:par>
+                  <p:par>
+                    <p:cTn id="22" fill="hold">
+                      <p:stCondLst>
+                        <p:cond delay="indefinite"/>
+                      </p:stCondLst>
+                      <p:childTnLst>
+                        <p:par>
+                          <p:cTn id="23" fill="hold">
+                            <p:stCondLst>
+                              <p:cond delay="0"/>
+                            </p:stCondLst>
+                            <p:childTnLst>
+                              <p:par>
+                                <p:cTn id="24" presetID="16" presetClass="entr" presetSubtype="21" fill="hold" nodeType="clickEffect">
+                                  <p:stCondLst>
+                                    <p:cond delay="0"/>
+                                  </p:stCondLst>
+                                  <p:childTnLst>
+                                    <p:set>
+                                      <p:cBhvr>
+                                        <p:cTn id="25" dur="1" fill="hold">
+                                          <p:stCondLst>
+                                            <p:cond delay="0"/>
+                                          </p:stCondLst>
+                                        </p:cTn>
+                                        <p:tgtEl>
+                                          <p:spTgt spid="3">
+                                            <p:txEl>
+                                              <p:pRg st="5" end="5"/>
+                                            </p:txEl>
+                                          </p:spTgt>
+                                        </p:tgtEl>
+                                        <p:attrNameLst>
+                                          <p:attrName>style.visibility</p:attrName>
+                                        </p:attrNameLst>
+                                      </p:cBhvr>
+                                      <p:to>
+                                        <p:strVal val="visible"/>
+                                      </p:to>
+                                    </p:set>
+                                    <p:animEffect transition="in" filter="barn(inVertical)">
+                                      <p:cBhvr>
+                                        <p:cTn id="26" dur="500"/>
+                                        <p:tgtEl>
+                                          <p:spTgt spid="3">
+                                            <p:txEl>
+                                              <p:pRg st="5" end="5"/>
+                                            </p:txEl>
+                                          </p:spTgt>
+                                        </p:tgtEl>
+                                      </p:cBhvr>
+                                    </p:animEffect>
+                                  </p:childTnLst>
+                                </p:cTn>
+                              </p:par>
+                            </p:childTnLst>
+                          </p:cTn>
+                        </p:par>
+                      </p:childTnLst>
+                    </p:cTn>
+                  </p:par>
+                  <p:par>
+                    <p:cTn id="27" fill="hold">
+                      <p:stCondLst>
+                        <p:cond delay="indefinite"/>
+                      </p:stCondLst>
+                      <p:childTnLst>
+                        <p:par>
+                          <p:cTn id="28" fill="hold">
+                            <p:stCondLst>
+                              <p:cond delay="0"/>
+                            </p:stCondLst>
+                            <p:childTnLst>
+                              <p:par>
+                                <p:cTn id="29" presetID="16" presetClass="entr" presetSubtype="21" fill="hold" nodeType="clickEffect">
+                                  <p:stCondLst>
+                                    <p:cond delay="0"/>
+                                  </p:stCondLst>
+                                  <p:childTnLst>
+                                    <p:set>
+                                      <p:cBhvr>
+                                        <p:cTn id="30" dur="1" fill="hold">
+                                          <p:stCondLst>
+                                            <p:cond delay="0"/>
+                                          </p:stCondLst>
+                                        </p:cTn>
+                                        <p:tgtEl>
+                                          <p:spTgt spid="3">
+                                            <p:txEl>
+                                              <p:pRg st="6" end="6"/>
+                                            </p:txEl>
+                                          </p:spTgt>
+                                        </p:tgtEl>
+                                        <p:attrNameLst>
+                                          <p:attrName>style.visibility</p:attrName>
+                                        </p:attrNameLst>
+                                      </p:cBhvr>
+                                      <p:to>
+                                        <p:strVal val="visible"/>
+                                      </p:to>
+                                    </p:set>
+                                    <p:animEffect transition="in" filter="barn(inVertical)">
+                                      <p:cBhvr>
+                                        <p:cTn id="31" dur="500"/>
+                                        <p:tgtEl>
+                                          <p:spTgt spid="3">
+                                            <p:txEl>
+                                              <p:pRg st="6" end="6"/>
+                                            </p:txEl>
+                                          </p:spTgt>
+                                        </p:tgtEl>
+                                      </p:cBhvr>
+                                    </p:animEffect>
+                                  </p:childTnLst>
+                                </p:cTn>
+                              </p:par>
+                            </p:childTnLst>
+                          </p:cTn>
+                        </p:par>
+                      </p:childTnLst>
+                    </p:cTn>
+                  </p:par>
+                  <p:par>
+                    <p:cTn id="32" fill="hold">
+                      <p:stCondLst>
+                        <p:cond delay="indefinite"/>
+                      </p:stCondLst>
+                      <p:childTnLst>
+                        <p:par>
+                          <p:cTn id="33" fill="hold">
+                            <p:stCondLst>
+                              <p:cond delay="0"/>
+                            </p:stCondLst>
+                            <p:childTnLst>
+                              <p:par>
+                                <p:cTn id="34" presetID="16" presetClass="entr" presetSubtype="21" fill="hold" nodeType="clickEffect">
+                                  <p:stCondLst>
+                                    <p:cond delay="0"/>
+                                  </p:stCondLst>
+                                  <p:childTnLst>
+                                    <p:set>
+                                      <p:cBhvr>
+                                        <p:cTn id="35" dur="1" fill="hold">
+                                          <p:stCondLst>
+                                            <p:cond delay="0"/>
+                                          </p:stCondLst>
+                                        </p:cTn>
+                                        <p:tgtEl>
+                                          <p:spTgt spid="3">
+                                            <p:txEl>
+                                              <p:pRg st="7" end="7"/>
+                                            </p:txEl>
+                                          </p:spTgt>
+                                        </p:tgtEl>
+                                        <p:attrNameLst>
+                                          <p:attrName>style.visibility</p:attrName>
+                                        </p:attrNameLst>
+                                      </p:cBhvr>
+                                      <p:to>
+                                        <p:strVal val="visible"/>
+                                      </p:to>
+                                    </p:set>
+                                    <p:animEffect transition="in" filter="barn(inVertical)">
+                                      <p:cBhvr>
+                                        <p:cTn id="36" dur="500"/>
+                                        <p:tgtEl>
+                                          <p:spTgt spid="3">
+                                            <p:txEl>
+                                              <p:pRg st="7" end="7"/>
+                                            </p:txEl>
+                                          </p:spTgt>
+                                        </p:tgtEl>
+                                      </p:cBhvr>
+                                    </p:animEffect>
+                                  </p:childTnLst>
+                                </p:cTn>
+                              </p:par>
+                            </p:childTnLst>
+                          </p:cTn>
+                        </p:par>
+                      </p:childTnLst>
+                    </p:cTn>
+                  </p:par>
+                </p:childTnLst>
+              </p:cTn>
+              <p:prevCondLst>
+                <p:cond evt="onPrev" delay="0">
+                  <p:tgtEl>
+                    <p:sldTgt/>
+                  </p:tgtEl>
+                </p:cond>
+              </p:prevCondLst>
+              <p:nextCondLst>
+                <p:cond evt="onNext" delay="0">
+                  <p:tgtEl>
+                    <p:sldTgt/>
+                  </p:tgtEl>
+                </p:cond>
+              </p:nextCondLst>
+            </p:seq>
+          </p:childTnLst>
+        </p:cTn>
+      </p:par>
+    </p:tnLst>
+  </p:timing>
+</p:sld>
+</file>
+
+<file path=ppt/slides/slide15.xml><?xml version="1.0" encoding="utf-8"?>
+<p:sld xmlns:a="http://schemas.openxmlformats.org/drawingml/2006/main" xmlns:r="http://schemas.openxmlformats.org/officeDocument/2006/relationships" xmlns:p="http://schemas.openxmlformats.org/presentationml/2006/main">
+  <p:cSld>
+    <p:spTree>
+      <p:nvGrpSpPr>
+        <p:cNvPr id="1" name=""/>
+        <p:cNvGrpSpPr/>
+        <p:nvPr/>
+      </p:nvGrpSpPr>
+      <p:grpSpPr>
+        <a:xfrm>
+          <a:off x="0" y="0"/>
+          <a:ext cx="0" cy="0"/>
+          <a:chOff x="0" y="0"/>
+          <a:chExt cx="0" cy="0"/>
+        </a:xfrm>
+      </p:grpSpPr>
+      <p:sp>
+        <p:nvSpPr>
+          <p:cNvPr id="2" name="Title 1"/>
+          <p:cNvSpPr>
+            <a:spLocks noGrp="1"/>
+          </p:cNvSpPr>
+          <p:nvPr>
+            <p:ph type="title"/>
+          </p:nvPr>
+        </p:nvSpPr>
+        <p:spPr>
+          <a:xfrm>
+            <a:off x="381000" y="12700"/>
+            <a:ext cx="8229600" cy="901700"/>
+          </a:xfrm>
+        </p:spPr>
+        <p:txBody>
+          <a:bodyPr>
+            <a:normAutofit/>
+          </a:bodyPr>
+          <a:lstStyle/>
+          <a:p>
+            <a:pPr algn="l"/>
+            <a:r>
+              <a:rPr lang="en-US" dirty="0" smtClean="0"/>
+              <a:t>Spark – History</a:t>
+            </a:r>
+            <a:endParaRPr lang="en-US" dirty="0"/>
+          </a:p>
+        </p:txBody>
+      </p:sp>
+      <p:sp>
+        <p:nvSpPr>
+          <p:cNvPr id="3" name="Content Placeholder 2"/>
+          <p:cNvSpPr>
+            <a:spLocks noGrp="1"/>
+          </p:cNvSpPr>
+          <p:nvPr>
+            <p:ph idx="1"/>
+          </p:nvPr>
+        </p:nvSpPr>
+        <p:spPr>
+          <a:xfrm>
+            <a:off x="457200" y="990600"/>
+            <a:ext cx="8382000" cy="5638800"/>
+          </a:xfrm>
+        </p:spPr>
+        <p:txBody>
+          <a:bodyPr>
+            <a:normAutofit fontScale="85000" lnSpcReduction="20000"/>
+          </a:bodyPr>
+          <a:lstStyle/>
+          <a:p>
+            <a:r>
+              <a:rPr lang="en-US" dirty="0" smtClean="0"/>
+              <a:t>Started in 2009 as a research project in UC Berkeley Lab, later become the </a:t>
+            </a:r>
+            <a:r>
+              <a:rPr lang="en-US" dirty="0" err="1" smtClean="0"/>
+              <a:t>AMPLab</a:t>
+            </a:r>
+            <a:r>
+              <a:rPr lang="en-US" dirty="0" smtClean="0"/>
+              <a:t>.</a:t>
+            </a:r>
+          </a:p>
+          <a:p>
+            <a:r>
+              <a:rPr lang="en-US" dirty="0" smtClean="0"/>
+              <a:t>Spark designed on features where </a:t>
+            </a:r>
+            <a:r>
+              <a:rPr lang="en-US" dirty="0" err="1" smtClean="0"/>
+              <a:t>MapReduce</a:t>
+            </a:r>
+            <a:r>
+              <a:rPr lang="en-US" dirty="0" smtClean="0"/>
+              <a:t> was lacking/inefficient, which is interactive and iterative jobs.</a:t>
+            </a:r>
+          </a:p>
+          <a:p>
+            <a:r>
+              <a:rPr lang="en-US" dirty="0" smtClean="0"/>
+              <a:t>Hence the Ideas like in-memory storage and efficient fault recovery were implemented in Spark.</a:t>
+            </a:r>
+          </a:p>
+          <a:p>
+            <a:r>
+              <a:rPr lang="en-US" dirty="0" smtClean="0"/>
+              <a:t>See who are all using - </a:t>
+            </a:r>
+            <a:r>
+              <a:rPr lang="en-US" dirty="0" smtClean="0">
+                <a:hlinkClick r:id="rId2"/>
+              </a:rPr>
+              <a:t>https</a:t>
+            </a:r>
+            <a:r>
+              <a:rPr lang="en-US" dirty="0">
+                <a:hlinkClick r:id="rId2"/>
+              </a:rPr>
+              <a:t>://</a:t>
+            </a:r>
+            <a:r>
+              <a:rPr lang="en-US" dirty="0" smtClean="0">
+                <a:hlinkClick r:id="rId2"/>
+              </a:rPr>
+              <a:t>cwiki.apache.org/confluence/display/SPARK/Powered+By+Spark</a:t>
+            </a:r>
+            <a:endParaRPr lang="en-US" dirty="0" smtClean="0"/>
+          </a:p>
+          <a:p>
+            <a:r>
+              <a:rPr lang="en-US" dirty="0" smtClean="0"/>
+              <a:t>2011, </a:t>
+            </a:r>
+            <a:r>
+              <a:rPr lang="en-US" dirty="0" err="1" smtClean="0"/>
+              <a:t>AMPLabs</a:t>
+            </a:r>
+            <a:r>
+              <a:rPr lang="en-US" dirty="0" smtClean="0"/>
+              <a:t> developed higher-level components on Spark, such as Shark (Hive on Spark) and Spark Streaming. (Shark replaced by Spark SQL)</a:t>
+            </a:r>
+          </a:p>
+          <a:p>
+            <a:r>
+              <a:rPr lang="en-US" dirty="0" smtClean="0"/>
+              <a:t>June 2013, transferred to Apache foundation.</a:t>
+            </a:r>
+          </a:p>
+        </p:txBody>
+      </p:sp>
+    </p:spTree>
+    <p:extLst>
+      <p:ext uri="{BB962C8B-B14F-4D97-AF65-F5344CB8AC3E}">
+        <p14:creationId xmlns:p14="http://schemas.microsoft.com/office/powerpoint/2010/main" val="75133988"/>
+      </p:ext>
+    </p:extLst>
+  </p:cSld>
+  <p:clrMapOvr>
+    <a:masterClrMapping/>
+  </p:clrMapOvr>
+  <p:timing>
+    <p:tnLst>
+      <p:par>
+        <p:cTn id="1" dur="indefinite" restart="never" nodeType="tmRoot">
+          <p:childTnLst>
+            <p:seq concurrent="1" nextAc="seek">
+              <p:cTn id="2" dur="indefinite" nodeType="mainSeq">
+                <p:childTnLst>
+                  <p:par>
+                    <p:cTn id="3" fill="hold">
+                      <p:stCondLst>
+                        <p:cond delay="indefinite"/>
+                      </p:stCondLst>
+                      <p:childTnLst>
+                        <p:par>
+                          <p:cTn id="4" fill="hold">
+                            <p:stCondLst>
+                              <p:cond delay="0"/>
+                            </p:stCondLst>
+                            <p:childTnLst>
+                              <p:par>
+                                <p:cTn id="5" presetID="16" presetClass="entr" presetSubtype="21" fill="hold" nodeType="clickEffect">
+                                  <p:stCondLst>
+                                    <p:cond delay="0"/>
+                                  </p:stCondLst>
+                                  <p:childTnLst>
+                                    <p:set>
+                                      <p:cBhvr>
+                                        <p:cTn id="6" dur="1" fill="hold">
+                                          <p:stCondLst>
+                                            <p:cond delay="0"/>
+                                          </p:stCondLst>
+                                        </p:cTn>
+                                        <p:tgtEl>
+                                          <p:spTgt spid="3">
+                                            <p:txEl>
+                                              <p:pRg st="0" end="0"/>
+                                            </p:txEl>
+                                          </p:spTgt>
+                                        </p:tgtEl>
+                                        <p:attrNameLst>
+                                          <p:attrName>style.visibility</p:attrName>
+                                        </p:attrNameLst>
+                                      </p:cBhvr>
+                                      <p:to>
+                                        <p:strVal val="visible"/>
+                                      </p:to>
+                                    </p:set>
+                                    <p:animEffect transition="in" filter="barn(inVertical)">
+                                      <p:cBhvr>
+                                        <p:cTn id="7" dur="500"/>
+                                        <p:tgtEl>
+                                          <p:spTgt spid="3">
+                                            <p:txEl>
+                                              <p:pRg st="0" end="0"/>
+                                            </p:txEl>
+                                          </p:spTgt>
+                                        </p:tgtEl>
+                                      </p:cBhvr>
+                                    </p:animEffect>
+                                  </p:childTnLst>
+                                </p:cTn>
+                              </p:par>
+                            </p:childTnLst>
+                          </p:cTn>
+                        </p:par>
+                      </p:childTnLst>
+                    </p:cTn>
+                  </p:par>
+                  <p:par>
+                    <p:cTn id="8" fill="hold">
+                      <p:stCondLst>
+                        <p:cond delay="indefinite"/>
+                      </p:stCondLst>
+                      <p:childTnLst>
+                        <p:par>
+                          <p:cTn id="9" fill="hold">
+                            <p:stCondLst>
+                              <p:cond delay="0"/>
+                            </p:stCondLst>
+                            <p:childTnLst>
+                              <p:par>
+                                <p:cTn id="10" presetID="16" presetClass="entr" presetSubtype="21" fill="hold" nodeType="clickEffect">
+                                  <p:stCondLst>
+                                    <p:cond delay="0"/>
+                                  </p:stCondLst>
+                                  <p:childTnLst>
+                                    <p:set>
+                                      <p:cBhvr>
+                                        <p:cTn id="11" dur="1" fill="hold">
+                                          <p:stCondLst>
+                                            <p:cond delay="0"/>
+                                          </p:stCondLst>
+                                        </p:cTn>
+                                        <p:tgtEl>
+                                          <p:spTgt spid="3">
+                                            <p:txEl>
+                                              <p:pRg st="1" end="1"/>
+                                            </p:txEl>
+                                          </p:spTgt>
+                                        </p:tgtEl>
+                                        <p:attrNameLst>
+                                          <p:attrName>style.visibility</p:attrName>
+                                        </p:attrNameLst>
+                                      </p:cBhvr>
+                                      <p:to>
+                                        <p:strVal val="visible"/>
+                                      </p:to>
+                                    </p:set>
+                                    <p:animEffect transition="in" filter="barn(inVertical)">
+                                      <p:cBhvr>
+                                        <p:cTn id="12" dur="500"/>
+                                        <p:tgtEl>
+                                          <p:spTgt spid="3">
+                                            <p:txEl>
+                                              <p:pRg st="1" end="1"/>
+                                            </p:txEl>
+                                          </p:spTgt>
+                                        </p:tgtEl>
+                                      </p:cBhvr>
+                                    </p:animEffect>
+                                  </p:childTnLst>
+                                </p:cTn>
+                              </p:par>
+                            </p:childTnLst>
+                          </p:cTn>
+                        </p:par>
+                      </p:childTnLst>
+                    </p:cTn>
+                  </p:par>
+                  <p:par>
+                    <p:cTn id="13" fill="hold">
+                      <p:stCondLst>
+                        <p:cond delay="indefinite"/>
+                      </p:stCondLst>
+                      <p:childTnLst>
+                        <p:par>
+                          <p:cTn id="14" fill="hold">
+                            <p:stCondLst>
+                              <p:cond delay="0"/>
+                            </p:stCondLst>
+                            <p:childTnLst>
+                              <p:par>
+                                <p:cTn id="15" presetID="16" presetClass="entr" presetSubtype="21" fill="hold" nodeType="clickEffect">
+                                  <p:stCondLst>
+                                    <p:cond delay="0"/>
+                                  </p:stCondLst>
+                                  <p:childTnLst>
+                                    <p:set>
+                                      <p:cBhvr>
+                                        <p:cTn id="16" dur="1" fill="hold">
+                                          <p:stCondLst>
+                                            <p:cond delay="0"/>
+                                          </p:stCondLst>
+                                        </p:cTn>
+                                        <p:tgtEl>
+                                          <p:spTgt spid="3">
+                                            <p:txEl>
+                                              <p:pRg st="2" end="2"/>
+                                            </p:txEl>
+                                          </p:spTgt>
+                                        </p:tgtEl>
+                                        <p:attrNameLst>
+                                          <p:attrName>style.visibility</p:attrName>
+                                        </p:attrNameLst>
+                                      </p:cBhvr>
+                                      <p:to>
+                                        <p:strVal val="visible"/>
+                                      </p:to>
+                                    </p:set>
+                                    <p:animEffect transition="in" filter="barn(inVertical)">
+                                      <p:cBhvr>
+                                        <p:cTn id="17" dur="500"/>
+                                        <p:tgtEl>
+                                          <p:spTgt spid="3">
+                                            <p:txEl>
+                                              <p:pRg st="2" end="2"/>
+                                            </p:txEl>
+                                          </p:spTgt>
+                                        </p:tgtEl>
+                                      </p:cBhvr>
+                                    </p:animEffect>
+                                  </p:childTnLst>
+                                </p:cTn>
+                              </p:par>
+                            </p:childTnLst>
+                          </p:cTn>
+                        </p:par>
+                      </p:childTnLst>
+                    </p:cTn>
+                  </p:par>
+                  <p:par>
+                    <p:cTn id="18" fill="hold">
+                      <p:stCondLst>
+                        <p:cond delay="indefinite"/>
+                      </p:stCondLst>
+                      <p:childTnLst>
+                        <p:par>
+                          <p:cTn id="19" fill="hold">
+                            <p:stCondLst>
+                              <p:cond delay="0"/>
+                            </p:stCondLst>
+                            <p:childTnLst>
+                              <p:par>
+                                <p:cTn id="20" presetID="16" presetClass="entr" presetSubtype="21" fill="hold" nodeType="clickEffect">
+                                  <p:stCondLst>
+                                    <p:cond delay="0"/>
+                                  </p:stCondLst>
+                                  <p:childTnLst>
+                                    <p:set>
+                                      <p:cBhvr>
+                                        <p:cTn id="21" dur="1" fill="hold">
+                                          <p:stCondLst>
+                                            <p:cond delay="0"/>
+                                          </p:stCondLst>
+                                        </p:cTn>
+                                        <p:tgtEl>
+                                          <p:spTgt spid="3">
+                                            <p:txEl>
+                                              <p:pRg st="3" end="3"/>
+                                            </p:txEl>
+                                          </p:spTgt>
+                                        </p:tgtEl>
+                                        <p:attrNameLst>
+                                          <p:attrName>style.visibility</p:attrName>
+                                        </p:attrNameLst>
+                                      </p:cBhvr>
+                                      <p:to>
+                                        <p:strVal val="visible"/>
+                                      </p:to>
+                                    </p:set>
+                                    <p:animEffect transition="in" filter="barn(inVertical)">
+                                      <p:cBhvr>
+                                        <p:cTn id="22" dur="500"/>
+                                        <p:tgtEl>
+                                          <p:spTgt spid="3">
+                                            <p:txEl>
+                                              <p:pRg st="3" end="3"/>
+                                            </p:txEl>
+                                          </p:spTgt>
+                                        </p:tgtEl>
+                                      </p:cBhvr>
+                                    </p:animEffect>
+                                  </p:childTnLst>
+                                </p:cTn>
+                              </p:par>
+                            </p:childTnLst>
+                          </p:cTn>
+                        </p:par>
+                      </p:childTnLst>
+                    </p:cTn>
+                  </p:par>
+                  <p:par>
+                    <p:cTn id="23" fill="hold">
+                      <p:stCondLst>
+                        <p:cond delay="indefinite"/>
+                      </p:stCondLst>
+                      <p:childTnLst>
+                        <p:par>
+                          <p:cTn id="24" fill="hold">
+                            <p:stCondLst>
+                              <p:cond delay="0"/>
+                            </p:stCondLst>
+                            <p:childTnLst>
+                              <p:par>
+                                <p:cTn id="25" presetID="16" presetClass="entr" presetSubtype="21" fill="hold" nodeType="clickEffect">
+                                  <p:stCondLst>
+                                    <p:cond delay="0"/>
+                                  </p:stCondLst>
+                                  <p:childTnLst>
+                                    <p:set>
+                                      <p:cBhvr>
+                                        <p:cTn id="26" dur="1" fill="hold">
+                                          <p:stCondLst>
+                                            <p:cond delay="0"/>
+                                          </p:stCondLst>
+                                        </p:cTn>
+                                        <p:tgtEl>
+                                          <p:spTgt spid="3">
+                                            <p:txEl>
+                                              <p:pRg st="4" end="4"/>
+                                            </p:txEl>
+                                          </p:spTgt>
+                                        </p:tgtEl>
+                                        <p:attrNameLst>
+                                          <p:attrName>style.visibility</p:attrName>
+                                        </p:attrNameLst>
+                                      </p:cBhvr>
+                                      <p:to>
+                                        <p:strVal val="visible"/>
+                                      </p:to>
+                                    </p:set>
+                                    <p:animEffect transition="in" filter="barn(inVertical)">
+                                      <p:cBhvr>
+                                        <p:cTn id="27" dur="500"/>
+                                        <p:tgtEl>
+                                          <p:spTgt spid="3">
+                                            <p:txEl>
+                                              <p:pRg st="4" end="4"/>
+                                            </p:txEl>
+                                          </p:spTgt>
+                                        </p:tgtEl>
+                                      </p:cBhvr>
+                                    </p:animEffect>
+                                  </p:childTnLst>
+                                </p:cTn>
+                              </p:par>
+                            </p:childTnLst>
+                          </p:cTn>
+                        </p:par>
+                      </p:childTnLst>
+                    </p:cTn>
+                  </p:par>
+                  <p:par>
+                    <p:cTn id="28" fill="hold">
+                      <p:stCondLst>
+                        <p:cond delay="indefinite"/>
+                      </p:stCondLst>
+                      <p:childTnLst>
+                        <p:par>
+                          <p:cTn id="29" fill="hold">
+                            <p:stCondLst>
+                              <p:cond delay="0"/>
+                            </p:stCondLst>
+                            <p:childTnLst>
+                              <p:par>
+                                <p:cTn id="30" presetID="16" presetClass="entr" presetSubtype="21" fill="hold" nodeType="clickEffect">
+                                  <p:stCondLst>
+                                    <p:cond delay="0"/>
+                                  </p:stCondLst>
+                                  <p:childTnLst>
+                                    <p:set>
+                                      <p:cBhvr>
+                                        <p:cTn id="31" dur="1" fill="hold">
+                                          <p:stCondLst>
+                                            <p:cond delay="0"/>
+                                          </p:stCondLst>
+                                        </p:cTn>
+                                        <p:tgtEl>
+                                          <p:spTgt spid="3">
+                                            <p:txEl>
+                                              <p:pRg st="5" end="5"/>
+                                            </p:txEl>
+                                          </p:spTgt>
+                                        </p:tgtEl>
+                                        <p:attrNameLst>
+                                          <p:attrName>style.visibility</p:attrName>
+                                        </p:attrNameLst>
+                                      </p:cBhvr>
+                                      <p:to>
+                                        <p:strVal val="visible"/>
+                                      </p:to>
+                                    </p:set>
+                                    <p:animEffect transition="in" filter="barn(inVertical)">
+                                      <p:cBhvr>
+                                        <p:cTn id="32" dur="500"/>
+                                        <p:tgtEl>
+                                          <p:spTgt spid="3">
+                                            <p:txEl>
+                                              <p:pRg st="5" end="5"/>
+                                            </p:txEl>
+                                          </p:spTgt>
+                                        </p:tgtEl>
+                                      </p:cBhvr>
+                                    </p:animEffect>
+                                  </p:childTnLst>
+                                </p:cTn>
+                              </p:par>
+                            </p:childTnLst>
+                          </p:cTn>
+                        </p:par>
+                      </p:childTnLst>
+                    </p:cTn>
+                  </p:par>
+                </p:childTnLst>
+              </p:cTn>
+              <p:prevCondLst>
+                <p:cond evt="onPrev" delay="0">
+                  <p:tgtEl>
+                    <p:sldTgt/>
+                  </p:tgtEl>
+                </p:cond>
+              </p:prevCondLst>
+              <p:nextCondLst>
+                <p:cond evt="onNext" delay="0">
+                  <p:tgtEl>
+                    <p:sldTgt/>
+                  </p:tgtEl>
+                </p:cond>
+              </p:nextCondLst>
+            </p:seq>
+          </p:childTnLst>
+        </p:cTn>
+      </p:par>
+    </p:tnLst>
+  </p:timing>
+</p:sld>
+</file>
+
+<file path=ppt/slides/slide16.xml><?xml version="1.0" encoding="utf-8"?>
+<p:sld xmlns:a="http://schemas.openxmlformats.org/drawingml/2006/main" xmlns:r="http://schemas.openxmlformats.org/officeDocument/2006/relationships" xmlns:p="http://schemas.openxmlformats.org/presentationml/2006/main">
+  <p:cSld>
+    <p:spTree>
+      <p:nvGrpSpPr>
+        <p:cNvPr id="1" name=""/>
+        <p:cNvGrpSpPr/>
+        <p:nvPr/>
+      </p:nvGrpSpPr>
+      <p:grpSpPr>
+        <a:xfrm>
+          <a:off x="0" y="0"/>
+          <a:ext cx="0" cy="0"/>
+          <a:chOff x="0" y="0"/>
+          <a:chExt cx="0" cy="0"/>
+        </a:xfrm>
+      </p:grpSpPr>
+      <p:sp>
+        <p:nvSpPr>
+          <p:cNvPr id="2" name="Title 1"/>
+          <p:cNvSpPr>
+            <a:spLocks noGrp="1"/>
+          </p:cNvSpPr>
+          <p:nvPr>
+            <p:ph type="title"/>
+          </p:nvPr>
+        </p:nvSpPr>
+        <p:spPr>
+          <a:xfrm>
+            <a:off x="381000" y="12700"/>
+            <a:ext cx="8229600" cy="901700"/>
+          </a:xfrm>
+        </p:spPr>
+        <p:txBody>
+          <a:bodyPr>
+            <a:normAutofit/>
+          </a:bodyPr>
+          <a:lstStyle/>
+          <a:p>
+            <a:pPr algn="l"/>
+            <a:r>
+              <a:rPr lang="en-US" dirty="0" smtClean="0"/>
+              <a:t>Spark – Versions</a:t>
+            </a:r>
+            <a:endParaRPr lang="en-US" dirty="0"/>
+          </a:p>
+        </p:txBody>
+      </p:sp>
+      <p:sp>
+        <p:nvSpPr>
+          <p:cNvPr id="3" name="Content Placeholder 2"/>
+          <p:cNvSpPr>
+            <a:spLocks noGrp="1"/>
+          </p:cNvSpPr>
+          <p:nvPr>
+            <p:ph idx="1"/>
+          </p:nvPr>
+        </p:nvSpPr>
+        <p:spPr>
+          <a:xfrm>
+            <a:off x="457200" y="990600"/>
+            <a:ext cx="8382000" cy="5638800"/>
+          </a:xfrm>
+        </p:spPr>
+        <p:txBody>
+          <a:bodyPr>
+            <a:normAutofit fontScale="70000" lnSpcReduction="20000"/>
+          </a:bodyPr>
+          <a:lstStyle/>
+          <a:p>
+            <a:r>
+              <a:rPr lang="en-US" dirty="0"/>
+              <a:t>Spark 1.6.0 (latest release)</a:t>
+            </a:r>
+          </a:p>
+          <a:p>
+            <a:r>
+              <a:rPr lang="en-US" dirty="0"/>
+              <a:t>Spark 1.5.2</a:t>
+            </a:r>
+          </a:p>
+          <a:p>
+            <a:r>
+              <a:rPr lang="en-US" dirty="0"/>
+              <a:t>Spark 1.5.1</a:t>
+            </a:r>
+          </a:p>
+          <a:p>
+            <a:r>
+              <a:rPr lang="en-US" dirty="0"/>
+              <a:t>Spark 1.5.0</a:t>
+            </a:r>
+          </a:p>
+          <a:p>
+            <a:r>
+              <a:rPr lang="en-US" dirty="0"/>
+              <a:t>Spark 1.4.1</a:t>
+            </a:r>
+          </a:p>
+          <a:p>
+            <a:r>
+              <a:rPr lang="en-US" dirty="0"/>
+              <a:t>Spark 1.4.0</a:t>
+            </a:r>
+          </a:p>
+          <a:p>
+            <a:r>
+              <a:rPr lang="en-US" dirty="0"/>
+              <a:t>Spark 1.3.1</a:t>
+            </a:r>
+          </a:p>
+          <a:p>
+            <a:r>
+              <a:rPr lang="en-US" dirty="0"/>
+              <a:t>Spark 1.3.0</a:t>
+            </a:r>
+          </a:p>
+          <a:p>
+            <a:r>
+              <a:rPr lang="en-US" dirty="0"/>
+              <a:t>Spark 1.2.1</a:t>
+            </a:r>
+          </a:p>
+          <a:p>
+            <a:r>
+              <a:rPr lang="en-US" dirty="0"/>
+              <a:t>Spark 1.1.1</a:t>
+            </a:r>
+          </a:p>
+          <a:p>
+            <a:r>
+              <a:rPr lang="en-US" dirty="0"/>
+              <a:t>Spark 1.0.2</a:t>
+            </a:r>
+          </a:p>
+          <a:p>
+            <a:r>
+              <a:rPr lang="en-US" dirty="0"/>
+              <a:t>Spark 0.9.2</a:t>
+            </a:r>
+          </a:p>
+          <a:p>
+            <a:r>
+              <a:rPr lang="en-US" dirty="0"/>
+              <a:t>Spark 0.8.1</a:t>
+            </a:r>
+          </a:p>
+          <a:p>
+            <a:r>
+              <a:rPr lang="en-US" dirty="0"/>
+              <a:t>Spark 0.7.3</a:t>
+            </a:r>
+          </a:p>
+          <a:p>
+            <a:r>
+              <a:rPr lang="en-US" dirty="0"/>
+              <a:t>Spark 0.6.2</a:t>
+            </a:r>
+            <a:endParaRPr lang="en-US" dirty="0" smtClean="0"/>
+          </a:p>
+        </p:txBody>
+      </p:sp>
+    </p:spTree>
+    <p:extLst>
+      <p:ext uri="{BB962C8B-B14F-4D97-AF65-F5344CB8AC3E}">
+        <p14:creationId xmlns:p14="http://schemas.microsoft.com/office/powerpoint/2010/main" val="2603634896"/>
+      </p:ext>
+    </p:extLst>
+  </p:cSld>
+  <p:clrMapOvr>
+    <a:masterClrMapping/>
+  </p:clrMapOvr>
+  <p:timing>
+    <p:tnLst>
+      <p:par>
+        <p:cTn id="1" dur="indefinite" restart="never" nodeType="tmRoot"/>
+      </p:par>
+    </p:tnLst>
+  </p:timing>
+</p:sld>
+</file>
+
+<file path=ppt/slides/slide17.xml><?xml version="1.0" encoding="utf-8"?>
+<p:sld xmlns:a="http://schemas.openxmlformats.org/drawingml/2006/main" xmlns:r="http://schemas.openxmlformats.org/officeDocument/2006/relationships" xmlns:p="http://schemas.openxmlformats.org/presentationml/2006/main">
+  <p:cSld>
+    <p:spTree>
+      <p:nvGrpSpPr>
+        <p:cNvPr id="1" name=""/>
+        <p:cNvGrpSpPr/>
+        <p:nvPr/>
+      </p:nvGrpSpPr>
+      <p:grpSpPr>
+        <a:xfrm>
+          <a:off x="0" y="0"/>
+          <a:ext cx="0" cy="0"/>
+          <a:chOff x="0" y="0"/>
+          <a:chExt cx="0" cy="0"/>
+        </a:xfrm>
+      </p:grpSpPr>
+      <p:sp>
+        <p:nvSpPr>
+          <p:cNvPr id="2" name="Title 1"/>
+          <p:cNvSpPr>
+            <a:spLocks noGrp="1"/>
+          </p:cNvSpPr>
+          <p:nvPr>
+            <p:ph type="title"/>
+          </p:nvPr>
+        </p:nvSpPr>
+        <p:spPr>
+          <a:xfrm>
+            <a:off x="381000" y="12700"/>
+            <a:ext cx="8229600" cy="901700"/>
+          </a:xfrm>
+        </p:spPr>
+        <p:txBody>
+          <a:bodyPr>
+            <a:normAutofit/>
+          </a:bodyPr>
+          <a:lstStyle/>
+          <a:p>
+            <a:pPr algn="l"/>
+            <a:r>
+              <a:rPr lang="en-US" dirty="0" smtClean="0"/>
+              <a:t>Spark – Installation</a:t>
+            </a:r>
+            <a:endParaRPr lang="en-US" dirty="0"/>
+          </a:p>
+        </p:txBody>
+      </p:sp>
+      <p:sp>
+        <p:nvSpPr>
+          <p:cNvPr id="3" name="Content Placeholder 2"/>
+          <p:cNvSpPr>
+            <a:spLocks noGrp="1"/>
+          </p:cNvSpPr>
+          <p:nvPr>
+            <p:ph idx="1"/>
+          </p:nvPr>
+        </p:nvSpPr>
+        <p:spPr>
+          <a:xfrm>
+            <a:off x="457200" y="990600"/>
+            <a:ext cx="8382000" cy="5410200"/>
+          </a:xfrm>
+        </p:spPr>
+        <p:txBody>
+          <a:bodyPr>
+            <a:normAutofit fontScale="62500" lnSpcReduction="20000"/>
+          </a:bodyPr>
+          <a:lstStyle/>
+          <a:p>
+            <a:r>
+              <a:rPr lang="en-US" dirty="0" smtClean="0"/>
+              <a:t>Download the latest package of type “Pre-built </a:t>
+            </a:r>
+            <a:r>
+              <a:rPr lang="en-US" dirty="0"/>
+              <a:t>for Hadoop </a:t>
+            </a:r>
+            <a:r>
+              <a:rPr lang="en-US" dirty="0" smtClean="0"/>
+              <a:t>2.6 and later”</a:t>
+            </a:r>
+          </a:p>
+          <a:p>
+            <a:r>
+              <a:rPr lang="en-US" dirty="0" smtClean="0"/>
+              <a:t>Un compress the </a:t>
+            </a:r>
+            <a:r>
+              <a:rPr lang="en-US" dirty="0" err="1" smtClean="0"/>
+              <a:t>tarballs</a:t>
+            </a:r>
+            <a:endParaRPr lang="en-US" dirty="0" smtClean="0"/>
+          </a:p>
+          <a:p>
+            <a:r>
+              <a:rPr lang="en-US" dirty="0" smtClean="0"/>
+              <a:t>Windows – install spark in a directory with no space in the directory name.</a:t>
+            </a:r>
+          </a:p>
+          <a:p>
+            <a:r>
+              <a:rPr lang="en-US" dirty="0" smtClean="0"/>
+              <a:t>No need to have Hadoop. If you have an existing Hadoop cluster or HDFS installation, download matching version.</a:t>
+            </a:r>
+          </a:p>
+          <a:p>
+            <a:r>
+              <a:rPr lang="en-US" dirty="0" smtClean="0"/>
+              <a:t>Spark folder contains</a:t>
+            </a:r>
+          </a:p>
+          <a:p>
+            <a:pPr lvl="1"/>
+            <a:r>
+              <a:rPr lang="en-US" dirty="0" smtClean="0"/>
+              <a:t>Bin – contains executables that can be used to interact with spark, like Spark shell</a:t>
+            </a:r>
+          </a:p>
+          <a:p>
+            <a:pPr lvl="1"/>
+            <a:r>
+              <a:rPr lang="en-US" dirty="0" smtClean="0"/>
+              <a:t>Core, Streaming, Python – contains the source code of major components of Spark project</a:t>
+            </a:r>
+          </a:p>
+          <a:p>
+            <a:pPr lvl="1"/>
+            <a:r>
+              <a:rPr lang="en-US" dirty="0" smtClean="0"/>
+              <a:t>Examples – Spark standalone jobs that you can run and learn about the Spark API.</a:t>
+            </a:r>
+          </a:p>
+          <a:p>
+            <a:r>
+              <a:rPr lang="en-US" dirty="0" smtClean="0"/>
+              <a:t>Tryout Spark’s Python and Scala shells.</a:t>
+            </a:r>
+          </a:p>
+          <a:p>
+            <a:r>
+              <a:rPr lang="en-US" dirty="0" smtClean="0"/>
+              <a:t>First run some examples that come with Spark, and </a:t>
+            </a:r>
+            <a:r>
+              <a:rPr lang="en-US" dirty="0" err="1" smtClean="0"/>
+              <a:t>write,compile</a:t>
+            </a:r>
+            <a:r>
+              <a:rPr lang="en-US" dirty="0" smtClean="0"/>
+              <a:t> and run simple spark jobs.</a:t>
+            </a:r>
+          </a:p>
+          <a:p>
+            <a:r>
+              <a:rPr lang="en-US" dirty="0" smtClean="0"/>
+              <a:t>We first see running the spark in local mode, that uses only single machine.</a:t>
+            </a:r>
+          </a:p>
+          <a:p>
+            <a:r>
+              <a:rPr lang="en-US" dirty="0" smtClean="0"/>
+              <a:t>Spark cab also be run on </a:t>
+            </a:r>
+            <a:r>
+              <a:rPr lang="en-US" dirty="0" err="1" smtClean="0"/>
+              <a:t>Mesos</a:t>
+            </a:r>
+            <a:r>
+              <a:rPr lang="en-US" dirty="0" smtClean="0"/>
+              <a:t>, YARN or Standalone Scheduler(included in Spark distribution)</a:t>
+            </a:r>
+          </a:p>
+        </p:txBody>
+      </p:sp>
+    </p:spTree>
+    <p:extLst>
+      <p:ext uri="{BB962C8B-B14F-4D97-AF65-F5344CB8AC3E}">
+        <p14:creationId xmlns:p14="http://schemas.microsoft.com/office/powerpoint/2010/main" val="707892724"/>
+      </p:ext>
+    </p:extLst>
+  </p:cSld>
+  <p:clrMapOvr>
+    <a:masterClrMapping/>
+  </p:clrMapOvr>
+  <p:timing>
+    <p:tnLst>
+      <p:par>
+        <p:cTn id="1" dur="indefinite" restart="never" nodeType="tmRoot">
+          <p:childTnLst>
+            <p:seq concurrent="1" nextAc="seek">
+              <p:cTn id="2" dur="indefinite" nodeType="mainSeq">
+                <p:childTnLst>
+                  <p:par>
+                    <p:cTn id="3" fill="hold">
+                      <p:stCondLst>
+                        <p:cond delay="indefinite"/>
+                      </p:stCondLst>
+                      <p:childTnLst>
+                        <p:par>
+                          <p:cTn id="4" fill="hold">
+                            <p:stCondLst>
+                              <p:cond delay="0"/>
+                            </p:stCondLst>
+                            <p:childTnLst>
+                              <p:par>
+                                <p:cTn id="5" presetID="16" presetClass="entr" presetSubtype="21" fill="hold" nodeType="clickEffect">
+                                  <p:stCondLst>
+                                    <p:cond delay="0"/>
+                                  </p:stCondLst>
+                                  <p:childTnLst>
+                                    <p:set>
+                                      <p:cBhvr>
+                                        <p:cTn id="6" dur="1" fill="hold">
+                                          <p:stCondLst>
+                                            <p:cond delay="0"/>
+                                          </p:stCondLst>
+                                        </p:cTn>
+                                        <p:tgtEl>
+                                          <p:spTgt spid="3">
+                                            <p:txEl>
+                                              <p:pRg st="0" end="0"/>
+                                            </p:txEl>
+                                          </p:spTgt>
+                                        </p:tgtEl>
+                                        <p:attrNameLst>
+                                          <p:attrName>style.visibility</p:attrName>
+                                        </p:attrNameLst>
+                                      </p:cBhvr>
+                                      <p:to>
+                                        <p:strVal val="visible"/>
+                                      </p:to>
+                                    </p:set>
+                                    <p:animEffect transition="in" filter="barn(inVertical)">
+                                      <p:cBhvr>
+                                        <p:cTn id="7" dur="500"/>
+                                        <p:tgtEl>
+                                          <p:spTgt spid="3">
+                                            <p:txEl>
+                                              <p:pRg st="0" end="0"/>
+                                            </p:txEl>
+                                          </p:spTgt>
+                                        </p:tgtEl>
+                                      </p:cBhvr>
+                                    </p:animEffect>
+                                  </p:childTnLst>
+                                </p:cTn>
+                              </p:par>
+                            </p:childTnLst>
+                          </p:cTn>
+                        </p:par>
+                      </p:childTnLst>
+                    </p:cTn>
+                  </p:par>
+                  <p:par>
+                    <p:cTn id="8" fill="hold">
+                      <p:stCondLst>
+                        <p:cond delay="indefinite"/>
+                      </p:stCondLst>
+                      <p:childTnLst>
+                        <p:par>
+                          <p:cTn id="9" fill="hold">
+                            <p:stCondLst>
+                              <p:cond delay="0"/>
+                            </p:stCondLst>
+                            <p:childTnLst>
+                              <p:par>
+                                <p:cTn id="10" presetID="16" presetClass="entr" presetSubtype="21" fill="hold" nodeType="clickEffect">
+                                  <p:stCondLst>
+                                    <p:cond delay="0"/>
+                                  </p:stCondLst>
+                                  <p:childTnLst>
+                                    <p:set>
+                                      <p:cBhvr>
+                                        <p:cTn id="11" dur="1" fill="hold">
+                                          <p:stCondLst>
+                                            <p:cond delay="0"/>
+                                          </p:stCondLst>
+                                        </p:cTn>
+                                        <p:tgtEl>
+                                          <p:spTgt spid="3">
+                                            <p:txEl>
+                                              <p:pRg st="1" end="1"/>
+                                            </p:txEl>
+                                          </p:spTgt>
+                                        </p:tgtEl>
+                                        <p:attrNameLst>
+                                          <p:attrName>style.visibility</p:attrName>
+                                        </p:attrNameLst>
+                                      </p:cBhvr>
+                                      <p:to>
+                                        <p:strVal val="visible"/>
+                                      </p:to>
+                                    </p:set>
+                                    <p:animEffect transition="in" filter="barn(inVertical)">
+                                      <p:cBhvr>
+                                        <p:cTn id="12" dur="500"/>
+                                        <p:tgtEl>
+                                          <p:spTgt spid="3">
+                                            <p:txEl>
+                                              <p:pRg st="1" end="1"/>
+                                            </p:txEl>
+                                          </p:spTgt>
+                                        </p:tgtEl>
+                                      </p:cBhvr>
+                                    </p:animEffect>
+                                  </p:childTnLst>
+                                </p:cTn>
+                              </p:par>
+                            </p:childTnLst>
+                          </p:cTn>
+                        </p:par>
+                      </p:childTnLst>
+                    </p:cTn>
+                  </p:par>
+                  <p:par>
+                    <p:cTn id="13" fill="hold">
+                      <p:stCondLst>
+                        <p:cond delay="indefinite"/>
+                      </p:stCondLst>
+                      <p:childTnLst>
+                        <p:par>
+                          <p:cTn id="14" fill="hold">
+                            <p:stCondLst>
+                              <p:cond delay="0"/>
+                            </p:stCondLst>
+                            <p:childTnLst>
+                              <p:par>
+                                <p:cTn id="15" presetID="16" presetClass="entr" presetSubtype="21" fill="hold" nodeType="clickEffect">
+                                  <p:stCondLst>
+                                    <p:cond delay="0"/>
+                                  </p:stCondLst>
+                                  <p:childTnLst>
+                                    <p:set>
+                                      <p:cBhvr>
+                                        <p:cTn id="16" dur="1" fill="hold">
+                                          <p:stCondLst>
+                                            <p:cond delay="0"/>
+                                          </p:stCondLst>
+                                        </p:cTn>
+                                        <p:tgtEl>
+                                          <p:spTgt spid="3">
+                                            <p:txEl>
+                                              <p:pRg st="2" end="2"/>
+                                            </p:txEl>
+                                          </p:spTgt>
+                                        </p:tgtEl>
+                                        <p:attrNameLst>
+                                          <p:attrName>style.visibility</p:attrName>
+                                        </p:attrNameLst>
+                                      </p:cBhvr>
+                                      <p:to>
+                                        <p:strVal val="visible"/>
+                                      </p:to>
+                                    </p:set>
+                                    <p:animEffect transition="in" filter="barn(inVertical)">
+                                      <p:cBhvr>
+                                        <p:cTn id="17" dur="500"/>
+                                        <p:tgtEl>
+                                          <p:spTgt spid="3">
+                                            <p:txEl>
+                                              <p:pRg st="2" end="2"/>
+                                            </p:txEl>
+                                          </p:spTgt>
+                                        </p:tgtEl>
+                                      </p:cBhvr>
+                                    </p:animEffect>
+                                  </p:childTnLst>
+                                </p:cTn>
+                              </p:par>
+                            </p:childTnLst>
+                          </p:cTn>
+                        </p:par>
+                      </p:childTnLst>
+                    </p:cTn>
+                  </p:par>
+                  <p:par>
+                    <p:cTn id="18" fill="hold">
+                      <p:stCondLst>
+                        <p:cond delay="indefinite"/>
+                      </p:stCondLst>
+                      <p:childTnLst>
+                        <p:par>
+                          <p:cTn id="19" fill="hold">
+                            <p:stCondLst>
+                              <p:cond delay="0"/>
+                            </p:stCondLst>
+                            <p:childTnLst>
+                              <p:par>
+                                <p:cTn id="20" presetID="16" presetClass="entr" presetSubtype="21" fill="hold" nodeType="clickEffect">
+                                  <p:stCondLst>
+                                    <p:cond delay="0"/>
+                                  </p:stCondLst>
+                                  <p:childTnLst>
+                                    <p:set>
+                                      <p:cBhvr>
+                                        <p:cTn id="21" dur="1" fill="hold">
+                                          <p:stCondLst>
+                                            <p:cond delay="0"/>
+                                          </p:stCondLst>
+                                        </p:cTn>
+                                        <p:tgtEl>
+                                          <p:spTgt spid="3">
+                                            <p:txEl>
+                                              <p:pRg st="3" end="3"/>
+                                            </p:txEl>
+                                          </p:spTgt>
+                                        </p:tgtEl>
+                                        <p:attrNameLst>
+                                          <p:attrName>style.visibility</p:attrName>
+                                        </p:attrNameLst>
+                                      </p:cBhvr>
+                                      <p:to>
+                                        <p:strVal val="visible"/>
+                                      </p:to>
+                                    </p:set>
+                                    <p:animEffect transition="in" filter="barn(inVertical)">
+                                      <p:cBhvr>
+                                        <p:cTn id="22" dur="500"/>
+                                        <p:tgtEl>
+                                          <p:spTgt spid="3">
+                                            <p:txEl>
+                                              <p:pRg st="3" end="3"/>
+                                            </p:txEl>
+                                          </p:spTgt>
+                                        </p:tgtEl>
+                                      </p:cBhvr>
+                                    </p:animEffect>
+                                  </p:childTnLst>
+                                </p:cTn>
+                              </p:par>
+                            </p:childTnLst>
+                          </p:cTn>
+                        </p:par>
+                      </p:childTnLst>
+                    </p:cTn>
+                  </p:par>
+                  <p:par>
+                    <p:cTn id="23" fill="hold">
+                      <p:stCondLst>
+                        <p:cond delay="indefinite"/>
+                      </p:stCondLst>
+                      <p:childTnLst>
+                        <p:par>
+                          <p:cTn id="24" fill="hold">
+                            <p:stCondLst>
+                              <p:cond delay="0"/>
+                            </p:stCondLst>
+                            <p:childTnLst>
+                              <p:par>
+                                <p:cTn id="25" presetID="16" presetClass="entr" presetSubtype="21" fill="hold" nodeType="clickEffect">
+                                  <p:stCondLst>
+                                    <p:cond delay="0"/>
+                                  </p:stCondLst>
+                                  <p:childTnLst>
+                                    <p:set>
+                                      <p:cBhvr>
+                                        <p:cTn id="26" dur="1" fill="hold">
+                                          <p:stCondLst>
+                                            <p:cond delay="0"/>
+                                          </p:stCondLst>
+                                        </p:cTn>
+                                        <p:tgtEl>
+                                          <p:spTgt spid="3">
+                                            <p:txEl>
+                                              <p:pRg st="4" end="4"/>
+                                            </p:txEl>
+                                          </p:spTgt>
+                                        </p:tgtEl>
+                                        <p:attrNameLst>
+                                          <p:attrName>style.visibility</p:attrName>
+                                        </p:attrNameLst>
+                                      </p:cBhvr>
+                                      <p:to>
+                                        <p:strVal val="visible"/>
+                                      </p:to>
+                                    </p:set>
+                                    <p:animEffect transition="in" filter="barn(inVertical)">
+                                      <p:cBhvr>
+                                        <p:cTn id="27" dur="500"/>
+                                        <p:tgtEl>
+                                          <p:spTgt spid="3">
+                                            <p:txEl>
+                                              <p:pRg st="4" end="4"/>
+                                            </p:txEl>
+                                          </p:spTgt>
+                                        </p:tgtEl>
+                                      </p:cBhvr>
+                                    </p:animEffect>
+                                  </p:childTnLst>
+                                </p:cTn>
+                              </p:par>
+                              <p:par>
+                                <p:cTn id="28" presetID="16" presetClass="entr" presetSubtype="21" fill="hold" nodeType="withEffect">
+                                  <p:stCondLst>
+                                    <p:cond delay="0"/>
+                                  </p:stCondLst>
+                                  <p:childTnLst>
+                                    <p:set>
+                                      <p:cBhvr>
+                                        <p:cTn id="29" dur="1" fill="hold">
+                                          <p:stCondLst>
+                                            <p:cond delay="0"/>
+                                          </p:stCondLst>
+                                        </p:cTn>
+                                        <p:tgtEl>
+                                          <p:spTgt spid="3">
+                                            <p:txEl>
+                                              <p:pRg st="5" end="5"/>
+                                            </p:txEl>
+                                          </p:spTgt>
+                                        </p:tgtEl>
+                                        <p:attrNameLst>
+                                          <p:attrName>style.visibility</p:attrName>
+                                        </p:attrNameLst>
+                                      </p:cBhvr>
+                                      <p:to>
+                                        <p:strVal val="visible"/>
+                                      </p:to>
+                                    </p:set>
+                                    <p:animEffect transition="in" filter="barn(inVertical)">
+                                      <p:cBhvr>
+                                        <p:cTn id="30" dur="500"/>
+                                        <p:tgtEl>
+                                          <p:spTgt spid="3">
+                                            <p:txEl>
+                                              <p:pRg st="5" end="5"/>
+                                            </p:txEl>
+                                          </p:spTgt>
+                                        </p:tgtEl>
+                                      </p:cBhvr>
+                                    </p:animEffect>
+                                  </p:childTnLst>
+                                </p:cTn>
+                              </p:par>
+                              <p:par>
+                                <p:cTn id="31" presetID="16" presetClass="entr" presetSubtype="21" fill="hold" nodeType="withEffect">
+                                  <p:stCondLst>
+                                    <p:cond delay="0"/>
+                                  </p:stCondLst>
+                                  <p:childTnLst>
+                                    <p:set>
+                                      <p:cBhvr>
+                                        <p:cTn id="32" dur="1" fill="hold">
+                                          <p:stCondLst>
+                                            <p:cond delay="0"/>
+                                          </p:stCondLst>
+                                        </p:cTn>
+                                        <p:tgtEl>
+                                          <p:spTgt spid="3">
+                                            <p:txEl>
+                                              <p:pRg st="6" end="6"/>
+                                            </p:txEl>
+                                          </p:spTgt>
+                                        </p:tgtEl>
+                                        <p:attrNameLst>
+                                          <p:attrName>style.visibility</p:attrName>
+                                        </p:attrNameLst>
+                                      </p:cBhvr>
+                                      <p:to>
+                                        <p:strVal val="visible"/>
+                                      </p:to>
+                                    </p:set>
+                                    <p:animEffect transition="in" filter="barn(inVertical)">
+                                      <p:cBhvr>
+                                        <p:cTn id="33" dur="500"/>
+                                        <p:tgtEl>
+                                          <p:spTgt spid="3">
+                                            <p:txEl>
+                                              <p:pRg st="6" end="6"/>
+                                            </p:txEl>
+                                          </p:spTgt>
+                                        </p:tgtEl>
+                                      </p:cBhvr>
+                                    </p:animEffect>
+                                  </p:childTnLst>
+                                </p:cTn>
+                              </p:par>
+                              <p:par>
+                                <p:cTn id="34" presetID="16" presetClass="entr" presetSubtype="21" fill="hold" nodeType="withEffect">
+                                  <p:stCondLst>
+                                    <p:cond delay="0"/>
+                                  </p:stCondLst>
+                                  <p:childTnLst>
+                                    <p:set>
+                                      <p:cBhvr>
+                                        <p:cTn id="35" dur="1" fill="hold">
+                                          <p:stCondLst>
+                                            <p:cond delay="0"/>
+                                          </p:stCondLst>
+                                        </p:cTn>
+                                        <p:tgtEl>
+                                          <p:spTgt spid="3">
+                                            <p:txEl>
+                                              <p:pRg st="7" end="7"/>
+                                            </p:txEl>
+                                          </p:spTgt>
+                                        </p:tgtEl>
+                                        <p:attrNameLst>
+                                          <p:attrName>style.visibility</p:attrName>
+                                        </p:attrNameLst>
+                                      </p:cBhvr>
+                                      <p:to>
+                                        <p:strVal val="visible"/>
+                                      </p:to>
+                                    </p:set>
+                                    <p:animEffect transition="in" filter="barn(inVertical)">
+                                      <p:cBhvr>
+                                        <p:cTn id="36" dur="500"/>
+                                        <p:tgtEl>
+                                          <p:spTgt spid="3">
+                                            <p:txEl>
+                                              <p:pRg st="7" end="7"/>
+                                            </p:txEl>
+                                          </p:spTgt>
+                                        </p:tgtEl>
+                                      </p:cBhvr>
+                                    </p:animEffect>
+                                  </p:childTnLst>
+                                </p:cTn>
+                              </p:par>
+                            </p:childTnLst>
+                          </p:cTn>
+                        </p:par>
+                      </p:childTnLst>
+                    </p:cTn>
+                  </p:par>
+                  <p:par>
+                    <p:cTn id="37" fill="hold">
+                      <p:stCondLst>
+                        <p:cond delay="indefinite"/>
+                      </p:stCondLst>
+                      <p:childTnLst>
+                        <p:par>
+                          <p:cTn id="38" fill="hold">
+                            <p:stCondLst>
+                              <p:cond delay="0"/>
+                            </p:stCondLst>
+                            <p:childTnLst>
+                              <p:par>
+                                <p:cTn id="39" presetID="16" presetClass="entr" presetSubtype="21" fill="hold" nodeType="clickEffect">
+                                  <p:stCondLst>
+                                    <p:cond delay="0"/>
+                                  </p:stCondLst>
+                                  <p:childTnLst>
+                                    <p:set>
+                                      <p:cBhvr>
+                                        <p:cTn id="40" dur="1" fill="hold">
+                                          <p:stCondLst>
+                                            <p:cond delay="0"/>
+                                          </p:stCondLst>
+                                        </p:cTn>
+                                        <p:tgtEl>
+                                          <p:spTgt spid="3">
+                                            <p:txEl>
+                                              <p:pRg st="8" end="8"/>
+                                            </p:txEl>
+                                          </p:spTgt>
+                                        </p:tgtEl>
+                                        <p:attrNameLst>
+                                          <p:attrName>style.visibility</p:attrName>
+                                        </p:attrNameLst>
+                                      </p:cBhvr>
+                                      <p:to>
+                                        <p:strVal val="visible"/>
+                                      </p:to>
+                                    </p:set>
+                                    <p:animEffect transition="in" filter="barn(inVertical)">
+                                      <p:cBhvr>
+                                        <p:cTn id="41" dur="500"/>
+                                        <p:tgtEl>
+                                          <p:spTgt spid="3">
+                                            <p:txEl>
+                                              <p:pRg st="8" end="8"/>
+                                            </p:txEl>
+                                          </p:spTgt>
+                                        </p:tgtEl>
+                                      </p:cBhvr>
+                                    </p:animEffect>
+                                  </p:childTnLst>
+                                </p:cTn>
+                              </p:par>
+                            </p:childTnLst>
+                          </p:cTn>
+                        </p:par>
+                      </p:childTnLst>
+                    </p:cTn>
+                  </p:par>
+                  <p:par>
+                    <p:cTn id="42" fill="hold">
+                      <p:stCondLst>
+                        <p:cond delay="indefinite"/>
+                      </p:stCondLst>
+                      <p:childTnLst>
+                        <p:par>
+                          <p:cTn id="43" fill="hold">
+                            <p:stCondLst>
+                              <p:cond delay="0"/>
+                            </p:stCondLst>
+                            <p:childTnLst>
+                              <p:par>
+                                <p:cTn id="44" presetID="16" presetClass="entr" presetSubtype="21" fill="hold" nodeType="clickEffect">
+                                  <p:stCondLst>
+                                    <p:cond delay="0"/>
+                                  </p:stCondLst>
+                                  <p:childTnLst>
+                                    <p:set>
+                                      <p:cBhvr>
+                                        <p:cTn id="45" dur="1" fill="hold">
+                                          <p:stCondLst>
+                                            <p:cond delay="0"/>
+                                          </p:stCondLst>
+                                        </p:cTn>
+                                        <p:tgtEl>
+                                          <p:spTgt spid="3">
+                                            <p:txEl>
+                                              <p:pRg st="9" end="9"/>
+                                            </p:txEl>
+                                          </p:spTgt>
+                                        </p:tgtEl>
+                                        <p:attrNameLst>
+                                          <p:attrName>style.visibility</p:attrName>
+                                        </p:attrNameLst>
+                                      </p:cBhvr>
+                                      <p:to>
+                                        <p:strVal val="visible"/>
+                                      </p:to>
+                                    </p:set>
+                                    <p:animEffect transition="in" filter="barn(inVertical)">
+                                      <p:cBhvr>
+                                        <p:cTn id="46" dur="500"/>
+                                        <p:tgtEl>
+                                          <p:spTgt spid="3">
+                                            <p:txEl>
+                                              <p:pRg st="9" end="9"/>
+                                            </p:txEl>
+                                          </p:spTgt>
+                                        </p:tgtEl>
+                                      </p:cBhvr>
+                                    </p:animEffect>
+                                  </p:childTnLst>
+                                </p:cTn>
+                              </p:par>
+                            </p:childTnLst>
+                          </p:cTn>
+                        </p:par>
+                      </p:childTnLst>
+                    </p:cTn>
+                  </p:par>
+                  <p:par>
+                    <p:cTn id="47" fill="hold">
+                      <p:stCondLst>
+                        <p:cond delay="indefinite"/>
+                      </p:stCondLst>
+                      <p:childTnLst>
+                        <p:par>
+                          <p:cTn id="48" fill="hold">
+                            <p:stCondLst>
+                              <p:cond delay="0"/>
+                            </p:stCondLst>
+                            <p:childTnLst>
+                              <p:par>
+                                <p:cTn id="49" presetID="16" presetClass="entr" presetSubtype="21" fill="hold" nodeType="clickEffect">
+                                  <p:stCondLst>
+                                    <p:cond delay="0"/>
+                                  </p:stCondLst>
+                                  <p:childTnLst>
+                                    <p:set>
+                                      <p:cBhvr>
+                                        <p:cTn id="50" dur="1" fill="hold">
+                                          <p:stCondLst>
+                                            <p:cond delay="0"/>
+                                          </p:stCondLst>
+                                        </p:cTn>
+                                        <p:tgtEl>
+                                          <p:spTgt spid="3">
+                                            <p:txEl>
+                                              <p:pRg st="10" end="10"/>
+                                            </p:txEl>
+                                          </p:spTgt>
+                                        </p:tgtEl>
+                                        <p:attrNameLst>
+                                          <p:attrName>style.visibility</p:attrName>
+                                        </p:attrNameLst>
+                                      </p:cBhvr>
+                                      <p:to>
+                                        <p:strVal val="visible"/>
+                                      </p:to>
+                                    </p:set>
+                                    <p:animEffect transition="in" filter="barn(inVertical)">
+                                      <p:cBhvr>
+                                        <p:cTn id="51" dur="500"/>
+                                        <p:tgtEl>
+                                          <p:spTgt spid="3">
+                                            <p:txEl>
+                                              <p:pRg st="10" end="10"/>
+                                            </p:txEl>
+                                          </p:spTgt>
+                                        </p:tgtEl>
+                                      </p:cBhvr>
+                                    </p:animEffect>
+                                  </p:childTnLst>
+                                </p:cTn>
+                              </p:par>
+                            </p:childTnLst>
+                          </p:cTn>
+                        </p:par>
+                      </p:childTnLst>
+                    </p:cTn>
+                  </p:par>
+                  <p:par>
+                    <p:cTn id="52" fill="hold">
+                      <p:stCondLst>
+                        <p:cond delay="indefinite"/>
+                      </p:stCondLst>
+                      <p:childTnLst>
+                        <p:par>
+                          <p:cTn id="53" fill="hold">
+                            <p:stCondLst>
+                              <p:cond delay="0"/>
+                            </p:stCondLst>
+                            <p:childTnLst>
+                              <p:par>
+                                <p:cTn id="54" presetID="16" presetClass="entr" presetSubtype="21" fill="hold" nodeType="clickEffect">
+                                  <p:stCondLst>
+                                    <p:cond delay="0"/>
+                                  </p:stCondLst>
+                                  <p:childTnLst>
+                                    <p:set>
+                                      <p:cBhvr>
+                                        <p:cTn id="55" dur="1" fill="hold">
+                                          <p:stCondLst>
+                                            <p:cond delay="0"/>
+                                          </p:stCondLst>
+                                        </p:cTn>
+                                        <p:tgtEl>
+                                          <p:spTgt spid="3">
+                                            <p:txEl>
+                                              <p:pRg st="11" end="11"/>
+                                            </p:txEl>
+                                          </p:spTgt>
+                                        </p:tgtEl>
+                                        <p:attrNameLst>
+                                          <p:attrName>style.visibility</p:attrName>
+                                        </p:attrNameLst>
+                                      </p:cBhvr>
+                                      <p:to>
+                                        <p:strVal val="visible"/>
+                                      </p:to>
+                                    </p:set>
+                                    <p:animEffect transition="in" filter="barn(inVertical)">
+                                      <p:cBhvr>
+                                        <p:cTn id="56" dur="500"/>
+                                        <p:tgtEl>
+                                          <p:spTgt spid="3">
+                                            <p:txEl>
+                                              <p:pRg st="11" end="11"/>
+                                            </p:txEl>
+                                          </p:spTgt>
+                                        </p:tgtEl>
+                                      </p:cBhvr>
+                                    </p:animEffect>
+                                  </p:childTnLst>
+                                </p:cTn>
+                              </p:par>
+                            </p:childTnLst>
+                          </p:cTn>
+                        </p:par>
+                      </p:childTnLst>
+                    </p:cTn>
+                  </p:par>
+                </p:childTnLst>
+              </p:cTn>
+              <p:prevCondLst>
+                <p:cond evt="onPrev" delay="0">
+                  <p:tgtEl>
+                    <p:sldTgt/>
+                  </p:tgtEl>
+                </p:cond>
+              </p:prevCondLst>
+              <p:nextCondLst>
+                <p:cond evt="onNext" delay="0">
+                  <p:tgtEl>
+                    <p:sldTgt/>
+                  </p:tgtEl>
+                </p:cond>
+              </p:nextCondLst>
+            </p:seq>
+          </p:childTnLst>
+        </p:cTn>
+      </p:par>
+    </p:tnLst>
+  </p:timing>
+</p:sld>
+</file>
+
+<file path=ppt/slides/slide18.xml><?xml version="1.0" encoding="utf-8"?>
+<p:sld xmlns:a="http://schemas.openxmlformats.org/drawingml/2006/main" xmlns:r="http://schemas.openxmlformats.org/officeDocument/2006/relationships" xmlns:p="http://schemas.openxmlformats.org/presentationml/2006/main">
+  <p:cSld>
+    <p:spTree>
+      <p:nvGrpSpPr>
+        <p:cNvPr id="1" name=""/>
+        <p:cNvGrpSpPr/>
+        <p:nvPr/>
+      </p:nvGrpSpPr>
+      <p:grpSpPr>
+        <a:xfrm>
+          <a:off x="0" y="0"/>
+          <a:ext cx="0" cy="0"/>
+          <a:chOff x="0" y="0"/>
+          <a:chExt cx="0" cy="0"/>
+        </a:xfrm>
+      </p:grpSpPr>
+      <p:sp>
+        <p:nvSpPr>
+          <p:cNvPr id="2" name="Title 1"/>
+          <p:cNvSpPr>
+            <a:spLocks noGrp="1"/>
+          </p:cNvSpPr>
+          <p:nvPr>
+            <p:ph type="title"/>
+          </p:nvPr>
+        </p:nvSpPr>
+        <p:spPr>
+          <a:xfrm>
+            <a:off x="381000" y="12700"/>
+            <a:ext cx="8229600" cy="901700"/>
+          </a:xfrm>
+        </p:spPr>
+        <p:txBody>
+          <a:bodyPr>
+            <a:normAutofit/>
+          </a:bodyPr>
+          <a:lstStyle/>
+          <a:p>
+            <a:pPr algn="l"/>
+            <a:r>
+              <a:rPr lang="en-US" dirty="0" smtClean="0"/>
+              <a:t>Spark – Python and </a:t>
+            </a:r>
+            <a:r>
+              <a:rPr lang="en-US" smtClean="0"/>
+              <a:t>Scala Shells</a:t>
+            </a:r>
+            <a:endParaRPr lang="en-US" dirty="0"/>
+          </a:p>
+        </p:txBody>
+      </p:sp>
+      <p:sp>
+        <p:nvSpPr>
+          <p:cNvPr id="3" name="Content Placeholder 2"/>
+          <p:cNvSpPr>
+            <a:spLocks noGrp="1"/>
+          </p:cNvSpPr>
+          <p:nvPr>
+            <p:ph idx="1"/>
+          </p:nvPr>
+        </p:nvSpPr>
+        <p:spPr>
+          <a:xfrm>
+            <a:off x="457200" y="990600"/>
+            <a:ext cx="8382000" cy="5410200"/>
+          </a:xfrm>
+        </p:spPr>
+        <p:txBody>
+          <a:bodyPr>
+            <a:normAutofit/>
+          </a:bodyPr>
+          <a:lstStyle/>
+          <a:p>
+            <a:endParaRPr lang="en-US" dirty="0" smtClean="0"/>
+          </a:p>
+        </p:txBody>
+      </p:sp>
+    </p:spTree>
+    <p:extLst>
+      <p:ext uri="{BB962C8B-B14F-4D97-AF65-F5344CB8AC3E}">
+        <p14:creationId xmlns:p14="http://schemas.microsoft.com/office/powerpoint/2010/main" val="3072418424"/>
+      </p:ext>
+    </p:extLst>
+  </p:cSld>
+  <p:clrMapOvr>
+    <a:masterClrMapping/>
+  </p:clrMapOvr>
+  <p:timing>
+    <p:tnLst>
+      <p:par>
+        <p:cTn id="1" dur="indefinite" restart="never" nodeType="tmRoot">
+          <p:childTnLst>
+            <p:seq concurrent="1" nextAc="seek">
+              <p:cTn id="2" dur="indefinite" nodeType="mainSeq">
+                <p:childTnLst>
+                  <p:par>
+                    <p:cTn id="3" fill="hold">
+                      <p:stCondLst>
+                        <p:cond delay="indefinite"/>
+                      </p:stCondLst>
+                      <p:childTnLst>
+                        <p:par>
+                          <p:cTn id="4" fill="hold">
+                            <p:stCondLst>
+                              <p:cond delay="0"/>
+                            </p:stCondLst>
+                            <p:childTnLst>
+                              <p:par>
+                                <p:cTn id="5" presetID="16" presetClass="entr" presetSubtype="21" fill="hold" nodeType="clickEffect" nodePh="1">
+                                  <p:stCondLst>
+                                    <p:cond delay="0"/>
+                                  </p:stCondLst>
+                                  <p:endCondLst>
+                                    <p:cond evt="begin" delay="0">
+                                      <p:tn val="5"/>
+                                    </p:cond>
+                                  </p:endCondLst>
+                                  <p:childTnLst>
+                                    <p:set>
+                                      <p:cBhvr>
+                                        <p:cTn id="6" dur="1" fill="hold">
+                                          <p:stCondLst>
+                                            <p:cond delay="0"/>
+                                          </p:stCondLst>
+                                        </p:cTn>
+                                        <p:tgtEl>
+                                          <p:spTgt spid="3">
+                                            <p:txEl>
+                                              <p:pRg st="0" end="0"/>
+                                            </p:txEl>
+                                          </p:spTgt>
+                                        </p:tgtEl>
+                                        <p:attrNameLst>
+                                          <p:attrName>style.visibility</p:attrName>
+                                        </p:attrNameLst>
+                                      </p:cBhvr>
+                                      <p:to>
+                                        <p:strVal val="visible"/>
+                                      </p:to>
+                                    </p:set>
+                                    <p:animEffect transition="in" filter="barn(inVertical)">
+                                      <p:cBhvr>
+                                        <p:cTn id="7" dur="500"/>
+                                        <p:tgtEl>
+                                          <p:spTgt spid="3">
+                                            <p:txEl>
+                                              <p:pRg st="0" end="0"/>
+                                            </p:txEl>
+                                          </p:spTgt>
+                                        </p:tgtEl>
+                                      </p:cBhvr>
+                                    </p:animEffect>
+                                  </p:childTnLst>
+                                </p:cTn>
+                              </p:par>
+                            </p:childTnLst>
+                          </p:cTn>
+                        </p:par>
+                      </p:childTnLst>
+                    </p:cTn>
+                  </p:par>
+                </p:childTnLst>
+              </p:cTn>
+              <p:prevCondLst>
+                <p:cond evt="onPrev" delay="0">
+                  <p:tgtEl>
+                    <p:sldTgt/>
+                  </p:tgtEl>
+                </p:cond>
+              </p:prevCondLst>
+              <p:nextCondLst>
+                <p:cond evt="onNext" delay="0">
+                  <p:tgtEl>
+                    <p:sldTgt/>
+                  </p:tgtEl>
+                </p:cond>
+              </p:nextCondLst>
+            </p:seq>
+          </p:childTnLst>
+        </p:cTn>
+      </p:par>
+    </p:tnLst>
+  </p:timing>
+</p:sld>
+</file>
+
+<file path=ppt/slides/slide2.xml><?xml version="1.0" encoding="utf-8"?>
+<p:sld xmlns:a="http://schemas.openxmlformats.org/drawingml/2006/main" xmlns:r="http://schemas.openxmlformats.org/officeDocument/2006/relationships" xmlns:p="http://schemas.openxmlformats.org/presentationml/2006/main">
+  <p:cSld>
+    <p:spTree>
+      <p:nvGrpSpPr>
+        <p:cNvPr id="1" name=""/>
+        <p:cNvGrpSpPr/>
+        <p:nvPr/>
+      </p:nvGrpSpPr>
+      <p:grpSpPr>
+        <a:xfrm>
+          <a:off x="0" y="0"/>
+          <a:ext cx="0" cy="0"/>
+          <a:chOff x="0" y="0"/>
+          <a:chExt cx="0" cy="0"/>
+        </a:xfrm>
+      </p:grpSpPr>
+      <p:sp>
+        <p:nvSpPr>
+          <p:cNvPr id="2" name="Title 1"/>
+          <p:cNvSpPr>
+            <a:spLocks noGrp="1"/>
+          </p:cNvSpPr>
+          <p:nvPr>
+            <p:ph type="title"/>
+          </p:nvPr>
+        </p:nvSpPr>
+        <p:spPr>
+          <a:xfrm>
+            <a:off x="381000" y="12700"/>
+            <a:ext cx="8229600" cy="901700"/>
+          </a:xfrm>
+        </p:spPr>
+        <p:txBody>
+          <a:bodyPr/>
+          <a:lstStyle/>
+          <a:p>
+            <a:pPr algn="l"/>
+            <a:r>
+              <a:rPr lang="en-US" dirty="0" smtClean="0"/>
+              <a:t>What is Spark?</a:t>
+            </a:r>
+            <a:endParaRPr lang="en-US" dirty="0"/>
+          </a:p>
+        </p:txBody>
+      </p:sp>
+      <p:sp>
+        <p:nvSpPr>
+          <p:cNvPr id="3" name="Content Placeholder 2"/>
+          <p:cNvSpPr>
+            <a:spLocks noGrp="1"/>
+          </p:cNvSpPr>
+          <p:nvPr>
+            <p:ph idx="1"/>
+          </p:nvPr>
+        </p:nvSpPr>
+        <p:spPr>
+          <a:xfrm>
+            <a:off x="457200" y="990600"/>
+            <a:ext cx="8382000" cy="5257800"/>
+          </a:xfrm>
+        </p:spPr>
+        <p:txBody>
+          <a:bodyPr>
+            <a:normAutofit fontScale="85000" lnSpcReduction="20000"/>
+          </a:bodyPr>
+          <a:lstStyle/>
+          <a:p>
+            <a:r>
+              <a:rPr lang="en-US" dirty="0"/>
+              <a:t>Apache Spark is a </a:t>
+            </a:r>
+            <a:r>
+              <a:rPr lang="en-US" u="sng" dirty="0"/>
+              <a:t>cluster computing platform </a:t>
+            </a:r>
+            <a:r>
+              <a:rPr lang="en-US" dirty="0"/>
+              <a:t>designed to be </a:t>
+            </a:r>
+            <a:r>
+              <a:rPr lang="en-US" u="sng" dirty="0"/>
+              <a:t>fast</a:t>
+            </a:r>
+            <a:r>
+              <a:rPr lang="en-US" dirty="0"/>
+              <a:t> and </a:t>
+            </a:r>
+            <a:r>
+              <a:rPr lang="en-US" u="sng" dirty="0"/>
+              <a:t>general-purpose</a:t>
+            </a:r>
+            <a:r>
+              <a:rPr lang="en-US" dirty="0" smtClean="0"/>
+              <a:t>.</a:t>
+            </a:r>
+          </a:p>
+          <a:p>
+            <a:r>
+              <a:rPr lang="en-US" dirty="0" smtClean="0"/>
+              <a:t>Speed – Spark extends MR model, and supports more types of computations other than batch.</a:t>
+            </a:r>
+          </a:p>
+          <a:p>
+            <a:r>
+              <a:rPr lang="en-US" dirty="0" smtClean="0"/>
+              <a:t>Spark with the same engine, supports</a:t>
+            </a:r>
+          </a:p>
+          <a:p>
+            <a:pPr lvl="1"/>
+            <a:r>
+              <a:rPr lang="en-US" dirty="0" smtClean="0"/>
+              <a:t>Batch applications</a:t>
+            </a:r>
+          </a:p>
+          <a:p>
+            <a:pPr lvl="1"/>
+            <a:r>
+              <a:rPr lang="en-US" dirty="0" smtClean="0"/>
+              <a:t>Iterative algorithms</a:t>
+            </a:r>
+          </a:p>
+          <a:p>
+            <a:pPr lvl="1"/>
+            <a:r>
+              <a:rPr lang="en-US" dirty="0" smtClean="0"/>
+              <a:t>Interactive queries and</a:t>
+            </a:r>
+          </a:p>
+          <a:p>
+            <a:pPr lvl="1"/>
+            <a:r>
+              <a:rPr lang="en-US" dirty="0" smtClean="0"/>
+              <a:t>Streaming</a:t>
+            </a:r>
+          </a:p>
+          <a:p>
+            <a:r>
+              <a:rPr lang="en-US" dirty="0" smtClean="0"/>
+              <a:t>Since it uses the same engine for different processing types, we can combine these processing types in </a:t>
+            </a:r>
+            <a:r>
+              <a:rPr lang="en-US" b="1" dirty="0" smtClean="0"/>
+              <a:t>easy and inexpensive </a:t>
+            </a:r>
+            <a:r>
+              <a:rPr lang="en-US" dirty="0" smtClean="0"/>
+              <a:t>way.</a:t>
+            </a:r>
+          </a:p>
+          <a:p>
+            <a:r>
+              <a:rPr lang="en-US" dirty="0" smtClean="0"/>
+              <a:t>This reduces management burden of maintaining separate tools.</a:t>
+            </a:r>
+          </a:p>
+          <a:p>
+            <a:pPr lvl="1"/>
+            <a:endParaRPr lang="en-US" dirty="0"/>
+          </a:p>
+        </p:txBody>
+      </p:sp>
+    </p:spTree>
+    <p:extLst>
+      <p:ext uri="{BB962C8B-B14F-4D97-AF65-F5344CB8AC3E}">
+        <p14:creationId xmlns:p14="http://schemas.microsoft.com/office/powerpoint/2010/main" val="1374460724"/>
+      </p:ext>
+    </p:extLst>
+  </p:cSld>
+  <p:clrMapOvr>
+    <a:masterClrMapping/>
+  </p:clrMapOvr>
+  <p:timing>
+    <p:tnLst>
+      <p:par>
+        <p:cTn id="1" dur="indefinite" restart="never" nodeType="tmRoot">
+          <p:childTnLst>
+            <p:seq concurrent="1" nextAc="seek">
+              <p:cTn id="2" dur="indefinite" nodeType="mainSeq">
+                <p:childTnLst>
+                  <p:par>
+                    <p:cTn id="3" fill="hold">
+                      <p:stCondLst>
+                        <p:cond delay="indefinite"/>
+                      </p:stCondLst>
+                      <p:childTnLst>
+                        <p:par>
+                          <p:cTn id="4" fill="hold">
+                            <p:stCondLst>
+                              <p:cond delay="0"/>
+                            </p:stCondLst>
+                            <p:childTnLst>
+                              <p:par>
+                                <p:cTn id="5" presetID="16" presetClass="entr" presetSubtype="21" fill="hold" nodeType="clickEffect">
+                                  <p:stCondLst>
+                                    <p:cond delay="0"/>
+                                  </p:stCondLst>
+                                  <p:childTnLst>
+                                    <p:set>
+                                      <p:cBhvr>
+                                        <p:cTn id="6" dur="1" fill="hold">
+                                          <p:stCondLst>
+                                            <p:cond delay="0"/>
+                                          </p:stCondLst>
+                                        </p:cTn>
+                                        <p:tgtEl>
+                                          <p:spTgt spid="3">
+                                            <p:txEl>
+                                              <p:pRg st="0" end="0"/>
+                                            </p:txEl>
+                                          </p:spTgt>
+                                        </p:tgtEl>
+                                        <p:attrNameLst>
+                                          <p:attrName>style.visibility</p:attrName>
+                                        </p:attrNameLst>
+                                      </p:cBhvr>
+                                      <p:to>
+                                        <p:strVal val="visible"/>
+                                      </p:to>
+                                    </p:set>
+                                    <p:animEffect transition="in" filter="barn(inVertical)">
+                                      <p:cBhvr>
+                                        <p:cTn id="7" dur="500"/>
+                                        <p:tgtEl>
+                                          <p:spTgt spid="3">
+                                            <p:txEl>
+                                              <p:pRg st="0" end="0"/>
+                                            </p:txEl>
+                                          </p:spTgt>
+                                        </p:tgtEl>
+                                      </p:cBhvr>
+                                    </p:animEffect>
+                                  </p:childTnLst>
+                                </p:cTn>
+                              </p:par>
+                            </p:childTnLst>
+                          </p:cTn>
+                        </p:par>
+                      </p:childTnLst>
+                    </p:cTn>
+                  </p:par>
+                  <p:par>
+                    <p:cTn id="8" fill="hold">
+                      <p:stCondLst>
+                        <p:cond delay="indefinite"/>
+                      </p:stCondLst>
+                      <p:childTnLst>
+                        <p:par>
+                          <p:cTn id="9" fill="hold">
+                            <p:stCondLst>
+                              <p:cond delay="0"/>
+                            </p:stCondLst>
+                            <p:childTnLst>
+                              <p:par>
+                                <p:cTn id="10" presetID="16" presetClass="entr" presetSubtype="21" fill="hold" nodeType="clickEffect">
+                                  <p:stCondLst>
+                                    <p:cond delay="0"/>
+                                  </p:stCondLst>
+                                  <p:childTnLst>
+                                    <p:set>
+                                      <p:cBhvr>
+                                        <p:cTn id="11" dur="1" fill="hold">
+                                          <p:stCondLst>
+                                            <p:cond delay="0"/>
+                                          </p:stCondLst>
+                                        </p:cTn>
+                                        <p:tgtEl>
+                                          <p:spTgt spid="3">
+                                            <p:txEl>
+                                              <p:pRg st="1" end="1"/>
+                                            </p:txEl>
+                                          </p:spTgt>
+                                        </p:tgtEl>
+                                        <p:attrNameLst>
+                                          <p:attrName>style.visibility</p:attrName>
+                                        </p:attrNameLst>
+                                      </p:cBhvr>
+                                      <p:to>
+                                        <p:strVal val="visible"/>
+                                      </p:to>
+                                    </p:set>
+                                    <p:animEffect transition="in" filter="barn(inVertical)">
+                                      <p:cBhvr>
+                                        <p:cTn id="12" dur="500"/>
+                                        <p:tgtEl>
+                                          <p:spTgt spid="3">
+                                            <p:txEl>
+                                              <p:pRg st="1" end="1"/>
+                                            </p:txEl>
+                                          </p:spTgt>
+                                        </p:tgtEl>
+                                      </p:cBhvr>
+                                    </p:animEffect>
+                                  </p:childTnLst>
+                                </p:cTn>
+                              </p:par>
+                            </p:childTnLst>
+                          </p:cTn>
+                        </p:par>
+                      </p:childTnLst>
+                    </p:cTn>
+                  </p:par>
+                  <p:par>
+                    <p:cTn id="13" fill="hold">
+                      <p:stCondLst>
+                        <p:cond delay="indefinite"/>
+                      </p:stCondLst>
+                      <p:childTnLst>
+                        <p:par>
+                          <p:cTn id="14" fill="hold">
+                            <p:stCondLst>
+                              <p:cond delay="0"/>
+                            </p:stCondLst>
+                            <p:childTnLst>
+                              <p:par>
+                                <p:cTn id="15" presetID="16" presetClass="entr" presetSubtype="21" fill="hold" nodeType="clickEffect">
+                                  <p:stCondLst>
+                                    <p:cond delay="0"/>
+                                  </p:stCondLst>
+                                  <p:childTnLst>
+                                    <p:set>
+                                      <p:cBhvr>
+                                        <p:cTn id="16" dur="1" fill="hold">
+                                          <p:stCondLst>
+                                            <p:cond delay="0"/>
+                                          </p:stCondLst>
+                                        </p:cTn>
+                                        <p:tgtEl>
+                                          <p:spTgt spid="3">
+                                            <p:txEl>
+                                              <p:pRg st="2" end="2"/>
+                                            </p:txEl>
+                                          </p:spTgt>
+                                        </p:tgtEl>
+                                        <p:attrNameLst>
+                                          <p:attrName>style.visibility</p:attrName>
+                                        </p:attrNameLst>
+                                      </p:cBhvr>
+                                      <p:to>
+                                        <p:strVal val="visible"/>
+                                      </p:to>
+                                    </p:set>
+                                    <p:animEffect transition="in" filter="barn(inVertical)">
+                                      <p:cBhvr>
+                                        <p:cTn id="17" dur="500"/>
+                                        <p:tgtEl>
+                                          <p:spTgt spid="3">
+                                            <p:txEl>
+                                              <p:pRg st="2" end="2"/>
+                                            </p:txEl>
+                                          </p:spTgt>
+                                        </p:tgtEl>
+                                      </p:cBhvr>
+                                    </p:animEffect>
+                                  </p:childTnLst>
+                                </p:cTn>
+                              </p:par>
+                              <p:par>
+                                <p:cTn id="18" presetID="16" presetClass="entr" presetSubtype="21" fill="hold" nodeType="withEffect">
+                                  <p:stCondLst>
+                                    <p:cond delay="0"/>
+                                  </p:stCondLst>
+                                  <p:childTnLst>
+                                    <p:set>
+                                      <p:cBhvr>
+                                        <p:cTn id="19" dur="1" fill="hold">
+                                          <p:stCondLst>
+                                            <p:cond delay="0"/>
+                                          </p:stCondLst>
+                                        </p:cTn>
+                                        <p:tgtEl>
+                                          <p:spTgt spid="3">
+                                            <p:txEl>
+                                              <p:pRg st="3" end="3"/>
+                                            </p:txEl>
+                                          </p:spTgt>
+                                        </p:tgtEl>
+                                        <p:attrNameLst>
+                                          <p:attrName>style.visibility</p:attrName>
+                                        </p:attrNameLst>
+                                      </p:cBhvr>
+                                      <p:to>
+                                        <p:strVal val="visible"/>
+                                      </p:to>
+                                    </p:set>
+                                    <p:animEffect transition="in" filter="barn(inVertical)">
+                                      <p:cBhvr>
+                                        <p:cTn id="20" dur="500"/>
+                                        <p:tgtEl>
+                                          <p:spTgt spid="3">
+                                            <p:txEl>
+                                              <p:pRg st="3" end="3"/>
+                                            </p:txEl>
+                                          </p:spTgt>
+                                        </p:tgtEl>
+                                      </p:cBhvr>
+                                    </p:animEffect>
+                                  </p:childTnLst>
+                                </p:cTn>
+                              </p:par>
+                              <p:par>
+                                <p:cTn id="21" presetID="16" presetClass="entr" presetSubtype="21" fill="hold" nodeType="withEffect">
+                                  <p:stCondLst>
+                                    <p:cond delay="0"/>
+                                  </p:stCondLst>
+                                  <p:childTnLst>
+                                    <p:set>
+                                      <p:cBhvr>
+                                        <p:cTn id="22" dur="1" fill="hold">
+                                          <p:stCondLst>
+                                            <p:cond delay="0"/>
+                                          </p:stCondLst>
+                                        </p:cTn>
+                                        <p:tgtEl>
+                                          <p:spTgt spid="3">
+                                            <p:txEl>
+                                              <p:pRg st="4" end="4"/>
+                                            </p:txEl>
+                                          </p:spTgt>
+                                        </p:tgtEl>
+                                        <p:attrNameLst>
+                                          <p:attrName>style.visibility</p:attrName>
+                                        </p:attrNameLst>
+                                      </p:cBhvr>
+                                      <p:to>
+                                        <p:strVal val="visible"/>
+                                      </p:to>
+                                    </p:set>
+                                    <p:animEffect transition="in" filter="barn(inVertical)">
+                                      <p:cBhvr>
+                                        <p:cTn id="23" dur="500"/>
+                                        <p:tgtEl>
+                                          <p:spTgt spid="3">
+                                            <p:txEl>
+                                              <p:pRg st="4" end="4"/>
+                                            </p:txEl>
+                                          </p:spTgt>
+                                        </p:tgtEl>
+                                      </p:cBhvr>
+                                    </p:animEffect>
+                                  </p:childTnLst>
+                                </p:cTn>
+                              </p:par>
+                              <p:par>
+                                <p:cTn id="24" presetID="16" presetClass="entr" presetSubtype="21" fill="hold" nodeType="withEffect">
+                                  <p:stCondLst>
+                                    <p:cond delay="0"/>
+                                  </p:stCondLst>
+                                  <p:childTnLst>
+                                    <p:set>
+                                      <p:cBhvr>
+                                        <p:cTn id="25" dur="1" fill="hold">
+                                          <p:stCondLst>
+                                            <p:cond delay="0"/>
+                                          </p:stCondLst>
+                                        </p:cTn>
+                                        <p:tgtEl>
+                                          <p:spTgt spid="3">
+                                            <p:txEl>
+                                              <p:pRg st="5" end="5"/>
+                                            </p:txEl>
+                                          </p:spTgt>
+                                        </p:tgtEl>
+                                        <p:attrNameLst>
+                                          <p:attrName>style.visibility</p:attrName>
+                                        </p:attrNameLst>
+                                      </p:cBhvr>
+                                      <p:to>
+                                        <p:strVal val="visible"/>
+                                      </p:to>
+                                    </p:set>
+                                    <p:animEffect transition="in" filter="barn(inVertical)">
+                                      <p:cBhvr>
+                                        <p:cTn id="26" dur="500"/>
+                                        <p:tgtEl>
+                                          <p:spTgt spid="3">
+                                            <p:txEl>
+                                              <p:pRg st="5" end="5"/>
+                                            </p:txEl>
+                                          </p:spTgt>
+                                        </p:tgtEl>
+                                      </p:cBhvr>
+                                    </p:animEffect>
+                                  </p:childTnLst>
+                                </p:cTn>
+                              </p:par>
+                              <p:par>
+                                <p:cTn id="27" presetID="16" presetClass="entr" presetSubtype="21" fill="hold" nodeType="withEffect">
+                                  <p:stCondLst>
+                                    <p:cond delay="0"/>
+                                  </p:stCondLst>
+                                  <p:childTnLst>
+                                    <p:set>
+                                      <p:cBhvr>
+                                        <p:cTn id="28" dur="1" fill="hold">
+                                          <p:stCondLst>
+                                            <p:cond delay="0"/>
+                                          </p:stCondLst>
+                                        </p:cTn>
+                                        <p:tgtEl>
+                                          <p:spTgt spid="3">
+                                            <p:txEl>
+                                              <p:pRg st="6" end="6"/>
+                                            </p:txEl>
+                                          </p:spTgt>
+                                        </p:tgtEl>
+                                        <p:attrNameLst>
+                                          <p:attrName>style.visibility</p:attrName>
+                                        </p:attrNameLst>
+                                      </p:cBhvr>
+                                      <p:to>
+                                        <p:strVal val="visible"/>
+                                      </p:to>
+                                    </p:set>
+                                    <p:animEffect transition="in" filter="barn(inVertical)">
+                                      <p:cBhvr>
+                                        <p:cTn id="29" dur="500"/>
+                                        <p:tgtEl>
+                                          <p:spTgt spid="3">
+                                            <p:txEl>
+                                              <p:pRg st="6" end="6"/>
+                                            </p:txEl>
+                                          </p:spTgt>
+                                        </p:tgtEl>
+                                      </p:cBhvr>
+                                    </p:animEffect>
+                                  </p:childTnLst>
+                                </p:cTn>
+                              </p:par>
+                            </p:childTnLst>
+                          </p:cTn>
+                        </p:par>
+                      </p:childTnLst>
+                    </p:cTn>
+                  </p:par>
+                  <p:par>
+                    <p:cTn id="30" fill="hold">
+                      <p:stCondLst>
+                        <p:cond delay="indefinite"/>
+                      </p:stCondLst>
+                      <p:childTnLst>
+                        <p:par>
+                          <p:cTn id="31" fill="hold">
+                            <p:stCondLst>
+                              <p:cond delay="0"/>
+                            </p:stCondLst>
+                            <p:childTnLst>
+                              <p:par>
+                                <p:cTn id="32" presetID="16" presetClass="entr" presetSubtype="21" fill="hold" nodeType="clickEffect">
+                                  <p:stCondLst>
+                                    <p:cond delay="0"/>
+                                  </p:stCondLst>
+                                  <p:childTnLst>
+                                    <p:set>
+                                      <p:cBhvr>
+                                        <p:cTn id="33" dur="1" fill="hold">
+                                          <p:stCondLst>
+                                            <p:cond delay="0"/>
+                                          </p:stCondLst>
+                                        </p:cTn>
+                                        <p:tgtEl>
+                                          <p:spTgt spid="3">
+                                            <p:txEl>
+                                              <p:pRg st="7" end="7"/>
+                                            </p:txEl>
+                                          </p:spTgt>
+                                        </p:tgtEl>
+                                        <p:attrNameLst>
+                                          <p:attrName>style.visibility</p:attrName>
+                                        </p:attrNameLst>
+                                      </p:cBhvr>
+                                      <p:to>
+                                        <p:strVal val="visible"/>
+                                      </p:to>
+                                    </p:set>
+                                    <p:animEffect transition="in" filter="barn(inVertical)">
+                                      <p:cBhvr>
+                                        <p:cTn id="34" dur="500"/>
+                                        <p:tgtEl>
+                                          <p:spTgt spid="3">
+                                            <p:txEl>
+                                              <p:pRg st="7" end="7"/>
+                                            </p:txEl>
+                                          </p:spTgt>
+                                        </p:tgtEl>
+                                      </p:cBhvr>
+                                    </p:animEffect>
+                                  </p:childTnLst>
+                                </p:cTn>
+                              </p:par>
+                            </p:childTnLst>
+                          </p:cTn>
+                        </p:par>
+                      </p:childTnLst>
+                    </p:cTn>
+                  </p:par>
+                  <p:par>
+                    <p:cTn id="35" fill="hold">
+                      <p:stCondLst>
+                        <p:cond delay="indefinite"/>
+                      </p:stCondLst>
+                      <p:childTnLst>
+                        <p:par>
+                          <p:cTn id="36" fill="hold">
+                            <p:stCondLst>
+                              <p:cond delay="0"/>
+                            </p:stCondLst>
+                            <p:childTnLst>
+                              <p:par>
+                                <p:cTn id="37" presetID="16" presetClass="entr" presetSubtype="21" fill="hold" nodeType="clickEffect">
+                                  <p:stCondLst>
+                                    <p:cond delay="0"/>
+                                  </p:stCondLst>
+                                  <p:childTnLst>
+                                    <p:set>
+                                      <p:cBhvr>
+                                        <p:cTn id="38" dur="1" fill="hold">
+                                          <p:stCondLst>
+                                            <p:cond delay="0"/>
+                                          </p:stCondLst>
+                                        </p:cTn>
+                                        <p:tgtEl>
+                                          <p:spTgt spid="3">
+                                            <p:txEl>
+                                              <p:pRg st="8" end="8"/>
+                                            </p:txEl>
+                                          </p:spTgt>
+                                        </p:tgtEl>
+                                        <p:attrNameLst>
+                                          <p:attrName>style.visibility</p:attrName>
+                                        </p:attrNameLst>
+                                      </p:cBhvr>
+                                      <p:to>
+                                        <p:strVal val="visible"/>
+                                      </p:to>
+                                    </p:set>
+                                    <p:animEffect transition="in" filter="barn(inVertical)">
+                                      <p:cBhvr>
+                                        <p:cTn id="39" dur="500"/>
+                                        <p:tgtEl>
+                                          <p:spTgt spid="3">
+                                            <p:txEl>
+                                              <p:pRg st="8" end="8"/>
+                                            </p:txEl>
+                                          </p:spTgt>
+                                        </p:tgtEl>
+                                      </p:cBhvr>
+                                    </p:animEffect>
+                                  </p:childTnLst>
+                                </p:cTn>
+                              </p:par>
+                            </p:childTnLst>
+                          </p:cTn>
+                        </p:par>
+                      </p:childTnLst>
+                    </p:cTn>
+                  </p:par>
+                </p:childTnLst>
+              </p:cTn>
+              <p:prevCondLst>
+                <p:cond evt="onPrev" delay="0">
+                  <p:tgtEl>
+                    <p:sldTgt/>
+                  </p:tgtEl>
+                </p:cond>
+              </p:prevCondLst>
+              <p:nextCondLst>
+                <p:cond evt="onNext" delay="0">
+                  <p:tgtEl>
+                    <p:sldTgt/>
+                  </p:tgtEl>
+                </p:cond>
+              </p:nextCondLst>
+            </p:seq>
+          </p:childTnLst>
+        </p:cTn>
+      </p:par>
+    </p:tnLst>
+  </p:timing>
+</p:sld>
+</file>
+
+<file path=ppt/slides/slide3.xml><?xml version="1.0" encoding="utf-8"?>
+<p:sld xmlns:a="http://schemas.openxmlformats.org/drawingml/2006/main" xmlns:r="http://schemas.openxmlformats.org/officeDocument/2006/relationships" xmlns:p="http://schemas.openxmlformats.org/presentationml/2006/main">
+  <p:cSld>
+    <p:spTree>
+      <p:nvGrpSpPr>
+        <p:cNvPr id="1" name=""/>
+        <p:cNvGrpSpPr/>
+        <p:nvPr/>
+      </p:nvGrpSpPr>
+      <p:grpSpPr>
+        <a:xfrm>
+          <a:off x="0" y="0"/>
+          <a:ext cx="0" cy="0"/>
+          <a:chOff x="0" y="0"/>
+          <a:chExt cx="0" cy="0"/>
+        </a:xfrm>
+      </p:grpSpPr>
+      <p:sp>
+        <p:nvSpPr>
+          <p:cNvPr id="2" name="Title 1"/>
+          <p:cNvSpPr>
+            <a:spLocks noGrp="1"/>
+          </p:cNvSpPr>
+          <p:nvPr>
+            <p:ph type="title"/>
+          </p:nvPr>
+        </p:nvSpPr>
+        <p:spPr>
+          <a:xfrm>
+            <a:off x="381000" y="12700"/>
+            <a:ext cx="8229600" cy="901700"/>
+          </a:xfrm>
+        </p:spPr>
+        <p:txBody>
+          <a:bodyPr/>
+          <a:lstStyle/>
+          <a:p>
+            <a:pPr algn="l"/>
+            <a:r>
+              <a:rPr lang="en-US" dirty="0" smtClean="0"/>
+              <a:t>What is Spark? </a:t>
+            </a:r>
+            <a:r>
+              <a:rPr lang="en-US" dirty="0"/>
+              <a:t>c</a:t>
+            </a:r>
+            <a:r>
+              <a:rPr lang="en-US" dirty="0" smtClean="0"/>
+              <a:t>ont..</a:t>
+            </a:r>
+            <a:endParaRPr lang="en-US" dirty="0"/>
+          </a:p>
+        </p:txBody>
+      </p:sp>
+      <p:sp>
+        <p:nvSpPr>
+          <p:cNvPr id="3" name="Content Placeholder 2"/>
+          <p:cNvSpPr>
+            <a:spLocks noGrp="1"/>
+          </p:cNvSpPr>
+          <p:nvPr>
+            <p:ph idx="1"/>
+          </p:nvPr>
+        </p:nvSpPr>
+        <p:spPr>
+          <a:xfrm>
+            <a:off x="457200" y="990600"/>
+            <a:ext cx="8382000" cy="5257800"/>
+          </a:xfrm>
+        </p:spPr>
+        <p:txBody>
+          <a:bodyPr>
+            <a:normAutofit/>
+          </a:bodyPr>
+          <a:lstStyle/>
+          <a:p>
+            <a:r>
+              <a:rPr lang="en-US" dirty="0" smtClean="0"/>
+              <a:t>Spark offers simple APIs in below languages, that makes spark highly accessible.</a:t>
+            </a:r>
+          </a:p>
+          <a:p>
+            <a:pPr lvl="1"/>
+            <a:r>
+              <a:rPr lang="en-US" dirty="0" smtClean="0"/>
+              <a:t>Python</a:t>
+            </a:r>
+          </a:p>
+          <a:p>
+            <a:pPr lvl="1"/>
+            <a:r>
+              <a:rPr lang="en-US" dirty="0" smtClean="0"/>
+              <a:t>Java</a:t>
+            </a:r>
+          </a:p>
+          <a:p>
+            <a:pPr lvl="1"/>
+            <a:r>
+              <a:rPr lang="en-US" dirty="0" smtClean="0"/>
+              <a:t>Scala and</a:t>
+            </a:r>
+          </a:p>
+          <a:p>
+            <a:pPr lvl="1"/>
+            <a:r>
+              <a:rPr lang="en-US" dirty="0" smtClean="0"/>
+              <a:t>SQL.</a:t>
+            </a:r>
+          </a:p>
+          <a:p>
+            <a:r>
+              <a:rPr lang="en-US" dirty="0" smtClean="0"/>
+              <a:t>Spark integrates closely with other </a:t>
+            </a:r>
+            <a:r>
+              <a:rPr lang="en-US" dirty="0" err="1" smtClean="0"/>
+              <a:t>BigData</a:t>
+            </a:r>
+            <a:r>
+              <a:rPr lang="en-US" dirty="0" smtClean="0"/>
+              <a:t> tools, and it can run in Hadoop clusters and can access any data source including Cassandra.</a:t>
+            </a:r>
+            <a:endParaRPr lang="en-US" dirty="0"/>
+          </a:p>
+        </p:txBody>
+      </p:sp>
+    </p:spTree>
+    <p:extLst>
+      <p:ext uri="{BB962C8B-B14F-4D97-AF65-F5344CB8AC3E}">
+        <p14:creationId xmlns:p14="http://schemas.microsoft.com/office/powerpoint/2010/main" val="1544144755"/>
+      </p:ext>
+    </p:extLst>
+  </p:cSld>
+  <p:clrMapOvr>
+    <a:masterClrMapping/>
+  </p:clrMapOvr>
+  <p:timing>
+    <p:tnLst>
+      <p:par>
+        <p:cTn id="1" dur="indefinite" restart="never" nodeType="tmRoot">
+          <p:childTnLst>
+            <p:seq concurrent="1" nextAc="seek">
+              <p:cTn id="2" dur="indefinite" nodeType="mainSeq">
+                <p:childTnLst>
+                  <p:par>
+                    <p:cTn id="3" fill="hold">
+                      <p:stCondLst>
+                        <p:cond delay="indefinite"/>
+                      </p:stCondLst>
+                      <p:childTnLst>
+                        <p:par>
+                          <p:cTn id="4" fill="hold">
+                            <p:stCondLst>
+                              <p:cond delay="0"/>
+                            </p:stCondLst>
+                            <p:childTnLst>
+                              <p:par>
+                                <p:cTn id="5" presetID="16" presetClass="entr" presetSubtype="21" fill="hold" nodeType="clickEffect">
+                                  <p:stCondLst>
+                                    <p:cond delay="0"/>
+                                  </p:stCondLst>
+                                  <p:childTnLst>
+                                    <p:set>
+                                      <p:cBhvr>
+                                        <p:cTn id="6" dur="1" fill="hold">
+                                          <p:stCondLst>
+                                            <p:cond delay="0"/>
+                                          </p:stCondLst>
+                                        </p:cTn>
+                                        <p:tgtEl>
+                                          <p:spTgt spid="3">
+                                            <p:txEl>
+                                              <p:pRg st="0" end="0"/>
+                                            </p:txEl>
+                                          </p:spTgt>
+                                        </p:tgtEl>
+                                        <p:attrNameLst>
+                                          <p:attrName>style.visibility</p:attrName>
+                                        </p:attrNameLst>
+                                      </p:cBhvr>
+                                      <p:to>
+                                        <p:strVal val="visible"/>
+                                      </p:to>
+                                    </p:set>
+                                    <p:animEffect transition="in" filter="barn(inVertical)">
+                                      <p:cBhvr>
+                                        <p:cTn id="7" dur="500"/>
+                                        <p:tgtEl>
+                                          <p:spTgt spid="3">
+                                            <p:txEl>
+                                              <p:pRg st="0" end="0"/>
+                                            </p:txEl>
+                                          </p:spTgt>
+                                        </p:tgtEl>
+                                      </p:cBhvr>
+                                    </p:animEffect>
+                                  </p:childTnLst>
+                                </p:cTn>
+                              </p:par>
+                              <p:par>
+                                <p:cTn id="8" presetID="16" presetClass="entr" presetSubtype="21" fill="hold" nodeType="withEffect">
+                                  <p:stCondLst>
+                                    <p:cond delay="0"/>
+                                  </p:stCondLst>
+                                  <p:childTnLst>
+                                    <p:set>
+                                      <p:cBhvr>
+                                        <p:cTn id="9" dur="1" fill="hold">
+                                          <p:stCondLst>
+                                            <p:cond delay="0"/>
+                                          </p:stCondLst>
+                                        </p:cTn>
+                                        <p:tgtEl>
+                                          <p:spTgt spid="3">
+                                            <p:txEl>
+                                              <p:pRg st="1" end="1"/>
+                                            </p:txEl>
+                                          </p:spTgt>
+                                        </p:tgtEl>
+                                        <p:attrNameLst>
+                                          <p:attrName>style.visibility</p:attrName>
+                                        </p:attrNameLst>
+                                      </p:cBhvr>
+                                      <p:to>
+                                        <p:strVal val="visible"/>
+                                      </p:to>
+                                    </p:set>
+                                    <p:animEffect transition="in" filter="barn(inVertical)">
+                                      <p:cBhvr>
+                                        <p:cTn id="10" dur="500"/>
+                                        <p:tgtEl>
+                                          <p:spTgt spid="3">
+                                            <p:txEl>
+                                              <p:pRg st="1" end="1"/>
+                                            </p:txEl>
+                                          </p:spTgt>
+                                        </p:tgtEl>
+                                      </p:cBhvr>
+                                    </p:animEffect>
+                                  </p:childTnLst>
+                                </p:cTn>
+                              </p:par>
+                              <p:par>
+                                <p:cTn id="11" presetID="16" presetClass="entr" presetSubtype="21" fill="hold" nodeType="withEffect">
+                                  <p:stCondLst>
+                                    <p:cond delay="0"/>
+                                  </p:stCondLst>
+                                  <p:childTnLst>
+                                    <p:set>
+                                      <p:cBhvr>
+                                        <p:cTn id="12" dur="1" fill="hold">
+                                          <p:stCondLst>
+                                            <p:cond delay="0"/>
+                                          </p:stCondLst>
+                                        </p:cTn>
+                                        <p:tgtEl>
+                                          <p:spTgt spid="3">
+                                            <p:txEl>
+                                              <p:pRg st="2" end="2"/>
+                                            </p:txEl>
+                                          </p:spTgt>
+                                        </p:tgtEl>
+                                        <p:attrNameLst>
+                                          <p:attrName>style.visibility</p:attrName>
+                                        </p:attrNameLst>
+                                      </p:cBhvr>
+                                      <p:to>
+                                        <p:strVal val="visible"/>
+                                      </p:to>
+                                    </p:set>
+                                    <p:animEffect transition="in" filter="barn(inVertical)">
+                                      <p:cBhvr>
+                                        <p:cTn id="13" dur="500"/>
+                                        <p:tgtEl>
+                                          <p:spTgt spid="3">
+                                            <p:txEl>
+                                              <p:pRg st="2" end="2"/>
+                                            </p:txEl>
+                                          </p:spTgt>
+                                        </p:tgtEl>
+                                      </p:cBhvr>
+                                    </p:animEffect>
+                                  </p:childTnLst>
+                                </p:cTn>
+                              </p:par>
+                              <p:par>
+                                <p:cTn id="14" presetID="16" presetClass="entr" presetSubtype="21" fill="hold" nodeType="withEffect">
+                                  <p:stCondLst>
+                                    <p:cond delay="0"/>
+                                  </p:stCondLst>
+                                  <p:childTnLst>
+                                    <p:set>
+                                      <p:cBhvr>
+                                        <p:cTn id="15" dur="1" fill="hold">
+                                          <p:stCondLst>
+                                            <p:cond delay="0"/>
+                                          </p:stCondLst>
+                                        </p:cTn>
+                                        <p:tgtEl>
+                                          <p:spTgt spid="3">
+                                            <p:txEl>
+                                              <p:pRg st="3" end="3"/>
+                                            </p:txEl>
+                                          </p:spTgt>
+                                        </p:tgtEl>
+                                        <p:attrNameLst>
+                                          <p:attrName>style.visibility</p:attrName>
+                                        </p:attrNameLst>
+                                      </p:cBhvr>
+                                      <p:to>
+                                        <p:strVal val="visible"/>
+                                      </p:to>
+                                    </p:set>
+                                    <p:animEffect transition="in" filter="barn(inVertical)">
+                                      <p:cBhvr>
+                                        <p:cTn id="16" dur="500"/>
+                                        <p:tgtEl>
+                                          <p:spTgt spid="3">
+                                            <p:txEl>
+                                              <p:pRg st="3" end="3"/>
+                                            </p:txEl>
+                                          </p:spTgt>
+                                        </p:tgtEl>
+                                      </p:cBhvr>
+                                    </p:animEffect>
+                                  </p:childTnLst>
+                                </p:cTn>
+                              </p:par>
+                              <p:par>
+                                <p:cTn id="17" presetID="16" presetClass="entr" presetSubtype="21" fill="hold" nodeType="withEffect">
+                                  <p:stCondLst>
+                                    <p:cond delay="0"/>
+                                  </p:stCondLst>
+                                  <p:childTnLst>
+                                    <p:set>
+                                      <p:cBhvr>
+                                        <p:cTn id="18" dur="1" fill="hold">
+                                          <p:stCondLst>
+                                            <p:cond delay="0"/>
+                                          </p:stCondLst>
+                                        </p:cTn>
+                                        <p:tgtEl>
+                                          <p:spTgt spid="3">
+                                            <p:txEl>
+                                              <p:pRg st="4" end="4"/>
+                                            </p:txEl>
+                                          </p:spTgt>
+                                        </p:tgtEl>
+                                        <p:attrNameLst>
+                                          <p:attrName>style.visibility</p:attrName>
+                                        </p:attrNameLst>
+                                      </p:cBhvr>
+                                      <p:to>
+                                        <p:strVal val="visible"/>
+                                      </p:to>
+                                    </p:set>
+                                    <p:animEffect transition="in" filter="barn(inVertical)">
+                                      <p:cBhvr>
+                                        <p:cTn id="19" dur="500"/>
+                                        <p:tgtEl>
+                                          <p:spTgt spid="3">
+                                            <p:txEl>
+                                              <p:pRg st="4" end="4"/>
+                                            </p:txEl>
+                                          </p:spTgt>
+                                        </p:tgtEl>
+                                      </p:cBhvr>
+                                    </p:animEffect>
+                                  </p:childTnLst>
+                                </p:cTn>
+                              </p:par>
+                            </p:childTnLst>
+                          </p:cTn>
+                        </p:par>
+                      </p:childTnLst>
+                    </p:cTn>
+                  </p:par>
+                  <p:par>
+                    <p:cTn id="20" fill="hold">
+                      <p:stCondLst>
+                        <p:cond delay="indefinite"/>
+                      </p:stCondLst>
+                      <p:childTnLst>
+                        <p:par>
+                          <p:cTn id="21" fill="hold">
+                            <p:stCondLst>
+                              <p:cond delay="0"/>
+                            </p:stCondLst>
+                            <p:childTnLst>
+                              <p:par>
+                                <p:cTn id="22" presetID="16" presetClass="entr" presetSubtype="21" fill="hold" nodeType="clickEffect">
+                                  <p:stCondLst>
+                                    <p:cond delay="0"/>
+                                  </p:stCondLst>
+                                  <p:childTnLst>
+                                    <p:set>
+                                      <p:cBhvr>
+                                        <p:cTn id="23" dur="1" fill="hold">
+                                          <p:stCondLst>
+                                            <p:cond delay="0"/>
+                                          </p:stCondLst>
+                                        </p:cTn>
+                                        <p:tgtEl>
+                                          <p:spTgt spid="3">
+                                            <p:txEl>
+                                              <p:pRg st="5" end="5"/>
+                                            </p:txEl>
+                                          </p:spTgt>
+                                        </p:tgtEl>
+                                        <p:attrNameLst>
+                                          <p:attrName>style.visibility</p:attrName>
+                                        </p:attrNameLst>
+                                      </p:cBhvr>
+                                      <p:to>
+                                        <p:strVal val="visible"/>
+                                      </p:to>
+                                    </p:set>
+                                    <p:animEffect transition="in" filter="barn(inVertical)">
+                                      <p:cBhvr>
+                                        <p:cTn id="24" dur="500"/>
+                                        <p:tgtEl>
+                                          <p:spTgt spid="3">
+                                            <p:txEl>
+                                              <p:pRg st="5" end="5"/>
+                                            </p:txEl>
+                                          </p:spTgt>
+                                        </p:tgtEl>
+                                      </p:cBhvr>
+                                    </p:animEffect>
+                                  </p:childTnLst>
+                                </p:cTn>
+                              </p:par>
+                            </p:childTnLst>
+                          </p:cTn>
+                        </p:par>
+                      </p:childTnLst>
+                    </p:cTn>
+                  </p:par>
+                </p:childTnLst>
+              </p:cTn>
+              <p:prevCondLst>
+                <p:cond evt="onPrev" delay="0">
+                  <p:tgtEl>
+                    <p:sldTgt/>
+                  </p:tgtEl>
+                </p:cond>
+              </p:prevCondLst>
+              <p:nextCondLst>
+                <p:cond evt="onNext" delay="0">
+                  <p:tgtEl>
+                    <p:sldTgt/>
+                  </p:tgtEl>
+                </p:cond>
+              </p:nextCondLst>
+            </p:seq>
+          </p:childTnLst>
+        </p:cTn>
+      </p:par>
+    </p:tnLst>
+  </p:timing>
+</p:sld>
+</file>
+
+<file path=ppt/slides/slide4.xml><?xml version="1.0" encoding="utf-8"?>
+<p:sld xmlns:a="http://schemas.openxmlformats.org/drawingml/2006/main" xmlns:r="http://schemas.openxmlformats.org/officeDocument/2006/relationships" xmlns:p="http://schemas.openxmlformats.org/presentationml/2006/main">
+  <p:cSld>
+    <p:spTree>
+      <p:nvGrpSpPr>
+        <p:cNvPr id="1" name=""/>
+        <p:cNvGrpSpPr/>
+        <p:nvPr/>
+      </p:nvGrpSpPr>
+      <p:grpSpPr>
+        <a:xfrm>
+          <a:off x="0" y="0"/>
+          <a:ext cx="0" cy="0"/>
+          <a:chOff x="0" y="0"/>
+          <a:chExt cx="0" cy="0"/>
+        </a:xfrm>
+      </p:grpSpPr>
+      <p:sp>
+        <p:nvSpPr>
+          <p:cNvPr id="2" name="Title 1"/>
+          <p:cNvSpPr>
+            <a:spLocks noGrp="1"/>
+          </p:cNvSpPr>
+          <p:nvPr>
+            <p:ph type="title"/>
+          </p:nvPr>
+        </p:nvSpPr>
+        <p:spPr/>
+        <p:txBody>
+          <a:bodyPr/>
+          <a:lstStyle/>
+          <a:p>
+            <a:pPr algn="l"/>
+            <a:r>
+              <a:rPr lang="en-US" dirty="0" smtClean="0"/>
+              <a:t>Spark Stack</a:t>
+            </a:r>
+            <a:endParaRPr lang="en-US" dirty="0"/>
+          </a:p>
+        </p:txBody>
+      </p:sp>
+      <p:sp>
+        <p:nvSpPr>
+          <p:cNvPr id="3" name="Content Placeholder 2"/>
+          <p:cNvSpPr>
+            <a:spLocks noGrp="1"/>
+          </p:cNvSpPr>
+          <p:nvPr>
+            <p:ph idx="1"/>
+          </p:nvPr>
+        </p:nvSpPr>
+        <p:spPr/>
+        <p:txBody>
+          <a:bodyPr/>
+          <a:lstStyle/>
+          <a:p>
+            <a:endParaRPr lang="en-US" dirty="0"/>
+          </a:p>
+        </p:txBody>
+      </p:sp>
+      <p:pic>
+        <p:nvPicPr>
+          <p:cNvPr id="1026" name="Picture 2" descr="lnsp 0101"/>
+          <p:cNvPicPr>
+            <a:picLocks noChangeAspect="1" noChangeArrowheads="1"/>
+          </p:cNvPicPr>
+          <p:nvPr/>
+        </p:nvPicPr>
+        <p:blipFill>
+          <a:blip r:embed="rId2">
+            <a:extLst>
+              <a:ext uri="{28A0092B-C50C-407E-A947-70E740481C1C}">
+                <a14:useLocalDpi xmlns:a14="http://schemas.microsoft.com/office/drawing/2010/main" val="0"/>
+              </a:ext>
+            </a:extLst>
+          </a:blip>
+          <a:srcRect/>
+          <a:stretch>
+            <a:fillRect/>
+          </a:stretch>
+        </p:blipFill>
+        <p:spPr bwMode="auto">
+          <a:xfrm>
+            <a:off x="304800" y="1676400"/>
+            <a:ext cx="8534400" cy="4724401"/>
+          </a:xfrm>
+          <a:prstGeom prst="rect">
+            <a:avLst/>
+          </a:prstGeom>
+          <a:noFill/>
+          <a:extLst>
+            <a:ext uri="{909E8E84-426E-40DD-AFC4-6F175D3DCCD1}">
+              <a14:hiddenFill xmlns:a14="http://schemas.microsoft.com/office/drawing/2010/main">
+                <a:solidFill>
+                  <a:srgbClr val="FFFFFF"/>
+                </a:solidFill>
+              </a14:hiddenFill>
+            </a:ext>
+          </a:extLst>
+        </p:spPr>
+      </p:pic>
+    </p:spTree>
+    <p:extLst>
+      <p:ext uri="{BB962C8B-B14F-4D97-AF65-F5344CB8AC3E}">
+        <p14:creationId xmlns:p14="http://schemas.microsoft.com/office/powerpoint/2010/main" val="177220324"/>
+      </p:ext>
+    </p:extLst>
+  </p:cSld>
+  <p:clrMapOvr>
+    <a:masterClrMapping/>
+  </p:clrMapOvr>
+  <p:timing>
+    <p:tnLst>
+      <p:par>
+        <p:cTn id="1" dur="indefinite" restart="never" nodeType="tmRoot"/>
+      </p:par>
+    </p:tnLst>
+  </p:timing>
+</p:sld>
+</file>
+
+<file path=ppt/slides/slide5.xml><?xml version="1.0" encoding="utf-8"?>
+<p:sld xmlns:a="http://schemas.openxmlformats.org/drawingml/2006/main" xmlns:r="http://schemas.openxmlformats.org/officeDocument/2006/relationships" xmlns:p="http://schemas.openxmlformats.org/presentationml/2006/main">
+  <p:cSld>
+    <p:spTree>
+      <p:nvGrpSpPr>
+        <p:cNvPr id="1" name=""/>
+        <p:cNvGrpSpPr/>
+        <p:nvPr/>
+      </p:nvGrpSpPr>
+      <p:grpSpPr>
+        <a:xfrm>
+          <a:off x="0" y="0"/>
+          <a:ext cx="0" cy="0"/>
+          <a:chOff x="0" y="0"/>
+          <a:chExt cx="0" cy="0"/>
+        </a:xfrm>
+      </p:grpSpPr>
+      <p:sp>
+        <p:nvSpPr>
+          <p:cNvPr id="2" name="Title 1"/>
+          <p:cNvSpPr>
+            <a:spLocks noGrp="1"/>
+          </p:cNvSpPr>
+          <p:nvPr>
+            <p:ph type="title"/>
+          </p:nvPr>
+        </p:nvSpPr>
+        <p:spPr>
+          <a:xfrm>
+            <a:off x="381000" y="12700"/>
+            <a:ext cx="8229600" cy="901700"/>
+          </a:xfrm>
+        </p:spPr>
+        <p:txBody>
+          <a:bodyPr/>
+          <a:lstStyle/>
+          <a:p>
+            <a:pPr algn="l"/>
+            <a:r>
+              <a:rPr lang="en-US" dirty="0" smtClean="0"/>
+              <a:t>Spark Stack – Spark Core</a:t>
+            </a:r>
+            <a:endParaRPr lang="en-US" dirty="0"/>
+          </a:p>
+        </p:txBody>
+      </p:sp>
+      <p:sp>
+        <p:nvSpPr>
+          <p:cNvPr id="3" name="Content Placeholder 2"/>
+          <p:cNvSpPr>
+            <a:spLocks noGrp="1"/>
+          </p:cNvSpPr>
+          <p:nvPr>
+            <p:ph idx="1"/>
+          </p:nvPr>
+        </p:nvSpPr>
+        <p:spPr>
+          <a:xfrm>
+            <a:off x="457200" y="990600"/>
+            <a:ext cx="8382000" cy="5257800"/>
+          </a:xfrm>
+        </p:spPr>
+        <p:txBody>
+          <a:bodyPr>
+            <a:normAutofit fontScale="85000" lnSpcReduction="10000"/>
+          </a:bodyPr>
+          <a:lstStyle/>
+          <a:p>
+            <a:r>
+              <a:rPr lang="en-US" dirty="0" smtClean="0"/>
+              <a:t>Includes Basic functionality of Spark like</a:t>
+            </a:r>
+          </a:p>
+          <a:p>
+            <a:pPr lvl="1"/>
+            <a:r>
+              <a:rPr lang="en-US" dirty="0" smtClean="0"/>
+              <a:t>Task Scheduling</a:t>
+            </a:r>
+          </a:p>
+          <a:p>
+            <a:pPr lvl="1"/>
+            <a:r>
+              <a:rPr lang="en-US" dirty="0" smtClean="0"/>
+              <a:t>Memory Management</a:t>
+            </a:r>
+          </a:p>
+          <a:p>
+            <a:pPr lvl="1"/>
+            <a:r>
+              <a:rPr lang="en-US" dirty="0" smtClean="0"/>
+              <a:t>Fault Recovery</a:t>
+            </a:r>
+          </a:p>
+          <a:p>
+            <a:pPr lvl="1"/>
+            <a:r>
+              <a:rPr lang="en-US" dirty="0" smtClean="0"/>
+              <a:t>Integration with diff Storage systems </a:t>
+            </a:r>
+            <a:r>
+              <a:rPr lang="en-US" dirty="0" err="1" smtClean="0"/>
+              <a:t>e.t.c</a:t>
+            </a:r>
+            <a:r>
+              <a:rPr lang="en-US" dirty="0" smtClean="0"/>
+              <a:t>.</a:t>
+            </a:r>
+          </a:p>
+          <a:p>
+            <a:r>
+              <a:rPr lang="en-US" dirty="0" smtClean="0"/>
+              <a:t>Spark Core is home to the API that defines RDD</a:t>
+            </a:r>
+          </a:p>
+          <a:p>
+            <a:r>
+              <a:rPr lang="en-US" dirty="0" smtClean="0"/>
+              <a:t>Resilient Distributed Datasets – </a:t>
+            </a:r>
+            <a:r>
+              <a:rPr lang="en-US" dirty="0" err="1" smtClean="0"/>
+              <a:t>Sprak’s</a:t>
+            </a:r>
+            <a:r>
+              <a:rPr lang="en-US" dirty="0" smtClean="0"/>
+              <a:t> main programming abstraction.</a:t>
+            </a:r>
+          </a:p>
+          <a:p>
+            <a:r>
+              <a:rPr lang="en-US" dirty="0" smtClean="0"/>
+              <a:t>RDDs represents collection of items distributed across compute nodes that can be manipulated in parallel.</a:t>
+            </a:r>
+          </a:p>
+          <a:p>
+            <a:r>
+              <a:rPr lang="en-US" dirty="0" smtClean="0"/>
+              <a:t>Spark Core provides API’s for </a:t>
+            </a:r>
+            <a:r>
+              <a:rPr lang="en-US" b="1" dirty="0" smtClean="0"/>
+              <a:t>building </a:t>
+            </a:r>
+            <a:r>
+              <a:rPr lang="en-US" dirty="0" smtClean="0"/>
+              <a:t>and </a:t>
+            </a:r>
+            <a:r>
+              <a:rPr lang="en-US" b="1" dirty="0" smtClean="0"/>
+              <a:t>manipulating </a:t>
+            </a:r>
+            <a:r>
+              <a:rPr lang="en-US" dirty="0" smtClean="0"/>
+              <a:t>these collections.</a:t>
+            </a:r>
+          </a:p>
+        </p:txBody>
+      </p:sp>
+    </p:spTree>
+    <p:extLst>
+      <p:ext uri="{BB962C8B-B14F-4D97-AF65-F5344CB8AC3E}">
+        <p14:creationId xmlns:p14="http://schemas.microsoft.com/office/powerpoint/2010/main" val="4219435431"/>
+      </p:ext>
+    </p:extLst>
+  </p:cSld>
+  <p:clrMapOvr>
+    <a:masterClrMapping/>
+  </p:clrMapOvr>
+  <p:timing>
+    <p:tnLst>
+      <p:par>
+        <p:cTn id="1" dur="indefinite" restart="never" nodeType="tmRoot">
+          <p:childTnLst>
+            <p:seq concurrent="1" nextAc="seek">
+              <p:cTn id="2" dur="indefinite" nodeType="mainSeq">
+                <p:childTnLst>
+                  <p:par>
+                    <p:cTn id="3" fill="hold">
+                      <p:stCondLst>
+                        <p:cond delay="indefinite"/>
+                      </p:stCondLst>
+                      <p:childTnLst>
+                        <p:par>
+                          <p:cTn id="4" fill="hold">
+                            <p:stCondLst>
+                              <p:cond delay="0"/>
+                            </p:stCondLst>
+                            <p:childTnLst>
+                              <p:par>
+                                <p:cTn id="5" presetID="16" presetClass="entr" presetSubtype="21" fill="hold" nodeType="clickEffect">
+                                  <p:stCondLst>
+                                    <p:cond delay="0"/>
+                                  </p:stCondLst>
+                                  <p:childTnLst>
+                                    <p:set>
+                                      <p:cBhvr>
+                                        <p:cTn id="6" dur="1" fill="hold">
+                                          <p:stCondLst>
+                                            <p:cond delay="0"/>
+                                          </p:stCondLst>
+                                        </p:cTn>
+                                        <p:tgtEl>
+                                          <p:spTgt spid="3">
+                                            <p:txEl>
+                                              <p:pRg st="0" end="0"/>
+                                            </p:txEl>
+                                          </p:spTgt>
+                                        </p:tgtEl>
+                                        <p:attrNameLst>
+                                          <p:attrName>style.visibility</p:attrName>
+                                        </p:attrNameLst>
+                                      </p:cBhvr>
+                                      <p:to>
+                                        <p:strVal val="visible"/>
+                                      </p:to>
+                                    </p:set>
+                                    <p:animEffect transition="in" filter="barn(inVertical)">
+                                      <p:cBhvr>
+                                        <p:cTn id="7" dur="500"/>
+                                        <p:tgtEl>
+                                          <p:spTgt spid="3">
+                                            <p:txEl>
+                                              <p:pRg st="0" end="0"/>
+                                            </p:txEl>
+                                          </p:spTgt>
+                                        </p:tgtEl>
+                                      </p:cBhvr>
+                                    </p:animEffect>
+                                  </p:childTnLst>
+                                </p:cTn>
+                              </p:par>
+                              <p:par>
+                                <p:cTn id="8" presetID="16" presetClass="entr" presetSubtype="21" fill="hold" nodeType="withEffect">
+                                  <p:stCondLst>
+                                    <p:cond delay="0"/>
+                                  </p:stCondLst>
+                                  <p:childTnLst>
+                                    <p:set>
+                                      <p:cBhvr>
+                                        <p:cTn id="9" dur="1" fill="hold">
+                                          <p:stCondLst>
+                                            <p:cond delay="0"/>
+                                          </p:stCondLst>
+                                        </p:cTn>
+                                        <p:tgtEl>
+                                          <p:spTgt spid="3">
+                                            <p:txEl>
+                                              <p:pRg st="1" end="1"/>
+                                            </p:txEl>
+                                          </p:spTgt>
+                                        </p:tgtEl>
+                                        <p:attrNameLst>
+                                          <p:attrName>style.visibility</p:attrName>
+                                        </p:attrNameLst>
+                                      </p:cBhvr>
+                                      <p:to>
+                                        <p:strVal val="visible"/>
+                                      </p:to>
+                                    </p:set>
+                                    <p:animEffect transition="in" filter="barn(inVertical)">
+                                      <p:cBhvr>
+                                        <p:cTn id="10" dur="500"/>
+                                        <p:tgtEl>
+                                          <p:spTgt spid="3">
+                                            <p:txEl>
+                                              <p:pRg st="1" end="1"/>
+                                            </p:txEl>
+                                          </p:spTgt>
+                                        </p:tgtEl>
+                                      </p:cBhvr>
+                                    </p:animEffect>
+                                  </p:childTnLst>
+                                </p:cTn>
+                              </p:par>
+                              <p:par>
+                                <p:cTn id="11" presetID="16" presetClass="entr" presetSubtype="21" fill="hold" nodeType="withEffect">
+                                  <p:stCondLst>
+                                    <p:cond delay="0"/>
+                                  </p:stCondLst>
+                                  <p:childTnLst>
+                                    <p:set>
+                                      <p:cBhvr>
+                                        <p:cTn id="12" dur="1" fill="hold">
+                                          <p:stCondLst>
+                                            <p:cond delay="0"/>
+                                          </p:stCondLst>
+                                        </p:cTn>
+                                        <p:tgtEl>
+                                          <p:spTgt spid="3">
+                                            <p:txEl>
+                                              <p:pRg st="2" end="2"/>
+                                            </p:txEl>
+                                          </p:spTgt>
+                                        </p:tgtEl>
+                                        <p:attrNameLst>
+                                          <p:attrName>style.visibility</p:attrName>
+                                        </p:attrNameLst>
+                                      </p:cBhvr>
+                                      <p:to>
+                                        <p:strVal val="visible"/>
+                                      </p:to>
+                                    </p:set>
+                                    <p:animEffect transition="in" filter="barn(inVertical)">
+                                      <p:cBhvr>
+                                        <p:cTn id="13" dur="500"/>
+                                        <p:tgtEl>
+                                          <p:spTgt spid="3">
+                                            <p:txEl>
+                                              <p:pRg st="2" end="2"/>
+                                            </p:txEl>
+                                          </p:spTgt>
+                                        </p:tgtEl>
+                                      </p:cBhvr>
+                                    </p:animEffect>
+                                  </p:childTnLst>
+                                </p:cTn>
+                              </p:par>
+                              <p:par>
+                                <p:cTn id="14" presetID="16" presetClass="entr" presetSubtype="21" fill="hold" nodeType="withEffect">
+                                  <p:stCondLst>
+                                    <p:cond delay="0"/>
+                                  </p:stCondLst>
+                                  <p:childTnLst>
+                                    <p:set>
+                                      <p:cBhvr>
+                                        <p:cTn id="15" dur="1" fill="hold">
+                                          <p:stCondLst>
+                                            <p:cond delay="0"/>
+                                          </p:stCondLst>
+                                        </p:cTn>
+                                        <p:tgtEl>
+                                          <p:spTgt spid="3">
+                                            <p:txEl>
+                                              <p:pRg st="3" end="3"/>
+                                            </p:txEl>
+                                          </p:spTgt>
+                                        </p:tgtEl>
+                                        <p:attrNameLst>
+                                          <p:attrName>style.visibility</p:attrName>
+                                        </p:attrNameLst>
+                                      </p:cBhvr>
+                                      <p:to>
+                                        <p:strVal val="visible"/>
+                                      </p:to>
+                                    </p:set>
+                                    <p:animEffect transition="in" filter="barn(inVertical)">
+                                      <p:cBhvr>
+                                        <p:cTn id="16" dur="500"/>
+                                        <p:tgtEl>
+                                          <p:spTgt spid="3">
+                                            <p:txEl>
+                                              <p:pRg st="3" end="3"/>
+                                            </p:txEl>
+                                          </p:spTgt>
+                                        </p:tgtEl>
+                                      </p:cBhvr>
+                                    </p:animEffect>
+                                  </p:childTnLst>
+                                </p:cTn>
+                              </p:par>
+                              <p:par>
+                                <p:cTn id="17" presetID="16" presetClass="entr" presetSubtype="21" fill="hold" nodeType="withEffect">
+                                  <p:stCondLst>
+                                    <p:cond delay="0"/>
+                                  </p:stCondLst>
+                                  <p:childTnLst>
+                                    <p:set>
+                                      <p:cBhvr>
+                                        <p:cTn id="18" dur="1" fill="hold">
+                                          <p:stCondLst>
+                                            <p:cond delay="0"/>
+                                          </p:stCondLst>
+                                        </p:cTn>
+                                        <p:tgtEl>
+                                          <p:spTgt spid="3">
+                                            <p:txEl>
+                                              <p:pRg st="4" end="4"/>
+                                            </p:txEl>
+                                          </p:spTgt>
+                                        </p:tgtEl>
+                                        <p:attrNameLst>
+                                          <p:attrName>style.visibility</p:attrName>
+                                        </p:attrNameLst>
+                                      </p:cBhvr>
+                                      <p:to>
+                                        <p:strVal val="visible"/>
+                                      </p:to>
+                                    </p:set>
+                                    <p:animEffect transition="in" filter="barn(inVertical)">
+                                      <p:cBhvr>
+                                        <p:cTn id="19" dur="500"/>
+                                        <p:tgtEl>
+                                          <p:spTgt spid="3">
+                                            <p:txEl>
+                                              <p:pRg st="4" end="4"/>
+                                            </p:txEl>
+                                          </p:spTgt>
+                                        </p:tgtEl>
+                                      </p:cBhvr>
+                                    </p:animEffect>
+                                  </p:childTnLst>
+                                </p:cTn>
+                              </p:par>
+                            </p:childTnLst>
+                          </p:cTn>
+                        </p:par>
+                      </p:childTnLst>
+                    </p:cTn>
+                  </p:par>
+                  <p:par>
+                    <p:cTn id="20" fill="hold">
+                      <p:stCondLst>
+                        <p:cond delay="indefinite"/>
+                      </p:stCondLst>
+                      <p:childTnLst>
+                        <p:par>
+                          <p:cTn id="21" fill="hold">
+                            <p:stCondLst>
+                              <p:cond delay="0"/>
+                            </p:stCondLst>
+                            <p:childTnLst>
+                              <p:par>
+                                <p:cTn id="22" presetID="16" presetClass="entr" presetSubtype="21" fill="hold" nodeType="clickEffect">
+                                  <p:stCondLst>
+                                    <p:cond delay="0"/>
+                                  </p:stCondLst>
+                                  <p:childTnLst>
+                                    <p:set>
+                                      <p:cBhvr>
+                                        <p:cTn id="23" dur="1" fill="hold">
+                                          <p:stCondLst>
+                                            <p:cond delay="0"/>
+                                          </p:stCondLst>
+                                        </p:cTn>
+                                        <p:tgtEl>
+                                          <p:spTgt spid="3">
+                                            <p:txEl>
+                                              <p:pRg st="5" end="5"/>
+                                            </p:txEl>
+                                          </p:spTgt>
+                                        </p:tgtEl>
+                                        <p:attrNameLst>
+                                          <p:attrName>style.visibility</p:attrName>
+                                        </p:attrNameLst>
+                                      </p:cBhvr>
+                                      <p:to>
+                                        <p:strVal val="visible"/>
+                                      </p:to>
+                                    </p:set>
+                                    <p:animEffect transition="in" filter="barn(inVertical)">
+                                      <p:cBhvr>
+                                        <p:cTn id="24" dur="500"/>
+                                        <p:tgtEl>
+                                          <p:spTgt spid="3">
+                                            <p:txEl>
+                                              <p:pRg st="5" end="5"/>
+                                            </p:txEl>
+                                          </p:spTgt>
+                                        </p:tgtEl>
+                                      </p:cBhvr>
+                                    </p:animEffect>
+                                  </p:childTnLst>
+                                </p:cTn>
+                              </p:par>
+                            </p:childTnLst>
+                          </p:cTn>
+                        </p:par>
+                      </p:childTnLst>
+                    </p:cTn>
+                  </p:par>
+                  <p:par>
+                    <p:cTn id="25" fill="hold">
+                      <p:stCondLst>
+                        <p:cond delay="indefinite"/>
+                      </p:stCondLst>
+                      <p:childTnLst>
+                        <p:par>
+                          <p:cTn id="26" fill="hold">
+                            <p:stCondLst>
+                              <p:cond delay="0"/>
+                            </p:stCondLst>
+                            <p:childTnLst>
+                              <p:par>
+                                <p:cTn id="27" presetID="16" presetClass="entr" presetSubtype="21" fill="hold" nodeType="clickEffect">
+                                  <p:stCondLst>
+                                    <p:cond delay="0"/>
+                                  </p:stCondLst>
+                                  <p:childTnLst>
+                                    <p:set>
+                                      <p:cBhvr>
+                                        <p:cTn id="28" dur="1" fill="hold">
+                                          <p:stCondLst>
+                                            <p:cond delay="0"/>
+                                          </p:stCondLst>
+                                        </p:cTn>
+                                        <p:tgtEl>
+                                          <p:spTgt spid="3">
+                                            <p:txEl>
+                                              <p:pRg st="6" end="6"/>
+                                            </p:txEl>
+                                          </p:spTgt>
+                                        </p:tgtEl>
+                                        <p:attrNameLst>
+                                          <p:attrName>style.visibility</p:attrName>
+                                        </p:attrNameLst>
+                                      </p:cBhvr>
+                                      <p:to>
+                                        <p:strVal val="visible"/>
+                                      </p:to>
+                                    </p:set>
+                                    <p:animEffect transition="in" filter="barn(inVertical)">
+                                      <p:cBhvr>
+                                        <p:cTn id="29" dur="500"/>
+                                        <p:tgtEl>
+                                          <p:spTgt spid="3">
+                                            <p:txEl>
+                                              <p:pRg st="6" end="6"/>
+                                            </p:txEl>
+                                          </p:spTgt>
+                                        </p:tgtEl>
+                                      </p:cBhvr>
+                                    </p:animEffect>
+                                  </p:childTnLst>
+                                </p:cTn>
+                              </p:par>
+                            </p:childTnLst>
+                          </p:cTn>
+                        </p:par>
+                      </p:childTnLst>
+                    </p:cTn>
+                  </p:par>
+                  <p:par>
+                    <p:cTn id="30" fill="hold">
+                      <p:stCondLst>
+                        <p:cond delay="indefinite"/>
+                      </p:stCondLst>
+                      <p:childTnLst>
+                        <p:par>
+                          <p:cTn id="31" fill="hold">
+                            <p:stCondLst>
+                              <p:cond delay="0"/>
+                            </p:stCondLst>
+                            <p:childTnLst>
+                              <p:par>
+                                <p:cTn id="32" presetID="16" presetClass="entr" presetSubtype="21" fill="hold" nodeType="clickEffect">
+                                  <p:stCondLst>
+                                    <p:cond delay="0"/>
+                                  </p:stCondLst>
+                                  <p:childTnLst>
+                                    <p:set>
+                                      <p:cBhvr>
+                                        <p:cTn id="33" dur="1" fill="hold">
+                                          <p:stCondLst>
+                                            <p:cond delay="0"/>
+                                          </p:stCondLst>
+                                        </p:cTn>
+                                        <p:tgtEl>
+                                          <p:spTgt spid="3">
+                                            <p:txEl>
+                                              <p:pRg st="7" end="7"/>
+                                            </p:txEl>
+                                          </p:spTgt>
+                                        </p:tgtEl>
+                                        <p:attrNameLst>
+                                          <p:attrName>style.visibility</p:attrName>
+                                        </p:attrNameLst>
+                                      </p:cBhvr>
+                                      <p:to>
+                                        <p:strVal val="visible"/>
+                                      </p:to>
+                                    </p:set>
+                                    <p:animEffect transition="in" filter="barn(inVertical)">
+                                      <p:cBhvr>
+                                        <p:cTn id="34" dur="500"/>
+                                        <p:tgtEl>
+                                          <p:spTgt spid="3">
+                                            <p:txEl>
+                                              <p:pRg st="7" end="7"/>
+                                            </p:txEl>
+                                          </p:spTgt>
+                                        </p:tgtEl>
+                                      </p:cBhvr>
+                                    </p:animEffect>
+                                  </p:childTnLst>
+                                </p:cTn>
+                              </p:par>
+                            </p:childTnLst>
+                          </p:cTn>
+                        </p:par>
+                      </p:childTnLst>
+                    </p:cTn>
+                  </p:par>
+                  <p:par>
+                    <p:cTn id="35" fill="hold">
+                      <p:stCondLst>
+                        <p:cond delay="indefinite"/>
+                      </p:stCondLst>
+                      <p:childTnLst>
+                        <p:par>
+                          <p:cTn id="36" fill="hold">
+                            <p:stCondLst>
+                              <p:cond delay="0"/>
+                            </p:stCondLst>
+                            <p:childTnLst>
+                              <p:par>
+                                <p:cTn id="37" presetID="16" presetClass="entr" presetSubtype="21" fill="hold" nodeType="clickEffect">
+                                  <p:stCondLst>
+                                    <p:cond delay="0"/>
+                                  </p:stCondLst>
+                                  <p:childTnLst>
+                                    <p:set>
+                                      <p:cBhvr>
+                                        <p:cTn id="38" dur="1" fill="hold">
+                                          <p:stCondLst>
+                                            <p:cond delay="0"/>
+                                          </p:stCondLst>
+                                        </p:cTn>
+                                        <p:tgtEl>
+                                          <p:spTgt spid="3">
+                                            <p:txEl>
+                                              <p:pRg st="8" end="8"/>
+                                            </p:txEl>
+                                          </p:spTgt>
+                                        </p:tgtEl>
+                                        <p:attrNameLst>
+                                          <p:attrName>style.visibility</p:attrName>
+                                        </p:attrNameLst>
+                                      </p:cBhvr>
+                                      <p:to>
+                                        <p:strVal val="visible"/>
+                                      </p:to>
+                                    </p:set>
+                                    <p:animEffect transition="in" filter="barn(inVertical)">
+                                      <p:cBhvr>
+                                        <p:cTn id="39" dur="500"/>
+                                        <p:tgtEl>
+                                          <p:spTgt spid="3">
+                                            <p:txEl>
+                                              <p:pRg st="8" end="8"/>
+                                            </p:txEl>
+                                          </p:spTgt>
+                                        </p:tgtEl>
+                                      </p:cBhvr>
+                                    </p:animEffect>
+                                  </p:childTnLst>
+                                </p:cTn>
+                              </p:par>
+                            </p:childTnLst>
+                          </p:cTn>
+                        </p:par>
+                      </p:childTnLst>
+                    </p:cTn>
+                  </p:par>
+                </p:childTnLst>
+              </p:cTn>
+              <p:prevCondLst>
+                <p:cond evt="onPrev" delay="0">
+                  <p:tgtEl>
+                    <p:sldTgt/>
+                  </p:tgtEl>
+                </p:cond>
+              </p:prevCondLst>
+              <p:nextCondLst>
+                <p:cond evt="onNext" delay="0">
+                  <p:tgtEl>
+                    <p:sldTgt/>
+                  </p:tgtEl>
+                </p:cond>
+              </p:nextCondLst>
+            </p:seq>
+          </p:childTnLst>
+        </p:cTn>
+      </p:par>
+    </p:tnLst>
+  </p:timing>
+</p:sld>
+</file>
+
+<file path=ppt/slides/slide6.xml><?xml version="1.0" encoding="utf-8"?>
+<p:sld xmlns:a="http://schemas.openxmlformats.org/drawingml/2006/main" xmlns:r="http://schemas.openxmlformats.org/officeDocument/2006/relationships" xmlns:p="http://schemas.openxmlformats.org/presentationml/2006/main">
+  <p:cSld>
+    <p:spTree>
+      <p:nvGrpSpPr>
+        <p:cNvPr id="1" name=""/>
+        <p:cNvGrpSpPr/>
+        <p:nvPr/>
+      </p:nvGrpSpPr>
+      <p:grpSpPr>
+        <a:xfrm>
+          <a:off x="0" y="0"/>
+          <a:ext cx="0" cy="0"/>
+          <a:chOff x="0" y="0"/>
+          <a:chExt cx="0" cy="0"/>
+        </a:xfrm>
+      </p:grpSpPr>
+      <p:sp>
+        <p:nvSpPr>
+          <p:cNvPr id="2" name="Title 1"/>
+          <p:cNvSpPr>
+            <a:spLocks noGrp="1"/>
+          </p:cNvSpPr>
+          <p:nvPr>
+            <p:ph type="title"/>
+          </p:nvPr>
+        </p:nvSpPr>
+        <p:spPr>
+          <a:xfrm>
+            <a:off x="381000" y="12700"/>
+            <a:ext cx="8229600" cy="901700"/>
+          </a:xfrm>
+        </p:spPr>
+        <p:txBody>
+          <a:bodyPr/>
+          <a:lstStyle/>
+          <a:p>
+            <a:pPr algn="l"/>
+            <a:r>
+              <a:rPr lang="en-US" dirty="0" smtClean="0"/>
+              <a:t>Spark Stack – Spark SQL</a:t>
+            </a:r>
+            <a:endParaRPr lang="en-US" dirty="0"/>
+          </a:p>
+        </p:txBody>
+      </p:sp>
+      <p:sp>
+        <p:nvSpPr>
+          <p:cNvPr id="3" name="Content Placeholder 2"/>
+          <p:cNvSpPr>
+            <a:spLocks noGrp="1"/>
+          </p:cNvSpPr>
+          <p:nvPr>
+            <p:ph idx="1"/>
+          </p:nvPr>
+        </p:nvSpPr>
+        <p:spPr>
+          <a:xfrm>
+            <a:off x="457200" y="990600"/>
+            <a:ext cx="8382000" cy="5257800"/>
+          </a:xfrm>
+        </p:spPr>
+        <p:txBody>
+          <a:bodyPr>
+            <a:normAutofit fontScale="92500" lnSpcReduction="10000"/>
+          </a:bodyPr>
+          <a:lstStyle/>
+          <a:p>
+            <a:r>
+              <a:rPr lang="en-US" dirty="0" smtClean="0"/>
+              <a:t>Spark SQL – Spark’s package for working with structured data. </a:t>
+            </a:r>
+          </a:p>
+          <a:p>
+            <a:r>
+              <a:rPr lang="en-US" dirty="0" smtClean="0"/>
+              <a:t>Allows querying via SQL as well as Hive QL.</a:t>
+            </a:r>
+          </a:p>
+          <a:p>
+            <a:r>
+              <a:rPr lang="en-US" dirty="0" smtClean="0"/>
+              <a:t>It supports many sources like, </a:t>
+            </a:r>
+          </a:p>
+          <a:p>
+            <a:pPr lvl="1"/>
+            <a:r>
+              <a:rPr lang="en-US" dirty="0" smtClean="0"/>
+              <a:t>Hive tables, </a:t>
+            </a:r>
+          </a:p>
+          <a:p>
+            <a:pPr lvl="1"/>
+            <a:r>
+              <a:rPr lang="en-US" dirty="0" smtClean="0"/>
+              <a:t>Parquet,</a:t>
+            </a:r>
+          </a:p>
+          <a:p>
+            <a:pPr lvl="1"/>
+            <a:r>
+              <a:rPr lang="en-US" dirty="0" smtClean="0"/>
+              <a:t>JSON</a:t>
+            </a:r>
+          </a:p>
+          <a:p>
+            <a:r>
+              <a:rPr lang="en-US" dirty="0" smtClean="0"/>
+              <a:t>Spark SQL allows to </a:t>
+            </a:r>
+            <a:r>
+              <a:rPr lang="en-US" b="1" dirty="0" smtClean="0"/>
+              <a:t>intermix</a:t>
+            </a:r>
+            <a:r>
+              <a:rPr lang="en-US" dirty="0" smtClean="0"/>
+              <a:t> SQL queries with programmatic data manipulations supported by RDDs in Python, Java and Scala.</a:t>
+            </a:r>
+          </a:p>
+          <a:p>
+            <a:r>
+              <a:rPr lang="en-US" dirty="0" smtClean="0"/>
+              <a:t>This tight integration makes Spark SQL, a DW tool.</a:t>
+            </a:r>
+          </a:p>
+        </p:txBody>
+      </p:sp>
+    </p:spTree>
+    <p:extLst>
+      <p:ext uri="{BB962C8B-B14F-4D97-AF65-F5344CB8AC3E}">
+        <p14:creationId xmlns:p14="http://schemas.microsoft.com/office/powerpoint/2010/main" val="1675480088"/>
+      </p:ext>
+    </p:extLst>
+  </p:cSld>
+  <p:clrMapOvr>
+    <a:masterClrMapping/>
+  </p:clrMapOvr>
+  <p:timing>
+    <p:tnLst>
+      <p:par>
+        <p:cTn id="1" dur="indefinite" restart="never" nodeType="tmRoot">
+          <p:childTnLst>
+            <p:seq concurrent="1" nextAc="seek">
+              <p:cTn id="2" dur="indefinite" nodeType="mainSeq">
+                <p:childTnLst>
+                  <p:par>
+                    <p:cTn id="3" fill="hold">
+                      <p:stCondLst>
+                        <p:cond delay="indefinite"/>
+                      </p:stCondLst>
+                      <p:childTnLst>
+                        <p:par>
+                          <p:cTn id="4" fill="hold">
+                            <p:stCondLst>
+                              <p:cond delay="0"/>
+                            </p:stCondLst>
+                            <p:childTnLst>
+                              <p:par>
+                                <p:cTn id="5" presetID="16" presetClass="entr" presetSubtype="21" fill="hold" nodeType="clickEffect">
+                                  <p:stCondLst>
+                                    <p:cond delay="0"/>
+                                  </p:stCondLst>
+                                  <p:childTnLst>
+                                    <p:set>
+                                      <p:cBhvr>
+                                        <p:cTn id="6" dur="1" fill="hold">
+                                          <p:stCondLst>
+                                            <p:cond delay="0"/>
+                                          </p:stCondLst>
+                                        </p:cTn>
+                                        <p:tgtEl>
+                                          <p:spTgt spid="3">
+                                            <p:txEl>
+                                              <p:pRg st="0" end="0"/>
+                                            </p:txEl>
+                                          </p:spTgt>
+                                        </p:tgtEl>
+                                        <p:attrNameLst>
+                                          <p:attrName>style.visibility</p:attrName>
+                                        </p:attrNameLst>
+                                      </p:cBhvr>
+                                      <p:to>
+                                        <p:strVal val="visible"/>
+                                      </p:to>
+                                    </p:set>
+                                    <p:animEffect transition="in" filter="barn(inVertical)">
+                                      <p:cBhvr>
+                                        <p:cTn id="7" dur="500"/>
+                                        <p:tgtEl>
+                                          <p:spTgt spid="3">
+                                            <p:txEl>
+                                              <p:pRg st="0" end="0"/>
+                                            </p:txEl>
+                                          </p:spTgt>
+                                        </p:tgtEl>
+                                      </p:cBhvr>
+                                    </p:animEffect>
+                                  </p:childTnLst>
+                                </p:cTn>
+                              </p:par>
+                            </p:childTnLst>
+                          </p:cTn>
+                        </p:par>
+                      </p:childTnLst>
+                    </p:cTn>
+                  </p:par>
+                  <p:par>
+                    <p:cTn id="8" fill="hold">
+                      <p:stCondLst>
+                        <p:cond delay="indefinite"/>
+                      </p:stCondLst>
+                      <p:childTnLst>
+                        <p:par>
+                          <p:cTn id="9" fill="hold">
+                            <p:stCondLst>
+                              <p:cond delay="0"/>
+                            </p:stCondLst>
+                            <p:childTnLst>
+                              <p:par>
+                                <p:cTn id="10" presetID="16" presetClass="entr" presetSubtype="21" fill="hold" nodeType="clickEffect">
+                                  <p:stCondLst>
+                                    <p:cond delay="0"/>
+                                  </p:stCondLst>
+                                  <p:childTnLst>
+                                    <p:set>
+                                      <p:cBhvr>
+                                        <p:cTn id="11" dur="1" fill="hold">
+                                          <p:stCondLst>
+                                            <p:cond delay="0"/>
+                                          </p:stCondLst>
+                                        </p:cTn>
+                                        <p:tgtEl>
+                                          <p:spTgt spid="3">
+                                            <p:txEl>
+                                              <p:pRg st="1" end="1"/>
+                                            </p:txEl>
+                                          </p:spTgt>
+                                        </p:tgtEl>
+                                        <p:attrNameLst>
+                                          <p:attrName>style.visibility</p:attrName>
+                                        </p:attrNameLst>
+                                      </p:cBhvr>
+                                      <p:to>
+                                        <p:strVal val="visible"/>
+                                      </p:to>
+                                    </p:set>
+                                    <p:animEffect transition="in" filter="barn(inVertical)">
+                                      <p:cBhvr>
+                                        <p:cTn id="12" dur="500"/>
+                                        <p:tgtEl>
+                                          <p:spTgt spid="3">
+                                            <p:txEl>
+                                              <p:pRg st="1" end="1"/>
+                                            </p:txEl>
+                                          </p:spTgt>
+                                        </p:tgtEl>
+                                      </p:cBhvr>
+                                    </p:animEffect>
+                                  </p:childTnLst>
+                                </p:cTn>
+                              </p:par>
+                            </p:childTnLst>
+                          </p:cTn>
+                        </p:par>
+                      </p:childTnLst>
+                    </p:cTn>
+                  </p:par>
+                  <p:par>
+                    <p:cTn id="13" fill="hold">
+                      <p:stCondLst>
+                        <p:cond delay="indefinite"/>
+                      </p:stCondLst>
+                      <p:childTnLst>
+                        <p:par>
+                          <p:cTn id="14" fill="hold">
+                            <p:stCondLst>
+                              <p:cond delay="0"/>
+                            </p:stCondLst>
+                            <p:childTnLst>
+                              <p:par>
+                                <p:cTn id="15" presetID="16" presetClass="entr" presetSubtype="21" fill="hold" nodeType="clickEffect">
+                                  <p:stCondLst>
+                                    <p:cond delay="0"/>
+                                  </p:stCondLst>
+                                  <p:childTnLst>
+                                    <p:set>
+                                      <p:cBhvr>
+                                        <p:cTn id="16" dur="1" fill="hold">
+                                          <p:stCondLst>
+                                            <p:cond delay="0"/>
+                                          </p:stCondLst>
+                                        </p:cTn>
+                                        <p:tgtEl>
+                                          <p:spTgt spid="3">
+                                            <p:txEl>
+                                              <p:pRg st="2" end="2"/>
+                                            </p:txEl>
+                                          </p:spTgt>
+                                        </p:tgtEl>
+                                        <p:attrNameLst>
+                                          <p:attrName>style.visibility</p:attrName>
+                                        </p:attrNameLst>
+                                      </p:cBhvr>
+                                      <p:to>
+                                        <p:strVal val="visible"/>
+                                      </p:to>
+                                    </p:set>
+                                    <p:animEffect transition="in" filter="barn(inVertical)">
+                                      <p:cBhvr>
+                                        <p:cTn id="17" dur="500"/>
+                                        <p:tgtEl>
+                                          <p:spTgt spid="3">
+                                            <p:txEl>
+                                              <p:pRg st="2" end="2"/>
+                                            </p:txEl>
+                                          </p:spTgt>
+                                        </p:tgtEl>
+                                      </p:cBhvr>
+                                    </p:animEffect>
+                                  </p:childTnLst>
+                                </p:cTn>
+                              </p:par>
+                            </p:childTnLst>
+                          </p:cTn>
+                        </p:par>
+                      </p:childTnLst>
+                    </p:cTn>
+                  </p:par>
+                  <p:par>
+                    <p:cTn id="18" fill="hold">
+                      <p:stCondLst>
+                        <p:cond delay="indefinite"/>
+                      </p:stCondLst>
+                      <p:childTnLst>
+                        <p:par>
+                          <p:cTn id="19" fill="hold">
+                            <p:stCondLst>
+                              <p:cond delay="0"/>
+                            </p:stCondLst>
+                            <p:childTnLst>
+                              <p:par>
+                                <p:cTn id="20" presetID="16" presetClass="entr" presetSubtype="21" fill="hold" nodeType="clickEffect">
+                                  <p:stCondLst>
+                                    <p:cond delay="0"/>
+                                  </p:stCondLst>
+                                  <p:childTnLst>
+                                    <p:set>
+                                      <p:cBhvr>
+                                        <p:cTn id="21" dur="1" fill="hold">
+                                          <p:stCondLst>
+                                            <p:cond delay="0"/>
+                                          </p:stCondLst>
+                                        </p:cTn>
+                                        <p:tgtEl>
+                                          <p:spTgt spid="3">
+                                            <p:txEl>
+                                              <p:pRg st="3" end="3"/>
+                                            </p:txEl>
+                                          </p:spTgt>
+                                        </p:tgtEl>
+                                        <p:attrNameLst>
+                                          <p:attrName>style.visibility</p:attrName>
+                                        </p:attrNameLst>
+                                      </p:cBhvr>
+                                      <p:to>
+                                        <p:strVal val="visible"/>
+                                      </p:to>
+                                    </p:set>
+                                    <p:animEffect transition="in" filter="barn(inVertical)">
+                                      <p:cBhvr>
+                                        <p:cTn id="22" dur="500"/>
+                                        <p:tgtEl>
+                                          <p:spTgt spid="3">
+                                            <p:txEl>
+                                              <p:pRg st="3" end="3"/>
+                                            </p:txEl>
+                                          </p:spTgt>
+                                        </p:tgtEl>
+                                      </p:cBhvr>
+                                    </p:animEffect>
+                                  </p:childTnLst>
+                                </p:cTn>
+                              </p:par>
+                            </p:childTnLst>
+                          </p:cTn>
+                        </p:par>
+                      </p:childTnLst>
+                    </p:cTn>
+                  </p:par>
+                  <p:par>
+                    <p:cTn id="23" fill="hold">
+                      <p:stCondLst>
+                        <p:cond delay="indefinite"/>
+                      </p:stCondLst>
+                      <p:childTnLst>
+                        <p:par>
+                          <p:cTn id="24" fill="hold">
+                            <p:stCondLst>
+                              <p:cond delay="0"/>
+                            </p:stCondLst>
+                            <p:childTnLst>
+                              <p:par>
+                                <p:cTn id="25" presetID="16" presetClass="entr" presetSubtype="21" fill="hold" nodeType="clickEffect">
+                                  <p:stCondLst>
+                                    <p:cond delay="0"/>
+                                  </p:stCondLst>
+                                  <p:childTnLst>
+                                    <p:set>
+                                      <p:cBhvr>
+                                        <p:cTn id="26" dur="1" fill="hold">
+                                          <p:stCondLst>
+                                            <p:cond delay="0"/>
+                                          </p:stCondLst>
+                                        </p:cTn>
+                                        <p:tgtEl>
+                                          <p:spTgt spid="3">
+                                            <p:txEl>
+                                              <p:pRg st="4" end="4"/>
+                                            </p:txEl>
+                                          </p:spTgt>
+                                        </p:tgtEl>
+                                        <p:attrNameLst>
+                                          <p:attrName>style.visibility</p:attrName>
+                                        </p:attrNameLst>
+                                      </p:cBhvr>
+                                      <p:to>
+                                        <p:strVal val="visible"/>
+                                      </p:to>
+                                    </p:set>
+                                    <p:animEffect transition="in" filter="barn(inVertical)">
+                                      <p:cBhvr>
+                                        <p:cTn id="27" dur="500"/>
+                                        <p:tgtEl>
+                                          <p:spTgt spid="3">
+                                            <p:txEl>
+                                              <p:pRg st="4" end="4"/>
+                                            </p:txEl>
+                                          </p:spTgt>
+                                        </p:tgtEl>
+                                      </p:cBhvr>
+                                    </p:animEffect>
+                                  </p:childTnLst>
+                                </p:cTn>
+                              </p:par>
+                            </p:childTnLst>
+                          </p:cTn>
+                        </p:par>
+                      </p:childTnLst>
+                    </p:cTn>
+                  </p:par>
+                  <p:par>
+                    <p:cTn id="28" fill="hold">
+                      <p:stCondLst>
+                        <p:cond delay="indefinite"/>
+                      </p:stCondLst>
+                      <p:childTnLst>
+                        <p:par>
+                          <p:cTn id="29" fill="hold">
+                            <p:stCondLst>
+                              <p:cond delay="0"/>
+                            </p:stCondLst>
+                            <p:childTnLst>
+                              <p:par>
+                                <p:cTn id="30" presetID="16" presetClass="entr" presetSubtype="21" fill="hold" nodeType="clickEffect">
+                                  <p:stCondLst>
+                                    <p:cond delay="0"/>
+                                  </p:stCondLst>
+                                  <p:childTnLst>
+                                    <p:set>
+                                      <p:cBhvr>
+                                        <p:cTn id="31" dur="1" fill="hold">
+                                          <p:stCondLst>
+                                            <p:cond delay="0"/>
+                                          </p:stCondLst>
+                                        </p:cTn>
+                                        <p:tgtEl>
+                                          <p:spTgt spid="3">
+                                            <p:txEl>
+                                              <p:pRg st="5" end="5"/>
+                                            </p:txEl>
+                                          </p:spTgt>
+                                        </p:tgtEl>
+                                        <p:attrNameLst>
+                                          <p:attrName>style.visibility</p:attrName>
+                                        </p:attrNameLst>
+                                      </p:cBhvr>
+                                      <p:to>
+                                        <p:strVal val="visible"/>
+                                      </p:to>
+                                    </p:set>
+                                    <p:animEffect transition="in" filter="barn(inVertical)">
+                                      <p:cBhvr>
+                                        <p:cTn id="32" dur="500"/>
+                                        <p:tgtEl>
+                                          <p:spTgt spid="3">
+                                            <p:txEl>
+                                              <p:pRg st="5" end="5"/>
+                                            </p:txEl>
+                                          </p:spTgt>
+                                        </p:tgtEl>
+                                      </p:cBhvr>
+                                    </p:animEffect>
+                                  </p:childTnLst>
+                                </p:cTn>
+                              </p:par>
+                            </p:childTnLst>
+                          </p:cTn>
+                        </p:par>
+                      </p:childTnLst>
+                    </p:cTn>
+                  </p:par>
+                  <p:par>
+                    <p:cTn id="33" fill="hold">
+                      <p:stCondLst>
+                        <p:cond delay="indefinite"/>
+                      </p:stCondLst>
+                      <p:childTnLst>
+                        <p:par>
+                          <p:cTn id="34" fill="hold">
+                            <p:stCondLst>
+                              <p:cond delay="0"/>
+                            </p:stCondLst>
+                            <p:childTnLst>
+                              <p:par>
+                                <p:cTn id="35" presetID="16" presetClass="entr" presetSubtype="21" fill="hold" nodeType="clickEffect">
+                                  <p:stCondLst>
+                                    <p:cond delay="0"/>
+                                  </p:stCondLst>
+                                  <p:childTnLst>
+                                    <p:set>
+                                      <p:cBhvr>
+                                        <p:cTn id="36" dur="1" fill="hold">
+                                          <p:stCondLst>
+                                            <p:cond delay="0"/>
+                                          </p:stCondLst>
+                                        </p:cTn>
+                                        <p:tgtEl>
+                                          <p:spTgt spid="3">
+                                            <p:txEl>
+                                              <p:pRg st="6" end="6"/>
+                                            </p:txEl>
+                                          </p:spTgt>
+                                        </p:tgtEl>
+                                        <p:attrNameLst>
+                                          <p:attrName>style.visibility</p:attrName>
+                                        </p:attrNameLst>
+                                      </p:cBhvr>
+                                      <p:to>
+                                        <p:strVal val="visible"/>
+                                      </p:to>
+                                    </p:set>
+                                    <p:animEffect transition="in" filter="barn(inVertical)">
+                                      <p:cBhvr>
+                                        <p:cTn id="37" dur="500"/>
+                                        <p:tgtEl>
+                                          <p:spTgt spid="3">
+                                            <p:txEl>
+                                              <p:pRg st="6" end="6"/>
+                                            </p:txEl>
+                                          </p:spTgt>
+                                        </p:tgtEl>
+                                      </p:cBhvr>
+                                    </p:animEffect>
+                                  </p:childTnLst>
+                                </p:cTn>
+                              </p:par>
+                            </p:childTnLst>
+                          </p:cTn>
+                        </p:par>
+                      </p:childTnLst>
+                    </p:cTn>
+                  </p:par>
+                  <p:par>
+                    <p:cTn id="38" fill="hold">
+                      <p:stCondLst>
+                        <p:cond delay="indefinite"/>
+                      </p:stCondLst>
+                      <p:childTnLst>
+                        <p:par>
+                          <p:cTn id="39" fill="hold">
+                            <p:stCondLst>
+                              <p:cond delay="0"/>
+                            </p:stCondLst>
+                            <p:childTnLst>
+                              <p:par>
+                                <p:cTn id="40" presetID="16" presetClass="entr" presetSubtype="21" fill="hold" nodeType="clickEffect">
+                                  <p:stCondLst>
+                                    <p:cond delay="0"/>
+                                  </p:stCondLst>
+                                  <p:childTnLst>
+                                    <p:set>
+                                      <p:cBhvr>
+                                        <p:cTn id="41" dur="1" fill="hold">
+                                          <p:stCondLst>
+                                            <p:cond delay="0"/>
+                                          </p:stCondLst>
+                                        </p:cTn>
+                                        <p:tgtEl>
+                                          <p:spTgt spid="3">
+                                            <p:txEl>
+                                              <p:pRg st="7" end="7"/>
+                                            </p:txEl>
+                                          </p:spTgt>
+                                        </p:tgtEl>
+                                        <p:attrNameLst>
+                                          <p:attrName>style.visibility</p:attrName>
+                                        </p:attrNameLst>
+                                      </p:cBhvr>
+                                      <p:to>
+                                        <p:strVal val="visible"/>
+                                      </p:to>
+                                    </p:set>
+                                    <p:animEffect transition="in" filter="barn(inVertical)">
+                                      <p:cBhvr>
+                                        <p:cTn id="42" dur="500"/>
+                                        <p:tgtEl>
+                                          <p:spTgt spid="3">
+                                            <p:txEl>
+                                              <p:pRg st="7" end="7"/>
+                                            </p:txEl>
+                                          </p:spTgt>
+                                        </p:tgtEl>
+                                      </p:cBhvr>
+                                    </p:animEffect>
+                                  </p:childTnLst>
+                                </p:cTn>
+                              </p:par>
+                            </p:childTnLst>
+                          </p:cTn>
+                        </p:par>
+                      </p:childTnLst>
+                    </p:cTn>
+                  </p:par>
+                </p:childTnLst>
+              </p:cTn>
+              <p:prevCondLst>
+                <p:cond evt="onPrev" delay="0">
+                  <p:tgtEl>
+                    <p:sldTgt/>
+                  </p:tgtEl>
+                </p:cond>
+              </p:prevCondLst>
+              <p:nextCondLst>
+                <p:cond evt="onNext" delay="0">
+                  <p:tgtEl>
+                    <p:sldTgt/>
+                  </p:tgtEl>
+                </p:cond>
+              </p:nextCondLst>
+            </p:seq>
+          </p:childTnLst>
+        </p:cTn>
+      </p:par>
+    </p:tnLst>
+  </p:timing>
+</p:sld>
+</file>
+
+<file path=ppt/slides/slide7.xml><?xml version="1.0" encoding="utf-8"?>
+<p:sld xmlns:a="http://schemas.openxmlformats.org/drawingml/2006/main" xmlns:r="http://schemas.openxmlformats.org/officeDocument/2006/relationships" xmlns:p="http://schemas.openxmlformats.org/presentationml/2006/main">
+  <p:cSld>
+    <p:spTree>
+      <p:nvGrpSpPr>
+        <p:cNvPr id="1" name=""/>
+        <p:cNvGrpSpPr/>
+        <p:nvPr/>
+      </p:nvGrpSpPr>
+      <p:grpSpPr>
+        <a:xfrm>
+          <a:off x="0" y="0"/>
+          <a:ext cx="0" cy="0"/>
+          <a:chOff x="0" y="0"/>
+          <a:chExt cx="0" cy="0"/>
+        </a:xfrm>
+      </p:grpSpPr>
+      <p:sp>
+        <p:nvSpPr>
+          <p:cNvPr id="2" name="Title 1"/>
+          <p:cNvSpPr>
+            <a:spLocks noGrp="1"/>
+          </p:cNvSpPr>
+          <p:nvPr>
+            <p:ph type="title"/>
+          </p:nvPr>
+        </p:nvSpPr>
+        <p:spPr>
+          <a:xfrm>
+            <a:off x="381000" y="12700"/>
+            <a:ext cx="8229600" cy="901700"/>
+          </a:xfrm>
+        </p:spPr>
+        <p:txBody>
+          <a:bodyPr/>
+          <a:lstStyle/>
+          <a:p>
+            <a:pPr algn="l"/>
+            <a:r>
+              <a:rPr lang="en-US" dirty="0" smtClean="0"/>
+              <a:t>Spark Stack – Spark Streaming</a:t>
+            </a:r>
+            <a:endParaRPr lang="en-US" dirty="0"/>
+          </a:p>
+        </p:txBody>
+      </p:sp>
+      <p:sp>
+        <p:nvSpPr>
+          <p:cNvPr id="3" name="Content Placeholder 2"/>
+          <p:cNvSpPr>
+            <a:spLocks noGrp="1"/>
+          </p:cNvSpPr>
+          <p:nvPr>
+            <p:ph idx="1"/>
+          </p:nvPr>
+        </p:nvSpPr>
+        <p:spPr>
+          <a:xfrm>
+            <a:off x="457200" y="990600"/>
+            <a:ext cx="8382000" cy="5257800"/>
+          </a:xfrm>
+        </p:spPr>
+        <p:txBody>
+          <a:bodyPr>
+            <a:normAutofit fontScale="92500" lnSpcReduction="20000"/>
+          </a:bodyPr>
+          <a:lstStyle/>
+          <a:p>
+            <a:r>
+              <a:rPr lang="en-US" dirty="0" smtClean="0"/>
+              <a:t>This component enables processing of </a:t>
+            </a:r>
+            <a:r>
+              <a:rPr lang="en-US" b="1" dirty="0" smtClean="0"/>
+              <a:t>live streams</a:t>
+            </a:r>
+            <a:r>
+              <a:rPr lang="en-US" dirty="0" smtClean="0"/>
+              <a:t> of data.</a:t>
+            </a:r>
+          </a:p>
+          <a:p>
+            <a:r>
+              <a:rPr lang="en-US" dirty="0" smtClean="0"/>
+              <a:t>Example for live stream data sources are,</a:t>
+            </a:r>
+          </a:p>
+          <a:p>
+            <a:pPr lvl="1"/>
+            <a:r>
+              <a:rPr lang="en-US" dirty="0" err="1" smtClean="0"/>
+              <a:t>Logfiles</a:t>
+            </a:r>
+            <a:r>
+              <a:rPr lang="en-US" dirty="0" smtClean="0"/>
+              <a:t> generated by Production Web servers,</a:t>
+            </a:r>
+          </a:p>
+          <a:p>
+            <a:pPr lvl="1"/>
+            <a:r>
+              <a:rPr lang="en-US" dirty="0" smtClean="0"/>
+              <a:t>Queues of messages containing status updates posted by users of a web service.</a:t>
+            </a:r>
+            <a:endParaRPr lang="en-US" dirty="0"/>
+          </a:p>
+          <a:p>
+            <a:r>
+              <a:rPr lang="en-US" dirty="0" smtClean="0"/>
+              <a:t>This APIs closely resembles Spark Core’s RDD API, makes it easy for programmers to learn sot that they can easily work with data stored in memory, on disk, or arriving in real time.</a:t>
+            </a:r>
+          </a:p>
+          <a:p>
+            <a:r>
+              <a:rPr lang="en-US" dirty="0" smtClean="0"/>
+              <a:t>Spark Streaming provides same degree of throughput, Scalability and fault tolerance as Spark Core.</a:t>
+            </a:r>
+          </a:p>
+        </p:txBody>
+      </p:sp>
+    </p:spTree>
+    <p:extLst>
+      <p:ext uri="{BB962C8B-B14F-4D97-AF65-F5344CB8AC3E}">
+        <p14:creationId xmlns:p14="http://schemas.microsoft.com/office/powerpoint/2010/main" val="1928200111"/>
+      </p:ext>
+    </p:extLst>
+  </p:cSld>
+  <p:clrMapOvr>
+    <a:masterClrMapping/>
+  </p:clrMapOvr>
+  <p:timing>
+    <p:tnLst>
+      <p:par>
+        <p:cTn id="1" dur="indefinite" restart="never" nodeType="tmRoot">
+          <p:childTnLst>
+            <p:seq concurrent="1" nextAc="seek">
+              <p:cTn id="2" dur="indefinite" nodeType="mainSeq">
+                <p:childTnLst>
+                  <p:par>
+                    <p:cTn id="3" fill="hold">
+                      <p:stCondLst>
+                        <p:cond delay="indefinite"/>
+                      </p:stCondLst>
+                      <p:childTnLst>
+                        <p:par>
+                          <p:cTn id="4" fill="hold">
+                            <p:stCondLst>
+                              <p:cond delay="0"/>
+                            </p:stCondLst>
+                            <p:childTnLst>
+                              <p:par>
+                                <p:cTn id="5" presetID="16" presetClass="entr" presetSubtype="21" fill="hold" nodeType="clickEffect">
+                                  <p:stCondLst>
+                                    <p:cond delay="0"/>
+                                  </p:stCondLst>
+                                  <p:childTnLst>
+                                    <p:set>
+                                      <p:cBhvr>
+                                        <p:cTn id="6" dur="1" fill="hold">
+                                          <p:stCondLst>
+                                            <p:cond delay="0"/>
+                                          </p:stCondLst>
+                                        </p:cTn>
+                                        <p:tgtEl>
+                                          <p:spTgt spid="3">
+                                            <p:txEl>
+                                              <p:pRg st="0" end="0"/>
+                                            </p:txEl>
+                                          </p:spTgt>
+                                        </p:tgtEl>
+                                        <p:attrNameLst>
+                                          <p:attrName>style.visibility</p:attrName>
+                                        </p:attrNameLst>
+                                      </p:cBhvr>
+                                      <p:to>
+                                        <p:strVal val="visible"/>
+                                      </p:to>
+                                    </p:set>
+                                    <p:animEffect transition="in" filter="barn(inVertical)">
+                                      <p:cBhvr>
+                                        <p:cTn id="7" dur="500"/>
+                                        <p:tgtEl>
+                                          <p:spTgt spid="3">
+                                            <p:txEl>
+                                              <p:pRg st="0" end="0"/>
+                                            </p:txEl>
+                                          </p:spTgt>
+                                        </p:tgtEl>
+                                      </p:cBhvr>
+                                    </p:animEffect>
+                                  </p:childTnLst>
+                                </p:cTn>
+                              </p:par>
+                            </p:childTnLst>
+                          </p:cTn>
+                        </p:par>
+                      </p:childTnLst>
+                    </p:cTn>
+                  </p:par>
+                  <p:par>
+                    <p:cTn id="8" fill="hold">
+                      <p:stCondLst>
+                        <p:cond delay="indefinite"/>
+                      </p:stCondLst>
+                      <p:childTnLst>
+                        <p:par>
+                          <p:cTn id="9" fill="hold">
+                            <p:stCondLst>
+                              <p:cond delay="0"/>
+                            </p:stCondLst>
+                            <p:childTnLst>
+                              <p:par>
+                                <p:cTn id="10" presetID="16" presetClass="entr" presetSubtype="21" fill="hold" nodeType="clickEffect">
+                                  <p:stCondLst>
+                                    <p:cond delay="0"/>
+                                  </p:stCondLst>
+                                  <p:childTnLst>
+                                    <p:set>
+                                      <p:cBhvr>
+                                        <p:cTn id="11" dur="1" fill="hold">
+                                          <p:stCondLst>
+                                            <p:cond delay="0"/>
+                                          </p:stCondLst>
+                                        </p:cTn>
+                                        <p:tgtEl>
+                                          <p:spTgt spid="3">
+                                            <p:txEl>
+                                              <p:pRg st="1" end="1"/>
+                                            </p:txEl>
+                                          </p:spTgt>
+                                        </p:tgtEl>
+                                        <p:attrNameLst>
+                                          <p:attrName>style.visibility</p:attrName>
+                                        </p:attrNameLst>
+                                      </p:cBhvr>
+                                      <p:to>
+                                        <p:strVal val="visible"/>
+                                      </p:to>
+                                    </p:set>
+                                    <p:animEffect transition="in" filter="barn(inVertical)">
+                                      <p:cBhvr>
+                                        <p:cTn id="12" dur="500"/>
+                                        <p:tgtEl>
+                                          <p:spTgt spid="3">
+                                            <p:txEl>
+                                              <p:pRg st="1" end="1"/>
+                                            </p:txEl>
+                                          </p:spTgt>
+                                        </p:tgtEl>
+                                      </p:cBhvr>
+                                    </p:animEffect>
+                                  </p:childTnLst>
+                                </p:cTn>
+                              </p:par>
+                              <p:par>
+                                <p:cTn id="13" presetID="16" presetClass="entr" presetSubtype="21" fill="hold" nodeType="withEffect">
+                                  <p:stCondLst>
+                                    <p:cond delay="0"/>
+                                  </p:stCondLst>
+                                  <p:childTnLst>
+                                    <p:set>
+                                      <p:cBhvr>
+                                        <p:cTn id="14" dur="1" fill="hold">
+                                          <p:stCondLst>
+                                            <p:cond delay="0"/>
+                                          </p:stCondLst>
+                                        </p:cTn>
+                                        <p:tgtEl>
+                                          <p:spTgt spid="3">
+                                            <p:txEl>
+                                              <p:pRg st="2" end="2"/>
+                                            </p:txEl>
+                                          </p:spTgt>
+                                        </p:tgtEl>
+                                        <p:attrNameLst>
+                                          <p:attrName>style.visibility</p:attrName>
+                                        </p:attrNameLst>
+                                      </p:cBhvr>
+                                      <p:to>
+                                        <p:strVal val="visible"/>
+                                      </p:to>
+                                    </p:set>
+                                    <p:animEffect transition="in" filter="barn(inVertical)">
+                                      <p:cBhvr>
+                                        <p:cTn id="15" dur="500"/>
+                                        <p:tgtEl>
+                                          <p:spTgt spid="3">
+                                            <p:txEl>
+                                              <p:pRg st="2" end="2"/>
+                                            </p:txEl>
+                                          </p:spTgt>
+                                        </p:tgtEl>
+                                      </p:cBhvr>
+                                    </p:animEffect>
+                                  </p:childTnLst>
+                                </p:cTn>
+                              </p:par>
+                              <p:par>
+                                <p:cTn id="16" presetID="16" presetClass="entr" presetSubtype="21" fill="hold" nodeType="withEffect">
+                                  <p:stCondLst>
+                                    <p:cond delay="0"/>
+                                  </p:stCondLst>
+                                  <p:childTnLst>
+                                    <p:set>
+                                      <p:cBhvr>
+                                        <p:cTn id="17" dur="1" fill="hold">
+                                          <p:stCondLst>
+                                            <p:cond delay="0"/>
+                                          </p:stCondLst>
+                                        </p:cTn>
+                                        <p:tgtEl>
+                                          <p:spTgt spid="3">
+                                            <p:txEl>
+                                              <p:pRg st="3" end="3"/>
+                                            </p:txEl>
+                                          </p:spTgt>
+                                        </p:tgtEl>
+                                        <p:attrNameLst>
+                                          <p:attrName>style.visibility</p:attrName>
+                                        </p:attrNameLst>
+                                      </p:cBhvr>
+                                      <p:to>
+                                        <p:strVal val="visible"/>
+                                      </p:to>
+                                    </p:set>
+                                    <p:animEffect transition="in" filter="barn(inVertical)">
+                                      <p:cBhvr>
+                                        <p:cTn id="18" dur="500"/>
+                                        <p:tgtEl>
+                                          <p:spTgt spid="3">
+                                            <p:txEl>
+                                              <p:pRg st="3" end="3"/>
+                                            </p:txEl>
+                                          </p:spTgt>
+                                        </p:tgtEl>
+                                      </p:cBhvr>
+                                    </p:animEffect>
+                                  </p:childTnLst>
+                                </p:cTn>
+                              </p:par>
+                            </p:childTnLst>
+                          </p:cTn>
+                        </p:par>
+                      </p:childTnLst>
+                    </p:cTn>
+                  </p:par>
+                  <p:par>
+                    <p:cTn id="19" fill="hold">
+                      <p:stCondLst>
+                        <p:cond delay="indefinite"/>
+                      </p:stCondLst>
+                      <p:childTnLst>
+                        <p:par>
+                          <p:cTn id="20" fill="hold">
+                            <p:stCondLst>
+                              <p:cond delay="0"/>
+                            </p:stCondLst>
+                            <p:childTnLst>
+                              <p:par>
+                                <p:cTn id="21" presetID="16" presetClass="entr" presetSubtype="21" fill="hold" nodeType="clickEffect">
+                                  <p:stCondLst>
+                                    <p:cond delay="0"/>
+                                  </p:stCondLst>
+                                  <p:childTnLst>
+                                    <p:set>
+                                      <p:cBhvr>
+                                        <p:cTn id="22" dur="1" fill="hold">
+                                          <p:stCondLst>
+                                            <p:cond delay="0"/>
+                                          </p:stCondLst>
+                                        </p:cTn>
+                                        <p:tgtEl>
+                                          <p:spTgt spid="3">
+                                            <p:txEl>
+                                              <p:pRg st="4" end="4"/>
+                                            </p:txEl>
+                                          </p:spTgt>
+                                        </p:tgtEl>
+                                        <p:attrNameLst>
+                                          <p:attrName>style.visibility</p:attrName>
+                                        </p:attrNameLst>
+                                      </p:cBhvr>
+                                      <p:to>
+                                        <p:strVal val="visible"/>
+                                      </p:to>
+                                    </p:set>
+                                    <p:animEffect transition="in" filter="barn(inVertical)">
+                                      <p:cBhvr>
+                                        <p:cTn id="23" dur="500"/>
+                                        <p:tgtEl>
+                                          <p:spTgt spid="3">
+                                            <p:txEl>
+                                              <p:pRg st="4" end="4"/>
+                                            </p:txEl>
+                                          </p:spTgt>
+                                        </p:tgtEl>
+                                      </p:cBhvr>
+                                    </p:animEffect>
+                                  </p:childTnLst>
+                                </p:cTn>
+                              </p:par>
+                            </p:childTnLst>
+                          </p:cTn>
+                        </p:par>
+                      </p:childTnLst>
+                    </p:cTn>
+                  </p:par>
+                  <p:par>
+                    <p:cTn id="24" fill="hold">
+                      <p:stCondLst>
+                        <p:cond delay="indefinite"/>
+                      </p:stCondLst>
+                      <p:childTnLst>
+                        <p:par>
+                          <p:cTn id="25" fill="hold">
+                            <p:stCondLst>
+                              <p:cond delay="0"/>
+                            </p:stCondLst>
+                            <p:childTnLst>
+                              <p:par>
+                                <p:cTn id="26" presetID="16" presetClass="entr" presetSubtype="21" fill="hold" nodeType="clickEffect">
+                                  <p:stCondLst>
+                                    <p:cond delay="0"/>
+                                  </p:stCondLst>
+                                  <p:childTnLst>
+                                    <p:set>
+                                      <p:cBhvr>
+                                        <p:cTn id="27" dur="1" fill="hold">
+                                          <p:stCondLst>
+                                            <p:cond delay="0"/>
+                                          </p:stCondLst>
+                                        </p:cTn>
+                                        <p:tgtEl>
+                                          <p:spTgt spid="3">
+                                            <p:txEl>
+                                              <p:pRg st="5" end="5"/>
+                                            </p:txEl>
+                                          </p:spTgt>
+                                        </p:tgtEl>
+                                        <p:attrNameLst>
+                                          <p:attrName>style.visibility</p:attrName>
+                                        </p:attrNameLst>
+                                      </p:cBhvr>
+                                      <p:to>
+                                        <p:strVal val="visible"/>
+                                      </p:to>
+                                    </p:set>
+                                    <p:animEffect transition="in" filter="barn(inVertical)">
+                                      <p:cBhvr>
+                                        <p:cTn id="28" dur="500"/>
+                                        <p:tgtEl>
+                                          <p:spTgt spid="3">
+                                            <p:txEl>
+                                              <p:pRg st="5" end="5"/>
+                                            </p:txEl>
+                                          </p:spTgt>
+                                        </p:tgtEl>
+                                      </p:cBhvr>
+                                    </p:animEffect>
+                                  </p:childTnLst>
+                                </p:cTn>
+                              </p:par>
+                            </p:childTnLst>
+                          </p:cTn>
+                        </p:par>
+                      </p:childTnLst>
+                    </p:cTn>
+                  </p:par>
+                </p:childTnLst>
+              </p:cTn>
+              <p:prevCondLst>
+                <p:cond evt="onPrev" delay="0">
+                  <p:tgtEl>
+                    <p:sldTgt/>
+                  </p:tgtEl>
+                </p:cond>
+              </p:prevCondLst>
+              <p:nextCondLst>
+                <p:cond evt="onNext" delay="0">
+                  <p:tgtEl>
+                    <p:sldTgt/>
+                  </p:tgtEl>
+                </p:cond>
+              </p:nextCondLst>
+            </p:seq>
+          </p:childTnLst>
+        </p:cTn>
+      </p:par>
+    </p:tnLst>
+  </p:timing>
+</p:sld>
+</file>
+
+<file path=ppt/slides/slide8.xml><?xml version="1.0" encoding="utf-8"?>
+<p:sld xmlns:a="http://schemas.openxmlformats.org/drawingml/2006/main" xmlns:r="http://schemas.openxmlformats.org/officeDocument/2006/relationships" xmlns:p="http://schemas.openxmlformats.org/presentationml/2006/main">
+  <p:cSld>
+    <p:spTree>
+      <p:nvGrpSpPr>
+        <p:cNvPr id="1" name=""/>
+        <p:cNvGrpSpPr/>
+        <p:nvPr/>
+      </p:nvGrpSpPr>
+      <p:grpSpPr>
+        <a:xfrm>
+          <a:off x="0" y="0"/>
+          <a:ext cx="0" cy="0"/>
+          <a:chOff x="0" y="0"/>
+          <a:chExt cx="0" cy="0"/>
+        </a:xfrm>
+      </p:grpSpPr>
+      <p:sp>
+        <p:nvSpPr>
+          <p:cNvPr id="2" name="Title 1"/>
+          <p:cNvSpPr>
+            <a:spLocks noGrp="1"/>
+          </p:cNvSpPr>
+          <p:nvPr>
+            <p:ph type="title"/>
+          </p:nvPr>
+        </p:nvSpPr>
+        <p:spPr>
+          <a:xfrm>
+            <a:off x="381000" y="12700"/>
+            <a:ext cx="8229600" cy="901700"/>
+          </a:xfrm>
+        </p:spPr>
+        <p:txBody>
+          <a:bodyPr/>
+          <a:lstStyle/>
+          <a:p>
+            <a:pPr algn="l"/>
+            <a:r>
+              <a:rPr lang="en-US" dirty="0" smtClean="0"/>
+              <a:t>Spark Stack – </a:t>
+            </a:r>
+            <a:r>
+              <a:rPr lang="en-US" dirty="0" err="1" smtClean="0"/>
+              <a:t>MLib</a:t>
+            </a:r>
+            <a:endParaRPr lang="en-US" dirty="0"/>
+          </a:p>
+        </p:txBody>
+      </p:sp>
+      <p:sp>
+        <p:nvSpPr>
+          <p:cNvPr id="3" name="Content Placeholder 2"/>
+          <p:cNvSpPr>
+            <a:spLocks noGrp="1"/>
+          </p:cNvSpPr>
+          <p:nvPr>
+            <p:ph idx="1"/>
+          </p:nvPr>
+        </p:nvSpPr>
+        <p:spPr>
+          <a:xfrm>
+            <a:off x="457200" y="990600"/>
+            <a:ext cx="8382000" cy="5257800"/>
+          </a:xfrm>
+        </p:spPr>
+        <p:txBody>
+          <a:bodyPr>
+            <a:normAutofit fontScale="85000" lnSpcReduction="20000"/>
+          </a:bodyPr>
+          <a:lstStyle/>
+          <a:p>
+            <a:r>
+              <a:rPr lang="en-US" dirty="0" smtClean="0"/>
+              <a:t>This Spark’s library comes with common Machine Learning (ML) functionalities.</a:t>
+            </a:r>
+            <a:endParaRPr lang="en-US" dirty="0"/>
+          </a:p>
+          <a:p>
+            <a:r>
+              <a:rPr lang="en-US" dirty="0" err="1" smtClean="0"/>
+              <a:t>MLlib</a:t>
+            </a:r>
+            <a:r>
+              <a:rPr lang="en-US" dirty="0" smtClean="0"/>
+              <a:t> provides ML algorithms such as</a:t>
+            </a:r>
+          </a:p>
+          <a:p>
+            <a:pPr lvl="1"/>
+            <a:r>
+              <a:rPr lang="en-US" dirty="0" smtClean="0"/>
+              <a:t>Classification</a:t>
+            </a:r>
+          </a:p>
+          <a:p>
+            <a:pPr lvl="1"/>
+            <a:r>
+              <a:rPr lang="en-US" dirty="0" smtClean="0"/>
+              <a:t>Regression</a:t>
+            </a:r>
+          </a:p>
+          <a:p>
+            <a:pPr lvl="1"/>
+            <a:r>
+              <a:rPr lang="en-US" dirty="0" smtClean="0"/>
+              <a:t>Clustering</a:t>
+            </a:r>
+            <a:r>
+              <a:rPr lang="en-US" dirty="0"/>
+              <a:t> </a:t>
+            </a:r>
+            <a:r>
+              <a:rPr lang="en-US" dirty="0" smtClean="0"/>
+              <a:t>and</a:t>
+            </a:r>
+          </a:p>
+          <a:p>
+            <a:pPr lvl="1"/>
+            <a:r>
+              <a:rPr lang="en-US" dirty="0" smtClean="0"/>
+              <a:t>Collaborative filtering</a:t>
+            </a:r>
+          </a:p>
+          <a:p>
+            <a:pPr lvl="1"/>
+            <a:r>
+              <a:rPr lang="en-US" dirty="0" smtClean="0"/>
+              <a:t>Functionalities like </a:t>
+            </a:r>
+          </a:p>
+          <a:p>
+            <a:pPr lvl="2"/>
+            <a:r>
+              <a:rPr lang="en-US" dirty="0" smtClean="0"/>
+              <a:t>Model Evaluation and Data Import</a:t>
+            </a:r>
+          </a:p>
+          <a:p>
+            <a:r>
+              <a:rPr lang="en-US" dirty="0" err="1" smtClean="0"/>
+              <a:t>MLlib</a:t>
+            </a:r>
+            <a:r>
+              <a:rPr lang="en-US" dirty="0" smtClean="0"/>
+              <a:t> also provides low-level ML primitives,</a:t>
+            </a:r>
+          </a:p>
+          <a:p>
+            <a:pPr lvl="1"/>
+            <a:r>
+              <a:rPr lang="en-US" dirty="0" smtClean="0"/>
+              <a:t>Generic gradient optimization algorithm</a:t>
+            </a:r>
+          </a:p>
+          <a:p>
+            <a:r>
+              <a:rPr lang="en-US" dirty="0" smtClean="0"/>
+              <a:t>All the algorithms and functionalities scale out in a cluster.</a:t>
+            </a:r>
+          </a:p>
+        </p:txBody>
+      </p:sp>
+    </p:spTree>
+    <p:extLst>
+      <p:ext uri="{BB962C8B-B14F-4D97-AF65-F5344CB8AC3E}">
+        <p14:creationId xmlns:p14="http://schemas.microsoft.com/office/powerpoint/2010/main" val="814491061"/>
+      </p:ext>
+    </p:extLst>
+  </p:cSld>
+  <p:clrMapOvr>
+    <a:masterClrMapping/>
+  </p:clrMapOvr>
+  <p:timing>
+    <p:tnLst>
+      <p:par>
+        <p:cTn id="1" dur="indefinite" restart="never" nodeType="tmRoot">
+          <p:childTnLst>
+            <p:seq concurrent="1" nextAc="seek">
+              <p:cTn id="2" dur="indefinite" nodeType="mainSeq">
+                <p:childTnLst>
+                  <p:par>
+                    <p:cTn id="3" fill="hold">
+                      <p:stCondLst>
+                        <p:cond delay="indefinite"/>
+                      </p:stCondLst>
+                      <p:childTnLst>
+                        <p:par>
+                          <p:cTn id="4" fill="hold">
+                            <p:stCondLst>
+                              <p:cond delay="0"/>
+                            </p:stCondLst>
+                            <p:childTnLst>
+                              <p:par>
+                                <p:cTn id="5" presetID="16" presetClass="entr" presetSubtype="21" fill="hold" nodeType="clickEffect">
+                                  <p:stCondLst>
+                                    <p:cond delay="0"/>
+                                  </p:stCondLst>
+                                  <p:childTnLst>
+                                    <p:set>
+                                      <p:cBhvr>
+                                        <p:cTn id="6" dur="1" fill="hold">
+                                          <p:stCondLst>
+                                            <p:cond delay="0"/>
+                                          </p:stCondLst>
+                                        </p:cTn>
+                                        <p:tgtEl>
+                                          <p:spTgt spid="3">
+                                            <p:txEl>
+                                              <p:pRg st="0" end="0"/>
+                                            </p:txEl>
+                                          </p:spTgt>
+                                        </p:tgtEl>
+                                        <p:attrNameLst>
+                                          <p:attrName>style.visibility</p:attrName>
+                                        </p:attrNameLst>
+                                      </p:cBhvr>
+                                      <p:to>
+                                        <p:strVal val="visible"/>
+                                      </p:to>
+                                    </p:set>
+                                    <p:animEffect transition="in" filter="barn(inVertical)">
+                                      <p:cBhvr>
+                                        <p:cTn id="7" dur="500"/>
+                                        <p:tgtEl>
+                                          <p:spTgt spid="3">
+                                            <p:txEl>
+                                              <p:pRg st="0" end="0"/>
+                                            </p:txEl>
+                                          </p:spTgt>
+                                        </p:tgtEl>
+                                      </p:cBhvr>
+                                    </p:animEffect>
+                                  </p:childTnLst>
+                                </p:cTn>
+                              </p:par>
+                            </p:childTnLst>
+                          </p:cTn>
+                        </p:par>
+                      </p:childTnLst>
+                    </p:cTn>
+                  </p:par>
+                  <p:par>
+                    <p:cTn id="8" fill="hold">
+                      <p:stCondLst>
+                        <p:cond delay="indefinite"/>
+                      </p:stCondLst>
+                      <p:childTnLst>
+                        <p:par>
+                          <p:cTn id="9" fill="hold">
+                            <p:stCondLst>
+                              <p:cond delay="0"/>
+                            </p:stCondLst>
+                            <p:childTnLst>
+                              <p:par>
+                                <p:cTn id="10" presetID="16" presetClass="entr" presetSubtype="21" fill="hold" nodeType="clickEffect">
+                                  <p:stCondLst>
+                                    <p:cond delay="0"/>
+                                  </p:stCondLst>
+                                  <p:childTnLst>
+                                    <p:set>
+                                      <p:cBhvr>
+                                        <p:cTn id="11" dur="1" fill="hold">
+                                          <p:stCondLst>
+                                            <p:cond delay="0"/>
+                                          </p:stCondLst>
+                                        </p:cTn>
+                                        <p:tgtEl>
+                                          <p:spTgt spid="3">
+                                            <p:txEl>
+                                              <p:pRg st="1" end="1"/>
+                                            </p:txEl>
+                                          </p:spTgt>
+                                        </p:tgtEl>
+                                        <p:attrNameLst>
+                                          <p:attrName>style.visibility</p:attrName>
+                                        </p:attrNameLst>
+                                      </p:cBhvr>
+                                      <p:to>
+                                        <p:strVal val="visible"/>
+                                      </p:to>
+                                    </p:set>
+                                    <p:animEffect transition="in" filter="barn(inVertical)">
+                                      <p:cBhvr>
+                                        <p:cTn id="12" dur="500"/>
+                                        <p:tgtEl>
+                                          <p:spTgt spid="3">
+                                            <p:txEl>
+                                              <p:pRg st="1" end="1"/>
+                                            </p:txEl>
+                                          </p:spTgt>
+                                        </p:tgtEl>
+                                      </p:cBhvr>
+                                    </p:animEffect>
+                                  </p:childTnLst>
+                                </p:cTn>
+                              </p:par>
+                            </p:childTnLst>
+                          </p:cTn>
+                        </p:par>
+                      </p:childTnLst>
+                    </p:cTn>
+                  </p:par>
+                  <p:par>
+                    <p:cTn id="13" fill="hold">
+                      <p:stCondLst>
+                        <p:cond delay="indefinite"/>
+                      </p:stCondLst>
+                      <p:childTnLst>
+                        <p:par>
+                          <p:cTn id="14" fill="hold">
+                            <p:stCondLst>
+                              <p:cond delay="0"/>
+                            </p:stCondLst>
+                            <p:childTnLst>
+                              <p:par>
+                                <p:cTn id="15" presetID="16" presetClass="entr" presetSubtype="21" fill="hold" nodeType="clickEffect">
+                                  <p:stCondLst>
+                                    <p:cond delay="0"/>
+                                  </p:stCondLst>
+                                  <p:childTnLst>
+                                    <p:set>
+                                      <p:cBhvr>
+                                        <p:cTn id="16" dur="1" fill="hold">
+                                          <p:stCondLst>
+                                            <p:cond delay="0"/>
+                                          </p:stCondLst>
+                                        </p:cTn>
+                                        <p:tgtEl>
+                                          <p:spTgt spid="3">
+                                            <p:txEl>
+                                              <p:pRg st="2" end="2"/>
+                                            </p:txEl>
+                                          </p:spTgt>
+                                        </p:tgtEl>
+                                        <p:attrNameLst>
+                                          <p:attrName>style.visibility</p:attrName>
+                                        </p:attrNameLst>
+                                      </p:cBhvr>
+                                      <p:to>
+                                        <p:strVal val="visible"/>
+                                      </p:to>
+                                    </p:set>
+                                    <p:animEffect transition="in" filter="barn(inVertical)">
+                                      <p:cBhvr>
+                                        <p:cTn id="17" dur="500"/>
+                                        <p:tgtEl>
+                                          <p:spTgt spid="3">
+                                            <p:txEl>
+                                              <p:pRg st="2" end="2"/>
+                                            </p:txEl>
+                                          </p:spTgt>
+                                        </p:tgtEl>
+                                      </p:cBhvr>
+                                    </p:animEffect>
+                                  </p:childTnLst>
+                                </p:cTn>
+                              </p:par>
+                            </p:childTnLst>
+                          </p:cTn>
+                        </p:par>
+                      </p:childTnLst>
+                    </p:cTn>
+                  </p:par>
+                  <p:par>
+                    <p:cTn id="18" fill="hold">
+                      <p:stCondLst>
+                        <p:cond delay="indefinite"/>
+                      </p:stCondLst>
+                      <p:childTnLst>
+                        <p:par>
+                          <p:cTn id="19" fill="hold">
+                            <p:stCondLst>
+                              <p:cond delay="0"/>
+                            </p:stCondLst>
+                            <p:childTnLst>
+                              <p:par>
+                                <p:cTn id="20" presetID="16" presetClass="entr" presetSubtype="21" fill="hold" nodeType="clickEffect">
+                                  <p:stCondLst>
+                                    <p:cond delay="0"/>
+                                  </p:stCondLst>
+                                  <p:childTnLst>
+                                    <p:set>
+                                      <p:cBhvr>
+                                        <p:cTn id="21" dur="1" fill="hold">
+                                          <p:stCondLst>
+                                            <p:cond delay="0"/>
+                                          </p:stCondLst>
+                                        </p:cTn>
+                                        <p:tgtEl>
+                                          <p:spTgt spid="3">
+                                            <p:txEl>
+                                              <p:pRg st="3" end="3"/>
+                                            </p:txEl>
+                                          </p:spTgt>
+                                        </p:tgtEl>
+                                        <p:attrNameLst>
+                                          <p:attrName>style.visibility</p:attrName>
+                                        </p:attrNameLst>
+                                      </p:cBhvr>
+                                      <p:to>
+                                        <p:strVal val="visible"/>
+                                      </p:to>
+                                    </p:set>
+                                    <p:animEffect transition="in" filter="barn(inVertical)">
+                                      <p:cBhvr>
+                                        <p:cTn id="22" dur="500"/>
+                                        <p:tgtEl>
+                                          <p:spTgt spid="3">
+                                            <p:txEl>
+                                              <p:pRg st="3" end="3"/>
+                                            </p:txEl>
+                                          </p:spTgt>
+                                        </p:tgtEl>
+                                      </p:cBhvr>
+                                    </p:animEffect>
+                                  </p:childTnLst>
+                                </p:cTn>
+                              </p:par>
+                            </p:childTnLst>
+                          </p:cTn>
+                        </p:par>
+                      </p:childTnLst>
+                    </p:cTn>
+                  </p:par>
+                  <p:par>
+                    <p:cTn id="23" fill="hold">
+                      <p:stCondLst>
+                        <p:cond delay="indefinite"/>
+                      </p:stCondLst>
+                      <p:childTnLst>
+                        <p:par>
+                          <p:cTn id="24" fill="hold">
+                            <p:stCondLst>
+                              <p:cond delay="0"/>
+                            </p:stCondLst>
+                            <p:childTnLst>
+                              <p:par>
+                                <p:cTn id="25" presetID="16" presetClass="entr" presetSubtype="21" fill="hold" nodeType="clickEffect">
+                                  <p:stCondLst>
+                                    <p:cond delay="0"/>
+                                  </p:stCondLst>
+                                  <p:childTnLst>
+                                    <p:set>
+                                      <p:cBhvr>
+                                        <p:cTn id="26" dur="1" fill="hold">
+                                          <p:stCondLst>
+                                            <p:cond delay="0"/>
+                                          </p:stCondLst>
+                                        </p:cTn>
+                                        <p:tgtEl>
+                                          <p:spTgt spid="3">
+                                            <p:txEl>
+                                              <p:pRg st="4" end="4"/>
+                                            </p:txEl>
+                                          </p:spTgt>
+                                        </p:tgtEl>
+                                        <p:attrNameLst>
+                                          <p:attrName>style.visibility</p:attrName>
+                                        </p:attrNameLst>
+                                      </p:cBhvr>
+                                      <p:to>
+                                        <p:strVal val="visible"/>
+                                      </p:to>
+                                    </p:set>
+                                    <p:animEffect transition="in" filter="barn(inVertical)">
+                                      <p:cBhvr>
+                                        <p:cTn id="27" dur="500"/>
+                                        <p:tgtEl>
+                                          <p:spTgt spid="3">
+                                            <p:txEl>
+                                              <p:pRg st="4" end="4"/>
+                                            </p:txEl>
+                                          </p:spTgt>
+                                        </p:tgtEl>
+                                      </p:cBhvr>
+                                    </p:animEffect>
+                                  </p:childTnLst>
+                                </p:cTn>
+                              </p:par>
+                            </p:childTnLst>
+                          </p:cTn>
+                        </p:par>
+                      </p:childTnLst>
+                    </p:cTn>
+                  </p:par>
+                  <p:par>
+                    <p:cTn id="28" fill="hold">
+                      <p:stCondLst>
+                        <p:cond delay="indefinite"/>
+                      </p:stCondLst>
+                      <p:childTnLst>
+                        <p:par>
+                          <p:cTn id="29" fill="hold">
+                            <p:stCondLst>
+                              <p:cond delay="0"/>
+                            </p:stCondLst>
+                            <p:childTnLst>
+                              <p:par>
+                                <p:cTn id="30" presetID="16" presetClass="entr" presetSubtype="21" fill="hold" nodeType="clickEffect">
+                                  <p:stCondLst>
+                                    <p:cond delay="0"/>
+                                  </p:stCondLst>
+                                  <p:childTnLst>
+                                    <p:set>
+                                      <p:cBhvr>
+                                        <p:cTn id="31" dur="1" fill="hold">
+                                          <p:stCondLst>
+                                            <p:cond delay="0"/>
+                                          </p:stCondLst>
+                                        </p:cTn>
+                                        <p:tgtEl>
+                                          <p:spTgt spid="3">
+                                            <p:txEl>
+                                              <p:pRg st="5" end="5"/>
+                                            </p:txEl>
+                                          </p:spTgt>
+                                        </p:tgtEl>
+                                        <p:attrNameLst>
+                                          <p:attrName>style.visibility</p:attrName>
+                                        </p:attrNameLst>
+                                      </p:cBhvr>
+                                      <p:to>
+                                        <p:strVal val="visible"/>
+                                      </p:to>
+                                    </p:set>
+                                    <p:animEffect transition="in" filter="barn(inVertical)">
+                                      <p:cBhvr>
+                                        <p:cTn id="32" dur="500"/>
+                                        <p:tgtEl>
+                                          <p:spTgt spid="3">
+                                            <p:txEl>
+                                              <p:pRg st="5" end="5"/>
+                                            </p:txEl>
+                                          </p:spTgt>
+                                        </p:tgtEl>
+                                      </p:cBhvr>
+                                    </p:animEffect>
+                                  </p:childTnLst>
+                                </p:cTn>
+                              </p:par>
+                            </p:childTnLst>
+                          </p:cTn>
+                        </p:par>
+                      </p:childTnLst>
+                    </p:cTn>
+                  </p:par>
+                  <p:par>
+                    <p:cTn id="33" fill="hold">
+                      <p:stCondLst>
+                        <p:cond delay="indefinite"/>
+                      </p:stCondLst>
+                      <p:childTnLst>
+                        <p:par>
+                          <p:cTn id="34" fill="hold">
+                            <p:stCondLst>
+                              <p:cond delay="0"/>
+                            </p:stCondLst>
+                            <p:childTnLst>
+                              <p:par>
+                                <p:cTn id="35" presetID="16" presetClass="entr" presetSubtype="21" fill="hold" nodeType="clickEffect">
+                                  <p:stCondLst>
+                                    <p:cond delay="0"/>
+                                  </p:stCondLst>
+                                  <p:childTnLst>
+                                    <p:set>
+                                      <p:cBhvr>
+                                        <p:cTn id="36" dur="1" fill="hold">
+                                          <p:stCondLst>
+                                            <p:cond delay="0"/>
+                                          </p:stCondLst>
+                                        </p:cTn>
+                                        <p:tgtEl>
+                                          <p:spTgt spid="3">
+                                            <p:txEl>
+                                              <p:pRg st="6" end="6"/>
+                                            </p:txEl>
+                                          </p:spTgt>
+                                        </p:tgtEl>
+                                        <p:attrNameLst>
+                                          <p:attrName>style.visibility</p:attrName>
+                                        </p:attrNameLst>
+                                      </p:cBhvr>
+                                      <p:to>
+                                        <p:strVal val="visible"/>
+                                      </p:to>
+                                    </p:set>
+                                    <p:animEffect transition="in" filter="barn(inVertical)">
+                                      <p:cBhvr>
+                                        <p:cTn id="37" dur="500"/>
+                                        <p:tgtEl>
+                                          <p:spTgt spid="3">
+                                            <p:txEl>
+                                              <p:pRg st="6" end="6"/>
+                                            </p:txEl>
+                                          </p:spTgt>
+                                        </p:tgtEl>
+                                      </p:cBhvr>
+                                    </p:animEffect>
+                                  </p:childTnLst>
+                                </p:cTn>
+                              </p:par>
+                            </p:childTnLst>
+                          </p:cTn>
+                        </p:par>
+                      </p:childTnLst>
+                    </p:cTn>
+                  </p:par>
+                  <p:par>
+                    <p:cTn id="38" fill="hold">
+                      <p:stCondLst>
+                        <p:cond delay="indefinite"/>
+                      </p:stCondLst>
+                      <p:childTnLst>
+                        <p:par>
+                          <p:cTn id="39" fill="hold">
+                            <p:stCondLst>
+                              <p:cond delay="0"/>
+                            </p:stCondLst>
+                            <p:childTnLst>
+                              <p:par>
+                                <p:cTn id="40" presetID="16" presetClass="entr" presetSubtype="21" fill="hold" nodeType="clickEffect">
+                                  <p:stCondLst>
+                                    <p:cond delay="0"/>
+                                  </p:stCondLst>
+                                  <p:childTnLst>
+                                    <p:set>
+                                      <p:cBhvr>
+                                        <p:cTn id="41" dur="1" fill="hold">
+                                          <p:stCondLst>
+                                            <p:cond delay="0"/>
+                                          </p:stCondLst>
+                                        </p:cTn>
+                                        <p:tgtEl>
+                                          <p:spTgt spid="3">
+                                            <p:txEl>
+                                              <p:pRg st="7" end="7"/>
+                                            </p:txEl>
+                                          </p:spTgt>
+                                        </p:tgtEl>
+                                        <p:attrNameLst>
+                                          <p:attrName>style.visibility</p:attrName>
+                                        </p:attrNameLst>
+                                      </p:cBhvr>
+                                      <p:to>
+                                        <p:strVal val="visible"/>
+                                      </p:to>
+                                    </p:set>
+                                    <p:animEffect transition="in" filter="barn(inVertical)">
+                                      <p:cBhvr>
+                                        <p:cTn id="42" dur="500"/>
+                                        <p:tgtEl>
+                                          <p:spTgt spid="3">
+                                            <p:txEl>
+                                              <p:pRg st="7" end="7"/>
+                                            </p:txEl>
+                                          </p:spTgt>
+                                        </p:tgtEl>
+                                      </p:cBhvr>
+                                    </p:animEffect>
+                                  </p:childTnLst>
+                                </p:cTn>
+                              </p:par>
+                            </p:childTnLst>
+                          </p:cTn>
+                        </p:par>
+                      </p:childTnLst>
+                    </p:cTn>
+                  </p:par>
+                  <p:par>
+                    <p:cTn id="43" fill="hold">
+                      <p:stCondLst>
+                        <p:cond delay="indefinite"/>
+                      </p:stCondLst>
+                      <p:childTnLst>
+                        <p:par>
+                          <p:cTn id="44" fill="hold">
+                            <p:stCondLst>
+                              <p:cond delay="0"/>
+                            </p:stCondLst>
+                            <p:childTnLst>
+                              <p:par>
+                                <p:cTn id="45" presetID="16" presetClass="entr" presetSubtype="21" fill="hold" nodeType="clickEffect">
+                                  <p:stCondLst>
+                                    <p:cond delay="0"/>
+                                  </p:stCondLst>
+                                  <p:childTnLst>
+                                    <p:set>
+                                      <p:cBhvr>
+                                        <p:cTn id="46" dur="1" fill="hold">
+                                          <p:stCondLst>
+                                            <p:cond delay="0"/>
+                                          </p:stCondLst>
+                                        </p:cTn>
+                                        <p:tgtEl>
+                                          <p:spTgt spid="3">
+                                            <p:txEl>
+                                              <p:pRg st="8" end="8"/>
+                                            </p:txEl>
+                                          </p:spTgt>
+                                        </p:tgtEl>
+                                        <p:attrNameLst>
+                                          <p:attrName>style.visibility</p:attrName>
+                                        </p:attrNameLst>
+                                      </p:cBhvr>
+                                      <p:to>
+                                        <p:strVal val="visible"/>
+                                      </p:to>
+                                    </p:set>
+                                    <p:animEffect transition="in" filter="barn(inVertical)">
+                                      <p:cBhvr>
+                                        <p:cTn id="47" dur="500"/>
+                                        <p:tgtEl>
+                                          <p:spTgt spid="3">
+                                            <p:txEl>
+                                              <p:pRg st="8" end="8"/>
+                                            </p:txEl>
+                                          </p:spTgt>
+                                        </p:tgtEl>
+                                      </p:cBhvr>
+                                    </p:animEffect>
+                                  </p:childTnLst>
+                                </p:cTn>
+                              </p:par>
+                            </p:childTnLst>
+                          </p:cTn>
+                        </p:par>
+                      </p:childTnLst>
+                    </p:cTn>
+                  </p:par>
+                  <p:par>
+                    <p:cTn id="48" fill="hold">
+                      <p:stCondLst>
+                        <p:cond delay="indefinite"/>
+                      </p:stCondLst>
+                      <p:childTnLst>
+                        <p:par>
+                          <p:cTn id="49" fill="hold">
+                            <p:stCondLst>
+                              <p:cond delay="0"/>
+                            </p:stCondLst>
+                            <p:childTnLst>
+                              <p:par>
+                                <p:cTn id="50" presetID="16" presetClass="entr" presetSubtype="21" fill="hold" nodeType="clickEffect">
+                                  <p:stCondLst>
+                                    <p:cond delay="0"/>
+                                  </p:stCondLst>
+                                  <p:childTnLst>
+                                    <p:set>
+                                      <p:cBhvr>
+                                        <p:cTn id="51" dur="1" fill="hold">
+                                          <p:stCondLst>
+                                            <p:cond delay="0"/>
+                                          </p:stCondLst>
+                                        </p:cTn>
+                                        <p:tgtEl>
+                                          <p:spTgt spid="3">
+                                            <p:txEl>
+                                              <p:pRg st="9" end="9"/>
+                                            </p:txEl>
+                                          </p:spTgt>
+                                        </p:tgtEl>
+                                        <p:attrNameLst>
+                                          <p:attrName>style.visibility</p:attrName>
+                                        </p:attrNameLst>
+                                      </p:cBhvr>
+                                      <p:to>
+                                        <p:strVal val="visible"/>
+                                      </p:to>
+                                    </p:set>
+                                    <p:animEffect transition="in" filter="barn(inVertical)">
+                                      <p:cBhvr>
+                                        <p:cTn id="52" dur="500"/>
+                                        <p:tgtEl>
+                                          <p:spTgt spid="3">
+                                            <p:txEl>
+                                              <p:pRg st="9" end="9"/>
+                                            </p:txEl>
+                                          </p:spTgt>
+                                        </p:tgtEl>
+                                      </p:cBhvr>
+                                    </p:animEffect>
+                                  </p:childTnLst>
+                                </p:cTn>
+                              </p:par>
+                            </p:childTnLst>
+                          </p:cTn>
+                        </p:par>
+                      </p:childTnLst>
+                    </p:cTn>
+                  </p:par>
+                  <p:par>
+                    <p:cTn id="53" fill="hold">
+                      <p:stCondLst>
+                        <p:cond delay="indefinite"/>
+                      </p:stCondLst>
+                      <p:childTnLst>
+                        <p:par>
+                          <p:cTn id="54" fill="hold">
+                            <p:stCondLst>
+                              <p:cond delay="0"/>
+                            </p:stCondLst>
+                            <p:childTnLst>
+                              <p:par>
+                                <p:cTn id="55" presetID="16" presetClass="entr" presetSubtype="21" fill="hold" nodeType="clickEffect">
+                                  <p:stCondLst>
+                                    <p:cond delay="0"/>
+                                  </p:stCondLst>
+                                  <p:childTnLst>
+                                    <p:set>
+                                      <p:cBhvr>
+                                        <p:cTn id="56" dur="1" fill="hold">
+                                          <p:stCondLst>
+                                            <p:cond delay="0"/>
+                                          </p:stCondLst>
+                                        </p:cTn>
+                                        <p:tgtEl>
+                                          <p:spTgt spid="3">
+                                            <p:txEl>
+                                              <p:pRg st="10" end="10"/>
+                                            </p:txEl>
+                                          </p:spTgt>
+                                        </p:tgtEl>
+                                        <p:attrNameLst>
+                                          <p:attrName>style.visibility</p:attrName>
+                                        </p:attrNameLst>
+                                      </p:cBhvr>
+                                      <p:to>
+                                        <p:strVal val="visible"/>
+                                      </p:to>
+                                    </p:set>
+                                    <p:animEffect transition="in" filter="barn(inVertical)">
+                                      <p:cBhvr>
+                                        <p:cTn id="57" dur="500"/>
+                                        <p:tgtEl>
+                                          <p:spTgt spid="3">
+                                            <p:txEl>
+                                              <p:pRg st="10" end="10"/>
+                                            </p:txEl>
+                                          </p:spTgt>
+                                        </p:tgtEl>
+                                      </p:cBhvr>
+                                    </p:animEffect>
+                                  </p:childTnLst>
+                                </p:cTn>
+                              </p:par>
+                            </p:childTnLst>
+                          </p:cTn>
+                        </p:par>
+                      </p:childTnLst>
+                    </p:cTn>
+                  </p:par>
+                </p:childTnLst>
+              </p:cTn>
+              <p:prevCondLst>
+                <p:cond evt="onPrev" delay="0">
+                  <p:tgtEl>
+                    <p:sldTgt/>
+                  </p:tgtEl>
+                </p:cond>
+              </p:prevCondLst>
+              <p:nextCondLst>
+                <p:cond evt="onNext" delay="0">
+                  <p:tgtEl>
+                    <p:sldTgt/>
+                  </p:tgtEl>
+                </p:cond>
+              </p:nextCondLst>
+            </p:seq>
+          </p:childTnLst>
+        </p:cTn>
+      </p:par>
+    </p:tnLst>
+  </p:timing>
+</p:sld>
+</file>
+
+<file path=ppt/slides/slide9.xml><?xml version="1.0" encoding="utf-8"?>
+<p:sld xmlns:a="http://schemas.openxmlformats.org/drawingml/2006/main" xmlns:r="http://schemas.openxmlformats.org/officeDocument/2006/relationships" xmlns:p="http://schemas.openxmlformats.org/presentationml/2006/main">
+  <p:cSld>
+    <p:spTree>
+      <p:nvGrpSpPr>
+        <p:cNvPr id="1" name=""/>
+        <p:cNvGrpSpPr/>
+        <p:nvPr/>
+      </p:nvGrpSpPr>
+      <p:grpSpPr>
+        <a:xfrm>
+          <a:off x="0" y="0"/>
+          <a:ext cx="0" cy="0"/>
+          <a:chOff x="0" y="0"/>
+          <a:chExt cx="0" cy="0"/>
+        </a:xfrm>
+      </p:grpSpPr>
+      <p:sp>
+        <p:nvSpPr>
+          <p:cNvPr id="2" name="Title 1"/>
+          <p:cNvSpPr>
+            <a:spLocks noGrp="1"/>
+          </p:cNvSpPr>
+          <p:nvPr>
+            <p:ph type="title"/>
+          </p:nvPr>
+        </p:nvSpPr>
+        <p:spPr>
+          <a:xfrm>
+            <a:off x="381000" y="12700"/>
+            <a:ext cx="8229600" cy="901700"/>
+          </a:xfrm>
+        </p:spPr>
+        <p:txBody>
+          <a:bodyPr/>
+          <a:lstStyle/>
+          <a:p>
+            <a:pPr algn="l"/>
+            <a:r>
+              <a:rPr lang="en-US" dirty="0" smtClean="0"/>
+              <a:t>Spark Stack – </a:t>
+            </a:r>
+            <a:r>
+              <a:rPr lang="en-US" dirty="0" err="1" smtClean="0"/>
+              <a:t>GraphX</a:t>
+            </a:r>
+            <a:endParaRPr lang="en-US" dirty="0"/>
+          </a:p>
+        </p:txBody>
+      </p:sp>
+      <p:sp>
+        <p:nvSpPr>
+          <p:cNvPr id="3" name="Content Placeholder 2"/>
+          <p:cNvSpPr>
+            <a:spLocks noGrp="1"/>
+          </p:cNvSpPr>
+          <p:nvPr>
+            <p:ph idx="1"/>
+          </p:nvPr>
+        </p:nvSpPr>
+        <p:spPr>
+          <a:xfrm>
+            <a:off x="457200" y="990600"/>
+            <a:ext cx="8382000" cy="5257800"/>
+          </a:xfrm>
+        </p:spPr>
+        <p:txBody>
+          <a:bodyPr>
+            <a:normAutofit fontScale="92500" lnSpcReduction="20000"/>
+          </a:bodyPr>
+          <a:lstStyle/>
+          <a:p>
+            <a:r>
+              <a:rPr lang="en-US" dirty="0" err="1" smtClean="0"/>
+              <a:t>Graphx</a:t>
+            </a:r>
+            <a:r>
+              <a:rPr lang="en-US" dirty="0" smtClean="0"/>
+              <a:t> is a Library to manipulate graphs and performing graph-parallel computations.</a:t>
+            </a:r>
+          </a:p>
+          <a:p>
+            <a:r>
+              <a:rPr lang="en-US" dirty="0" smtClean="0"/>
+              <a:t>E.g. graph is Social network’s friend graph.</a:t>
+            </a:r>
+          </a:p>
+          <a:p>
+            <a:r>
+              <a:rPr lang="en-US" dirty="0" smtClean="0"/>
+              <a:t>Like Spark Streaming and Spark SQL, </a:t>
+            </a:r>
+            <a:r>
+              <a:rPr lang="en-US" dirty="0" err="1" smtClean="0"/>
+              <a:t>GraphX</a:t>
+            </a:r>
+            <a:r>
+              <a:rPr lang="en-US" dirty="0" smtClean="0"/>
+              <a:t> extends the Spark RDD API.</a:t>
+            </a:r>
+          </a:p>
+          <a:p>
+            <a:r>
+              <a:rPr lang="en-US" dirty="0" smtClean="0"/>
+              <a:t>You can create a directed graph with Vertex and Edge attached with arbitrary properties.</a:t>
+            </a:r>
+          </a:p>
+          <a:p>
+            <a:r>
+              <a:rPr lang="en-US" dirty="0" err="1" smtClean="0"/>
+              <a:t>GraphX</a:t>
+            </a:r>
+            <a:r>
+              <a:rPr lang="en-US" dirty="0" smtClean="0"/>
+              <a:t> provides </a:t>
+            </a:r>
+          </a:p>
+          <a:p>
+            <a:pPr lvl="1"/>
+            <a:r>
+              <a:rPr lang="en-US" dirty="0" smtClean="0"/>
+              <a:t>various operators for manipulating graphs (</a:t>
+            </a:r>
+            <a:r>
+              <a:rPr lang="en-US" dirty="0" err="1" smtClean="0"/>
+              <a:t>e.g</a:t>
+            </a:r>
+            <a:r>
+              <a:rPr lang="en-US" dirty="0" smtClean="0"/>
+              <a:t> Subgraph and </a:t>
+            </a:r>
+            <a:r>
+              <a:rPr lang="en-US" dirty="0" err="1" smtClean="0"/>
+              <a:t>mapVerticies</a:t>
+            </a:r>
+            <a:r>
+              <a:rPr lang="en-US" dirty="0" smtClean="0"/>
+              <a:t>) and </a:t>
+            </a:r>
+          </a:p>
+          <a:p>
+            <a:pPr lvl="1"/>
+            <a:r>
+              <a:rPr lang="en-US" dirty="0" smtClean="0"/>
+              <a:t>Library of common graph algorithms (</a:t>
+            </a:r>
+            <a:r>
+              <a:rPr lang="en-US" dirty="0" err="1" smtClean="0"/>
+              <a:t>e.g</a:t>
+            </a:r>
+            <a:r>
+              <a:rPr lang="en-US" dirty="0" smtClean="0"/>
+              <a:t> PageRank and Triangle </a:t>
+            </a:r>
+            <a:r>
+              <a:rPr lang="en-US" dirty="0" err="1" smtClean="0"/>
+              <a:t>Counging</a:t>
+            </a:r>
+            <a:r>
+              <a:rPr lang="en-US" dirty="0" smtClean="0"/>
+              <a:t>)</a:t>
+            </a:r>
+          </a:p>
+        </p:txBody>
+      </p:sp>
+    </p:spTree>
+    <p:extLst>
+      <p:ext uri="{BB962C8B-B14F-4D97-AF65-F5344CB8AC3E}">
+        <p14:creationId xmlns:p14="http://schemas.microsoft.com/office/powerpoint/2010/main" val="2664853486"/>
+      </p:ext>
+    </p:extLst>
+  </p:cSld>
+  <p:clrMapOvr>
+    <a:masterClrMapping/>
+  </p:clrMapOvr>
+  <p:timing>
+    <p:tnLst>
+      <p:par>
+        <p:cTn id="1" dur="indefinite" restart="never" nodeType="tmRoot">
+          <p:childTnLst>
+            <p:seq concurrent="1" nextAc="seek">
+              <p:cTn id="2" dur="indefinite" nodeType="mainSeq">
+                <p:childTnLst>
+                  <p:par>
+                    <p:cTn id="3" fill="hold">
+                      <p:stCondLst>
+                        <p:cond delay="indefinite"/>
+                      </p:stCondLst>
+                      <p:childTnLst>
+                        <p:par>
+                          <p:cTn id="4" fill="hold">
+                            <p:stCondLst>
+                              <p:cond delay="0"/>
+                            </p:stCondLst>
+                            <p:childTnLst>
+                              <p:par>
+                                <p:cTn id="5" presetID="16" presetClass="entr" presetSubtype="21" fill="hold" nodeType="clickEffect">
+                                  <p:stCondLst>
+                                    <p:cond delay="0"/>
+                                  </p:stCondLst>
+                                  <p:childTnLst>
+                                    <p:set>
+                                      <p:cBhvr>
+                                        <p:cTn id="6" dur="1" fill="hold">
+                                          <p:stCondLst>
+                                            <p:cond delay="0"/>
+                                          </p:stCondLst>
+                                        </p:cTn>
+                                        <p:tgtEl>
+                                          <p:spTgt spid="3">
+                                            <p:txEl>
+                                              <p:pRg st="0" end="0"/>
+                                            </p:txEl>
+                                          </p:spTgt>
+                                        </p:tgtEl>
+                                        <p:attrNameLst>
+                                          <p:attrName>style.visibility</p:attrName>
+                                        </p:attrNameLst>
+                                      </p:cBhvr>
+                                      <p:to>
+                                        <p:strVal val="visible"/>
+                                      </p:to>
+                                    </p:set>
+                                    <p:animEffect transition="in" filter="barn(inVertical)">
+                                      <p:cBhvr>
+                                        <p:cTn id="7" dur="500"/>
+                                        <p:tgtEl>
+                                          <p:spTgt spid="3">
+                                            <p:txEl>
+                                              <p:pRg st="0" end="0"/>
+                                            </p:txEl>
+                                          </p:spTgt>
+                                        </p:tgtEl>
+                                      </p:cBhvr>
+                                    </p:animEffect>
+                                  </p:childTnLst>
+                                </p:cTn>
+                              </p:par>
+                            </p:childTnLst>
+                          </p:cTn>
+                        </p:par>
+                      </p:childTnLst>
+                    </p:cTn>
+                  </p:par>
+                  <p:par>
+                    <p:cTn id="8" fill="hold">
+                      <p:stCondLst>
+                        <p:cond delay="indefinite"/>
+                      </p:stCondLst>
+                      <p:childTnLst>
+                        <p:par>
+                          <p:cTn id="9" fill="hold">
+                            <p:stCondLst>
+                              <p:cond delay="0"/>
+                            </p:stCondLst>
+                            <p:childTnLst>
+                              <p:par>
+                                <p:cTn id="10" presetID="16" presetClass="entr" presetSubtype="21" fill="hold" nodeType="clickEffect">
+                                  <p:stCondLst>
+                                    <p:cond delay="0"/>
+                                  </p:stCondLst>
+                                  <p:childTnLst>
+                                    <p:set>
+                                      <p:cBhvr>
+                                        <p:cTn id="11" dur="1" fill="hold">
+                                          <p:stCondLst>
+                                            <p:cond delay="0"/>
+                                          </p:stCondLst>
+                                        </p:cTn>
+                                        <p:tgtEl>
+                                          <p:spTgt spid="3">
+                                            <p:txEl>
+                                              <p:pRg st="1" end="1"/>
+                                            </p:txEl>
+                                          </p:spTgt>
+                                        </p:tgtEl>
+                                        <p:attrNameLst>
+                                          <p:attrName>style.visibility</p:attrName>
+                                        </p:attrNameLst>
+                                      </p:cBhvr>
+                                      <p:to>
+                                        <p:strVal val="visible"/>
+                                      </p:to>
+                                    </p:set>
+                                    <p:animEffect transition="in" filter="barn(inVertical)">
+                                      <p:cBhvr>
+                                        <p:cTn id="12" dur="500"/>
+                                        <p:tgtEl>
+                                          <p:spTgt spid="3">
+                                            <p:txEl>
+                                              <p:pRg st="1" end="1"/>
+                                            </p:txEl>
+                                          </p:spTgt>
+                                        </p:tgtEl>
+                                      </p:cBhvr>
+                                    </p:animEffect>
+                                  </p:childTnLst>
+                                </p:cTn>
+                              </p:par>
+                            </p:childTnLst>
+                          </p:cTn>
+                        </p:par>
+                      </p:childTnLst>
+                    </p:cTn>
+                  </p:par>
+                  <p:par>
+                    <p:cTn id="13" fill="hold">
+                      <p:stCondLst>
+                        <p:cond delay="indefinite"/>
+                      </p:stCondLst>
+                      <p:childTnLst>
+                        <p:par>
+                          <p:cTn id="14" fill="hold">
+                            <p:stCondLst>
+                              <p:cond delay="0"/>
+                            </p:stCondLst>
+                            <p:childTnLst>
+                              <p:par>
+                                <p:cTn id="15" presetID="16" presetClass="entr" presetSubtype="21" fill="hold" nodeType="clickEffect">
+                                  <p:stCondLst>
+                                    <p:cond delay="0"/>
+                                  </p:stCondLst>
+                                  <p:childTnLst>
+                                    <p:set>
+                                      <p:cBhvr>
+                                        <p:cTn id="16" dur="1" fill="hold">
+                                          <p:stCondLst>
+                                            <p:cond delay="0"/>
+                                          </p:stCondLst>
+                                        </p:cTn>
+                                        <p:tgtEl>
+                                          <p:spTgt spid="3">
+                                            <p:txEl>
+                                              <p:pRg st="2" end="2"/>
+                                            </p:txEl>
+                                          </p:spTgt>
+                                        </p:tgtEl>
+                                        <p:attrNameLst>
+                                          <p:attrName>style.visibility</p:attrName>
+                                        </p:attrNameLst>
+                                      </p:cBhvr>
+                                      <p:to>
+                                        <p:strVal val="visible"/>
+                                      </p:to>
+                                    </p:set>
+                                    <p:animEffect transition="in" filter="barn(inVertical)">
+                                      <p:cBhvr>
+                                        <p:cTn id="17" dur="500"/>
+                                        <p:tgtEl>
+                                          <p:spTgt spid="3">
+                                            <p:txEl>
+                                              <p:pRg st="2" end="2"/>
+                                            </p:txEl>
+                                          </p:spTgt>
+                                        </p:tgtEl>
+                                      </p:cBhvr>
+                                    </p:animEffect>
+                                  </p:childTnLst>
+                                </p:cTn>
+                              </p:par>
+                            </p:childTnLst>
+                          </p:cTn>
+                        </p:par>
+                      </p:childTnLst>
+                    </p:cTn>
+                  </p:par>
+                  <p:par>
+                    <p:cTn id="18" fill="hold">
+                      <p:stCondLst>
+                        <p:cond delay="indefinite"/>
+                      </p:stCondLst>
+                      <p:childTnLst>
+                        <p:par>
+                          <p:cTn id="19" fill="hold">
+                            <p:stCondLst>
+                              <p:cond delay="0"/>
+                            </p:stCondLst>
+                            <p:childTnLst>
+                              <p:par>
+                                <p:cTn id="20" presetID="16" presetClass="entr" presetSubtype="21" fill="hold" nodeType="clickEffect">
+                                  <p:stCondLst>
+                                    <p:cond delay="0"/>
+                                  </p:stCondLst>
+                                  <p:childTnLst>
+                                    <p:set>
+                                      <p:cBhvr>
+                                        <p:cTn id="21" dur="1" fill="hold">
+                                          <p:stCondLst>
+                                            <p:cond delay="0"/>
+                                          </p:stCondLst>
+                                        </p:cTn>
+                                        <p:tgtEl>
+                                          <p:spTgt spid="3">
+                                            <p:txEl>
+                                              <p:pRg st="3" end="3"/>
+                                            </p:txEl>
+                                          </p:spTgt>
+                                        </p:tgtEl>
+                                        <p:attrNameLst>
+                                          <p:attrName>style.visibility</p:attrName>
+                                        </p:attrNameLst>
+                                      </p:cBhvr>
+                                      <p:to>
+                                        <p:strVal val="visible"/>
+                                      </p:to>
+                                    </p:set>
+                                    <p:animEffect transition="in" filter="barn(inVertical)">
+                                      <p:cBhvr>
+                                        <p:cTn id="22" dur="500"/>
+                                        <p:tgtEl>
+                                          <p:spTgt spid="3">
+                                            <p:txEl>
+                                              <p:pRg st="3" end="3"/>
+                                            </p:txEl>
+                                          </p:spTgt>
+                                        </p:tgtEl>
+                                      </p:cBhvr>
+                                    </p:animEffect>
+                                  </p:childTnLst>
+                                </p:cTn>
+                              </p:par>
+                            </p:childTnLst>
+                          </p:cTn>
+                        </p:par>
+                      </p:childTnLst>
+                    </p:cTn>
+                  </p:par>
+                  <p:par>
+                    <p:cTn id="23" fill="hold">
+                      <p:stCondLst>
+                        <p:cond delay="indefinite"/>
+                      </p:stCondLst>
+                      <p:childTnLst>
+                        <p:par>
+                          <p:cTn id="24" fill="hold">
+                            <p:stCondLst>
+                              <p:cond delay="0"/>
+                            </p:stCondLst>
+                            <p:childTnLst>
+                              <p:par>
+                                <p:cTn id="25" presetID="16" presetClass="entr" presetSubtype="21" fill="hold" nodeType="clickEffect">
+                                  <p:stCondLst>
+                                    <p:cond delay="0"/>
+                                  </p:stCondLst>
+                                  <p:childTnLst>
+                                    <p:set>
+                                      <p:cBhvr>
+                                        <p:cTn id="26" dur="1" fill="hold">
+                                          <p:stCondLst>
+                                            <p:cond delay="0"/>
+                                          </p:stCondLst>
+                                        </p:cTn>
+                                        <p:tgtEl>
+                                          <p:spTgt spid="3">
+                                            <p:txEl>
+                                              <p:pRg st="4" end="4"/>
+                                            </p:txEl>
+                                          </p:spTgt>
+                                        </p:tgtEl>
+                                        <p:attrNameLst>
+                                          <p:attrName>style.visibility</p:attrName>
+                                        </p:attrNameLst>
+                                      </p:cBhvr>
+                                      <p:to>
+                                        <p:strVal val="visible"/>
+                                      </p:to>
+                                    </p:set>
+                                    <p:animEffect transition="in" filter="barn(inVertical)">
+                                      <p:cBhvr>
+                                        <p:cTn id="27" dur="500"/>
+                                        <p:tgtEl>
+                                          <p:spTgt spid="3">
+                                            <p:txEl>
+                                              <p:pRg st="4" end="4"/>
+                                            </p:txEl>
+                                          </p:spTgt>
+                                        </p:tgtEl>
+                                      </p:cBhvr>
+                                    </p:animEffect>
+                                  </p:childTnLst>
+                                </p:cTn>
+                              </p:par>
+                            </p:childTnLst>
+                          </p:cTn>
+                        </p:par>
+                      </p:childTnLst>
+                    </p:cTn>
+                  </p:par>
+                  <p:par>
+                    <p:cTn id="28" fill="hold">
+                      <p:stCondLst>
+                        <p:cond delay="indefinite"/>
+                      </p:stCondLst>
+                      <p:childTnLst>
+                        <p:par>
+                          <p:cTn id="29" fill="hold">
+                            <p:stCondLst>
+                              <p:cond delay="0"/>
+                            </p:stCondLst>
+                            <p:childTnLst>
+                              <p:par>
+                                <p:cTn id="30" presetID="16" presetClass="entr" presetSubtype="21" fill="hold" nodeType="clickEffect">
+                                  <p:stCondLst>
+                                    <p:cond delay="0"/>
+                                  </p:stCondLst>
+                                  <p:childTnLst>
+                                    <p:set>
+                                      <p:cBhvr>
+                                        <p:cTn id="31" dur="1" fill="hold">
+                                          <p:stCondLst>
+                                            <p:cond delay="0"/>
+                                          </p:stCondLst>
+                                        </p:cTn>
+                                        <p:tgtEl>
+                                          <p:spTgt spid="3">
+                                            <p:txEl>
+                                              <p:pRg st="5" end="5"/>
+                                            </p:txEl>
+                                          </p:spTgt>
+                                        </p:tgtEl>
+                                        <p:attrNameLst>
+                                          <p:attrName>style.visibility</p:attrName>
+                                        </p:attrNameLst>
+                                      </p:cBhvr>
+                                      <p:to>
+                                        <p:strVal val="visible"/>
+                                      </p:to>
+                                    </p:set>
+                                    <p:animEffect transition="in" filter="barn(inVertical)">
+                                      <p:cBhvr>
+                                        <p:cTn id="32" dur="500"/>
+                                        <p:tgtEl>
+                                          <p:spTgt spid="3">
+                                            <p:txEl>
+                                              <p:pRg st="5" end="5"/>
+                                            </p:txEl>
+                                          </p:spTgt>
+                                        </p:tgtEl>
+                                      </p:cBhvr>
+                                    </p:animEffect>
+                                  </p:childTnLst>
+                                </p:cTn>
+                              </p:par>
+                            </p:childTnLst>
+                          </p:cTn>
+                        </p:par>
+                      </p:childTnLst>
+                    </p:cTn>
+                  </p:par>
+                  <p:par>
+                    <p:cTn id="33" fill="hold">
+                      <p:stCondLst>
+                        <p:cond delay="indefinite"/>
+                      </p:stCondLst>
+                      <p:childTnLst>
+                        <p:par>
+                          <p:cTn id="34" fill="hold">
+                            <p:stCondLst>
+                              <p:cond delay="0"/>
+                            </p:stCondLst>
+                            <p:childTnLst>
+                              <p:par>
+                                <p:cTn id="35" presetID="16" presetClass="entr" presetSubtype="21" fill="hold" nodeType="clickEffect">
+                                  <p:stCondLst>
+                                    <p:cond delay="0"/>
+                                  </p:stCondLst>
+                                  <p:childTnLst>
+                                    <p:set>
+                                      <p:cBhvr>
+                                        <p:cTn id="36" dur="1" fill="hold">
+                                          <p:stCondLst>
+                                            <p:cond delay="0"/>
+                                          </p:stCondLst>
+                                        </p:cTn>
+                                        <p:tgtEl>
+                                          <p:spTgt spid="3">
+                                            <p:txEl>
+                                              <p:pRg st="6" end="6"/>
+                                            </p:txEl>
+                                          </p:spTgt>
+                                        </p:tgtEl>
+                                        <p:attrNameLst>
+                                          <p:attrName>style.visibility</p:attrName>
+                                        </p:attrNameLst>
+                                      </p:cBhvr>
+                                      <p:to>
+                                        <p:strVal val="visible"/>
+                                      </p:to>
+                                    </p:set>
+                                    <p:animEffect transition="in" filter="barn(inVertical)">
+                                      <p:cBhvr>
+                                        <p:cTn id="37" dur="500"/>
+                                        <p:tgtEl>
+                                          <p:spTgt spid="3">
+                                            <p:txEl>
+                                              <p:pRg st="6" end="6"/>
+                                            </p:txEl>
+                                          </p:spTgt>
+                                        </p:tgtEl>
+                                      </p:cBhvr>
+                                    </p:animEffect>
+                                  </p:childTnLst>
+                                </p:cTn>
+                              </p:par>
+                            </p:childTnLst>
+                          </p:cTn>
+                        </p:par>
+                      </p:childTnLst>
+                    </p:cTn>
+                  </p:par>
+                </p:childTnLst>
+              </p:cTn>
+              <p:prevCondLst>
+                <p:cond evt="onPrev" delay="0">
+                  <p:tgtEl>
+                    <p:sldTgt/>
+                  </p:tgtEl>
+                </p:cond>
+              </p:prevCondLst>
+              <p:nextCondLst>
+                <p:cond evt="onNext" delay="0">
+                  <p:tgtEl>
+                    <p:sldTgt/>
+                  </p:tgtEl>
+                </p:cond>
+              </p:nextCondLst>
+            </p:seq>
+          </p:childTnLst>
+        </p:cTn>
+      </p:par>
+    </p:tnLst>
+  </p:timing>
+</p:sld>
 </file>
 
 <file path=ppt/theme/theme1.xml><?xml version="1.0" encoding="utf-8"?>

--- a/Spark_PPT/Spark_part1.pptx
+++ b/Spark_PPT/Spark_part1.pptx
@@ -1,9 +1,12 @@
 
 <file path=ppt/presentation.xml><?xml version="1.0" encoding="utf-8"?>
-<p:presentation xmlns:a="http://schemas.openxmlformats.org/drawingml/2006/main" xmlns:r="http://schemas.openxmlformats.org/officeDocument/2006/relationships" xmlns:p="http://schemas.openxmlformats.org/presentationml/2006/main" saveSubsetFonts="1">
+<p:presentation xmlns:a="http://schemas.openxmlformats.org/drawingml/2006/main" xmlns:r="http://schemas.openxmlformats.org/officeDocument/2006/relationships" xmlns:p="http://schemas.openxmlformats.org/presentationml/2006/main" saveSubsetFonts="1" bookmarkIdSeed="4">
   <p:sldMasterIdLst>
     <p:sldMasterId id="2147483648" r:id="rId1"/>
   </p:sldMasterIdLst>
+  <p:notesMasterIdLst>
+    <p:notesMasterId r:id="rId38"/>
+  </p:notesMasterIdLst>
   <p:sldIdLst>
     <p:sldId id="256" r:id="rId2"/>
     <p:sldId id="257" r:id="rId3"/>
@@ -22,7 +25,25 @@
     <p:sldId id="270" r:id="rId16"/>
     <p:sldId id="271" r:id="rId17"/>
     <p:sldId id="272" r:id="rId18"/>
-    <p:sldId id="273" r:id="rId19"/>
+    <p:sldId id="275" r:id="rId19"/>
+    <p:sldId id="276" r:id="rId20"/>
+    <p:sldId id="277" r:id="rId21"/>
+    <p:sldId id="278" r:id="rId22"/>
+    <p:sldId id="279" r:id="rId23"/>
+    <p:sldId id="280" r:id="rId24"/>
+    <p:sldId id="281" r:id="rId25"/>
+    <p:sldId id="282" r:id="rId26"/>
+    <p:sldId id="283" r:id="rId27"/>
+    <p:sldId id="284" r:id="rId28"/>
+    <p:sldId id="285" r:id="rId29"/>
+    <p:sldId id="286" r:id="rId30"/>
+    <p:sldId id="287" r:id="rId31"/>
+    <p:sldId id="288" r:id="rId32"/>
+    <p:sldId id="289" r:id="rId33"/>
+    <p:sldId id="290" r:id="rId34"/>
+    <p:sldId id="291" r:id="rId35"/>
+    <p:sldId id="292" r:id="rId36"/>
+    <p:sldId id="293" r:id="rId37"/>
   </p:sldIdLst>
   <p:sldSz cx="9144000" cy="6858000" type="screen4x3"/>
   <p:notesSz cx="6858000" cy="9144000"/>
@@ -121,7 +142,657 @@
       </a:defRPr>
     </a:lvl9pPr>
   </p:defaultTextStyle>
+  <p:extLst>
+    <p:ext uri="{EFAFB233-063F-42B5-8137-9DF3F51BA10A}">
+      <p15:sldGuideLst xmlns:p15="http://schemas.microsoft.com/office/powerpoint/2012/main">
+        <p15:guide id="1" orient="horz" pos="2160">
+          <p15:clr>
+            <a:srgbClr val="A4A3A4"/>
+          </p15:clr>
+        </p15:guide>
+        <p15:guide id="2" pos="2880">
+          <p15:clr>
+            <a:srgbClr val="A4A3A4"/>
+          </p15:clr>
+        </p15:guide>
+      </p15:sldGuideLst>
+    </p:ext>
+  </p:extLst>
 </p:presentation>
+</file>
+
+<file path=ppt/notesMasters/notesMaster1.xml><?xml version="1.0" encoding="utf-8"?>
+<p:notesMaster xmlns:a="http://schemas.openxmlformats.org/drawingml/2006/main" xmlns:r="http://schemas.openxmlformats.org/officeDocument/2006/relationships" xmlns:p="http://schemas.openxmlformats.org/presentationml/2006/main">
+  <p:cSld>
+    <p:bg>
+      <p:bgRef idx="1001">
+        <a:schemeClr val="bg1"/>
+      </p:bgRef>
+    </p:bg>
+    <p:spTree>
+      <p:nvGrpSpPr>
+        <p:cNvPr id="1" name=""/>
+        <p:cNvGrpSpPr/>
+        <p:nvPr/>
+      </p:nvGrpSpPr>
+      <p:grpSpPr>
+        <a:xfrm>
+          <a:off x="0" y="0"/>
+          <a:ext cx="0" cy="0"/>
+          <a:chOff x="0" y="0"/>
+          <a:chExt cx="0" cy="0"/>
+        </a:xfrm>
+      </p:grpSpPr>
+      <p:sp>
+        <p:nvSpPr>
+          <p:cNvPr id="2" name="Header Placeholder 1"/>
+          <p:cNvSpPr>
+            <a:spLocks noGrp="1"/>
+          </p:cNvSpPr>
+          <p:nvPr>
+            <p:ph type="hdr" sz="quarter"/>
+          </p:nvPr>
+        </p:nvSpPr>
+        <p:spPr>
+          <a:xfrm>
+            <a:off x="0" y="0"/>
+            <a:ext cx="2971800" cy="458788"/>
+          </a:xfrm>
+          <a:prstGeom prst="rect">
+            <a:avLst/>
+          </a:prstGeom>
+        </p:spPr>
+        <p:txBody>
+          <a:bodyPr vert="horz" lIns="91440" tIns="45720" rIns="91440" bIns="45720" rtlCol="0"/>
+          <a:lstStyle>
+            <a:lvl1pPr algn="l">
+              <a:defRPr sz="1200"/>
+            </a:lvl1pPr>
+          </a:lstStyle>
+          <a:p>
+            <a:endParaRPr lang="en-US"/>
+          </a:p>
+        </p:txBody>
+      </p:sp>
+      <p:sp>
+        <p:nvSpPr>
+          <p:cNvPr id="3" name="Date Placeholder 2"/>
+          <p:cNvSpPr>
+            <a:spLocks noGrp="1"/>
+          </p:cNvSpPr>
+          <p:nvPr>
+            <p:ph type="dt" idx="1"/>
+          </p:nvPr>
+        </p:nvSpPr>
+        <p:spPr>
+          <a:xfrm>
+            <a:off x="3884613" y="0"/>
+            <a:ext cx="2971800" cy="458788"/>
+          </a:xfrm>
+          <a:prstGeom prst="rect">
+            <a:avLst/>
+          </a:prstGeom>
+        </p:spPr>
+        <p:txBody>
+          <a:bodyPr vert="horz" lIns="91440" tIns="45720" rIns="91440" bIns="45720" rtlCol="0"/>
+          <a:lstStyle>
+            <a:lvl1pPr algn="r">
+              <a:defRPr sz="1200"/>
+            </a:lvl1pPr>
+          </a:lstStyle>
+          <a:p>
+            <a:fld id="{EFC232E1-BDCF-4508-AFEC-5CB611B0D38A}" type="datetimeFigureOut">
+              <a:rPr lang="en-US" smtClean="0"/>
+              <a:t>3/11/2016</a:t>
+            </a:fld>
+            <a:endParaRPr lang="en-US"/>
+          </a:p>
+        </p:txBody>
+      </p:sp>
+      <p:sp>
+        <p:nvSpPr>
+          <p:cNvPr id="4" name="Slide Image Placeholder 3"/>
+          <p:cNvSpPr>
+            <a:spLocks noGrp="1" noRot="1" noChangeAspect="1"/>
+          </p:cNvSpPr>
+          <p:nvPr>
+            <p:ph type="sldImg" idx="2"/>
+          </p:nvPr>
+        </p:nvSpPr>
+        <p:spPr>
+          <a:xfrm>
+            <a:off x="1371600" y="1143000"/>
+            <a:ext cx="4114800" cy="3086100"/>
+          </a:xfrm>
+          <a:prstGeom prst="rect">
+            <a:avLst/>
+          </a:prstGeom>
+          <a:noFill/>
+          <a:ln w="12700">
+            <a:solidFill>
+              <a:prstClr val="black"/>
+            </a:solidFill>
+          </a:ln>
+        </p:spPr>
+        <p:txBody>
+          <a:bodyPr vert="horz" lIns="91440" tIns="45720" rIns="91440" bIns="45720" rtlCol="0" anchor="ctr"/>
+          <a:lstStyle/>
+          <a:p>
+            <a:endParaRPr lang="en-US"/>
+          </a:p>
+        </p:txBody>
+      </p:sp>
+      <p:sp>
+        <p:nvSpPr>
+          <p:cNvPr id="5" name="Notes Placeholder 4"/>
+          <p:cNvSpPr>
+            <a:spLocks noGrp="1"/>
+          </p:cNvSpPr>
+          <p:nvPr>
+            <p:ph type="body" sz="quarter" idx="3"/>
+          </p:nvPr>
+        </p:nvSpPr>
+        <p:spPr>
+          <a:xfrm>
+            <a:off x="685800" y="4400550"/>
+            <a:ext cx="5486400" cy="3600450"/>
+          </a:xfrm>
+          <a:prstGeom prst="rect">
+            <a:avLst/>
+          </a:prstGeom>
+        </p:spPr>
+        <p:txBody>
+          <a:bodyPr vert="horz" lIns="91440" tIns="45720" rIns="91440" bIns="45720" rtlCol="0"/>
+          <a:lstStyle/>
+          <a:p>
+            <a:pPr lvl="0"/>
+            <a:r>
+              <a:rPr lang="en-US" smtClean="0"/>
+              <a:t>Click to edit Master text styles</a:t>
+            </a:r>
+          </a:p>
+          <a:p>
+            <a:pPr lvl="1"/>
+            <a:r>
+              <a:rPr lang="en-US" smtClean="0"/>
+              <a:t>Second level</a:t>
+            </a:r>
+          </a:p>
+          <a:p>
+            <a:pPr lvl="2"/>
+            <a:r>
+              <a:rPr lang="en-US" smtClean="0"/>
+              <a:t>Third level</a:t>
+            </a:r>
+          </a:p>
+          <a:p>
+            <a:pPr lvl="3"/>
+            <a:r>
+              <a:rPr lang="en-US" smtClean="0"/>
+              <a:t>Fourth level</a:t>
+            </a:r>
+          </a:p>
+          <a:p>
+            <a:pPr lvl="4"/>
+            <a:r>
+              <a:rPr lang="en-US" smtClean="0"/>
+              <a:t>Fifth level</a:t>
+            </a:r>
+            <a:endParaRPr lang="en-US"/>
+          </a:p>
+        </p:txBody>
+      </p:sp>
+      <p:sp>
+        <p:nvSpPr>
+          <p:cNvPr id="6" name="Footer Placeholder 5"/>
+          <p:cNvSpPr>
+            <a:spLocks noGrp="1"/>
+          </p:cNvSpPr>
+          <p:nvPr>
+            <p:ph type="ftr" sz="quarter" idx="4"/>
+          </p:nvPr>
+        </p:nvSpPr>
+        <p:spPr>
+          <a:xfrm>
+            <a:off x="0" y="8685213"/>
+            <a:ext cx="2971800" cy="458787"/>
+          </a:xfrm>
+          <a:prstGeom prst="rect">
+            <a:avLst/>
+          </a:prstGeom>
+        </p:spPr>
+        <p:txBody>
+          <a:bodyPr vert="horz" lIns="91440" tIns="45720" rIns="91440" bIns="45720" rtlCol="0" anchor="b"/>
+          <a:lstStyle>
+            <a:lvl1pPr algn="l">
+              <a:defRPr sz="1200"/>
+            </a:lvl1pPr>
+          </a:lstStyle>
+          <a:p>
+            <a:endParaRPr lang="en-US"/>
+          </a:p>
+        </p:txBody>
+      </p:sp>
+      <p:sp>
+        <p:nvSpPr>
+          <p:cNvPr id="7" name="Slide Number Placeholder 6"/>
+          <p:cNvSpPr>
+            <a:spLocks noGrp="1"/>
+          </p:cNvSpPr>
+          <p:nvPr>
+            <p:ph type="sldNum" sz="quarter" idx="5"/>
+          </p:nvPr>
+        </p:nvSpPr>
+        <p:spPr>
+          <a:xfrm>
+            <a:off x="3884613" y="8685213"/>
+            <a:ext cx="2971800" cy="458787"/>
+          </a:xfrm>
+          <a:prstGeom prst="rect">
+            <a:avLst/>
+          </a:prstGeom>
+        </p:spPr>
+        <p:txBody>
+          <a:bodyPr vert="horz" lIns="91440" tIns="45720" rIns="91440" bIns="45720" rtlCol="0" anchor="b"/>
+          <a:lstStyle>
+            <a:lvl1pPr algn="r">
+              <a:defRPr sz="1200"/>
+            </a:lvl1pPr>
+          </a:lstStyle>
+          <a:p>
+            <a:fld id="{CF30A53F-7D6B-4AFB-9AF7-F1AC7F9437A7}" type="slidenum">
+              <a:rPr lang="en-US" smtClean="0"/>
+              <a:t>‹#›</a:t>
+            </a:fld>
+            <a:endParaRPr lang="en-US"/>
+          </a:p>
+        </p:txBody>
+      </p:sp>
+    </p:spTree>
+    <p:extLst>
+      <p:ext uri="{BB962C8B-B14F-4D97-AF65-F5344CB8AC3E}">
+        <p14:creationId xmlns:p14="http://schemas.microsoft.com/office/powerpoint/2010/main" val="2172925"/>
+      </p:ext>
+    </p:extLst>
+  </p:cSld>
+  <p:clrMap bg1="lt1" tx1="dk1" bg2="lt2" tx2="dk2" accent1="accent1" accent2="accent2" accent3="accent3" accent4="accent4" accent5="accent5" accent6="accent6" hlink="hlink" folHlink="folHlink"/>
+  <p:notesStyle>
+    <a:lvl1pPr marL="0" algn="l" defTabSz="914400" rtl="0" eaLnBrk="1" latinLnBrk="0" hangingPunct="1">
+      <a:defRPr sz="1200" kern="1200">
+        <a:solidFill>
+          <a:schemeClr val="tx1"/>
+        </a:solidFill>
+        <a:latin typeface="+mn-lt"/>
+        <a:ea typeface="+mn-ea"/>
+        <a:cs typeface="+mn-cs"/>
+      </a:defRPr>
+    </a:lvl1pPr>
+    <a:lvl2pPr marL="457200" algn="l" defTabSz="914400" rtl="0" eaLnBrk="1" latinLnBrk="0" hangingPunct="1">
+      <a:defRPr sz="1200" kern="1200">
+        <a:solidFill>
+          <a:schemeClr val="tx1"/>
+        </a:solidFill>
+        <a:latin typeface="+mn-lt"/>
+        <a:ea typeface="+mn-ea"/>
+        <a:cs typeface="+mn-cs"/>
+      </a:defRPr>
+    </a:lvl2pPr>
+    <a:lvl3pPr marL="914400" algn="l" defTabSz="914400" rtl="0" eaLnBrk="1" latinLnBrk="0" hangingPunct="1">
+      <a:defRPr sz="1200" kern="1200">
+        <a:solidFill>
+          <a:schemeClr val="tx1"/>
+        </a:solidFill>
+        <a:latin typeface="+mn-lt"/>
+        <a:ea typeface="+mn-ea"/>
+        <a:cs typeface="+mn-cs"/>
+      </a:defRPr>
+    </a:lvl3pPr>
+    <a:lvl4pPr marL="1371600" algn="l" defTabSz="914400" rtl="0" eaLnBrk="1" latinLnBrk="0" hangingPunct="1">
+      <a:defRPr sz="1200" kern="1200">
+        <a:solidFill>
+          <a:schemeClr val="tx1"/>
+        </a:solidFill>
+        <a:latin typeface="+mn-lt"/>
+        <a:ea typeface="+mn-ea"/>
+        <a:cs typeface="+mn-cs"/>
+      </a:defRPr>
+    </a:lvl4pPr>
+    <a:lvl5pPr marL="1828800" algn="l" defTabSz="914400" rtl="0" eaLnBrk="1" latinLnBrk="0" hangingPunct="1">
+      <a:defRPr sz="1200" kern="1200">
+        <a:solidFill>
+          <a:schemeClr val="tx1"/>
+        </a:solidFill>
+        <a:latin typeface="+mn-lt"/>
+        <a:ea typeface="+mn-ea"/>
+        <a:cs typeface="+mn-cs"/>
+      </a:defRPr>
+    </a:lvl5pPr>
+    <a:lvl6pPr marL="2286000" algn="l" defTabSz="914400" rtl="0" eaLnBrk="1" latinLnBrk="0" hangingPunct="1">
+      <a:defRPr sz="1200" kern="1200">
+        <a:solidFill>
+          <a:schemeClr val="tx1"/>
+        </a:solidFill>
+        <a:latin typeface="+mn-lt"/>
+        <a:ea typeface="+mn-ea"/>
+        <a:cs typeface="+mn-cs"/>
+      </a:defRPr>
+    </a:lvl6pPr>
+    <a:lvl7pPr marL="2743200" algn="l" defTabSz="914400" rtl="0" eaLnBrk="1" latinLnBrk="0" hangingPunct="1">
+      <a:defRPr sz="1200" kern="1200">
+        <a:solidFill>
+          <a:schemeClr val="tx1"/>
+        </a:solidFill>
+        <a:latin typeface="+mn-lt"/>
+        <a:ea typeface="+mn-ea"/>
+        <a:cs typeface="+mn-cs"/>
+      </a:defRPr>
+    </a:lvl7pPr>
+    <a:lvl8pPr marL="3200400" algn="l" defTabSz="914400" rtl="0" eaLnBrk="1" latinLnBrk="0" hangingPunct="1">
+      <a:defRPr sz="1200" kern="1200">
+        <a:solidFill>
+          <a:schemeClr val="tx1"/>
+        </a:solidFill>
+        <a:latin typeface="+mn-lt"/>
+        <a:ea typeface="+mn-ea"/>
+        <a:cs typeface="+mn-cs"/>
+      </a:defRPr>
+    </a:lvl8pPr>
+    <a:lvl9pPr marL="3657600" algn="l" defTabSz="914400" rtl="0" eaLnBrk="1" latinLnBrk="0" hangingPunct="1">
+      <a:defRPr sz="1200" kern="1200">
+        <a:solidFill>
+          <a:schemeClr val="tx1"/>
+        </a:solidFill>
+        <a:latin typeface="+mn-lt"/>
+        <a:ea typeface="+mn-ea"/>
+        <a:cs typeface="+mn-cs"/>
+      </a:defRPr>
+    </a:lvl9pPr>
+  </p:notesStyle>
+</p:notesMaster>
+</file>
+
+<file path=ppt/notesSlides/notesSlide1.xml><?xml version="1.0" encoding="utf-8"?>
+<p:notes xmlns:a="http://schemas.openxmlformats.org/drawingml/2006/main" xmlns:r="http://schemas.openxmlformats.org/officeDocument/2006/relationships" xmlns:p="http://schemas.openxmlformats.org/presentationml/2006/main">
+  <p:cSld>
+    <p:spTree>
+      <p:nvGrpSpPr>
+        <p:cNvPr id="1" name=""/>
+        <p:cNvGrpSpPr/>
+        <p:nvPr/>
+      </p:nvGrpSpPr>
+      <p:grpSpPr>
+        <a:xfrm>
+          <a:off x="0" y="0"/>
+          <a:ext cx="0" cy="0"/>
+          <a:chOff x="0" y="0"/>
+          <a:chExt cx="0" cy="0"/>
+        </a:xfrm>
+      </p:grpSpPr>
+      <p:sp>
+        <p:nvSpPr>
+          <p:cNvPr id="2" name="Slide Image Placeholder 1"/>
+          <p:cNvSpPr>
+            <a:spLocks noGrp="1" noRot="1" noChangeAspect="1"/>
+          </p:cNvSpPr>
+          <p:nvPr>
+            <p:ph type="sldImg"/>
+          </p:nvPr>
+        </p:nvSpPr>
+        <p:spPr/>
+      </p:sp>
+      <p:sp>
+        <p:nvSpPr>
+          <p:cNvPr id="3" name="Notes Placeholder 2"/>
+          <p:cNvSpPr>
+            <a:spLocks noGrp="1"/>
+          </p:cNvSpPr>
+          <p:nvPr>
+            <p:ph type="body" idx="1"/>
+          </p:nvPr>
+        </p:nvSpPr>
+        <p:spPr/>
+        <p:txBody>
+          <a:bodyPr/>
+          <a:lstStyle/>
+          <a:p>
+            <a:r>
+              <a:rPr lang="en-US" sz="1200" b="1" i="0" u="none" strike="noStrike" kern="1200" dirty="0" smtClean="0">
+                <a:solidFill>
+                  <a:schemeClr val="tx1"/>
+                </a:solidFill>
+                <a:effectLst/>
+                <a:latin typeface="+mn-lt"/>
+                <a:ea typeface="+mn-ea"/>
+                <a:cs typeface="+mn-cs"/>
+                <a:hlinkClick r:id="rId3" tooltip="Learning Spark"/>
+              </a:rPr>
+              <a:t>Learning Spark</a:t>
+            </a:r>
+            <a:r>
+              <a:rPr lang="en-US" sz="1200" b="1" i="0" u="none" strike="noStrike" kern="1200" dirty="0" smtClean="0">
+                <a:solidFill>
+                  <a:schemeClr val="tx1"/>
+                </a:solidFill>
+                <a:effectLst/>
+                <a:latin typeface="+mn-lt"/>
+                <a:ea typeface="+mn-ea"/>
+                <a:cs typeface="+mn-cs"/>
+              </a:rPr>
+              <a:t>  safari books</a:t>
+            </a:r>
+            <a:endParaRPr lang="en-US" dirty="0"/>
+          </a:p>
+        </p:txBody>
+      </p:sp>
+      <p:sp>
+        <p:nvSpPr>
+          <p:cNvPr id="4" name="Slide Number Placeholder 3"/>
+          <p:cNvSpPr>
+            <a:spLocks noGrp="1"/>
+          </p:cNvSpPr>
+          <p:nvPr>
+            <p:ph type="sldNum" sz="quarter" idx="10"/>
+          </p:nvPr>
+        </p:nvSpPr>
+        <p:spPr/>
+        <p:txBody>
+          <a:bodyPr/>
+          <a:lstStyle/>
+          <a:p>
+            <a:fld id="{CF30A53F-7D6B-4AFB-9AF7-F1AC7F9437A7}" type="slidenum">
+              <a:rPr lang="en-US" smtClean="0"/>
+              <a:t>1</a:t>
+            </a:fld>
+            <a:endParaRPr lang="en-US"/>
+          </a:p>
+        </p:txBody>
+      </p:sp>
+    </p:spTree>
+    <p:extLst>
+      <p:ext uri="{BB962C8B-B14F-4D97-AF65-F5344CB8AC3E}">
+        <p14:creationId xmlns:p14="http://schemas.microsoft.com/office/powerpoint/2010/main" val="2574703476"/>
+      </p:ext>
+    </p:extLst>
+  </p:cSld>
+  <p:clrMapOvr>
+    <a:masterClrMapping/>
+  </p:clrMapOvr>
+</p:notes>
+</file>
+
+<file path=ppt/notesSlides/notesSlide2.xml><?xml version="1.0" encoding="utf-8"?>
+<p:notes xmlns:a="http://schemas.openxmlformats.org/drawingml/2006/main" xmlns:r="http://schemas.openxmlformats.org/officeDocument/2006/relationships" xmlns:p="http://schemas.openxmlformats.org/presentationml/2006/main">
+  <p:cSld>
+    <p:spTree>
+      <p:nvGrpSpPr>
+        <p:cNvPr id="1" name=""/>
+        <p:cNvGrpSpPr/>
+        <p:nvPr/>
+      </p:nvGrpSpPr>
+      <p:grpSpPr>
+        <a:xfrm>
+          <a:off x="0" y="0"/>
+          <a:ext cx="0" cy="0"/>
+          <a:chOff x="0" y="0"/>
+          <a:chExt cx="0" cy="0"/>
+        </a:xfrm>
+      </p:grpSpPr>
+      <p:sp>
+        <p:nvSpPr>
+          <p:cNvPr id="2" name="Slide Image Placeholder 1"/>
+          <p:cNvSpPr>
+            <a:spLocks noGrp="1" noRot="1" noChangeAspect="1"/>
+          </p:cNvSpPr>
+          <p:nvPr>
+            <p:ph type="sldImg"/>
+          </p:nvPr>
+        </p:nvSpPr>
+        <p:spPr/>
+      </p:sp>
+      <p:sp>
+        <p:nvSpPr>
+          <p:cNvPr id="3" name="Notes Placeholder 2"/>
+          <p:cNvSpPr>
+            <a:spLocks noGrp="1"/>
+          </p:cNvSpPr>
+          <p:nvPr>
+            <p:ph type="body" idx="1"/>
+          </p:nvPr>
+        </p:nvSpPr>
+        <p:spPr/>
+        <p:txBody>
+          <a:bodyPr/>
+          <a:lstStyle/>
+          <a:p>
+            <a:pPr marL="0" marR="0" indent="0" algn="l" defTabSz="914400" rtl="0" eaLnBrk="1" fontAlgn="auto" latinLnBrk="0" hangingPunct="1">
+              <a:lnSpc>
+                <a:spcPct val="100000"/>
+              </a:lnSpc>
+              <a:spcBef>
+                <a:spcPts val="0"/>
+              </a:spcBef>
+              <a:spcAft>
+                <a:spcPts val="0"/>
+              </a:spcAft>
+              <a:buClrTx/>
+              <a:buSzTx/>
+              <a:buFontTx/>
+              <a:buNone/>
+              <a:tabLst/>
+              <a:defRPr/>
+            </a:pPr>
+            <a:r>
+              <a:rPr lang="en-US" dirty="0" smtClean="0"/>
+              <a:t>https://databricks.com/spark/developer-resources </a:t>
+            </a:r>
+            <a:br>
+              <a:rPr lang="en-US" dirty="0" smtClean="0"/>
+            </a:br>
+            <a:r>
+              <a:rPr lang="en-US" sz="1200" b="0" i="0" kern="1200" dirty="0" smtClean="0">
+                <a:solidFill>
+                  <a:schemeClr val="tx1"/>
+                </a:solidFill>
+                <a:effectLst/>
+                <a:latin typeface="+mn-lt"/>
+                <a:ea typeface="+mn-ea"/>
+                <a:cs typeface="+mn-cs"/>
+              </a:rPr>
+              <a:t>Introduction to Apache Spark Workshop  - download </a:t>
+            </a:r>
+            <a:r>
+              <a:rPr lang="en-US" sz="1200" b="0" i="0" kern="1200" dirty="0" err="1" smtClean="0">
+                <a:solidFill>
+                  <a:schemeClr val="tx1"/>
+                </a:solidFill>
+                <a:effectLst/>
+                <a:latin typeface="+mn-lt"/>
+                <a:ea typeface="+mn-ea"/>
+                <a:cs typeface="+mn-cs"/>
+              </a:rPr>
+              <a:t>code+data</a:t>
+            </a:r>
+            <a:r>
+              <a:rPr lang="en-US" sz="1200" b="0" i="0" kern="1200" dirty="0" smtClean="0">
+                <a:solidFill>
+                  <a:schemeClr val="tx1"/>
+                </a:solidFill>
+                <a:effectLst/>
+                <a:latin typeface="+mn-lt"/>
+                <a:ea typeface="+mn-ea"/>
+                <a:cs typeface="+mn-cs"/>
+              </a:rPr>
+              <a:t> download</a:t>
+            </a:r>
+          </a:p>
+          <a:p>
+            <a:pPr marL="0" marR="0" indent="0" algn="l" defTabSz="914400" rtl="0" eaLnBrk="1" fontAlgn="auto" latinLnBrk="0" hangingPunct="1">
+              <a:lnSpc>
+                <a:spcPct val="100000"/>
+              </a:lnSpc>
+              <a:spcBef>
+                <a:spcPts val="0"/>
+              </a:spcBef>
+              <a:spcAft>
+                <a:spcPts val="0"/>
+              </a:spcAft>
+              <a:buClrTx/>
+              <a:buSzTx/>
+              <a:buFontTx/>
+              <a:buNone/>
+              <a:tabLst/>
+              <a:defRPr/>
+            </a:pPr>
+            <a:r>
+              <a:rPr lang="en-US" sz="1200" b="0" i="0" kern="1200" dirty="0" smtClean="0">
+                <a:solidFill>
+                  <a:schemeClr val="tx1"/>
+                </a:solidFill>
+                <a:effectLst/>
+                <a:latin typeface="+mn-lt"/>
+                <a:ea typeface="+mn-ea"/>
+                <a:cs typeface="+mn-cs"/>
+              </a:rPr>
+              <a:t>http://training.databricks.com/workshop/usb.zip</a:t>
+            </a:r>
+            <a:endParaRPr lang="en-US" dirty="0"/>
+          </a:p>
+        </p:txBody>
+      </p:sp>
+      <p:sp>
+        <p:nvSpPr>
+          <p:cNvPr id="4" name="Slide Number Placeholder 3"/>
+          <p:cNvSpPr>
+            <a:spLocks noGrp="1"/>
+          </p:cNvSpPr>
+          <p:nvPr>
+            <p:ph type="sldNum" sz="quarter" idx="10"/>
+          </p:nvPr>
+        </p:nvSpPr>
+        <p:spPr/>
+        <p:txBody>
+          <a:bodyPr/>
+          <a:lstStyle/>
+          <a:p>
+            <a:fld id="{CF30A53F-7D6B-4AFB-9AF7-F1AC7F9437A7}" type="slidenum">
+              <a:rPr lang="en-US" smtClean="0"/>
+              <a:t>17</a:t>
+            </a:fld>
+            <a:endParaRPr lang="en-US"/>
+          </a:p>
+        </p:txBody>
+      </p:sp>
+    </p:spTree>
+    <p:extLst>
+      <p:ext uri="{BB962C8B-B14F-4D97-AF65-F5344CB8AC3E}">
+        <p14:creationId xmlns:p14="http://schemas.microsoft.com/office/powerpoint/2010/main" val="3432447663"/>
+      </p:ext>
+    </p:extLst>
+  </p:cSld>
+  <p:clrMapOvr>
+    <a:masterClrMapping/>
+  </p:clrMapOvr>
+</p:notes>
 </file>
 
 <file path=ppt/slideLayouts/slideLayout1.xml><?xml version="1.0" encoding="utf-8"?>
@@ -306,7 +977,7 @@
             <a:fld id="{1D8BD707-D9CF-40AE-B4C6-C98DA3205C09}" type="datetimeFigureOut">
               <a:rPr lang="en-US" smtClean="0"/>
               <a:pPr/>
-              <a:t>2/10/2016</a:t>
+              <a:t>3/11/2016</a:t>
             </a:fld>
             <a:endParaRPr lang="en-US"/>
           </a:p>
@@ -473,7 +1144,7 @@
             <a:fld id="{1D8BD707-D9CF-40AE-B4C6-C98DA3205C09}" type="datetimeFigureOut">
               <a:rPr lang="en-US" smtClean="0"/>
               <a:pPr/>
-              <a:t>2/10/2016</a:t>
+              <a:t>3/11/2016</a:t>
             </a:fld>
             <a:endParaRPr lang="en-US"/>
           </a:p>
@@ -650,7 +1321,7 @@
             <a:fld id="{1D8BD707-D9CF-40AE-B4C6-C98DA3205C09}" type="datetimeFigureOut">
               <a:rPr lang="en-US" smtClean="0"/>
               <a:pPr/>
-              <a:t>2/10/2016</a:t>
+              <a:t>3/11/2016</a:t>
             </a:fld>
             <a:endParaRPr lang="en-US"/>
           </a:p>
@@ -817,7 +1488,7 @@
             <a:fld id="{1D8BD707-D9CF-40AE-B4C6-C98DA3205C09}" type="datetimeFigureOut">
               <a:rPr lang="en-US" smtClean="0"/>
               <a:pPr/>
-              <a:t>2/10/2016</a:t>
+              <a:t>3/11/2016</a:t>
             </a:fld>
             <a:endParaRPr lang="en-US"/>
           </a:p>
@@ -1060,7 +1731,7 @@
             <a:fld id="{1D8BD707-D9CF-40AE-B4C6-C98DA3205C09}" type="datetimeFigureOut">
               <a:rPr lang="en-US" smtClean="0"/>
               <a:pPr/>
-              <a:t>2/10/2016</a:t>
+              <a:t>3/11/2016</a:t>
             </a:fld>
             <a:endParaRPr lang="en-US"/>
           </a:p>
@@ -1345,7 +2016,7 @@
             <a:fld id="{1D8BD707-D9CF-40AE-B4C6-C98DA3205C09}" type="datetimeFigureOut">
               <a:rPr lang="en-US" smtClean="0"/>
               <a:pPr/>
-              <a:t>2/10/2016</a:t>
+              <a:t>3/11/2016</a:t>
             </a:fld>
             <a:endParaRPr lang="en-US"/>
           </a:p>
@@ -1764,7 +2435,7 @@
             <a:fld id="{1D8BD707-D9CF-40AE-B4C6-C98DA3205C09}" type="datetimeFigureOut">
               <a:rPr lang="en-US" smtClean="0"/>
               <a:pPr/>
-              <a:t>2/10/2016</a:t>
+              <a:t>3/11/2016</a:t>
             </a:fld>
             <a:endParaRPr lang="en-US"/>
           </a:p>
@@ -1879,7 +2550,7 @@
             <a:fld id="{1D8BD707-D9CF-40AE-B4C6-C98DA3205C09}" type="datetimeFigureOut">
               <a:rPr lang="en-US" smtClean="0"/>
               <a:pPr/>
-              <a:t>2/10/2016</a:t>
+              <a:t>3/11/2016</a:t>
             </a:fld>
             <a:endParaRPr lang="en-US"/>
           </a:p>
@@ -1971,7 +2642,7 @@
             <a:fld id="{1D8BD707-D9CF-40AE-B4C6-C98DA3205C09}" type="datetimeFigureOut">
               <a:rPr lang="en-US" smtClean="0"/>
               <a:pPr/>
-              <a:t>2/10/2016</a:t>
+              <a:t>3/11/2016</a:t>
             </a:fld>
             <a:endParaRPr lang="en-US"/>
           </a:p>
@@ -2245,7 +2916,7 @@
             <a:fld id="{1D8BD707-D9CF-40AE-B4C6-C98DA3205C09}" type="datetimeFigureOut">
               <a:rPr lang="en-US" smtClean="0"/>
               <a:pPr/>
-              <a:t>2/10/2016</a:t>
+              <a:t>3/11/2016</a:t>
             </a:fld>
             <a:endParaRPr lang="en-US"/>
           </a:p>
@@ -2495,7 +3166,7 @@
             <a:fld id="{1D8BD707-D9CF-40AE-B4C6-C98DA3205C09}" type="datetimeFigureOut">
               <a:rPr lang="en-US" smtClean="0"/>
               <a:pPr/>
-              <a:t>2/10/2016</a:t>
+              <a:t>3/11/2016</a:t>
             </a:fld>
             <a:endParaRPr lang="en-US"/>
           </a:p>
@@ -2705,7 +3376,7 @@
             <a:fld id="{1D8BD707-D9CF-40AE-B4C6-C98DA3205C09}" type="datetimeFigureOut">
               <a:rPr lang="en-US" smtClean="0"/>
               <a:pPr/>
-              <a:t>2/10/2016</a:t>
+              <a:t>3/11/2016</a:t>
             </a:fld>
             <a:endParaRPr lang="en-US"/>
           </a:p>
@@ -6853,13 +7524,13 @@
         </p:nvSpPr>
         <p:spPr>
           <a:xfrm>
-            <a:off x="381000" y="12700"/>
-            <a:ext cx="8229600" cy="901700"/>
+            <a:off x="0" y="12700"/>
+            <a:ext cx="8610600" cy="749300"/>
           </a:xfrm>
         </p:spPr>
         <p:txBody>
           <a:bodyPr>
-            <a:normAutofit/>
+            <a:normAutofit fontScale="90000"/>
           </a:bodyPr>
           <a:lstStyle/>
           <a:p>
@@ -6884,116 +7555,116 @@
         </p:nvSpPr>
         <p:spPr>
           <a:xfrm>
-            <a:off x="457200" y="990600"/>
-            <a:ext cx="8382000" cy="5410200"/>
+            <a:off x="0" y="762000"/>
+            <a:ext cx="9144000" cy="6096000"/>
           </a:xfrm>
         </p:spPr>
         <p:txBody>
           <a:bodyPr>
-            <a:normAutofit fontScale="62500" lnSpcReduction="20000"/>
+            <a:noAutofit/>
           </a:bodyPr>
           <a:lstStyle/>
           <a:p>
             <a:r>
-              <a:rPr lang="en-US" dirty="0" smtClean="0"/>
+              <a:rPr lang="en-US" sz="2000" dirty="0" smtClean="0"/>
               <a:t>Download the latest package of type “Pre-built </a:t>
             </a:r>
             <a:r>
-              <a:rPr lang="en-US" dirty="0"/>
+              <a:rPr lang="en-US" sz="2000" dirty="0"/>
               <a:t>for Hadoop </a:t>
             </a:r>
             <a:r>
-              <a:rPr lang="en-US" dirty="0" smtClean="0"/>
+              <a:rPr lang="en-US" sz="2000" dirty="0" smtClean="0"/>
               <a:t>2.6 and later”</a:t>
             </a:r>
           </a:p>
           <a:p>
             <a:r>
-              <a:rPr lang="en-US" dirty="0" smtClean="0"/>
+              <a:rPr lang="en-US" sz="2000" dirty="0" smtClean="0"/>
               <a:t>Un compress the </a:t>
             </a:r>
             <a:r>
-              <a:rPr lang="en-US" dirty="0" err="1" smtClean="0"/>
+              <a:rPr lang="en-US" sz="2000" dirty="0" err="1" smtClean="0"/>
               <a:t>tarballs</a:t>
             </a:r>
-            <a:endParaRPr lang="en-US" dirty="0" smtClean="0"/>
-          </a:p>
-          <a:p>
-            <a:r>
-              <a:rPr lang="en-US" dirty="0" smtClean="0"/>
+            <a:endParaRPr lang="en-US" sz="2000" dirty="0" smtClean="0"/>
+          </a:p>
+          <a:p>
+            <a:r>
+              <a:rPr lang="en-US" sz="2000" dirty="0" smtClean="0"/>
               <a:t>Windows – install spark in a directory with no space in the directory name.</a:t>
             </a:r>
           </a:p>
           <a:p>
             <a:r>
-              <a:rPr lang="en-US" dirty="0" smtClean="0"/>
+              <a:rPr lang="en-US" sz="2000" dirty="0" smtClean="0"/>
               <a:t>No need to have Hadoop. If you have an existing Hadoop cluster or HDFS installation, download matching version.</a:t>
             </a:r>
           </a:p>
           <a:p>
             <a:r>
-              <a:rPr lang="en-US" dirty="0" smtClean="0"/>
+              <a:rPr lang="en-US" sz="2000" dirty="0" smtClean="0"/>
               <a:t>Spark folder contains</a:t>
             </a:r>
           </a:p>
           <a:p>
             <a:pPr lvl="1"/>
             <a:r>
-              <a:rPr lang="en-US" dirty="0" smtClean="0"/>
+              <a:rPr lang="en-US" sz="2000" dirty="0" smtClean="0"/>
               <a:t>Bin – contains executables that can be used to interact with spark, like Spark shell</a:t>
             </a:r>
           </a:p>
           <a:p>
             <a:pPr lvl="1"/>
             <a:r>
-              <a:rPr lang="en-US" dirty="0" smtClean="0"/>
+              <a:rPr lang="en-US" sz="2000" dirty="0" smtClean="0"/>
               <a:t>Core, Streaming, Python – contains the source code of major components of Spark project</a:t>
             </a:r>
           </a:p>
           <a:p>
             <a:pPr lvl="1"/>
             <a:r>
-              <a:rPr lang="en-US" dirty="0" smtClean="0"/>
+              <a:rPr lang="en-US" sz="2000" dirty="0" smtClean="0"/>
               <a:t>Examples – Spark standalone jobs that you can run and learn about the Spark API.</a:t>
             </a:r>
           </a:p>
           <a:p>
             <a:r>
-              <a:rPr lang="en-US" dirty="0" smtClean="0"/>
+              <a:rPr lang="en-US" sz="2000" dirty="0" smtClean="0"/>
               <a:t>Tryout Spark’s Python and Scala shells.</a:t>
             </a:r>
           </a:p>
           <a:p>
             <a:r>
-              <a:rPr lang="en-US" dirty="0" smtClean="0"/>
+              <a:rPr lang="en-US" sz="2000" dirty="0" smtClean="0"/>
               <a:t>First run some examples that come with Spark, and </a:t>
             </a:r>
             <a:r>
-              <a:rPr lang="en-US" dirty="0" err="1" smtClean="0"/>
+              <a:rPr lang="en-US" sz="2000" dirty="0" err="1" smtClean="0"/>
               <a:t>write,compile</a:t>
             </a:r>
             <a:r>
-              <a:rPr lang="en-US" dirty="0" smtClean="0"/>
+              <a:rPr lang="en-US" sz="2000" dirty="0" smtClean="0"/>
               <a:t> and run simple spark jobs.</a:t>
             </a:r>
           </a:p>
           <a:p>
             <a:r>
-              <a:rPr lang="en-US" dirty="0" smtClean="0"/>
+              <a:rPr lang="en-US" sz="2000" dirty="0" smtClean="0"/>
               <a:t>We first see running the spark in local mode, that uses only single machine.</a:t>
             </a:r>
           </a:p>
           <a:p>
             <a:r>
-              <a:rPr lang="en-US" dirty="0" smtClean="0"/>
+              <a:rPr lang="en-US" sz="2000" dirty="0" smtClean="0"/>
               <a:t>Spark cab also be run on </a:t>
             </a:r>
             <a:r>
-              <a:rPr lang="en-US" dirty="0" err="1" smtClean="0"/>
+              <a:rPr lang="en-US" sz="2000" dirty="0" err="1" smtClean="0"/>
               <a:t>Mesos</a:t>
             </a:r>
             <a:r>
-              <a:rPr lang="en-US" dirty="0" smtClean="0"/>
+              <a:rPr lang="en-US" sz="2000" dirty="0" smtClean="0"/>
               <a:t>, YARN or Standalone Scheduler(included in Spark distribution)</a:t>
             </a:r>
           </a:p>
@@ -7749,26 +8420,19 @@
         </p:nvSpPr>
         <p:spPr>
           <a:xfrm>
-            <a:off x="381000" y="12700"/>
-            <a:ext cx="8229600" cy="901700"/>
+            <a:off x="0" y="6220"/>
+            <a:ext cx="9144000" cy="908180"/>
           </a:xfrm>
         </p:spPr>
         <p:txBody>
-          <a:bodyPr>
-            <a:normAutofit/>
-          </a:bodyPr>
+          <a:bodyPr/>
           <a:lstStyle/>
           <a:p>
             <a:pPr algn="l"/>
             <a:r>
-              <a:rPr lang="en-US" dirty="0" smtClean="0"/>
-              <a:t>Spark – Python and </a:t>
-            </a:r>
-            <a:r>
-              <a:rPr lang="en-US" smtClean="0"/>
-              <a:t>Scala Shells</a:t>
-            </a:r>
-            <a:endParaRPr lang="en-US" dirty="0"/>
+              <a:rPr lang="en-US" dirty="0"/>
+              <a:t>Spark – Python and Scala Shells</a:t>
+            </a:r>
           </a:p>
         </p:txBody>
       </p:sp>
@@ -7784,8 +8448,160 @@
         </p:nvSpPr>
         <p:spPr>
           <a:xfrm>
-            <a:off x="457200" y="990600"/>
-            <a:ext cx="8382000" cy="5410200"/>
+            <a:off x="17106" y="928396"/>
+            <a:ext cx="9126894" cy="5929604"/>
+          </a:xfrm>
+        </p:spPr>
+        <p:txBody>
+          <a:bodyPr>
+            <a:normAutofit fontScale="85000" lnSpcReduction="10000"/>
+          </a:bodyPr>
+          <a:lstStyle/>
+          <a:p>
+            <a:r>
+              <a:rPr lang="en-US" dirty="0"/>
+              <a:t>Spark’s shells allow you to interact with data that is </a:t>
+            </a:r>
+          </a:p>
+          <a:p>
+            <a:pPr lvl="1"/>
+            <a:r>
+              <a:rPr lang="en-US" dirty="0"/>
+              <a:t>Distributed on disk or </a:t>
+            </a:r>
+          </a:p>
+          <a:p>
+            <a:pPr lvl="1"/>
+            <a:r>
+              <a:rPr lang="en-US" dirty="0"/>
+              <a:t>in memory across many machines, </a:t>
+            </a:r>
+          </a:p>
+          <a:p>
+            <a:pPr lvl="1"/>
+            <a:r>
+              <a:rPr lang="en-US" dirty="0"/>
+              <a:t>Spark takes care of automatically distributing this processing.</a:t>
+            </a:r>
+          </a:p>
+          <a:p>
+            <a:r>
+              <a:rPr lang="en-US" dirty="0"/>
+              <a:t>Because Spark can load data into memory on the worker nodes, many distributed computations, even ones that process terabytes of data across dozens of machines, can run in a few seconds.</a:t>
+            </a:r>
+          </a:p>
+          <a:p>
+            <a:r>
+              <a:rPr lang="en-US" dirty="0"/>
+              <a:t>This makes the sort of iterative, ad hoc, and exploratory analysis commonly done in shells a good fit for Spark. </a:t>
+            </a:r>
+          </a:p>
+          <a:p>
+            <a:r>
+              <a:rPr lang="en-US" dirty="0"/>
+              <a:t>This makes the sort of iterative, ad hoc, and exploratory analysis commonly done in shells a good fit for Spark</a:t>
+            </a:r>
+            <a:r>
+              <a:rPr lang="en-US" dirty="0" smtClean="0"/>
+              <a:t>.</a:t>
+            </a:r>
+          </a:p>
+          <a:p>
+            <a:r>
+              <a:rPr lang="en-US" b="1" dirty="0"/>
+              <a:t>I</a:t>
+            </a:r>
+            <a:r>
+              <a:rPr lang="en-US" b="1" dirty="0" smtClean="0"/>
+              <a:t>nteractive </a:t>
+            </a:r>
+            <a:r>
+              <a:rPr lang="en-US" b="1" dirty="0"/>
+              <a:t>shells are available only in Python and Scala. </a:t>
+            </a:r>
+            <a:endParaRPr lang="en-US" b="1" dirty="0" smtClean="0"/>
+          </a:p>
+          <a:p>
+            <a:r>
+              <a:rPr lang="en-US" b="1" u="sng" dirty="0"/>
+              <a:t>The API is similar in every language.</a:t>
+            </a:r>
+            <a:endParaRPr lang="en-US" b="1" u="sng" dirty="0"/>
+          </a:p>
+        </p:txBody>
+      </p:sp>
+    </p:spTree>
+    <p:extLst>
+      <p:ext uri="{BB962C8B-B14F-4D97-AF65-F5344CB8AC3E}">
+        <p14:creationId xmlns:p14="http://schemas.microsoft.com/office/powerpoint/2010/main" val="398092813"/>
+      </p:ext>
+    </p:extLst>
+  </p:cSld>
+  <p:clrMapOvr>
+    <a:masterClrMapping/>
+  </p:clrMapOvr>
+</p:sld>
+</file>
+
+<file path=ppt/slides/slide19.xml><?xml version="1.0" encoding="utf-8"?>
+<p:sld xmlns:a="http://schemas.openxmlformats.org/drawingml/2006/main" xmlns:r="http://schemas.openxmlformats.org/officeDocument/2006/relationships" xmlns:p="http://schemas.openxmlformats.org/presentationml/2006/main">
+  <p:cSld>
+    <p:spTree>
+      <p:nvGrpSpPr>
+        <p:cNvPr id="1" name=""/>
+        <p:cNvGrpSpPr/>
+        <p:nvPr/>
+      </p:nvGrpSpPr>
+      <p:grpSpPr>
+        <a:xfrm>
+          <a:off x="0" y="0"/>
+          <a:ext cx="0" cy="0"/>
+          <a:chOff x="0" y="0"/>
+          <a:chExt cx="0" cy="0"/>
+        </a:xfrm>
+      </p:grpSpPr>
+      <p:sp>
+        <p:nvSpPr>
+          <p:cNvPr id="2" name="Title 1"/>
+          <p:cNvSpPr>
+            <a:spLocks noGrp="1"/>
+          </p:cNvSpPr>
+          <p:nvPr>
+            <p:ph type="title"/>
+          </p:nvPr>
+        </p:nvSpPr>
+        <p:spPr>
+          <a:xfrm>
+            <a:off x="0" y="6220"/>
+            <a:ext cx="9144000" cy="908180"/>
+          </a:xfrm>
+        </p:spPr>
+        <p:txBody>
+          <a:bodyPr/>
+          <a:lstStyle/>
+          <a:p>
+            <a:pPr algn="l"/>
+            <a:r>
+              <a:rPr lang="en-US" dirty="0"/>
+              <a:t>Spark – Python and Scala Shells</a:t>
+            </a:r>
+          </a:p>
+        </p:txBody>
+      </p:sp>
+      <p:sp>
+        <p:nvSpPr>
+          <p:cNvPr id="3" name="Content Placeholder 2"/>
+          <p:cNvSpPr>
+            <a:spLocks noGrp="1"/>
+          </p:cNvSpPr>
+          <p:nvPr>
+            <p:ph idx="1"/>
+          </p:nvPr>
+        </p:nvSpPr>
+        <p:spPr>
+          <a:xfrm>
+            <a:off x="17106" y="928396"/>
+            <a:ext cx="9126894" cy="5929604"/>
           </a:xfrm>
         </p:spPr>
         <p:txBody>
@@ -7794,116 +8610,149 @@
           </a:bodyPr>
           <a:lstStyle/>
           <a:p>
+            <a:r>
+              <a:rPr lang="en-US" dirty="0" smtClean="0"/>
+              <a:t>Open spark shell</a:t>
+            </a:r>
+          </a:p>
+          <a:p>
+            <a:pPr lvl="1"/>
+            <a:r>
+              <a:rPr lang="en-US" dirty="0" smtClean="0"/>
+              <a:t>/bin/</a:t>
+            </a:r>
+            <a:r>
+              <a:rPr lang="en-US" dirty="0" err="1" smtClean="0"/>
+              <a:t>pyspark</a:t>
+            </a:r>
+            <a:r>
+              <a:rPr lang="en-US" dirty="0" smtClean="0"/>
+              <a:t>  - python version</a:t>
+            </a:r>
+            <a:r>
+              <a:rPr lang="en-US" dirty="0"/>
+              <a:t> of spark shell</a:t>
+            </a:r>
             <a:endParaRPr lang="en-US" dirty="0" smtClean="0"/>
+          </a:p>
+          <a:p>
+            <a:pPr lvl="1"/>
+            <a:r>
+              <a:rPr lang="en-US" dirty="0" smtClean="0"/>
+              <a:t>/bin/spark-shell  - </a:t>
+            </a:r>
+            <a:r>
+              <a:rPr lang="en-US" dirty="0" err="1" smtClean="0"/>
+              <a:t>scala</a:t>
+            </a:r>
+            <a:r>
+              <a:rPr lang="en-US" dirty="0" smtClean="0"/>
+              <a:t> version of spark shell</a:t>
+            </a:r>
+          </a:p>
+          <a:p>
+            <a:r>
+              <a:rPr lang="en-US" dirty="0" smtClean="0"/>
+              <a:t>To control verbose:</a:t>
+            </a:r>
+          </a:p>
+          <a:p>
+            <a:pPr lvl="1"/>
+            <a:r>
+              <a:rPr lang="en-US" dirty="0"/>
+              <a:t> </a:t>
+            </a:r>
+            <a:r>
+              <a:rPr lang="en-US" dirty="0"/>
+              <a:t>make a copy </a:t>
+            </a:r>
+            <a:r>
+              <a:rPr lang="en-US" dirty="0" smtClean="0"/>
+              <a:t>of</a:t>
+            </a:r>
+            <a:r>
+              <a:rPr lang="en-US" dirty="0"/>
+              <a:t> </a:t>
+            </a:r>
+            <a:r>
+              <a:rPr lang="en-US" i="1" dirty="0" err="1"/>
+              <a:t>conf</a:t>
+            </a:r>
+            <a:r>
+              <a:rPr lang="en-US" i="1" dirty="0"/>
+              <a:t>/log4j.properties.template</a:t>
+            </a:r>
+            <a:r>
+              <a:rPr lang="en-US" dirty="0"/>
+              <a:t> </a:t>
+            </a:r>
+            <a:r>
+              <a:rPr lang="en-US" dirty="0" smtClean="0"/>
+              <a:t>called </a:t>
+            </a:r>
+            <a:r>
+              <a:rPr lang="en-US" i="1" dirty="0" err="1" smtClean="0"/>
+              <a:t>conf</a:t>
+            </a:r>
+            <a:r>
+              <a:rPr lang="en-US" i="1" dirty="0" smtClean="0"/>
+              <a:t>/log4j.properties</a:t>
+            </a:r>
+            <a:r>
+              <a:rPr lang="en-US" dirty="0"/>
+              <a:t> and find the following line</a:t>
+            </a:r>
+            <a:r>
+              <a:rPr lang="en-US" dirty="0" smtClean="0"/>
+              <a:t>:</a:t>
+            </a:r>
+          </a:p>
+          <a:p>
+            <a:pPr lvl="1"/>
+            <a:r>
+              <a:rPr lang="en-US" dirty="0"/>
+              <a:t>log4j.rootCategory=INFO, </a:t>
+            </a:r>
+            <a:r>
+              <a:rPr lang="en-US" dirty="0" smtClean="0"/>
+              <a:t>console</a:t>
+            </a:r>
+          </a:p>
+          <a:p>
+            <a:pPr lvl="1"/>
+            <a:r>
+              <a:rPr lang="en-US" dirty="0"/>
+              <a:t>Then lower the log level so that we show only the WARN </a:t>
+            </a:r>
+            <a:r>
+              <a:rPr lang="en-US" dirty="0" smtClean="0"/>
+              <a:t>messages   log4j.rootCategory=WARN, </a:t>
+            </a:r>
+            <a:r>
+              <a:rPr lang="en-US" dirty="0"/>
+              <a:t>console</a:t>
+            </a:r>
+          </a:p>
+          <a:p>
+            <a:pPr lvl="1"/>
+            <a:endParaRPr lang="en-US" dirty="0" smtClean="0"/>
+          </a:p>
+          <a:p>
+            <a:pPr lvl="1"/>
+            <a:endParaRPr lang="en-US" dirty="0"/>
           </a:p>
         </p:txBody>
       </p:sp>
     </p:spTree>
     <p:extLst>
       <p:ext uri="{BB962C8B-B14F-4D97-AF65-F5344CB8AC3E}">
-        <p14:creationId xmlns:p14="http://schemas.microsoft.com/office/powerpoint/2010/main" val="3072418424"/>
+        <p14:creationId xmlns:p14="http://schemas.microsoft.com/office/powerpoint/2010/main" val="3502788720"/>
       </p:ext>
     </p:extLst>
   </p:cSld>
   <p:clrMapOvr>
     <a:masterClrMapping/>
   </p:clrMapOvr>
-  <p:timing>
-    <p:tnLst>
-      <p:par>
-        <p:cTn id="1" dur="indefinite" restart="never" nodeType="tmRoot">
-          <p:childTnLst>
-            <p:seq concurrent="1" nextAc="seek">
-              <p:cTn id="2" dur="indefinite" nodeType="mainSeq">
-                <p:childTnLst>
-                  <p:par>
-                    <p:cTn id="3" fill="hold">
-                      <p:stCondLst>
-                        <p:cond delay="indefinite"/>
-                      </p:stCondLst>
-                      <p:childTnLst>
-                        <p:par>
-                          <p:cTn id="4" fill="hold">
-                            <p:stCondLst>
-                              <p:cond delay="0"/>
-                            </p:stCondLst>
-                            <p:childTnLst>
-                              <p:par>
-                                <p:cTn id="5" presetID="16" presetClass="entr" presetSubtype="21" fill="hold" nodeType="clickEffect" nodePh="1">
-                                  <p:stCondLst>
-                                    <p:cond delay="0"/>
-                                  </p:stCondLst>
-                                  <p:endCondLst>
-                                    <p:cond evt="begin" delay="0">
-                                      <p:tn val="5"/>
-                                    </p:cond>
-                                  </p:endCondLst>
-                                  <p:childTnLst>
-                                    <p:set>
-                                      <p:cBhvr>
-                                        <p:cTn id="6" dur="1" fill="hold">
-                                          <p:stCondLst>
-                                            <p:cond delay="0"/>
-                                          </p:stCondLst>
-                                        </p:cTn>
-                                        <p:tgtEl>
-                                          <p:spTgt spid="3">
-                                            <p:txEl>
-                                              <p:pRg st="0" end="0"/>
-                                            </p:txEl>
-                                          </p:spTgt>
-                                        </p:tgtEl>
-                                        <p:attrNameLst>
-                                          <p:attrName>style.visibility</p:attrName>
-                                        </p:attrNameLst>
-                                      </p:cBhvr>
-                                      <p:to>
-                                        <p:strVal val="visible"/>
-                                      </p:to>
-                                    </p:set>
-                                    <p:animEffect transition="in" filter="barn(inVertical)">
-                                      <p:cBhvr>
-                                        <p:cTn id="7" dur="500"/>
-                                        <p:tgtEl>
-                                          <p:spTgt spid="3">
-                                            <p:txEl>
-                                              <p:pRg st="0" end="0"/>
-                                            </p:txEl>
-                                          </p:spTgt>
-                                        </p:tgtEl>
-                                      </p:cBhvr>
-                                    </p:animEffect>
-                                  </p:childTnLst>
-                                </p:cTn>
-                              </p:par>
-                            </p:childTnLst>
-                          </p:cTn>
-                        </p:par>
-                      </p:childTnLst>
-                    </p:cTn>
-                  </p:par>
-                </p:childTnLst>
-              </p:cTn>
-              <p:prevCondLst>
-                <p:cond evt="onPrev" delay="0">
-                  <p:tgtEl>
-                    <p:sldTgt/>
-                  </p:tgtEl>
-                </p:cond>
-              </p:prevCondLst>
-              <p:nextCondLst>
-                <p:cond evt="onNext" delay="0">
-                  <p:tgtEl>
-                    <p:sldTgt/>
-                  </p:tgtEl>
-                </p:cond>
-              </p:nextCondLst>
-            </p:seq>
-          </p:childTnLst>
-        </p:cTn>
-      </p:par>
-    </p:tnLst>
-  </p:timing>
 </p:sld>
 </file>
 
@@ -8590,6 +9439,2360 @@
 </p:sld>
 </file>
 
+<file path=ppt/slides/slide20.xml><?xml version="1.0" encoding="utf-8"?>
+<p:sld xmlns:a="http://schemas.openxmlformats.org/drawingml/2006/main" xmlns:r="http://schemas.openxmlformats.org/officeDocument/2006/relationships" xmlns:p="http://schemas.openxmlformats.org/presentationml/2006/main">
+  <p:cSld>
+    <p:spTree>
+      <p:nvGrpSpPr>
+        <p:cNvPr id="1" name=""/>
+        <p:cNvGrpSpPr/>
+        <p:nvPr/>
+      </p:nvGrpSpPr>
+      <p:grpSpPr>
+        <a:xfrm>
+          <a:off x="0" y="0"/>
+          <a:ext cx="0" cy="0"/>
+          <a:chOff x="0" y="0"/>
+          <a:chExt cx="0" cy="0"/>
+        </a:xfrm>
+      </p:grpSpPr>
+      <p:sp>
+        <p:nvSpPr>
+          <p:cNvPr id="2" name="Title 1"/>
+          <p:cNvSpPr>
+            <a:spLocks noGrp="1"/>
+          </p:cNvSpPr>
+          <p:nvPr>
+            <p:ph type="title"/>
+          </p:nvPr>
+        </p:nvSpPr>
+        <p:spPr>
+          <a:xfrm>
+            <a:off x="0" y="6220"/>
+            <a:ext cx="9144000" cy="908180"/>
+          </a:xfrm>
+        </p:spPr>
+        <p:txBody>
+          <a:bodyPr/>
+          <a:lstStyle/>
+          <a:p>
+            <a:pPr algn="l"/>
+            <a:r>
+              <a:rPr lang="en-US" dirty="0"/>
+              <a:t>Spark – </a:t>
+            </a:r>
+            <a:r>
+              <a:rPr lang="en-US" dirty="0" smtClean="0"/>
+              <a:t>Basic progra</a:t>
+            </a:r>
+            <a:r>
+              <a:rPr lang="en-US" dirty="0"/>
+              <a:t>m</a:t>
+            </a:r>
+          </a:p>
+        </p:txBody>
+      </p:sp>
+      <p:sp>
+        <p:nvSpPr>
+          <p:cNvPr id="3" name="Content Placeholder 2"/>
+          <p:cNvSpPr>
+            <a:spLocks noGrp="1"/>
+          </p:cNvSpPr>
+          <p:nvPr>
+            <p:ph idx="1"/>
+          </p:nvPr>
+        </p:nvSpPr>
+        <p:spPr>
+          <a:xfrm>
+            <a:off x="17106" y="928396"/>
+            <a:ext cx="9126894" cy="5929604"/>
+          </a:xfrm>
+        </p:spPr>
+        <p:txBody>
+          <a:bodyPr>
+            <a:normAutofit/>
+          </a:bodyPr>
+          <a:lstStyle/>
+          <a:p>
+            <a:r>
+              <a:rPr lang="en-US" dirty="0"/>
+              <a:t>In Spark, we express our computation through operations on </a:t>
+            </a:r>
+            <a:r>
+              <a:rPr lang="en-US" dirty="0" smtClean="0"/>
+              <a:t>distributed </a:t>
+            </a:r>
+            <a:r>
+              <a:rPr lang="en-US" dirty="0"/>
+              <a:t>collections </a:t>
+            </a:r>
+            <a:endParaRPr lang="en-US" dirty="0" smtClean="0"/>
+          </a:p>
+          <a:p>
+            <a:r>
+              <a:rPr lang="en-US" dirty="0" smtClean="0"/>
+              <a:t>These distributed collections are automatically </a:t>
+            </a:r>
+            <a:r>
+              <a:rPr lang="en-US" dirty="0"/>
+              <a:t>parallelized across the cluster. </a:t>
+            </a:r>
+            <a:endParaRPr lang="en-US" dirty="0" smtClean="0"/>
+          </a:p>
+          <a:p>
+            <a:r>
+              <a:rPr lang="en-US" dirty="0" smtClean="0"/>
+              <a:t>These </a:t>
+            </a:r>
+            <a:r>
+              <a:rPr lang="en-US" dirty="0"/>
+              <a:t>collections are called </a:t>
+            </a:r>
+            <a:r>
+              <a:rPr lang="en-US" i="1" dirty="0"/>
+              <a:t>resilient distributed datasets</a:t>
+            </a:r>
+            <a:r>
+              <a:rPr lang="en-US" dirty="0"/>
+              <a:t>, or RDDs. </a:t>
+            </a:r>
+            <a:endParaRPr lang="en-US" dirty="0" smtClean="0"/>
+          </a:p>
+          <a:p>
+            <a:r>
+              <a:rPr lang="en-US" dirty="0" smtClean="0"/>
+              <a:t>RDDs </a:t>
+            </a:r>
+            <a:r>
+              <a:rPr lang="en-US" dirty="0"/>
+              <a:t>are Spark’s fundamental abstraction for distributed data and computation</a:t>
+            </a:r>
+            <a:r>
+              <a:rPr lang="en-US" dirty="0" smtClean="0"/>
+              <a:t>.</a:t>
+            </a:r>
+          </a:p>
+          <a:p>
+            <a:r>
+              <a:rPr lang="en-US" dirty="0"/>
+              <a:t>let’s create </a:t>
+            </a:r>
+            <a:r>
+              <a:rPr lang="en-US" dirty="0" smtClean="0"/>
+              <a:t>one RDD </a:t>
+            </a:r>
+            <a:r>
+              <a:rPr lang="en-US" dirty="0"/>
+              <a:t>in the shell from a local text file and do some very simple ad hoc </a:t>
+            </a:r>
+            <a:r>
+              <a:rPr lang="en-US" dirty="0" smtClean="0"/>
+              <a:t>analysis.</a:t>
+            </a:r>
+            <a:endParaRPr lang="en-US" dirty="0"/>
+          </a:p>
+        </p:txBody>
+      </p:sp>
+    </p:spTree>
+    <p:extLst>
+      <p:ext uri="{BB962C8B-B14F-4D97-AF65-F5344CB8AC3E}">
+        <p14:creationId xmlns:p14="http://schemas.microsoft.com/office/powerpoint/2010/main" val="950627007"/>
+      </p:ext>
+    </p:extLst>
+  </p:cSld>
+  <p:clrMapOvr>
+    <a:masterClrMapping/>
+  </p:clrMapOvr>
+</p:sld>
+</file>
+
+<file path=ppt/slides/slide21.xml><?xml version="1.0" encoding="utf-8"?>
+<p:sld xmlns:a="http://schemas.openxmlformats.org/drawingml/2006/main" xmlns:r="http://schemas.openxmlformats.org/officeDocument/2006/relationships" xmlns:p="http://schemas.openxmlformats.org/presentationml/2006/main">
+  <p:cSld>
+    <p:spTree>
+      <p:nvGrpSpPr>
+        <p:cNvPr id="1" name=""/>
+        <p:cNvGrpSpPr/>
+        <p:nvPr/>
+      </p:nvGrpSpPr>
+      <p:grpSpPr>
+        <a:xfrm>
+          <a:off x="0" y="0"/>
+          <a:ext cx="0" cy="0"/>
+          <a:chOff x="0" y="0"/>
+          <a:chExt cx="0" cy="0"/>
+        </a:xfrm>
+      </p:grpSpPr>
+      <p:sp>
+        <p:nvSpPr>
+          <p:cNvPr id="2" name="Title 1"/>
+          <p:cNvSpPr>
+            <a:spLocks noGrp="1"/>
+          </p:cNvSpPr>
+          <p:nvPr>
+            <p:ph type="title"/>
+          </p:nvPr>
+        </p:nvSpPr>
+        <p:spPr>
+          <a:xfrm>
+            <a:off x="0" y="6220"/>
+            <a:ext cx="9144000" cy="908180"/>
+          </a:xfrm>
+        </p:spPr>
+        <p:txBody>
+          <a:bodyPr/>
+          <a:lstStyle/>
+          <a:p>
+            <a:pPr algn="l"/>
+            <a:r>
+              <a:rPr lang="en-US" dirty="0"/>
+              <a:t>Spark – </a:t>
+            </a:r>
+            <a:r>
+              <a:rPr lang="en-US" dirty="0" smtClean="0"/>
+              <a:t>Basic progra</a:t>
+            </a:r>
+            <a:r>
+              <a:rPr lang="en-US" dirty="0"/>
+              <a:t>m</a:t>
+            </a:r>
+          </a:p>
+        </p:txBody>
+      </p:sp>
+      <p:sp>
+        <p:nvSpPr>
+          <p:cNvPr id="3" name="Content Placeholder 2"/>
+          <p:cNvSpPr>
+            <a:spLocks noGrp="1"/>
+          </p:cNvSpPr>
+          <p:nvPr>
+            <p:ph idx="1"/>
+          </p:nvPr>
+        </p:nvSpPr>
+        <p:spPr>
+          <a:xfrm>
+            <a:off x="17106" y="928396"/>
+            <a:ext cx="9126894" cy="5929604"/>
+          </a:xfrm>
+        </p:spPr>
+        <p:txBody>
+          <a:bodyPr>
+            <a:normAutofit fontScale="85000" lnSpcReduction="20000"/>
+          </a:bodyPr>
+          <a:lstStyle/>
+          <a:p>
+            <a:r>
+              <a:rPr lang="en-US" dirty="0"/>
+              <a:t>Scala line count</a:t>
+            </a:r>
+          </a:p>
+          <a:p>
+            <a:pPr lvl="1"/>
+            <a:r>
+              <a:rPr lang="en-US" dirty="0" err="1"/>
+              <a:t>scala</a:t>
+            </a:r>
+            <a:r>
+              <a:rPr lang="en-US" dirty="0"/>
+              <a:t>&gt; </a:t>
+            </a:r>
+            <a:r>
+              <a:rPr lang="en-US" dirty="0" err="1"/>
+              <a:t>val</a:t>
+            </a:r>
+            <a:r>
+              <a:rPr lang="en-US" dirty="0"/>
+              <a:t> lines = </a:t>
+            </a:r>
+            <a:r>
+              <a:rPr lang="en-US" dirty="0" err="1"/>
+              <a:t>sc.textFile</a:t>
+            </a:r>
+            <a:r>
+              <a:rPr lang="en-US" dirty="0" smtClean="0"/>
+              <a:t>(“../README.md</a:t>
+            </a:r>
+            <a:r>
+              <a:rPr lang="en-US" dirty="0"/>
+              <a:t>") // Create an RDD called </a:t>
+            </a:r>
+            <a:r>
+              <a:rPr lang="en-US" dirty="0" smtClean="0"/>
+              <a:t>lines  	</a:t>
+            </a:r>
+          </a:p>
+          <a:p>
+            <a:pPr lvl="2"/>
+            <a:r>
+              <a:rPr lang="en-US" dirty="0" smtClean="0"/>
+              <a:t>(</a:t>
+            </a:r>
+            <a:r>
+              <a:rPr lang="en-US" u="sng" dirty="0" smtClean="0"/>
+              <a:t>note that you need to give forward slash, </a:t>
+            </a:r>
+            <a:r>
+              <a:rPr lang="en-US" u="sng" dirty="0" err="1" smtClean="0"/>
+              <a:t>unix</a:t>
+            </a:r>
+            <a:r>
+              <a:rPr lang="en-US" u="sng" dirty="0" smtClean="0"/>
+              <a:t> style)</a:t>
+            </a:r>
+            <a:endParaRPr lang="en-US" dirty="0"/>
+          </a:p>
+          <a:p>
+            <a:pPr lvl="2"/>
+            <a:r>
+              <a:rPr lang="en-US" dirty="0"/>
+              <a:t>lines: </a:t>
+            </a:r>
+            <a:r>
+              <a:rPr lang="en-US" dirty="0" err="1"/>
+              <a:t>spark.RDD</a:t>
+            </a:r>
+            <a:r>
+              <a:rPr lang="en-US" dirty="0"/>
+              <a:t>[String] = </a:t>
+            </a:r>
+            <a:r>
+              <a:rPr lang="en-US" dirty="0" err="1"/>
+              <a:t>MappedRDD</a:t>
+            </a:r>
+            <a:r>
+              <a:rPr lang="en-US" dirty="0"/>
+              <a:t>[...]</a:t>
+            </a:r>
+          </a:p>
+          <a:p>
+            <a:pPr lvl="1"/>
+            <a:r>
+              <a:rPr lang="en-US" dirty="0" err="1"/>
+              <a:t>scala</a:t>
+            </a:r>
+            <a:r>
+              <a:rPr lang="en-US" dirty="0"/>
+              <a:t>&gt; </a:t>
+            </a:r>
+            <a:r>
+              <a:rPr lang="en-US" dirty="0" err="1"/>
+              <a:t>lines.count</a:t>
+            </a:r>
+            <a:r>
+              <a:rPr lang="en-US" dirty="0"/>
+              <a:t>() // Count the number of items in this RDD</a:t>
+            </a:r>
+          </a:p>
+          <a:p>
+            <a:pPr lvl="2"/>
+            <a:r>
+              <a:rPr lang="en-US" dirty="0"/>
+              <a:t>res0: Long = 127</a:t>
+            </a:r>
+          </a:p>
+          <a:p>
+            <a:pPr lvl="1"/>
+            <a:r>
+              <a:rPr lang="en-US" dirty="0" err="1"/>
+              <a:t>scala</a:t>
+            </a:r>
+            <a:r>
+              <a:rPr lang="en-US" dirty="0"/>
+              <a:t>&gt; </a:t>
+            </a:r>
+            <a:r>
+              <a:rPr lang="en-US" dirty="0" err="1"/>
+              <a:t>lines.first</a:t>
+            </a:r>
+            <a:r>
+              <a:rPr lang="en-US" dirty="0"/>
+              <a:t>() // First item in this RDD, i.e. first line of README.md</a:t>
+            </a:r>
+          </a:p>
+          <a:p>
+            <a:pPr lvl="2"/>
+            <a:r>
+              <a:rPr lang="en-US" dirty="0"/>
+              <a:t>res1: String = # Apache </a:t>
+            </a:r>
+            <a:r>
+              <a:rPr lang="en-US" dirty="0" smtClean="0"/>
+              <a:t>Spark</a:t>
+            </a:r>
+          </a:p>
+          <a:p>
+            <a:r>
+              <a:rPr lang="en-US" dirty="0"/>
+              <a:t>Python line count:</a:t>
+            </a:r>
+          </a:p>
+          <a:p>
+            <a:pPr lvl="1"/>
+            <a:r>
+              <a:rPr lang="en-US" dirty="0"/>
+              <a:t>&gt;&gt;&gt; lines = </a:t>
+            </a:r>
+            <a:r>
+              <a:rPr lang="en-US" dirty="0" err="1"/>
+              <a:t>sc.textFile</a:t>
+            </a:r>
+            <a:r>
+              <a:rPr lang="en-US" dirty="0"/>
+              <a:t>("README.md") # Create an RDD called lines</a:t>
+            </a:r>
+          </a:p>
+          <a:p>
+            <a:pPr lvl="1"/>
+            <a:r>
+              <a:rPr lang="en-US" dirty="0"/>
+              <a:t>&gt;&gt;&gt; </a:t>
+            </a:r>
+            <a:r>
+              <a:rPr lang="en-US" dirty="0" err="1"/>
+              <a:t>lines.count</a:t>
+            </a:r>
+            <a:r>
+              <a:rPr lang="en-US" dirty="0"/>
+              <a:t>() # Count the number of items in this RDD</a:t>
+            </a:r>
+          </a:p>
+          <a:p>
+            <a:pPr lvl="1"/>
+            <a:r>
+              <a:rPr lang="en-US" dirty="0"/>
+              <a:t>&gt;&gt;&gt; </a:t>
+            </a:r>
+            <a:r>
+              <a:rPr lang="en-US" dirty="0" err="1"/>
+              <a:t>lines.first</a:t>
+            </a:r>
+            <a:r>
+              <a:rPr lang="en-US" dirty="0"/>
+              <a:t>() # First item in this RDD, i.e. first line of </a:t>
+            </a:r>
+            <a:r>
+              <a:rPr lang="en-US" dirty="0" smtClean="0"/>
+              <a:t>README.md</a:t>
+            </a:r>
+          </a:p>
+          <a:p>
+            <a:r>
+              <a:rPr lang="en-US" b="1" dirty="0">
+                <a:hlinkClick r:id="rId2"/>
+              </a:rPr>
+              <a:t>http://localhost:4040/stages</a:t>
+            </a:r>
+            <a:r>
+              <a:rPr lang="en-US" b="1" dirty="0" smtClean="0">
+                <a:hlinkClick r:id="rId2"/>
+              </a:rPr>
+              <a:t>/</a:t>
+            </a:r>
+            <a:r>
+              <a:rPr lang="en-US" dirty="0" smtClean="0"/>
+              <a:t> you can check the Spark UI.</a:t>
+            </a:r>
+            <a:endParaRPr lang="en-US" b="1" dirty="0"/>
+          </a:p>
+        </p:txBody>
+      </p:sp>
+    </p:spTree>
+    <p:extLst>
+      <p:ext uri="{BB962C8B-B14F-4D97-AF65-F5344CB8AC3E}">
+        <p14:creationId xmlns:p14="http://schemas.microsoft.com/office/powerpoint/2010/main" val="2670638307"/>
+      </p:ext>
+    </p:extLst>
+  </p:cSld>
+  <p:clrMapOvr>
+    <a:masterClrMapping/>
+  </p:clrMapOvr>
+</p:sld>
+</file>
+
+<file path=ppt/slides/slide22.xml><?xml version="1.0" encoding="utf-8"?>
+<p:sld xmlns:a="http://schemas.openxmlformats.org/drawingml/2006/main" xmlns:r="http://schemas.openxmlformats.org/officeDocument/2006/relationships" xmlns:p="http://schemas.openxmlformats.org/presentationml/2006/main">
+  <p:cSld>
+    <p:spTree>
+      <p:nvGrpSpPr>
+        <p:cNvPr id="1" name=""/>
+        <p:cNvGrpSpPr/>
+        <p:nvPr/>
+      </p:nvGrpSpPr>
+      <p:grpSpPr>
+        <a:xfrm>
+          <a:off x="0" y="0"/>
+          <a:ext cx="0" cy="0"/>
+          <a:chOff x="0" y="0"/>
+          <a:chExt cx="0" cy="0"/>
+        </a:xfrm>
+      </p:grpSpPr>
+      <p:sp>
+        <p:nvSpPr>
+          <p:cNvPr id="2" name="Title 1"/>
+          <p:cNvSpPr>
+            <a:spLocks noGrp="1"/>
+          </p:cNvSpPr>
+          <p:nvPr>
+            <p:ph type="title"/>
+          </p:nvPr>
+        </p:nvSpPr>
+        <p:spPr>
+          <a:xfrm>
+            <a:off x="0" y="6220"/>
+            <a:ext cx="9144000" cy="908180"/>
+          </a:xfrm>
+        </p:spPr>
+        <p:txBody>
+          <a:bodyPr>
+            <a:normAutofit fontScale="90000"/>
+          </a:bodyPr>
+          <a:lstStyle/>
+          <a:p>
+            <a:pPr algn="l"/>
+            <a:r>
+              <a:rPr lang="en-US" dirty="0" smtClean="0"/>
+              <a:t>Spark-Introduction </a:t>
+            </a:r>
+            <a:r>
+              <a:rPr lang="en-US" dirty="0"/>
+              <a:t>to Core Spark </a:t>
+            </a:r>
+            <a:r>
+              <a:rPr lang="en-US" dirty="0" smtClean="0"/>
+              <a:t>Concepts</a:t>
+            </a:r>
+            <a:endParaRPr lang="en-US" dirty="0"/>
+          </a:p>
+        </p:txBody>
+      </p:sp>
+      <p:sp>
+        <p:nvSpPr>
+          <p:cNvPr id="3" name="Content Placeholder 2"/>
+          <p:cNvSpPr>
+            <a:spLocks noGrp="1"/>
+          </p:cNvSpPr>
+          <p:nvPr>
+            <p:ph idx="1"/>
+          </p:nvPr>
+        </p:nvSpPr>
+        <p:spPr>
+          <a:xfrm>
+            <a:off x="17106" y="928396"/>
+            <a:ext cx="9126894" cy="5929604"/>
+          </a:xfrm>
+        </p:spPr>
+        <p:txBody>
+          <a:bodyPr>
+            <a:normAutofit fontScale="85000" lnSpcReduction="20000"/>
+          </a:bodyPr>
+          <a:lstStyle/>
+          <a:p>
+            <a:r>
+              <a:rPr lang="en-US" dirty="0" smtClean="0"/>
+              <a:t>At high level, every spark application consist of a “Driver program” that launches various parallel operations on a cluster.</a:t>
+            </a:r>
+          </a:p>
+          <a:p>
+            <a:r>
+              <a:rPr lang="en-US" dirty="0" smtClean="0"/>
+              <a:t>Driver program contains, </a:t>
+            </a:r>
+          </a:p>
+          <a:p>
+            <a:pPr lvl="1"/>
+            <a:r>
+              <a:rPr lang="en-US" dirty="0" smtClean="0"/>
+              <a:t>application’s main function and </a:t>
+            </a:r>
+          </a:p>
+          <a:p>
+            <a:pPr lvl="1"/>
+            <a:r>
+              <a:rPr lang="en-US" dirty="0" smtClean="0"/>
+              <a:t>defines distributed datasets on the cluster, then </a:t>
+            </a:r>
+          </a:p>
+          <a:p>
+            <a:pPr lvl="1"/>
+            <a:r>
+              <a:rPr lang="en-US" dirty="0" smtClean="0"/>
+              <a:t>Applies operations to the distributed datasets.</a:t>
+            </a:r>
+          </a:p>
+          <a:p>
+            <a:pPr lvl="1"/>
+            <a:r>
+              <a:rPr lang="en-US" dirty="0" smtClean="0"/>
+              <a:t>In previous example, driver program is the spark shell itself, and you can just type the operations you want to run.</a:t>
+            </a:r>
+          </a:p>
+          <a:p>
+            <a:r>
+              <a:rPr lang="en-US" dirty="0" smtClean="0"/>
+              <a:t>Driver programs access Spark through a </a:t>
+            </a:r>
+            <a:r>
+              <a:rPr lang="en-US" b="1" dirty="0" smtClean="0"/>
+              <a:t>“</a:t>
+            </a:r>
+            <a:r>
+              <a:rPr lang="en-US" b="1" dirty="0" err="1" smtClean="0"/>
+              <a:t>SparkContext</a:t>
+            </a:r>
+            <a:r>
+              <a:rPr lang="en-US" b="1" dirty="0" smtClean="0"/>
+              <a:t>”  Object</a:t>
+            </a:r>
+            <a:r>
+              <a:rPr lang="en-US" dirty="0" smtClean="0"/>
+              <a:t>, represents a connection to a computer cluster.</a:t>
+            </a:r>
+          </a:p>
+          <a:p>
+            <a:pPr lvl="1"/>
+            <a:r>
+              <a:rPr lang="en-US" dirty="0" smtClean="0"/>
+              <a:t>In the shell, a </a:t>
+            </a:r>
+            <a:r>
+              <a:rPr lang="en-US" dirty="0" err="1" smtClean="0"/>
+              <a:t>SparkContext</a:t>
+            </a:r>
+            <a:r>
+              <a:rPr lang="en-US" dirty="0" smtClean="0"/>
+              <a:t> is automatically created for you as the variable called “</a:t>
+            </a:r>
+            <a:r>
+              <a:rPr lang="en-US" b="1" dirty="0" err="1" smtClean="0"/>
+              <a:t>sc</a:t>
+            </a:r>
+            <a:r>
+              <a:rPr lang="en-US" b="1" dirty="0" smtClean="0"/>
+              <a:t>”.</a:t>
+            </a:r>
+            <a:endParaRPr lang="en-US" dirty="0" smtClean="0"/>
+          </a:p>
+          <a:p>
+            <a:pPr lvl="1"/>
+            <a:r>
+              <a:rPr lang="en-US" dirty="0" smtClean="0"/>
+              <a:t>Type </a:t>
+            </a:r>
+            <a:r>
+              <a:rPr lang="en-US" dirty="0" err="1" smtClean="0"/>
+              <a:t>sc</a:t>
+            </a:r>
+            <a:r>
+              <a:rPr lang="en-US" dirty="0" smtClean="0"/>
+              <a:t> in the shell to see the </a:t>
+            </a:r>
+            <a:r>
+              <a:rPr lang="en-US" dirty="0" err="1" smtClean="0"/>
+              <a:t>sc</a:t>
+            </a:r>
+            <a:r>
+              <a:rPr lang="en-US" dirty="0" smtClean="0"/>
+              <a:t> variable.</a:t>
+            </a:r>
+          </a:p>
+          <a:p>
+            <a:pPr lvl="1"/>
+            <a:r>
+              <a:rPr lang="en-US" dirty="0" err="1"/>
+              <a:t>org.apache.spark.SparkContext</a:t>
+            </a:r>
+            <a:r>
+              <a:rPr lang="en-US" dirty="0"/>
+              <a:t> = org.apache.spark.SparkContext@209918</a:t>
+            </a:r>
+            <a:endParaRPr lang="en-US" dirty="0" smtClean="0"/>
+          </a:p>
+          <a:p>
+            <a:pPr lvl="1"/>
+            <a:endParaRPr lang="en-US" dirty="0" smtClean="0"/>
+          </a:p>
+          <a:p>
+            <a:endParaRPr lang="en-US" dirty="0"/>
+          </a:p>
+        </p:txBody>
+      </p:sp>
+    </p:spTree>
+    <p:extLst>
+      <p:ext uri="{BB962C8B-B14F-4D97-AF65-F5344CB8AC3E}">
+        <p14:creationId xmlns:p14="http://schemas.microsoft.com/office/powerpoint/2010/main" val="2027050994"/>
+      </p:ext>
+    </p:extLst>
+  </p:cSld>
+  <p:clrMapOvr>
+    <a:masterClrMapping/>
+  </p:clrMapOvr>
+</p:sld>
+</file>
+
+<file path=ppt/slides/slide23.xml><?xml version="1.0" encoding="utf-8"?>
+<p:sld xmlns:a="http://schemas.openxmlformats.org/drawingml/2006/main" xmlns:r="http://schemas.openxmlformats.org/officeDocument/2006/relationships" xmlns:p="http://schemas.openxmlformats.org/presentationml/2006/main">
+  <p:cSld>
+    <p:spTree>
+      <p:nvGrpSpPr>
+        <p:cNvPr id="1" name=""/>
+        <p:cNvGrpSpPr/>
+        <p:nvPr/>
+      </p:nvGrpSpPr>
+      <p:grpSpPr>
+        <a:xfrm>
+          <a:off x="0" y="0"/>
+          <a:ext cx="0" cy="0"/>
+          <a:chOff x="0" y="0"/>
+          <a:chExt cx="0" cy="0"/>
+        </a:xfrm>
+      </p:grpSpPr>
+      <p:sp>
+        <p:nvSpPr>
+          <p:cNvPr id="2" name="Title 1"/>
+          <p:cNvSpPr>
+            <a:spLocks noGrp="1"/>
+          </p:cNvSpPr>
+          <p:nvPr>
+            <p:ph type="title"/>
+          </p:nvPr>
+        </p:nvSpPr>
+        <p:spPr>
+          <a:xfrm>
+            <a:off x="0" y="6220"/>
+            <a:ext cx="9144000" cy="908180"/>
+          </a:xfrm>
+        </p:spPr>
+        <p:txBody>
+          <a:bodyPr>
+            <a:normAutofit fontScale="90000"/>
+          </a:bodyPr>
+          <a:lstStyle/>
+          <a:p>
+            <a:pPr algn="l"/>
+            <a:r>
+              <a:rPr lang="en-US" dirty="0" smtClean="0"/>
+              <a:t>Spark-Introduction </a:t>
+            </a:r>
+            <a:r>
+              <a:rPr lang="en-US" dirty="0"/>
+              <a:t>to Core Spark </a:t>
+            </a:r>
+            <a:r>
+              <a:rPr lang="en-US" dirty="0" smtClean="0"/>
+              <a:t>Concepts</a:t>
+            </a:r>
+            <a:endParaRPr lang="en-US" dirty="0"/>
+          </a:p>
+        </p:txBody>
+      </p:sp>
+      <p:sp>
+        <p:nvSpPr>
+          <p:cNvPr id="3" name="Content Placeholder 2"/>
+          <p:cNvSpPr>
+            <a:spLocks noGrp="1"/>
+          </p:cNvSpPr>
+          <p:nvPr>
+            <p:ph idx="1"/>
+          </p:nvPr>
+        </p:nvSpPr>
+        <p:spPr>
+          <a:xfrm>
+            <a:off x="17106" y="928396"/>
+            <a:ext cx="9126894" cy="5929604"/>
+          </a:xfrm>
+        </p:spPr>
+        <p:txBody>
+          <a:bodyPr>
+            <a:normAutofit/>
+          </a:bodyPr>
+          <a:lstStyle/>
+          <a:p>
+            <a:r>
+              <a:rPr lang="en-US" dirty="0"/>
+              <a:t>Once you have a </a:t>
+            </a:r>
+            <a:r>
+              <a:rPr lang="en-US" dirty="0" err="1"/>
+              <a:t>SparkContext</a:t>
+            </a:r>
+            <a:r>
+              <a:rPr lang="en-US" dirty="0"/>
+              <a:t>, you can use it to build RDDs</a:t>
+            </a:r>
+            <a:r>
+              <a:rPr lang="en-US" dirty="0" smtClean="0"/>
+              <a:t>.</a:t>
+            </a:r>
+          </a:p>
+          <a:p>
+            <a:r>
+              <a:rPr lang="en-US" dirty="0"/>
+              <a:t>W</a:t>
+            </a:r>
+            <a:r>
+              <a:rPr lang="en-US" dirty="0" smtClean="0"/>
+              <a:t>e </a:t>
+            </a:r>
+            <a:r>
+              <a:rPr lang="en-US" dirty="0"/>
+              <a:t>called </a:t>
+            </a:r>
+            <a:r>
+              <a:rPr lang="en-US" dirty="0" err="1"/>
+              <a:t>sc.textFile</a:t>
+            </a:r>
+            <a:r>
+              <a:rPr lang="en-US" dirty="0"/>
+              <a:t>() to create an RDD representing the lines of text in a file</a:t>
+            </a:r>
+            <a:r>
+              <a:rPr lang="en-US" dirty="0" smtClean="0"/>
+              <a:t>.</a:t>
+            </a:r>
+          </a:p>
+          <a:p>
+            <a:r>
+              <a:rPr lang="en-US" dirty="0"/>
+              <a:t>We can then run various operations on these lines, such as count</a:t>
+            </a:r>
+            <a:r>
+              <a:rPr lang="en-US" dirty="0" smtClean="0"/>
+              <a:t>().</a:t>
+            </a:r>
+          </a:p>
+          <a:p>
+            <a:r>
+              <a:rPr lang="en-US" dirty="0"/>
+              <a:t>To run these operations, driver programs typically manage a number of nodes called executors</a:t>
+            </a:r>
+            <a:r>
+              <a:rPr lang="en-US" dirty="0" smtClean="0"/>
+              <a:t>.</a:t>
+            </a:r>
+          </a:p>
+          <a:p>
+            <a:r>
+              <a:rPr lang="en-US" dirty="0"/>
+              <a:t>For example, if we were running the count() operation on a cluster, </a:t>
+            </a:r>
+            <a:r>
+              <a:rPr lang="en-US" u="sng" dirty="0"/>
+              <a:t>different machines </a:t>
+            </a:r>
+            <a:r>
+              <a:rPr lang="en-US" dirty="0"/>
+              <a:t>might count lines in </a:t>
+            </a:r>
+            <a:r>
+              <a:rPr lang="en-US" u="sng" dirty="0"/>
+              <a:t>different ranges </a:t>
+            </a:r>
+            <a:r>
+              <a:rPr lang="en-US" dirty="0"/>
+              <a:t>of the file</a:t>
+            </a:r>
+            <a:r>
+              <a:rPr lang="en-US" dirty="0" smtClean="0"/>
+              <a:t>.</a:t>
+            </a:r>
+          </a:p>
+        </p:txBody>
+      </p:sp>
+    </p:spTree>
+    <p:extLst>
+      <p:ext uri="{BB962C8B-B14F-4D97-AF65-F5344CB8AC3E}">
+        <p14:creationId xmlns:p14="http://schemas.microsoft.com/office/powerpoint/2010/main" val="466594223"/>
+      </p:ext>
+    </p:extLst>
+  </p:cSld>
+  <p:clrMapOvr>
+    <a:masterClrMapping/>
+  </p:clrMapOvr>
+</p:sld>
+</file>
+
+<file path=ppt/slides/slide24.xml><?xml version="1.0" encoding="utf-8"?>
+<p:sld xmlns:a="http://schemas.openxmlformats.org/drawingml/2006/main" xmlns:r="http://schemas.openxmlformats.org/officeDocument/2006/relationships" xmlns:p="http://schemas.openxmlformats.org/presentationml/2006/main">
+  <p:cSld>
+    <p:spTree>
+      <p:nvGrpSpPr>
+        <p:cNvPr id="1" name=""/>
+        <p:cNvGrpSpPr/>
+        <p:nvPr/>
+      </p:nvGrpSpPr>
+      <p:grpSpPr>
+        <a:xfrm>
+          <a:off x="0" y="0"/>
+          <a:ext cx="0" cy="0"/>
+          <a:chOff x="0" y="0"/>
+          <a:chExt cx="0" cy="0"/>
+        </a:xfrm>
+      </p:grpSpPr>
+      <p:pic>
+        <p:nvPicPr>
+          <p:cNvPr id="6148" name="Picture 4" descr="lnsp 0203"/>
+          <p:cNvPicPr>
+            <a:picLocks noChangeAspect="1" noChangeArrowheads="1"/>
+          </p:cNvPicPr>
+          <p:nvPr/>
+        </p:nvPicPr>
+        <p:blipFill>
+          <a:blip r:embed="rId2">
+            <a:extLst>
+              <a:ext uri="{28A0092B-C50C-407E-A947-70E740481C1C}">
+                <a14:useLocalDpi xmlns:a14="http://schemas.microsoft.com/office/drawing/2010/main" val="0"/>
+              </a:ext>
+            </a:extLst>
+          </a:blip>
+          <a:srcRect/>
+          <a:stretch>
+            <a:fillRect/>
+          </a:stretch>
+        </p:blipFill>
+        <p:spPr bwMode="auto">
+          <a:xfrm>
+            <a:off x="1676400" y="3041429"/>
+            <a:ext cx="3808650" cy="3518919"/>
+          </a:xfrm>
+          <a:prstGeom prst="rect">
+            <a:avLst/>
+          </a:prstGeom>
+          <a:noFill/>
+          <a:extLst>
+            <a:ext uri="{909E8E84-426E-40DD-AFC4-6F175D3DCCD1}">
+              <a14:hiddenFill xmlns:a14="http://schemas.microsoft.com/office/drawing/2010/main">
+                <a:solidFill>
+                  <a:srgbClr val="FFFFFF"/>
+                </a:solidFill>
+              </a14:hiddenFill>
+            </a:ext>
+          </a:extLst>
+        </p:spPr>
+      </p:pic>
+      <p:sp>
+        <p:nvSpPr>
+          <p:cNvPr id="3" name="Content Placeholder 2"/>
+          <p:cNvSpPr>
+            <a:spLocks noGrp="1"/>
+          </p:cNvSpPr>
+          <p:nvPr>
+            <p:ph idx="1"/>
+          </p:nvPr>
+        </p:nvSpPr>
+        <p:spPr>
+          <a:xfrm>
+            <a:off x="17106" y="928396"/>
+            <a:ext cx="9126894" cy="5929604"/>
+          </a:xfrm>
+        </p:spPr>
+        <p:txBody>
+          <a:bodyPr>
+            <a:normAutofit/>
+          </a:bodyPr>
+          <a:lstStyle/>
+          <a:p>
+            <a:r>
+              <a:rPr lang="en-US" dirty="0" smtClean="0"/>
+              <a:t>Below fig shows the components of Spark.</a:t>
+            </a:r>
+            <a:endParaRPr lang="en-US" dirty="0"/>
+          </a:p>
+        </p:txBody>
+      </p:sp>
+      <p:sp>
+        <p:nvSpPr>
+          <p:cNvPr id="2" name="Title 1"/>
+          <p:cNvSpPr>
+            <a:spLocks noGrp="1"/>
+          </p:cNvSpPr>
+          <p:nvPr>
+            <p:ph type="title"/>
+          </p:nvPr>
+        </p:nvSpPr>
+        <p:spPr>
+          <a:xfrm>
+            <a:off x="0" y="6220"/>
+            <a:ext cx="9144000" cy="908180"/>
+          </a:xfrm>
+        </p:spPr>
+        <p:txBody>
+          <a:bodyPr>
+            <a:normAutofit fontScale="90000"/>
+          </a:bodyPr>
+          <a:lstStyle/>
+          <a:p>
+            <a:pPr algn="l"/>
+            <a:r>
+              <a:rPr lang="en-US" dirty="0" smtClean="0"/>
+              <a:t>Spark-Introduction </a:t>
+            </a:r>
+            <a:r>
+              <a:rPr lang="en-US" dirty="0"/>
+              <a:t>to Core Spark </a:t>
+            </a:r>
+            <a:r>
+              <a:rPr lang="en-US" dirty="0" smtClean="0"/>
+              <a:t>Concepts</a:t>
+            </a:r>
+            <a:endParaRPr lang="en-US" dirty="0"/>
+          </a:p>
+        </p:txBody>
+      </p:sp>
+    </p:spTree>
+    <p:extLst>
+      <p:ext uri="{BB962C8B-B14F-4D97-AF65-F5344CB8AC3E}">
+        <p14:creationId xmlns:p14="http://schemas.microsoft.com/office/powerpoint/2010/main" val="22659540"/>
+      </p:ext>
+    </p:extLst>
+  </p:cSld>
+  <p:clrMapOvr>
+    <a:masterClrMapping/>
+  </p:clrMapOvr>
+</p:sld>
+</file>
+
+<file path=ppt/slides/slide25.xml><?xml version="1.0" encoding="utf-8"?>
+<p:sld xmlns:a="http://schemas.openxmlformats.org/drawingml/2006/main" xmlns:r="http://schemas.openxmlformats.org/officeDocument/2006/relationships" xmlns:p="http://schemas.openxmlformats.org/presentationml/2006/main">
+  <p:cSld>
+    <p:spTree>
+      <p:nvGrpSpPr>
+        <p:cNvPr id="1" name=""/>
+        <p:cNvGrpSpPr/>
+        <p:nvPr/>
+      </p:nvGrpSpPr>
+      <p:grpSpPr>
+        <a:xfrm>
+          <a:off x="0" y="0"/>
+          <a:ext cx="0" cy="0"/>
+          <a:chOff x="0" y="0"/>
+          <a:chExt cx="0" cy="0"/>
+        </a:xfrm>
+      </p:grpSpPr>
+      <p:sp>
+        <p:nvSpPr>
+          <p:cNvPr id="2" name="Title 1"/>
+          <p:cNvSpPr>
+            <a:spLocks noGrp="1"/>
+          </p:cNvSpPr>
+          <p:nvPr>
+            <p:ph type="title"/>
+          </p:nvPr>
+        </p:nvSpPr>
+        <p:spPr>
+          <a:xfrm>
+            <a:off x="0" y="6220"/>
+            <a:ext cx="9144000" cy="908180"/>
+          </a:xfrm>
+        </p:spPr>
+        <p:txBody>
+          <a:bodyPr/>
+          <a:lstStyle/>
+          <a:p>
+            <a:pPr algn="l"/>
+            <a:r>
+              <a:rPr lang="en-US" dirty="0"/>
+              <a:t>Spark – </a:t>
+            </a:r>
+            <a:r>
+              <a:rPr lang="en-US" dirty="0" smtClean="0"/>
+              <a:t>Basic program cont..</a:t>
+            </a:r>
+            <a:endParaRPr lang="en-US" dirty="0"/>
+          </a:p>
+        </p:txBody>
+      </p:sp>
+      <p:sp>
+        <p:nvSpPr>
+          <p:cNvPr id="3" name="Content Placeholder 2"/>
+          <p:cNvSpPr>
+            <a:spLocks noGrp="1"/>
+          </p:cNvSpPr>
+          <p:nvPr>
+            <p:ph idx="1"/>
+          </p:nvPr>
+        </p:nvSpPr>
+        <p:spPr>
+          <a:xfrm>
+            <a:off x="17106" y="928396"/>
+            <a:ext cx="9126894" cy="5929604"/>
+          </a:xfrm>
+        </p:spPr>
+        <p:txBody>
+          <a:bodyPr>
+            <a:normAutofit fontScale="92500" lnSpcReduction="20000"/>
+          </a:bodyPr>
+          <a:lstStyle/>
+          <a:p>
+            <a:r>
+              <a:rPr lang="en-US" dirty="0"/>
+              <a:t>To filter lines containing word, ‘Python</a:t>
+            </a:r>
+            <a:r>
+              <a:rPr lang="en-US" dirty="0" smtClean="0"/>
+              <a:t>’ :</a:t>
+            </a:r>
+            <a:endParaRPr lang="en-US" dirty="0"/>
+          </a:p>
+          <a:p>
+            <a:r>
+              <a:rPr lang="en-US" dirty="0" smtClean="0"/>
+              <a:t>Scala</a:t>
+            </a:r>
+            <a:endParaRPr lang="en-US" dirty="0"/>
+          </a:p>
+          <a:p>
+            <a:pPr lvl="1"/>
+            <a:r>
+              <a:rPr lang="en-US" dirty="0" err="1"/>
+              <a:t>scala</a:t>
+            </a:r>
+            <a:r>
+              <a:rPr lang="en-US" dirty="0"/>
+              <a:t>&gt; </a:t>
+            </a:r>
+            <a:r>
+              <a:rPr lang="en-US" dirty="0" err="1"/>
+              <a:t>val</a:t>
+            </a:r>
+            <a:r>
+              <a:rPr lang="en-US" dirty="0"/>
+              <a:t> lines = </a:t>
+            </a:r>
+            <a:r>
+              <a:rPr lang="en-US" dirty="0" err="1"/>
+              <a:t>sc.textFile</a:t>
+            </a:r>
+            <a:r>
+              <a:rPr lang="en-US" dirty="0" smtClean="0"/>
+              <a:t>(“../README.md</a:t>
+            </a:r>
+            <a:r>
+              <a:rPr lang="en-US" dirty="0"/>
+              <a:t>") // Create an RDD called </a:t>
+            </a:r>
+            <a:r>
+              <a:rPr lang="en-US" dirty="0" smtClean="0"/>
+              <a:t>lines  	</a:t>
+            </a:r>
+          </a:p>
+          <a:p>
+            <a:pPr lvl="2"/>
+            <a:r>
+              <a:rPr lang="en-US" dirty="0" smtClean="0"/>
+              <a:t>lines</a:t>
+            </a:r>
+            <a:r>
+              <a:rPr lang="en-US" dirty="0"/>
+              <a:t>: </a:t>
+            </a:r>
+            <a:r>
+              <a:rPr lang="en-US" dirty="0" err="1"/>
+              <a:t>spark.RDD</a:t>
+            </a:r>
+            <a:r>
+              <a:rPr lang="en-US" dirty="0"/>
+              <a:t>[String] = </a:t>
+            </a:r>
+            <a:r>
+              <a:rPr lang="en-US" dirty="0" err="1"/>
+              <a:t>MappedRDD</a:t>
+            </a:r>
+            <a:r>
+              <a:rPr lang="en-US" dirty="0"/>
+              <a:t>[...]</a:t>
+            </a:r>
+          </a:p>
+          <a:p>
+            <a:pPr lvl="1"/>
+            <a:r>
+              <a:rPr lang="en-US" dirty="0" err="1"/>
+              <a:t>scala</a:t>
+            </a:r>
+            <a:r>
+              <a:rPr lang="en-US" dirty="0"/>
+              <a:t>&gt; </a:t>
+            </a:r>
+            <a:r>
+              <a:rPr lang="en-US" dirty="0" err="1"/>
+              <a:t>val</a:t>
+            </a:r>
+            <a:r>
+              <a:rPr lang="en-US" dirty="0"/>
+              <a:t> </a:t>
+            </a:r>
+            <a:r>
+              <a:rPr lang="en-US" dirty="0" err="1"/>
+              <a:t>pythonLines</a:t>
+            </a:r>
+            <a:r>
+              <a:rPr lang="en-US" dirty="0"/>
+              <a:t>=</a:t>
+            </a:r>
+            <a:r>
+              <a:rPr lang="en-US" dirty="0" err="1"/>
+              <a:t>lines.filter</a:t>
+            </a:r>
+            <a:r>
+              <a:rPr lang="en-US" dirty="0"/>
+              <a:t>(line=&gt;</a:t>
+            </a:r>
+            <a:r>
+              <a:rPr lang="en-US" dirty="0" err="1"/>
+              <a:t>line.contains</a:t>
+            </a:r>
+            <a:r>
+              <a:rPr lang="en-US" dirty="0"/>
+              <a:t>("Python"))</a:t>
+            </a:r>
+          </a:p>
+          <a:p>
+            <a:pPr lvl="2"/>
+            <a:r>
+              <a:rPr lang="en-US" dirty="0" err="1"/>
+              <a:t>pythonLines</a:t>
+            </a:r>
+            <a:r>
+              <a:rPr lang="en-US" dirty="0"/>
+              <a:t>: </a:t>
+            </a:r>
+            <a:r>
+              <a:rPr lang="en-US" dirty="0" err="1"/>
+              <a:t>org.apache.spark.rdd.RDD</a:t>
+            </a:r>
+            <a:r>
+              <a:rPr lang="en-US" dirty="0"/>
+              <a:t>[String] = </a:t>
+            </a:r>
+            <a:r>
+              <a:rPr lang="en-US" dirty="0" err="1"/>
+              <a:t>FilteredRDD</a:t>
+            </a:r>
+            <a:r>
+              <a:rPr lang="en-US" dirty="0"/>
+              <a:t>[3] at filter at &lt;console&gt;:</a:t>
+            </a:r>
+            <a:r>
+              <a:rPr lang="en-US" dirty="0" smtClean="0"/>
+              <a:t>14</a:t>
+            </a:r>
+          </a:p>
+          <a:p>
+            <a:pPr lvl="1"/>
+            <a:r>
+              <a:rPr lang="en-US" dirty="0"/>
+              <a:t>Scala&gt;</a:t>
+            </a:r>
+            <a:r>
+              <a:rPr lang="en-US" dirty="0" err="1"/>
+              <a:t>pythonLines.first</a:t>
+            </a:r>
+            <a:r>
+              <a:rPr lang="en-US" dirty="0"/>
+              <a:t>()</a:t>
+            </a:r>
+            <a:endParaRPr lang="en-US" dirty="0" smtClean="0"/>
+          </a:p>
+          <a:p>
+            <a:r>
+              <a:rPr lang="en-US" dirty="0" smtClean="0"/>
+              <a:t>Python </a:t>
+            </a:r>
+            <a:r>
+              <a:rPr lang="en-US" dirty="0"/>
+              <a:t>line count:</a:t>
+            </a:r>
+          </a:p>
+          <a:p>
+            <a:pPr lvl="1"/>
+            <a:r>
+              <a:rPr lang="en-US" dirty="0"/>
+              <a:t>&gt;&gt;&gt; lines = </a:t>
+            </a:r>
+            <a:r>
+              <a:rPr lang="en-US" dirty="0" err="1"/>
+              <a:t>sc.textFile</a:t>
+            </a:r>
+            <a:r>
+              <a:rPr lang="en-US" dirty="0"/>
+              <a:t>("README.md") # Create an RDD called lines</a:t>
+            </a:r>
+          </a:p>
+          <a:p>
+            <a:pPr lvl="1"/>
+            <a:r>
+              <a:rPr lang="en-US" dirty="0"/>
+              <a:t>&gt;&gt;&gt; </a:t>
+            </a:r>
+            <a:r>
+              <a:rPr lang="en-US" dirty="0" err="1"/>
+              <a:t>pythonLines</a:t>
+            </a:r>
+            <a:r>
+              <a:rPr lang="en-US" dirty="0"/>
+              <a:t> = </a:t>
+            </a:r>
+            <a:r>
+              <a:rPr lang="en-US" dirty="0" err="1"/>
+              <a:t>lines.filter</a:t>
+            </a:r>
+            <a:r>
+              <a:rPr lang="en-US" dirty="0"/>
+              <a:t>(lambda line: "Python" in line</a:t>
+            </a:r>
+            <a:r>
+              <a:rPr lang="en-US" dirty="0" smtClean="0"/>
+              <a:t>)</a:t>
+            </a:r>
+          </a:p>
+          <a:p>
+            <a:pPr lvl="1"/>
+            <a:r>
+              <a:rPr lang="en-US" dirty="0" smtClean="0"/>
+              <a:t>&gt;&gt;&gt; </a:t>
+            </a:r>
+            <a:r>
+              <a:rPr lang="en-US" dirty="0" err="1" smtClean="0"/>
+              <a:t>pythonLines.first</a:t>
+            </a:r>
+            <a:r>
+              <a:rPr lang="en-US" dirty="0"/>
+              <a:t>() # First item in this </a:t>
+            </a:r>
+            <a:r>
+              <a:rPr lang="en-US" dirty="0" smtClean="0"/>
+              <a:t>RDD</a:t>
+            </a:r>
+          </a:p>
+        </p:txBody>
+      </p:sp>
+    </p:spTree>
+    <p:extLst>
+      <p:ext uri="{BB962C8B-B14F-4D97-AF65-F5344CB8AC3E}">
+        <p14:creationId xmlns:p14="http://schemas.microsoft.com/office/powerpoint/2010/main" val="1214777328"/>
+      </p:ext>
+    </p:extLst>
+  </p:cSld>
+  <p:clrMapOvr>
+    <a:masterClrMapping/>
+  </p:clrMapOvr>
+</p:sld>
+</file>
+
+<file path=ppt/slides/slide26.xml><?xml version="1.0" encoding="utf-8"?>
+<p:sld xmlns:a="http://schemas.openxmlformats.org/drawingml/2006/main" xmlns:r="http://schemas.openxmlformats.org/officeDocument/2006/relationships" xmlns:p="http://schemas.openxmlformats.org/presentationml/2006/main">
+  <p:cSld>
+    <p:spTree>
+      <p:nvGrpSpPr>
+        <p:cNvPr id="1" name=""/>
+        <p:cNvGrpSpPr/>
+        <p:nvPr/>
+      </p:nvGrpSpPr>
+      <p:grpSpPr>
+        <a:xfrm>
+          <a:off x="0" y="0"/>
+          <a:ext cx="0" cy="0"/>
+          <a:chOff x="0" y="0"/>
+          <a:chExt cx="0" cy="0"/>
+        </a:xfrm>
+      </p:grpSpPr>
+      <p:sp>
+        <p:nvSpPr>
+          <p:cNvPr id="2" name="Title 1"/>
+          <p:cNvSpPr>
+            <a:spLocks noGrp="1"/>
+          </p:cNvSpPr>
+          <p:nvPr>
+            <p:ph type="title"/>
+          </p:nvPr>
+        </p:nvSpPr>
+        <p:spPr>
+          <a:xfrm>
+            <a:off x="0" y="6220"/>
+            <a:ext cx="9144000" cy="908180"/>
+          </a:xfrm>
+        </p:spPr>
+        <p:txBody>
+          <a:bodyPr/>
+          <a:lstStyle/>
+          <a:p>
+            <a:pPr algn="l"/>
+            <a:r>
+              <a:rPr lang="en-US" dirty="0"/>
+              <a:t>Spark – </a:t>
+            </a:r>
+            <a:r>
+              <a:rPr lang="en-US" dirty="0" smtClean="0"/>
+              <a:t>Basic program cont..</a:t>
+            </a:r>
+            <a:endParaRPr lang="en-US" dirty="0"/>
+          </a:p>
+        </p:txBody>
+      </p:sp>
+      <p:sp>
+        <p:nvSpPr>
+          <p:cNvPr id="3" name="Content Placeholder 2"/>
+          <p:cNvSpPr>
+            <a:spLocks noGrp="1"/>
+          </p:cNvSpPr>
+          <p:nvPr>
+            <p:ph idx="1"/>
+          </p:nvPr>
+        </p:nvSpPr>
+        <p:spPr>
+          <a:xfrm>
+            <a:off x="17106" y="928396"/>
+            <a:ext cx="9126894" cy="5929604"/>
+          </a:xfrm>
+        </p:spPr>
+        <p:txBody>
+          <a:bodyPr>
+            <a:normAutofit fontScale="70000" lnSpcReduction="20000"/>
+          </a:bodyPr>
+          <a:lstStyle/>
+          <a:p>
+            <a:r>
+              <a:rPr lang="en-US" dirty="0"/>
+              <a:t>lambda or =&gt; syntax is a shorthand way to define functions inline in Python and Scala</a:t>
+            </a:r>
+            <a:r>
+              <a:rPr lang="en-US" dirty="0" smtClean="0"/>
+              <a:t>.</a:t>
+            </a:r>
+          </a:p>
+          <a:p>
+            <a:r>
+              <a:rPr lang="en-US" dirty="0"/>
+              <a:t>When using Spark in these languages, you can also define a function separately and then pass its name to Spark. For example, in Python:</a:t>
+            </a:r>
+          </a:p>
+          <a:p>
+            <a:pPr lvl="1"/>
+            <a:r>
+              <a:rPr lang="en-US" dirty="0" err="1" smtClean="0"/>
+              <a:t>def</a:t>
+            </a:r>
+            <a:r>
+              <a:rPr lang="en-US" dirty="0" smtClean="0"/>
+              <a:t> </a:t>
+            </a:r>
+            <a:r>
+              <a:rPr lang="en-US" dirty="0" err="1"/>
+              <a:t>hasPython</a:t>
+            </a:r>
+            <a:r>
+              <a:rPr lang="en-US" dirty="0"/>
+              <a:t>(line):</a:t>
+            </a:r>
+          </a:p>
+          <a:p>
+            <a:pPr lvl="1"/>
+            <a:r>
+              <a:rPr lang="en-US" dirty="0"/>
+              <a:t>    return "Python" in </a:t>
+            </a:r>
+            <a:r>
+              <a:rPr lang="en-US" dirty="0" smtClean="0"/>
+              <a:t>line</a:t>
+            </a:r>
+          </a:p>
+          <a:p>
+            <a:pPr lvl="1"/>
+            <a:r>
+              <a:rPr lang="en-US" dirty="0" smtClean="0"/>
+              <a:t>And use as below</a:t>
+            </a:r>
+            <a:endParaRPr lang="en-US" dirty="0"/>
+          </a:p>
+          <a:p>
+            <a:pPr lvl="1"/>
+            <a:r>
+              <a:rPr lang="en-US" dirty="0" err="1" smtClean="0"/>
+              <a:t>pythonLines</a:t>
+            </a:r>
+            <a:r>
+              <a:rPr lang="en-US" dirty="0" smtClean="0"/>
+              <a:t> </a:t>
+            </a:r>
+            <a:r>
+              <a:rPr lang="en-US" dirty="0"/>
+              <a:t>= </a:t>
+            </a:r>
+            <a:r>
+              <a:rPr lang="en-US" dirty="0" err="1"/>
+              <a:t>lines.filter</a:t>
+            </a:r>
+            <a:r>
+              <a:rPr lang="en-US" dirty="0"/>
+              <a:t>(</a:t>
+            </a:r>
+            <a:r>
+              <a:rPr lang="en-US" dirty="0" err="1"/>
+              <a:t>hasPython</a:t>
+            </a:r>
+            <a:r>
+              <a:rPr lang="en-US" dirty="0"/>
+              <a:t>)</a:t>
+            </a:r>
+          </a:p>
+          <a:p>
+            <a:r>
+              <a:rPr lang="en-US" dirty="0" smtClean="0"/>
+              <a:t>Passing </a:t>
+            </a:r>
+            <a:r>
+              <a:rPr lang="en-US" dirty="0"/>
+              <a:t>functions to Spark is also possible in Java, but in this case they are defined as classes, implementing an </a:t>
+            </a:r>
+            <a:r>
+              <a:rPr lang="en-US" dirty="0" smtClean="0"/>
+              <a:t>“interface” </a:t>
+            </a:r>
+            <a:r>
+              <a:rPr lang="en-US" dirty="0"/>
+              <a:t>called </a:t>
+            </a:r>
+            <a:r>
+              <a:rPr lang="en-US" u="sng" dirty="0"/>
+              <a:t>Function</a:t>
+            </a:r>
+            <a:r>
+              <a:rPr lang="en-US" dirty="0"/>
+              <a:t>. For example</a:t>
+            </a:r>
+            <a:r>
+              <a:rPr lang="en-US" dirty="0" smtClean="0"/>
+              <a:t>:</a:t>
+            </a:r>
+            <a:endParaRPr lang="en-US" dirty="0"/>
+          </a:p>
+          <a:p>
+            <a:r>
+              <a:rPr lang="en-US" dirty="0" err="1" smtClean="0"/>
+              <a:t>JavaRDD</a:t>
+            </a:r>
+            <a:r>
+              <a:rPr lang="en-US" dirty="0" smtClean="0"/>
+              <a:t>&lt;String</a:t>
+            </a:r>
+            <a:r>
+              <a:rPr lang="en-US" dirty="0"/>
+              <a:t>&gt; </a:t>
+            </a:r>
+            <a:r>
+              <a:rPr lang="en-US" dirty="0" err="1"/>
+              <a:t>pythonLines</a:t>
+            </a:r>
+            <a:r>
+              <a:rPr lang="en-US" dirty="0"/>
+              <a:t> = </a:t>
+            </a:r>
+            <a:r>
+              <a:rPr lang="en-US" dirty="0" err="1"/>
+              <a:t>lines.filter</a:t>
+            </a:r>
+            <a:r>
+              <a:rPr lang="en-US" dirty="0"/>
+              <a:t>(</a:t>
+            </a:r>
+          </a:p>
+          <a:p>
+            <a:r>
+              <a:rPr lang="en-US" dirty="0"/>
+              <a:t>  new Function&lt;String, Boolean&gt;() {</a:t>
+            </a:r>
+          </a:p>
+          <a:p>
+            <a:r>
+              <a:rPr lang="en-US" dirty="0"/>
+              <a:t>    Boolean call(String line) { return </a:t>
+            </a:r>
+            <a:r>
+              <a:rPr lang="en-US" dirty="0" err="1"/>
+              <a:t>line.contains</a:t>
+            </a:r>
+            <a:r>
+              <a:rPr lang="en-US" dirty="0"/>
+              <a:t>("Python"); </a:t>
+            </a:r>
+            <a:r>
+              <a:rPr lang="en-US" dirty="0" smtClean="0"/>
+              <a:t>}   } );</a:t>
+            </a:r>
+          </a:p>
+          <a:p>
+            <a:endParaRPr lang="en-US" dirty="0"/>
+          </a:p>
+          <a:p>
+            <a:r>
+              <a:rPr lang="en-US" dirty="0"/>
+              <a:t>Java 8 introduces shorthand syntax called lambdas that looks similar to Python and Scala. Here is how the code would look with this syntax:</a:t>
+            </a:r>
+          </a:p>
+          <a:p>
+            <a:pPr lvl="1"/>
+            <a:r>
+              <a:rPr lang="en-US" dirty="0" err="1"/>
+              <a:t>JavaRDD</a:t>
+            </a:r>
+            <a:r>
+              <a:rPr lang="en-US" dirty="0"/>
+              <a:t>&lt;String&gt; </a:t>
+            </a:r>
+            <a:r>
+              <a:rPr lang="en-US" dirty="0" err="1"/>
+              <a:t>pythonLines</a:t>
+            </a:r>
+            <a:r>
+              <a:rPr lang="en-US" dirty="0"/>
+              <a:t> = </a:t>
+            </a:r>
+            <a:r>
+              <a:rPr lang="en-US" dirty="0" err="1"/>
+              <a:t>lines.filter</a:t>
+            </a:r>
+            <a:r>
+              <a:rPr lang="en-US" dirty="0"/>
+              <a:t>(line -&gt; </a:t>
+            </a:r>
+            <a:r>
+              <a:rPr lang="en-US" dirty="0" err="1"/>
+              <a:t>line.contains</a:t>
+            </a:r>
+            <a:r>
+              <a:rPr lang="en-US" dirty="0"/>
+              <a:t>("Python"));</a:t>
+            </a:r>
+            <a:endParaRPr lang="en-US" dirty="0" smtClean="0"/>
+          </a:p>
+        </p:txBody>
+      </p:sp>
+    </p:spTree>
+    <p:extLst>
+      <p:ext uri="{BB962C8B-B14F-4D97-AF65-F5344CB8AC3E}">
+        <p14:creationId xmlns:p14="http://schemas.microsoft.com/office/powerpoint/2010/main" val="3305890162"/>
+      </p:ext>
+    </p:extLst>
+  </p:cSld>
+  <p:clrMapOvr>
+    <a:masterClrMapping/>
+  </p:clrMapOvr>
+</p:sld>
+</file>
+
+<file path=ppt/slides/slide27.xml><?xml version="1.0" encoding="utf-8"?>
+<p:sld xmlns:a="http://schemas.openxmlformats.org/drawingml/2006/main" xmlns:r="http://schemas.openxmlformats.org/officeDocument/2006/relationships" xmlns:p="http://schemas.openxmlformats.org/presentationml/2006/main">
+  <p:cSld>
+    <p:spTree>
+      <p:nvGrpSpPr>
+        <p:cNvPr id="1" name=""/>
+        <p:cNvGrpSpPr/>
+        <p:nvPr/>
+      </p:nvGrpSpPr>
+      <p:grpSpPr>
+        <a:xfrm>
+          <a:off x="0" y="0"/>
+          <a:ext cx="0" cy="0"/>
+          <a:chOff x="0" y="0"/>
+          <a:chExt cx="0" cy="0"/>
+        </a:xfrm>
+      </p:grpSpPr>
+      <p:sp>
+        <p:nvSpPr>
+          <p:cNvPr id="2" name="Title 1"/>
+          <p:cNvSpPr>
+            <a:spLocks noGrp="1"/>
+          </p:cNvSpPr>
+          <p:nvPr>
+            <p:ph type="title"/>
+          </p:nvPr>
+        </p:nvSpPr>
+        <p:spPr>
+          <a:xfrm>
+            <a:off x="0" y="6220"/>
+            <a:ext cx="9144000" cy="908180"/>
+          </a:xfrm>
+        </p:spPr>
+        <p:txBody>
+          <a:bodyPr/>
+          <a:lstStyle/>
+          <a:p>
+            <a:pPr algn="l"/>
+            <a:r>
+              <a:rPr lang="en-US" dirty="0"/>
+              <a:t>Spark – </a:t>
+            </a:r>
+            <a:r>
+              <a:rPr lang="en-US" dirty="0" smtClean="0"/>
+              <a:t>Basic program cont..</a:t>
+            </a:r>
+            <a:endParaRPr lang="en-US" dirty="0"/>
+          </a:p>
+        </p:txBody>
+      </p:sp>
+      <p:sp>
+        <p:nvSpPr>
+          <p:cNvPr id="3" name="Content Placeholder 2"/>
+          <p:cNvSpPr>
+            <a:spLocks noGrp="1"/>
+          </p:cNvSpPr>
+          <p:nvPr>
+            <p:ph idx="1"/>
+          </p:nvPr>
+        </p:nvSpPr>
+        <p:spPr>
+          <a:xfrm>
+            <a:off x="17106" y="928396"/>
+            <a:ext cx="9126894" cy="5929604"/>
+          </a:xfrm>
+        </p:spPr>
+        <p:txBody>
+          <a:bodyPr>
+            <a:normAutofit/>
+          </a:bodyPr>
+          <a:lstStyle/>
+          <a:p>
+            <a:r>
+              <a:rPr lang="en-US" dirty="0"/>
+              <a:t>Spark automatically takes your function (e.g., </a:t>
+            </a:r>
+            <a:r>
+              <a:rPr lang="en-US" dirty="0" err="1"/>
+              <a:t>line.contains</a:t>
+            </a:r>
+            <a:r>
+              <a:rPr lang="en-US" dirty="0"/>
+              <a:t>("Python")) and ships it to executor nodes. </a:t>
+            </a:r>
+            <a:endParaRPr lang="en-US" dirty="0" smtClean="0"/>
+          </a:p>
+          <a:p>
+            <a:r>
+              <a:rPr lang="en-US" dirty="0" smtClean="0"/>
+              <a:t>Thus</a:t>
+            </a:r>
+            <a:r>
+              <a:rPr lang="en-US" dirty="0"/>
+              <a:t>, you can write code in a single driver program and automatically have parts of it run on multiple nodes.</a:t>
+            </a:r>
+            <a:endParaRPr lang="en-US" dirty="0" smtClean="0"/>
+          </a:p>
+        </p:txBody>
+      </p:sp>
+    </p:spTree>
+    <p:extLst>
+      <p:ext uri="{BB962C8B-B14F-4D97-AF65-F5344CB8AC3E}">
+        <p14:creationId xmlns:p14="http://schemas.microsoft.com/office/powerpoint/2010/main" val="2386209606"/>
+      </p:ext>
+    </p:extLst>
+  </p:cSld>
+  <p:clrMapOvr>
+    <a:masterClrMapping/>
+  </p:clrMapOvr>
+</p:sld>
+</file>
+
+<file path=ppt/slides/slide28.xml><?xml version="1.0" encoding="utf-8"?>
+<p:sld xmlns:a="http://schemas.openxmlformats.org/drawingml/2006/main" xmlns:r="http://schemas.openxmlformats.org/officeDocument/2006/relationships" xmlns:p="http://schemas.openxmlformats.org/presentationml/2006/main">
+  <p:cSld>
+    <p:spTree>
+      <p:nvGrpSpPr>
+        <p:cNvPr id="1" name=""/>
+        <p:cNvGrpSpPr/>
+        <p:nvPr/>
+      </p:nvGrpSpPr>
+      <p:grpSpPr>
+        <a:xfrm>
+          <a:off x="0" y="0"/>
+          <a:ext cx="0" cy="0"/>
+          <a:chOff x="0" y="0"/>
+          <a:chExt cx="0" cy="0"/>
+        </a:xfrm>
+      </p:grpSpPr>
+      <p:sp>
+        <p:nvSpPr>
+          <p:cNvPr id="2" name="Title 1"/>
+          <p:cNvSpPr>
+            <a:spLocks noGrp="1"/>
+          </p:cNvSpPr>
+          <p:nvPr>
+            <p:ph type="title"/>
+          </p:nvPr>
+        </p:nvSpPr>
+        <p:spPr>
+          <a:xfrm>
+            <a:off x="0" y="6220"/>
+            <a:ext cx="9144000" cy="908180"/>
+          </a:xfrm>
+        </p:spPr>
+        <p:txBody>
+          <a:bodyPr/>
+          <a:lstStyle/>
+          <a:p>
+            <a:pPr algn="l"/>
+            <a:r>
+              <a:rPr lang="en-US" dirty="0"/>
+              <a:t>Spark – </a:t>
+            </a:r>
+            <a:r>
+              <a:rPr lang="en-US" dirty="0" smtClean="0"/>
+              <a:t>Standalone Applications</a:t>
+            </a:r>
+            <a:endParaRPr lang="en-US" dirty="0"/>
+          </a:p>
+        </p:txBody>
+      </p:sp>
+      <p:sp>
+        <p:nvSpPr>
+          <p:cNvPr id="3" name="Content Placeholder 2"/>
+          <p:cNvSpPr>
+            <a:spLocks noGrp="1"/>
+          </p:cNvSpPr>
+          <p:nvPr>
+            <p:ph idx="1"/>
+          </p:nvPr>
+        </p:nvSpPr>
+        <p:spPr>
+          <a:xfrm>
+            <a:off x="17106" y="928396"/>
+            <a:ext cx="9126894" cy="5929604"/>
+          </a:xfrm>
+        </p:spPr>
+        <p:txBody>
+          <a:bodyPr>
+            <a:normAutofit fontScale="70000" lnSpcReduction="20000"/>
+          </a:bodyPr>
+          <a:lstStyle/>
+          <a:p>
+            <a:r>
+              <a:rPr lang="en-US" dirty="0"/>
+              <a:t>How Spark is used it in standalone programs</a:t>
+            </a:r>
+            <a:r>
+              <a:rPr lang="en-US" dirty="0" smtClean="0"/>
+              <a:t>?</a:t>
+            </a:r>
+            <a:endParaRPr lang="en-US" dirty="0"/>
+          </a:p>
+          <a:p>
+            <a:r>
+              <a:rPr lang="en-US" dirty="0"/>
+              <a:t>Apart from running interactively, Spark can be linked into standalone applications in either Java, Scala, or Python. </a:t>
+            </a:r>
+          </a:p>
+          <a:p>
+            <a:r>
+              <a:rPr lang="en-US" dirty="0"/>
+              <a:t>The main difference from using it in the shell is that you need </a:t>
+            </a:r>
+            <a:r>
+              <a:rPr lang="en-US" dirty="0" smtClean="0"/>
+              <a:t>to</a:t>
+            </a:r>
+            <a:r>
+              <a:rPr lang="en-US" u="sng" dirty="0" smtClean="0"/>
+              <a:t> initialize your own </a:t>
+            </a:r>
+            <a:r>
+              <a:rPr lang="en-US" u="sng" dirty="0" err="1" smtClean="0"/>
+              <a:t>SparkContext</a:t>
+            </a:r>
+            <a:r>
+              <a:rPr lang="en-US" dirty="0" smtClean="0"/>
+              <a:t>. </a:t>
+            </a:r>
+            <a:r>
+              <a:rPr lang="en-US" dirty="0"/>
+              <a:t>After that, the API is the same</a:t>
+            </a:r>
+            <a:r>
+              <a:rPr lang="en-US" dirty="0" smtClean="0"/>
+              <a:t>. The </a:t>
+            </a:r>
+            <a:r>
+              <a:rPr lang="en-US" dirty="0"/>
+              <a:t>process of linking to Spark varies by language. </a:t>
+            </a:r>
+          </a:p>
+          <a:p>
+            <a:r>
+              <a:rPr lang="en-US" dirty="0" smtClean="0"/>
+              <a:t>In </a:t>
+            </a:r>
+            <a:r>
+              <a:rPr lang="en-US" dirty="0"/>
+              <a:t>Java and Scala, you give your application a Maven dependency on the spark-core artifact.</a:t>
+            </a:r>
+          </a:p>
+          <a:p>
+            <a:r>
+              <a:rPr lang="en-US" dirty="0" smtClean="0"/>
+              <a:t>Spark </a:t>
+            </a:r>
+            <a:r>
+              <a:rPr lang="en-US" dirty="0"/>
+              <a:t>version is 1.3.0, and the Maven coordinates for the artifact are:</a:t>
+            </a:r>
+          </a:p>
+          <a:p>
+            <a:pPr lvl="1"/>
+            <a:r>
+              <a:rPr lang="en-US" dirty="0" err="1"/>
+              <a:t>groupId</a:t>
+            </a:r>
+            <a:r>
+              <a:rPr lang="en-US" dirty="0"/>
+              <a:t> = </a:t>
+            </a:r>
+            <a:r>
+              <a:rPr lang="en-US" dirty="0" err="1"/>
+              <a:t>org.apache.spark</a:t>
+            </a:r>
+            <a:endParaRPr lang="en-US" dirty="0"/>
+          </a:p>
+          <a:p>
+            <a:pPr lvl="1"/>
+            <a:r>
+              <a:rPr lang="en-US" dirty="0" err="1"/>
+              <a:t>artifactId</a:t>
+            </a:r>
+            <a:r>
+              <a:rPr lang="en-US" dirty="0"/>
+              <a:t> = spark-core_2.10</a:t>
+            </a:r>
+          </a:p>
+          <a:p>
+            <a:pPr lvl="1"/>
+            <a:r>
+              <a:rPr lang="en-US" dirty="0"/>
+              <a:t>version = 1.3.0</a:t>
+            </a:r>
+          </a:p>
+          <a:p>
+            <a:r>
+              <a:rPr lang="en-US" dirty="0" smtClean="0"/>
+              <a:t>In </a:t>
+            </a:r>
+            <a:r>
+              <a:rPr lang="en-US" dirty="0"/>
+              <a:t>Python, you simply write applications as Python scripts, but </a:t>
+            </a:r>
+          </a:p>
+          <a:p>
+            <a:r>
+              <a:rPr lang="en-US" dirty="0"/>
+              <a:t>you must run them using the bin/spark-submit script included in Spark. </a:t>
+            </a:r>
+          </a:p>
+          <a:p>
+            <a:r>
+              <a:rPr lang="en-US" dirty="0" smtClean="0"/>
+              <a:t>The </a:t>
+            </a:r>
+            <a:r>
+              <a:rPr lang="en-US" dirty="0"/>
+              <a:t>spark-submit script includes the Spark dependencies for us in Python. </a:t>
+            </a:r>
+          </a:p>
+          <a:p>
+            <a:r>
+              <a:rPr lang="en-US" dirty="0"/>
+              <a:t>This script sets up the environment for Spark’s Python API to function.</a:t>
+            </a:r>
+          </a:p>
+          <a:p>
+            <a:pPr lvl="1"/>
+            <a:r>
+              <a:rPr lang="en-US" dirty="0" smtClean="0"/>
+              <a:t>Running </a:t>
+            </a:r>
+            <a:r>
+              <a:rPr lang="en-US" dirty="0"/>
+              <a:t>a Python script</a:t>
+            </a:r>
+          </a:p>
+          <a:p>
+            <a:pPr lvl="1"/>
+            <a:r>
+              <a:rPr lang="en-US" dirty="0"/>
+              <a:t>bin\spark-submit my_script.py</a:t>
+            </a:r>
+            <a:endParaRPr lang="en-US" dirty="0" smtClean="0"/>
+          </a:p>
+        </p:txBody>
+      </p:sp>
+    </p:spTree>
+    <p:extLst>
+      <p:ext uri="{BB962C8B-B14F-4D97-AF65-F5344CB8AC3E}">
+        <p14:creationId xmlns:p14="http://schemas.microsoft.com/office/powerpoint/2010/main" val="4142437146"/>
+      </p:ext>
+    </p:extLst>
+  </p:cSld>
+  <p:clrMapOvr>
+    <a:masterClrMapping/>
+  </p:clrMapOvr>
+</p:sld>
+</file>
+
+<file path=ppt/slides/slide29.xml><?xml version="1.0" encoding="utf-8"?>
+<p:sld xmlns:a="http://schemas.openxmlformats.org/drawingml/2006/main" xmlns:r="http://schemas.openxmlformats.org/officeDocument/2006/relationships" xmlns:p="http://schemas.openxmlformats.org/presentationml/2006/main">
+  <p:cSld>
+    <p:spTree>
+      <p:nvGrpSpPr>
+        <p:cNvPr id="1" name=""/>
+        <p:cNvGrpSpPr/>
+        <p:nvPr/>
+      </p:nvGrpSpPr>
+      <p:grpSpPr>
+        <a:xfrm>
+          <a:off x="0" y="0"/>
+          <a:ext cx="0" cy="0"/>
+          <a:chOff x="0" y="0"/>
+          <a:chExt cx="0" cy="0"/>
+        </a:xfrm>
+      </p:grpSpPr>
+      <p:sp>
+        <p:nvSpPr>
+          <p:cNvPr id="2" name="Title 1"/>
+          <p:cNvSpPr>
+            <a:spLocks noGrp="1"/>
+          </p:cNvSpPr>
+          <p:nvPr>
+            <p:ph type="title"/>
+          </p:nvPr>
+        </p:nvSpPr>
+        <p:spPr>
+          <a:xfrm>
+            <a:off x="0" y="6220"/>
+            <a:ext cx="9144000" cy="908180"/>
+          </a:xfrm>
+        </p:spPr>
+        <p:txBody>
+          <a:bodyPr>
+            <a:normAutofit/>
+          </a:bodyPr>
+          <a:lstStyle/>
+          <a:p>
+            <a:pPr algn="l"/>
+            <a:r>
+              <a:rPr lang="en-US" dirty="0"/>
+              <a:t>Spark – </a:t>
+            </a:r>
+            <a:r>
+              <a:rPr lang="en-US" dirty="0"/>
+              <a:t>Initializing a </a:t>
+            </a:r>
+            <a:r>
+              <a:rPr lang="en-US" dirty="0" err="1" smtClean="0"/>
+              <a:t>SparkContext</a:t>
+            </a:r>
+            <a:endParaRPr lang="en-US" dirty="0"/>
+          </a:p>
+        </p:txBody>
+      </p:sp>
+      <p:sp>
+        <p:nvSpPr>
+          <p:cNvPr id="3" name="Content Placeholder 2"/>
+          <p:cNvSpPr>
+            <a:spLocks noGrp="1"/>
+          </p:cNvSpPr>
+          <p:nvPr>
+            <p:ph idx="1"/>
+          </p:nvPr>
+        </p:nvSpPr>
+        <p:spPr>
+          <a:xfrm>
+            <a:off x="17106" y="928396"/>
+            <a:ext cx="9126894" cy="5929604"/>
+          </a:xfrm>
+        </p:spPr>
+        <p:txBody>
+          <a:bodyPr>
+            <a:normAutofit fontScale="70000" lnSpcReduction="20000"/>
+          </a:bodyPr>
+          <a:lstStyle/>
+          <a:p>
+            <a:r>
+              <a:rPr lang="en-US" dirty="0"/>
+              <a:t>Once you have linked an application to Spark, you need to import the Spark packages in your program and create a </a:t>
+            </a:r>
+            <a:r>
+              <a:rPr lang="en-US" dirty="0" err="1"/>
+              <a:t>SparkContext</a:t>
+            </a:r>
+            <a:r>
+              <a:rPr lang="en-US" dirty="0"/>
+              <a:t>.</a:t>
+            </a:r>
+          </a:p>
+          <a:p>
+            <a:r>
+              <a:rPr lang="en-US" dirty="0"/>
+              <a:t>You do so by first creating a </a:t>
+            </a:r>
+            <a:r>
+              <a:rPr lang="en-US" dirty="0" err="1"/>
+              <a:t>SparkConf</a:t>
+            </a:r>
+            <a:r>
+              <a:rPr lang="en-US" dirty="0"/>
+              <a:t> object to configure your application, and then building a </a:t>
+            </a:r>
+            <a:r>
+              <a:rPr lang="en-US" dirty="0" err="1"/>
+              <a:t>SparkContext</a:t>
+            </a:r>
+            <a:r>
+              <a:rPr lang="en-US" dirty="0"/>
+              <a:t> for it.</a:t>
+            </a:r>
+          </a:p>
+          <a:p>
+            <a:endParaRPr lang="en-US" dirty="0"/>
+          </a:p>
+          <a:p>
+            <a:r>
+              <a:rPr lang="en-US" dirty="0"/>
+              <a:t>Initializing Spark in Python</a:t>
+            </a:r>
+          </a:p>
+          <a:p>
+            <a:r>
+              <a:rPr lang="en-US" dirty="0"/>
+              <a:t>from </a:t>
+            </a:r>
+            <a:r>
+              <a:rPr lang="en-US" dirty="0" err="1"/>
+              <a:t>pyspark</a:t>
+            </a:r>
+            <a:r>
+              <a:rPr lang="en-US" dirty="0"/>
+              <a:t> import </a:t>
+            </a:r>
+            <a:r>
+              <a:rPr lang="en-US" dirty="0" err="1"/>
+              <a:t>SparkConf</a:t>
+            </a:r>
+            <a:r>
+              <a:rPr lang="en-US" dirty="0"/>
+              <a:t>, </a:t>
+            </a:r>
+            <a:r>
+              <a:rPr lang="en-US" dirty="0" err="1"/>
+              <a:t>SparkContext</a:t>
+            </a:r>
+            <a:endParaRPr lang="en-US" dirty="0"/>
+          </a:p>
+          <a:p>
+            <a:endParaRPr lang="en-US" dirty="0"/>
+          </a:p>
+          <a:p>
+            <a:r>
+              <a:rPr lang="en-US" dirty="0" err="1"/>
+              <a:t>conf</a:t>
+            </a:r>
+            <a:r>
+              <a:rPr lang="en-US" dirty="0"/>
+              <a:t> = </a:t>
+            </a:r>
+            <a:r>
+              <a:rPr lang="en-US" dirty="0" err="1"/>
+              <a:t>SparkConf</a:t>
+            </a:r>
+            <a:r>
+              <a:rPr lang="en-US" dirty="0"/>
+              <a:t>().</a:t>
+            </a:r>
+            <a:r>
+              <a:rPr lang="en-US" dirty="0" err="1"/>
+              <a:t>setMaster</a:t>
+            </a:r>
+            <a:r>
+              <a:rPr lang="en-US" dirty="0"/>
+              <a:t>("local").</a:t>
+            </a:r>
+            <a:r>
+              <a:rPr lang="en-US" dirty="0" err="1"/>
+              <a:t>setAppName</a:t>
+            </a:r>
+            <a:r>
+              <a:rPr lang="en-US" dirty="0"/>
+              <a:t>("My App")</a:t>
+            </a:r>
+          </a:p>
+          <a:p>
+            <a:r>
+              <a:rPr lang="en-US" dirty="0" err="1"/>
+              <a:t>sc</a:t>
+            </a:r>
+            <a:r>
+              <a:rPr lang="en-US" dirty="0"/>
+              <a:t> = </a:t>
+            </a:r>
+            <a:r>
+              <a:rPr lang="en-US" dirty="0" err="1"/>
+              <a:t>SparkContext</a:t>
+            </a:r>
+            <a:r>
+              <a:rPr lang="en-US" dirty="0"/>
+              <a:t>(</a:t>
+            </a:r>
+            <a:r>
+              <a:rPr lang="en-US" dirty="0" err="1"/>
+              <a:t>conf</a:t>
+            </a:r>
+            <a:r>
+              <a:rPr lang="en-US" dirty="0"/>
+              <a:t> = </a:t>
+            </a:r>
+            <a:r>
+              <a:rPr lang="en-US" dirty="0" err="1"/>
+              <a:t>conf</a:t>
+            </a:r>
+            <a:r>
+              <a:rPr lang="en-US" dirty="0"/>
+              <a:t>)</a:t>
+            </a:r>
+          </a:p>
+          <a:p>
+            <a:endParaRPr lang="en-US" dirty="0"/>
+          </a:p>
+          <a:p>
+            <a:r>
+              <a:rPr lang="en-US" dirty="0"/>
+              <a:t>Initializing Spark in Scala</a:t>
+            </a:r>
+          </a:p>
+          <a:p>
+            <a:r>
+              <a:rPr lang="en-US" dirty="0"/>
+              <a:t>import </a:t>
+            </a:r>
+            <a:r>
+              <a:rPr lang="en-US" dirty="0" err="1"/>
+              <a:t>org.apache.spark.SparkConf</a:t>
+            </a:r>
+            <a:endParaRPr lang="en-US" dirty="0"/>
+          </a:p>
+          <a:p>
+            <a:r>
+              <a:rPr lang="en-US" dirty="0"/>
+              <a:t>import </a:t>
+            </a:r>
+            <a:r>
+              <a:rPr lang="en-US" dirty="0" err="1"/>
+              <a:t>org.apache.spark.SparkContext</a:t>
+            </a:r>
+            <a:endParaRPr lang="en-US" dirty="0"/>
+          </a:p>
+          <a:p>
+            <a:r>
+              <a:rPr lang="en-US" dirty="0"/>
+              <a:t>import </a:t>
+            </a:r>
+            <a:r>
+              <a:rPr lang="en-US" dirty="0" err="1"/>
+              <a:t>org.apache.spark.SparkContext</a:t>
+            </a:r>
+            <a:r>
+              <a:rPr lang="en-US" dirty="0"/>
+              <a:t>._</a:t>
+            </a:r>
+          </a:p>
+          <a:p>
+            <a:endParaRPr lang="en-US" dirty="0"/>
+          </a:p>
+          <a:p>
+            <a:r>
+              <a:rPr lang="en-US" dirty="0" err="1"/>
+              <a:t>val</a:t>
+            </a:r>
+            <a:r>
+              <a:rPr lang="en-US" dirty="0"/>
+              <a:t> </a:t>
+            </a:r>
+            <a:r>
+              <a:rPr lang="en-US" dirty="0" err="1"/>
+              <a:t>conf</a:t>
+            </a:r>
+            <a:r>
+              <a:rPr lang="en-US" dirty="0"/>
+              <a:t> = new </a:t>
+            </a:r>
+            <a:r>
+              <a:rPr lang="en-US" dirty="0" err="1"/>
+              <a:t>SparkConf</a:t>
+            </a:r>
+            <a:r>
+              <a:rPr lang="en-US" dirty="0"/>
+              <a:t>().</a:t>
+            </a:r>
+            <a:r>
+              <a:rPr lang="en-US" dirty="0" err="1"/>
+              <a:t>setMaster</a:t>
+            </a:r>
+            <a:r>
+              <a:rPr lang="en-US" dirty="0"/>
+              <a:t>("local").</a:t>
+            </a:r>
+            <a:r>
+              <a:rPr lang="en-US" dirty="0" err="1"/>
+              <a:t>setAppName</a:t>
+            </a:r>
+            <a:r>
+              <a:rPr lang="en-US" dirty="0"/>
+              <a:t>("My App")</a:t>
+            </a:r>
+          </a:p>
+          <a:p>
+            <a:r>
+              <a:rPr lang="en-US" dirty="0" err="1"/>
+              <a:t>val</a:t>
+            </a:r>
+            <a:r>
+              <a:rPr lang="en-US" dirty="0"/>
+              <a:t> </a:t>
+            </a:r>
+            <a:r>
+              <a:rPr lang="en-US" dirty="0" err="1"/>
+              <a:t>sc</a:t>
+            </a:r>
+            <a:r>
+              <a:rPr lang="en-US" dirty="0"/>
+              <a:t> = new </a:t>
+            </a:r>
+            <a:r>
+              <a:rPr lang="en-US" dirty="0" err="1"/>
+              <a:t>SparkContext</a:t>
+            </a:r>
+            <a:r>
+              <a:rPr lang="en-US" dirty="0"/>
+              <a:t>(</a:t>
+            </a:r>
+            <a:r>
+              <a:rPr lang="en-US" dirty="0" err="1"/>
+              <a:t>conf</a:t>
+            </a:r>
+            <a:r>
+              <a:rPr lang="en-US" dirty="0"/>
+              <a:t>)</a:t>
+            </a:r>
+            <a:endParaRPr lang="en-US" dirty="0" smtClean="0"/>
+          </a:p>
+        </p:txBody>
+      </p:sp>
+    </p:spTree>
+    <p:extLst>
+      <p:ext uri="{BB962C8B-B14F-4D97-AF65-F5344CB8AC3E}">
+        <p14:creationId xmlns:p14="http://schemas.microsoft.com/office/powerpoint/2010/main" val="1974993026"/>
+      </p:ext>
+    </p:extLst>
+  </p:cSld>
+  <p:clrMapOvr>
+    <a:masterClrMapping/>
+  </p:clrMapOvr>
+</p:sld>
+</file>
+
 <file path=ppt/slides/slide3.xml><?xml version="1.0" encoding="utf-8"?>
 <p:sld xmlns:a="http://schemas.openxmlformats.org/drawingml/2006/main" xmlns:r="http://schemas.openxmlformats.org/officeDocument/2006/relationships" xmlns:p="http://schemas.openxmlformats.org/presentationml/2006/main">
   <p:cSld>
@@ -9050,6 +12253,2214 @@
       </p:par>
     </p:tnLst>
   </p:timing>
+</p:sld>
+</file>
+
+<file path=ppt/slides/slide30.xml><?xml version="1.0" encoding="utf-8"?>
+<p:sld xmlns:a="http://schemas.openxmlformats.org/drawingml/2006/main" xmlns:r="http://schemas.openxmlformats.org/officeDocument/2006/relationships" xmlns:p="http://schemas.openxmlformats.org/presentationml/2006/main">
+  <p:cSld>
+    <p:spTree>
+      <p:nvGrpSpPr>
+        <p:cNvPr id="1" name=""/>
+        <p:cNvGrpSpPr/>
+        <p:nvPr/>
+      </p:nvGrpSpPr>
+      <p:grpSpPr>
+        <a:xfrm>
+          <a:off x="0" y="0"/>
+          <a:ext cx="0" cy="0"/>
+          <a:chOff x="0" y="0"/>
+          <a:chExt cx="0" cy="0"/>
+        </a:xfrm>
+      </p:grpSpPr>
+      <p:sp>
+        <p:nvSpPr>
+          <p:cNvPr id="2" name="Title 1"/>
+          <p:cNvSpPr>
+            <a:spLocks noGrp="1"/>
+          </p:cNvSpPr>
+          <p:nvPr>
+            <p:ph type="title"/>
+          </p:nvPr>
+        </p:nvSpPr>
+        <p:spPr>
+          <a:xfrm>
+            <a:off x="0" y="6220"/>
+            <a:ext cx="9144000" cy="908180"/>
+          </a:xfrm>
+        </p:spPr>
+        <p:txBody>
+          <a:bodyPr>
+            <a:normAutofit/>
+          </a:bodyPr>
+          <a:lstStyle/>
+          <a:p>
+            <a:pPr algn="l"/>
+            <a:r>
+              <a:rPr lang="en-US" dirty="0"/>
+              <a:t>Spark – </a:t>
+            </a:r>
+            <a:r>
+              <a:rPr lang="en-US" dirty="0"/>
+              <a:t>Initializing a </a:t>
+            </a:r>
+            <a:r>
+              <a:rPr lang="en-US" dirty="0" err="1" smtClean="0"/>
+              <a:t>SparkContext</a:t>
+            </a:r>
+            <a:endParaRPr lang="en-US" dirty="0"/>
+          </a:p>
+        </p:txBody>
+      </p:sp>
+      <p:sp>
+        <p:nvSpPr>
+          <p:cNvPr id="3" name="Content Placeholder 2"/>
+          <p:cNvSpPr>
+            <a:spLocks noGrp="1"/>
+          </p:cNvSpPr>
+          <p:nvPr>
+            <p:ph idx="1"/>
+          </p:nvPr>
+        </p:nvSpPr>
+        <p:spPr>
+          <a:xfrm>
+            <a:off x="17106" y="928396"/>
+            <a:ext cx="9126894" cy="5929604"/>
+          </a:xfrm>
+        </p:spPr>
+        <p:txBody>
+          <a:bodyPr>
+            <a:normAutofit fontScale="55000" lnSpcReduction="20000"/>
+          </a:bodyPr>
+          <a:lstStyle/>
+          <a:p>
+            <a:r>
+              <a:rPr lang="en-US" dirty="0"/>
+              <a:t>Initializing Spark in Java</a:t>
+            </a:r>
+          </a:p>
+          <a:p>
+            <a:r>
+              <a:rPr lang="en-US" dirty="0"/>
+              <a:t>import </a:t>
+            </a:r>
+            <a:r>
+              <a:rPr lang="en-US" dirty="0" err="1"/>
+              <a:t>org.apache.spark.SparkConf</a:t>
+            </a:r>
+            <a:r>
+              <a:rPr lang="en-US" dirty="0"/>
+              <a:t>;</a:t>
+            </a:r>
+          </a:p>
+          <a:p>
+            <a:r>
+              <a:rPr lang="en-US" dirty="0"/>
+              <a:t>import </a:t>
+            </a:r>
+            <a:r>
+              <a:rPr lang="en-US" dirty="0" err="1"/>
+              <a:t>org.apache.spark.api.java.JavaSparkContext</a:t>
+            </a:r>
+            <a:r>
+              <a:rPr lang="en-US" dirty="0"/>
+              <a:t>;</a:t>
+            </a:r>
+          </a:p>
+          <a:p>
+            <a:endParaRPr lang="en-US" dirty="0"/>
+          </a:p>
+          <a:p>
+            <a:r>
+              <a:rPr lang="en-US" dirty="0" err="1"/>
+              <a:t>SparkConf</a:t>
+            </a:r>
+            <a:r>
+              <a:rPr lang="en-US" dirty="0"/>
+              <a:t> </a:t>
+            </a:r>
+            <a:r>
+              <a:rPr lang="en-US" dirty="0" err="1"/>
+              <a:t>conf</a:t>
+            </a:r>
+            <a:r>
+              <a:rPr lang="en-US" dirty="0"/>
+              <a:t> = new </a:t>
+            </a:r>
+            <a:r>
+              <a:rPr lang="en-US" dirty="0" err="1"/>
+              <a:t>SparkConf</a:t>
+            </a:r>
+            <a:r>
+              <a:rPr lang="en-US" dirty="0"/>
+              <a:t>().</a:t>
+            </a:r>
+            <a:r>
+              <a:rPr lang="en-US" dirty="0" err="1"/>
+              <a:t>setMaster</a:t>
+            </a:r>
+            <a:r>
+              <a:rPr lang="en-US" dirty="0"/>
+              <a:t>("local").</a:t>
+            </a:r>
+            <a:r>
+              <a:rPr lang="en-US" dirty="0" err="1"/>
+              <a:t>setAppName</a:t>
+            </a:r>
+            <a:r>
+              <a:rPr lang="en-US" dirty="0"/>
+              <a:t>("My App");</a:t>
+            </a:r>
+          </a:p>
+          <a:p>
+            <a:r>
+              <a:rPr lang="en-US" dirty="0" err="1"/>
+              <a:t>JavaSparkContext</a:t>
+            </a:r>
+            <a:r>
+              <a:rPr lang="en-US" dirty="0"/>
+              <a:t> </a:t>
+            </a:r>
+            <a:r>
+              <a:rPr lang="en-US" dirty="0" err="1"/>
+              <a:t>sc</a:t>
+            </a:r>
+            <a:r>
+              <a:rPr lang="en-US" dirty="0"/>
+              <a:t> = new </a:t>
+            </a:r>
+            <a:r>
+              <a:rPr lang="en-US" dirty="0" err="1"/>
+              <a:t>JavaSparkContext</a:t>
+            </a:r>
+            <a:r>
+              <a:rPr lang="en-US" dirty="0"/>
+              <a:t>(</a:t>
+            </a:r>
+            <a:r>
+              <a:rPr lang="en-US" dirty="0" err="1"/>
+              <a:t>conf</a:t>
+            </a:r>
+            <a:r>
+              <a:rPr lang="en-US" dirty="0"/>
+              <a:t>);</a:t>
+            </a:r>
+          </a:p>
+          <a:p>
+            <a:endParaRPr lang="en-US" dirty="0"/>
+          </a:p>
+          <a:p>
+            <a:r>
+              <a:rPr lang="en-US" dirty="0"/>
+              <a:t>These examples show the minimal way to initialize a </a:t>
+            </a:r>
+            <a:r>
+              <a:rPr lang="en-US" dirty="0" err="1"/>
+              <a:t>SparkContext</a:t>
+            </a:r>
+            <a:r>
+              <a:rPr lang="en-US" dirty="0"/>
+              <a:t>, where you pass two parameters:</a:t>
+            </a:r>
+          </a:p>
+          <a:p>
+            <a:r>
+              <a:rPr lang="en-US" dirty="0"/>
+              <a:t>A cluster URL, namely local in these examples, which tells Spark how to connect to a cluster. </a:t>
+            </a:r>
+          </a:p>
+          <a:p>
+            <a:r>
+              <a:rPr lang="en-US" dirty="0"/>
+              <a:t>local is a special value that runs Spark on one thread on the local machine, without connecting to a cluster.</a:t>
+            </a:r>
+          </a:p>
+          <a:p>
+            <a:r>
+              <a:rPr lang="en-US" dirty="0"/>
+              <a:t>An application name, namely My App in these examples. </a:t>
+            </a:r>
+          </a:p>
+          <a:p>
+            <a:r>
+              <a:rPr lang="en-US" dirty="0"/>
+              <a:t>This will identify your application on the cluster manager’s UI if you connect to a cluster.	</a:t>
+            </a:r>
+          </a:p>
+          <a:p>
+            <a:endParaRPr lang="en-US" dirty="0"/>
+          </a:p>
+          <a:p>
+            <a:r>
+              <a:rPr lang="en-US" dirty="0"/>
+              <a:t>After you have initialized a </a:t>
+            </a:r>
+            <a:r>
+              <a:rPr lang="en-US" dirty="0" err="1"/>
+              <a:t>SparkContext</a:t>
+            </a:r>
+            <a:r>
+              <a:rPr lang="en-US" dirty="0"/>
+              <a:t>, you can use all the methods we showed before to create RDDs (e.g., from a text file) and manipulate them.</a:t>
+            </a:r>
+          </a:p>
+          <a:p>
+            <a:r>
+              <a:rPr lang="en-US" dirty="0"/>
+              <a:t>Finally, to shut down Spark, you can either call the stop() method on your </a:t>
+            </a:r>
+            <a:r>
+              <a:rPr lang="en-US" dirty="0" err="1"/>
+              <a:t>SparkContext</a:t>
+            </a:r>
+            <a:r>
+              <a:rPr lang="en-US" dirty="0"/>
+              <a:t>, or simply exit the application (e.g., with </a:t>
+            </a:r>
+            <a:r>
+              <a:rPr lang="en-US" dirty="0" err="1"/>
+              <a:t>System.exit</a:t>
+            </a:r>
+            <a:r>
+              <a:rPr lang="en-US" dirty="0"/>
+              <a:t>(0) or </a:t>
+            </a:r>
+            <a:r>
+              <a:rPr lang="en-US" dirty="0" err="1"/>
+              <a:t>sys.exit</a:t>
+            </a:r>
+            <a:r>
+              <a:rPr lang="en-US" dirty="0"/>
+              <a:t>()).</a:t>
+            </a:r>
+          </a:p>
+          <a:p>
+            <a:r>
+              <a:rPr lang="en-US" dirty="0"/>
+              <a:t>This quick overview should be enough to let you run a standalone Spark application on your laptop.</a:t>
+            </a:r>
+            <a:endParaRPr lang="en-US" dirty="0" smtClean="0"/>
+          </a:p>
+        </p:txBody>
+      </p:sp>
+    </p:spTree>
+    <p:extLst>
+      <p:ext uri="{BB962C8B-B14F-4D97-AF65-F5344CB8AC3E}">
+        <p14:creationId xmlns:p14="http://schemas.microsoft.com/office/powerpoint/2010/main" val="3801736538"/>
+      </p:ext>
+    </p:extLst>
+  </p:cSld>
+  <p:clrMapOvr>
+    <a:masterClrMapping/>
+  </p:clrMapOvr>
+</p:sld>
+</file>
+
+<file path=ppt/slides/slide31.xml><?xml version="1.0" encoding="utf-8"?>
+<p:sld xmlns:a="http://schemas.openxmlformats.org/drawingml/2006/main" xmlns:r="http://schemas.openxmlformats.org/officeDocument/2006/relationships" xmlns:p="http://schemas.openxmlformats.org/presentationml/2006/main">
+  <p:cSld>
+    <p:spTree>
+      <p:nvGrpSpPr>
+        <p:cNvPr id="1" name=""/>
+        <p:cNvGrpSpPr/>
+        <p:nvPr/>
+      </p:nvGrpSpPr>
+      <p:grpSpPr>
+        <a:xfrm>
+          <a:off x="0" y="0"/>
+          <a:ext cx="0" cy="0"/>
+          <a:chOff x="0" y="0"/>
+          <a:chExt cx="0" cy="0"/>
+        </a:xfrm>
+      </p:grpSpPr>
+      <p:sp>
+        <p:nvSpPr>
+          <p:cNvPr id="2" name="Title 1"/>
+          <p:cNvSpPr>
+            <a:spLocks noGrp="1"/>
+          </p:cNvSpPr>
+          <p:nvPr>
+            <p:ph type="title"/>
+          </p:nvPr>
+        </p:nvSpPr>
+        <p:spPr>
+          <a:xfrm>
+            <a:off x="0" y="6220"/>
+            <a:ext cx="9144000" cy="908180"/>
+          </a:xfrm>
+        </p:spPr>
+        <p:txBody>
+          <a:bodyPr>
+            <a:normAutofit fontScale="90000"/>
+          </a:bodyPr>
+          <a:lstStyle/>
+          <a:p>
+            <a:pPr algn="l"/>
+            <a:r>
+              <a:rPr lang="en-US" dirty="0"/>
+              <a:t>Spark – </a:t>
+            </a:r>
+            <a:r>
+              <a:rPr lang="en-US" dirty="0"/>
+              <a:t>Building Standalone </a:t>
+            </a:r>
+            <a:r>
+              <a:rPr lang="en-US" dirty="0" smtClean="0"/>
+              <a:t>Applications</a:t>
+            </a:r>
+            <a:endParaRPr lang="en-US" dirty="0"/>
+          </a:p>
+        </p:txBody>
+      </p:sp>
+      <p:sp>
+        <p:nvSpPr>
+          <p:cNvPr id="3" name="Content Placeholder 2"/>
+          <p:cNvSpPr>
+            <a:spLocks noGrp="1"/>
+          </p:cNvSpPr>
+          <p:nvPr>
+            <p:ph idx="1"/>
+          </p:nvPr>
+        </p:nvSpPr>
+        <p:spPr>
+          <a:xfrm>
+            <a:off x="17106" y="928396"/>
+            <a:ext cx="9126894" cy="5929604"/>
+          </a:xfrm>
+        </p:spPr>
+        <p:txBody>
+          <a:bodyPr>
+            <a:normAutofit/>
+          </a:bodyPr>
+          <a:lstStyle/>
+          <a:p>
+            <a:r>
+              <a:rPr lang="en-US" dirty="0"/>
+              <a:t>On a single machine, implementing word count is simple, but in distributed frameworks it is a common example because it involves reading and combining data from many worker nodes</a:t>
+            </a:r>
+            <a:r>
+              <a:rPr lang="en-US" dirty="0" smtClean="0"/>
+              <a:t>.</a:t>
+            </a:r>
+          </a:p>
+          <a:p>
+            <a:r>
+              <a:rPr lang="en-US" dirty="0"/>
+              <a:t>We will look at building and packaging a simple word count example with both </a:t>
+            </a:r>
+            <a:r>
+              <a:rPr lang="en-US" dirty="0" err="1"/>
+              <a:t>sbt</a:t>
+            </a:r>
+            <a:r>
+              <a:rPr lang="en-US" dirty="0"/>
+              <a:t> and Maven.</a:t>
+            </a:r>
+            <a:endParaRPr lang="en-US" dirty="0" smtClean="0"/>
+          </a:p>
+        </p:txBody>
+      </p:sp>
+    </p:spTree>
+    <p:extLst>
+      <p:ext uri="{BB962C8B-B14F-4D97-AF65-F5344CB8AC3E}">
+        <p14:creationId xmlns:p14="http://schemas.microsoft.com/office/powerpoint/2010/main" val="1151978016"/>
+      </p:ext>
+    </p:extLst>
+  </p:cSld>
+  <p:clrMapOvr>
+    <a:masterClrMapping/>
+  </p:clrMapOvr>
+</p:sld>
+</file>
+
+<file path=ppt/slides/slide32.xml><?xml version="1.0" encoding="utf-8"?>
+<p:sld xmlns:a="http://schemas.openxmlformats.org/drawingml/2006/main" xmlns:r="http://schemas.openxmlformats.org/officeDocument/2006/relationships" xmlns:p="http://schemas.openxmlformats.org/presentationml/2006/main">
+  <p:cSld>
+    <p:spTree>
+      <p:nvGrpSpPr>
+        <p:cNvPr id="1" name=""/>
+        <p:cNvGrpSpPr/>
+        <p:nvPr/>
+      </p:nvGrpSpPr>
+      <p:grpSpPr>
+        <a:xfrm>
+          <a:off x="0" y="0"/>
+          <a:ext cx="0" cy="0"/>
+          <a:chOff x="0" y="0"/>
+          <a:chExt cx="0" cy="0"/>
+        </a:xfrm>
+      </p:grpSpPr>
+      <p:sp>
+        <p:nvSpPr>
+          <p:cNvPr id="2" name="Title 1"/>
+          <p:cNvSpPr>
+            <a:spLocks noGrp="1"/>
+          </p:cNvSpPr>
+          <p:nvPr>
+            <p:ph type="title"/>
+          </p:nvPr>
+        </p:nvSpPr>
+        <p:spPr>
+          <a:xfrm>
+            <a:off x="0" y="6220"/>
+            <a:ext cx="9144000" cy="908180"/>
+          </a:xfrm>
+        </p:spPr>
+        <p:txBody>
+          <a:bodyPr>
+            <a:normAutofit fontScale="90000"/>
+          </a:bodyPr>
+          <a:lstStyle/>
+          <a:p>
+            <a:pPr algn="l"/>
+            <a:r>
+              <a:rPr lang="en-US" dirty="0"/>
+              <a:t>Spark – </a:t>
+            </a:r>
+            <a:r>
+              <a:rPr lang="en-US" dirty="0"/>
+              <a:t>Building Standalone </a:t>
+            </a:r>
+            <a:r>
+              <a:rPr lang="en-US" dirty="0" smtClean="0"/>
+              <a:t>Applications</a:t>
+            </a:r>
+            <a:endParaRPr lang="en-US" dirty="0"/>
+          </a:p>
+        </p:txBody>
+      </p:sp>
+      <p:sp>
+        <p:nvSpPr>
+          <p:cNvPr id="3" name="Content Placeholder 2"/>
+          <p:cNvSpPr>
+            <a:spLocks noGrp="1"/>
+          </p:cNvSpPr>
+          <p:nvPr>
+            <p:ph idx="1"/>
+          </p:nvPr>
+        </p:nvSpPr>
+        <p:spPr>
+          <a:xfrm>
+            <a:off x="17106" y="928396"/>
+            <a:ext cx="9126894" cy="5929604"/>
+          </a:xfrm>
+        </p:spPr>
+        <p:txBody>
+          <a:bodyPr>
+            <a:normAutofit fontScale="47500" lnSpcReduction="20000"/>
+          </a:bodyPr>
+          <a:lstStyle/>
+          <a:p>
+            <a:r>
+              <a:rPr lang="en-US" dirty="0"/>
+              <a:t>Word count Java application:</a:t>
+            </a:r>
+          </a:p>
+          <a:p>
+            <a:endParaRPr lang="en-US" dirty="0"/>
+          </a:p>
+          <a:p>
+            <a:r>
+              <a:rPr lang="en-US" dirty="0"/>
+              <a:t>// Create a Java Spark Context</a:t>
+            </a:r>
+          </a:p>
+          <a:p>
+            <a:r>
+              <a:rPr lang="en-US" dirty="0" err="1"/>
+              <a:t>SparkConf</a:t>
+            </a:r>
+            <a:r>
+              <a:rPr lang="en-US" dirty="0"/>
+              <a:t> </a:t>
+            </a:r>
+            <a:r>
+              <a:rPr lang="en-US" dirty="0" err="1"/>
+              <a:t>conf</a:t>
+            </a:r>
+            <a:r>
+              <a:rPr lang="en-US" dirty="0"/>
+              <a:t> = new </a:t>
+            </a:r>
+            <a:r>
+              <a:rPr lang="en-US" dirty="0" err="1"/>
+              <a:t>SparkConf</a:t>
+            </a:r>
+            <a:r>
+              <a:rPr lang="en-US" dirty="0"/>
+              <a:t>().</a:t>
+            </a:r>
+            <a:r>
+              <a:rPr lang="en-US" dirty="0" err="1"/>
+              <a:t>setAppName</a:t>
+            </a:r>
+            <a:r>
+              <a:rPr lang="en-US" dirty="0"/>
+              <a:t>("</a:t>
+            </a:r>
+            <a:r>
+              <a:rPr lang="en-US" dirty="0" err="1"/>
+              <a:t>wordCount</a:t>
+            </a:r>
+            <a:r>
+              <a:rPr lang="en-US" dirty="0"/>
+              <a:t>");</a:t>
+            </a:r>
+          </a:p>
+          <a:p>
+            <a:r>
+              <a:rPr lang="en-US" dirty="0" err="1"/>
+              <a:t>JavaSparkContext</a:t>
+            </a:r>
+            <a:r>
+              <a:rPr lang="en-US" dirty="0"/>
+              <a:t> </a:t>
+            </a:r>
+            <a:r>
+              <a:rPr lang="en-US" dirty="0" err="1"/>
+              <a:t>sc</a:t>
+            </a:r>
+            <a:r>
+              <a:rPr lang="en-US" dirty="0"/>
+              <a:t> = new </a:t>
+            </a:r>
+            <a:r>
+              <a:rPr lang="en-US" dirty="0" err="1"/>
+              <a:t>JavaSparkContext</a:t>
+            </a:r>
+            <a:r>
+              <a:rPr lang="en-US" dirty="0"/>
+              <a:t>(</a:t>
+            </a:r>
+            <a:r>
+              <a:rPr lang="en-US" dirty="0" err="1"/>
+              <a:t>conf</a:t>
+            </a:r>
+            <a:r>
+              <a:rPr lang="en-US" dirty="0"/>
+              <a:t>);</a:t>
+            </a:r>
+          </a:p>
+          <a:p>
+            <a:r>
+              <a:rPr lang="en-US" dirty="0"/>
+              <a:t>// Load our input data.</a:t>
+            </a:r>
+          </a:p>
+          <a:p>
+            <a:r>
+              <a:rPr lang="en-US" dirty="0" err="1"/>
+              <a:t>JavaRDD</a:t>
+            </a:r>
+            <a:r>
+              <a:rPr lang="en-US" dirty="0"/>
+              <a:t>&lt;String&gt; input = </a:t>
+            </a:r>
+            <a:r>
+              <a:rPr lang="en-US" dirty="0" err="1"/>
+              <a:t>sc.textFile</a:t>
+            </a:r>
+            <a:r>
+              <a:rPr lang="en-US" dirty="0"/>
+              <a:t>(</a:t>
+            </a:r>
+            <a:r>
+              <a:rPr lang="en-US" dirty="0" err="1"/>
+              <a:t>inputFile</a:t>
+            </a:r>
+            <a:r>
+              <a:rPr lang="en-US" dirty="0"/>
+              <a:t>);</a:t>
+            </a:r>
+          </a:p>
+          <a:p>
+            <a:r>
+              <a:rPr lang="en-US" dirty="0"/>
+              <a:t>// Split up into words.</a:t>
+            </a:r>
+          </a:p>
+          <a:p>
+            <a:r>
+              <a:rPr lang="en-US" dirty="0" err="1"/>
+              <a:t>JavaRDD</a:t>
+            </a:r>
+            <a:r>
+              <a:rPr lang="en-US" dirty="0"/>
+              <a:t>&lt;String&gt; words = </a:t>
+            </a:r>
+            <a:r>
+              <a:rPr lang="en-US" dirty="0" err="1"/>
+              <a:t>input.flatMap</a:t>
+            </a:r>
+            <a:r>
+              <a:rPr lang="en-US" dirty="0"/>
+              <a:t>(</a:t>
+            </a:r>
+          </a:p>
+          <a:p>
+            <a:r>
+              <a:rPr lang="en-US" dirty="0"/>
+              <a:t>  new </a:t>
+            </a:r>
+            <a:r>
+              <a:rPr lang="en-US" dirty="0" err="1"/>
+              <a:t>FlatMapFunction</a:t>
+            </a:r>
+            <a:r>
+              <a:rPr lang="en-US" dirty="0"/>
+              <a:t>&lt;String, String&gt;() {</a:t>
+            </a:r>
+          </a:p>
+          <a:p>
+            <a:r>
+              <a:rPr lang="en-US" dirty="0"/>
+              <a:t>    public </a:t>
+            </a:r>
+            <a:r>
+              <a:rPr lang="en-US" dirty="0" err="1"/>
+              <a:t>Iterable</a:t>
+            </a:r>
+            <a:r>
+              <a:rPr lang="en-US" dirty="0"/>
+              <a:t>&lt;String&gt; call(String x) {</a:t>
+            </a:r>
+          </a:p>
+          <a:p>
+            <a:r>
+              <a:rPr lang="en-US" dirty="0"/>
+              <a:t>      return </a:t>
+            </a:r>
+            <a:r>
+              <a:rPr lang="en-US" dirty="0" err="1"/>
+              <a:t>Arrays.asList</a:t>
+            </a:r>
+            <a:r>
+              <a:rPr lang="en-US" dirty="0"/>
+              <a:t>(</a:t>
+            </a:r>
+            <a:r>
+              <a:rPr lang="en-US" dirty="0" err="1"/>
+              <a:t>x.split</a:t>
+            </a:r>
+            <a:r>
+              <a:rPr lang="en-US" dirty="0"/>
+              <a:t>(" "));</a:t>
+            </a:r>
+          </a:p>
+          <a:p>
+            <a:r>
+              <a:rPr lang="en-US" dirty="0"/>
+              <a:t>    }});</a:t>
+            </a:r>
+          </a:p>
+          <a:p>
+            <a:r>
+              <a:rPr lang="en-US" dirty="0"/>
+              <a:t>// Transform into pairs and count.</a:t>
+            </a:r>
+          </a:p>
+          <a:p>
+            <a:r>
+              <a:rPr lang="en-US" dirty="0" err="1"/>
+              <a:t>JavaPairRDD</a:t>
+            </a:r>
+            <a:r>
+              <a:rPr lang="en-US" dirty="0"/>
+              <a:t>&lt;String, Integer&gt; counts = </a:t>
+            </a:r>
+            <a:r>
+              <a:rPr lang="en-US" dirty="0" err="1"/>
+              <a:t>words.mapToPair</a:t>
+            </a:r>
+            <a:r>
+              <a:rPr lang="en-US" dirty="0"/>
+              <a:t>(</a:t>
+            </a:r>
+          </a:p>
+          <a:p>
+            <a:r>
+              <a:rPr lang="en-US" dirty="0"/>
+              <a:t>  new </a:t>
+            </a:r>
+            <a:r>
+              <a:rPr lang="en-US" dirty="0" err="1"/>
+              <a:t>PairFunction</a:t>
+            </a:r>
+            <a:r>
+              <a:rPr lang="en-US" dirty="0"/>
+              <a:t>&lt;String, String, Integer&gt;(){</a:t>
+            </a:r>
+          </a:p>
+          <a:p>
+            <a:r>
+              <a:rPr lang="en-US" dirty="0"/>
+              <a:t>    public Tuple2&lt;String, Integer&gt; call(String x){</a:t>
+            </a:r>
+          </a:p>
+          <a:p>
+            <a:r>
+              <a:rPr lang="en-US" dirty="0"/>
+              <a:t>      return new Tuple2(x, 1);</a:t>
+            </a:r>
+          </a:p>
+          <a:p>
+            <a:r>
+              <a:rPr lang="en-US" dirty="0"/>
+              <a:t>    }}).</a:t>
+            </a:r>
+            <a:r>
+              <a:rPr lang="en-US" dirty="0" err="1"/>
+              <a:t>reduceByKey</a:t>
+            </a:r>
+            <a:r>
+              <a:rPr lang="en-US" dirty="0"/>
+              <a:t>(new Function2&lt;Integer, Integer, Integer&gt;(){</a:t>
+            </a:r>
+          </a:p>
+          <a:p>
+            <a:r>
+              <a:rPr lang="en-US" dirty="0"/>
+              <a:t>        public Integer call(Integer x, Integer y){ return x + y;}});</a:t>
+            </a:r>
+          </a:p>
+          <a:p>
+            <a:r>
+              <a:rPr lang="en-US" dirty="0"/>
+              <a:t>// Save the word count back out to a text file, causing evaluation.</a:t>
+            </a:r>
+          </a:p>
+          <a:p>
+            <a:r>
+              <a:rPr lang="en-US" dirty="0" err="1"/>
+              <a:t>counts.saveAsTextFile</a:t>
+            </a:r>
+            <a:r>
+              <a:rPr lang="en-US" dirty="0"/>
+              <a:t>(</a:t>
+            </a:r>
+            <a:r>
+              <a:rPr lang="en-US" dirty="0" err="1"/>
+              <a:t>outputFile</a:t>
+            </a:r>
+            <a:r>
+              <a:rPr lang="en-US" dirty="0"/>
+              <a:t>);</a:t>
+            </a:r>
+            <a:endParaRPr lang="en-US" dirty="0" smtClean="0"/>
+          </a:p>
+        </p:txBody>
+      </p:sp>
+    </p:spTree>
+    <p:extLst>
+      <p:ext uri="{BB962C8B-B14F-4D97-AF65-F5344CB8AC3E}">
+        <p14:creationId xmlns:p14="http://schemas.microsoft.com/office/powerpoint/2010/main" val="3629462032"/>
+      </p:ext>
+    </p:extLst>
+  </p:cSld>
+  <p:clrMapOvr>
+    <a:masterClrMapping/>
+  </p:clrMapOvr>
+</p:sld>
+</file>
+
+<file path=ppt/slides/slide33.xml><?xml version="1.0" encoding="utf-8"?>
+<p:sld xmlns:a="http://schemas.openxmlformats.org/drawingml/2006/main" xmlns:r="http://schemas.openxmlformats.org/officeDocument/2006/relationships" xmlns:p="http://schemas.openxmlformats.org/presentationml/2006/main">
+  <p:cSld>
+    <p:spTree>
+      <p:nvGrpSpPr>
+        <p:cNvPr id="1" name=""/>
+        <p:cNvGrpSpPr/>
+        <p:nvPr/>
+      </p:nvGrpSpPr>
+      <p:grpSpPr>
+        <a:xfrm>
+          <a:off x="0" y="0"/>
+          <a:ext cx="0" cy="0"/>
+          <a:chOff x="0" y="0"/>
+          <a:chExt cx="0" cy="0"/>
+        </a:xfrm>
+      </p:grpSpPr>
+      <p:sp>
+        <p:nvSpPr>
+          <p:cNvPr id="2" name="Title 1"/>
+          <p:cNvSpPr>
+            <a:spLocks noGrp="1"/>
+          </p:cNvSpPr>
+          <p:nvPr>
+            <p:ph type="title"/>
+          </p:nvPr>
+        </p:nvSpPr>
+        <p:spPr>
+          <a:xfrm>
+            <a:off x="0" y="6220"/>
+            <a:ext cx="9144000" cy="908180"/>
+          </a:xfrm>
+        </p:spPr>
+        <p:txBody>
+          <a:bodyPr>
+            <a:normAutofit fontScale="90000"/>
+          </a:bodyPr>
+          <a:lstStyle/>
+          <a:p>
+            <a:pPr algn="l"/>
+            <a:r>
+              <a:rPr lang="en-US" dirty="0"/>
+              <a:t>Spark – </a:t>
+            </a:r>
+            <a:r>
+              <a:rPr lang="en-US" dirty="0"/>
+              <a:t>Building Standalone </a:t>
+            </a:r>
+            <a:r>
+              <a:rPr lang="en-US" dirty="0" smtClean="0"/>
+              <a:t>Applications</a:t>
+            </a:r>
+            <a:endParaRPr lang="en-US" dirty="0"/>
+          </a:p>
+        </p:txBody>
+      </p:sp>
+      <p:sp>
+        <p:nvSpPr>
+          <p:cNvPr id="3" name="Content Placeholder 2"/>
+          <p:cNvSpPr>
+            <a:spLocks noGrp="1"/>
+          </p:cNvSpPr>
+          <p:nvPr>
+            <p:ph idx="1"/>
+          </p:nvPr>
+        </p:nvSpPr>
+        <p:spPr>
+          <a:xfrm>
+            <a:off x="17106" y="928396"/>
+            <a:ext cx="9126894" cy="5929604"/>
+          </a:xfrm>
+        </p:spPr>
+        <p:txBody>
+          <a:bodyPr>
+            <a:normAutofit fontScale="77500" lnSpcReduction="20000"/>
+          </a:bodyPr>
+          <a:lstStyle/>
+          <a:p>
+            <a:r>
+              <a:rPr lang="en-US" dirty="0" smtClean="0"/>
+              <a:t>Word </a:t>
+            </a:r>
+            <a:r>
+              <a:rPr lang="en-US" dirty="0"/>
+              <a:t>count Scala </a:t>
+            </a:r>
+            <a:r>
+              <a:rPr lang="en-US" dirty="0" smtClean="0"/>
+              <a:t>application</a:t>
+            </a:r>
+          </a:p>
+          <a:p>
+            <a:endParaRPr lang="en-US" dirty="0"/>
+          </a:p>
+          <a:p>
+            <a:r>
+              <a:rPr lang="en-US" dirty="0"/>
+              <a:t>// Create a Scala Spark Context.</a:t>
+            </a:r>
+          </a:p>
+          <a:p>
+            <a:r>
+              <a:rPr lang="en-US" dirty="0" err="1"/>
+              <a:t>val</a:t>
+            </a:r>
+            <a:r>
+              <a:rPr lang="en-US" dirty="0"/>
+              <a:t> </a:t>
+            </a:r>
+            <a:r>
+              <a:rPr lang="en-US" dirty="0" err="1"/>
+              <a:t>conf</a:t>
+            </a:r>
+            <a:r>
+              <a:rPr lang="en-US" dirty="0"/>
+              <a:t> = new </a:t>
+            </a:r>
+            <a:r>
+              <a:rPr lang="en-US" dirty="0" err="1"/>
+              <a:t>SparkConf</a:t>
+            </a:r>
+            <a:r>
+              <a:rPr lang="en-US" dirty="0"/>
+              <a:t>().</a:t>
+            </a:r>
+            <a:r>
+              <a:rPr lang="en-US" dirty="0" err="1"/>
+              <a:t>setAppName</a:t>
+            </a:r>
+            <a:r>
+              <a:rPr lang="en-US" dirty="0"/>
+              <a:t>("</a:t>
+            </a:r>
+            <a:r>
+              <a:rPr lang="en-US" dirty="0" err="1"/>
+              <a:t>wordCount</a:t>
+            </a:r>
+            <a:r>
+              <a:rPr lang="en-US" dirty="0"/>
+              <a:t>")</a:t>
+            </a:r>
+          </a:p>
+          <a:p>
+            <a:r>
+              <a:rPr lang="en-US" dirty="0" err="1"/>
+              <a:t>val</a:t>
+            </a:r>
+            <a:r>
+              <a:rPr lang="en-US" dirty="0"/>
+              <a:t> </a:t>
+            </a:r>
+            <a:r>
+              <a:rPr lang="en-US" dirty="0" err="1"/>
+              <a:t>sc</a:t>
+            </a:r>
+            <a:r>
+              <a:rPr lang="en-US" dirty="0"/>
+              <a:t> = new </a:t>
+            </a:r>
+            <a:r>
+              <a:rPr lang="en-US" dirty="0" err="1"/>
+              <a:t>SparkContext</a:t>
+            </a:r>
+            <a:r>
+              <a:rPr lang="en-US" dirty="0"/>
+              <a:t>(</a:t>
+            </a:r>
+            <a:r>
+              <a:rPr lang="en-US" dirty="0" err="1"/>
+              <a:t>conf</a:t>
+            </a:r>
+            <a:r>
+              <a:rPr lang="en-US" dirty="0"/>
+              <a:t>)</a:t>
+            </a:r>
+          </a:p>
+          <a:p>
+            <a:r>
+              <a:rPr lang="en-US" dirty="0"/>
+              <a:t>// Load our input data.</a:t>
+            </a:r>
+          </a:p>
+          <a:p>
+            <a:r>
+              <a:rPr lang="en-US" dirty="0" err="1"/>
+              <a:t>val</a:t>
+            </a:r>
+            <a:r>
+              <a:rPr lang="en-US" dirty="0"/>
+              <a:t> input =  </a:t>
+            </a:r>
+            <a:r>
+              <a:rPr lang="en-US" dirty="0" err="1"/>
+              <a:t>sc.textFile</a:t>
+            </a:r>
+            <a:r>
+              <a:rPr lang="en-US" dirty="0"/>
+              <a:t>(</a:t>
+            </a:r>
+            <a:r>
+              <a:rPr lang="en-US" dirty="0" err="1"/>
+              <a:t>inputFile</a:t>
+            </a:r>
+            <a:r>
+              <a:rPr lang="en-US" dirty="0"/>
+              <a:t>)</a:t>
+            </a:r>
+          </a:p>
+          <a:p>
+            <a:r>
+              <a:rPr lang="en-US" dirty="0"/>
+              <a:t>// Split it up into words.</a:t>
+            </a:r>
+          </a:p>
+          <a:p>
+            <a:r>
+              <a:rPr lang="en-US" dirty="0" err="1"/>
+              <a:t>val</a:t>
+            </a:r>
+            <a:r>
+              <a:rPr lang="en-US" dirty="0"/>
+              <a:t> words = </a:t>
+            </a:r>
+            <a:r>
+              <a:rPr lang="en-US" dirty="0" err="1"/>
+              <a:t>input.flatMap</a:t>
+            </a:r>
+            <a:r>
+              <a:rPr lang="en-US" dirty="0"/>
+              <a:t>(line =&gt; </a:t>
+            </a:r>
+            <a:r>
+              <a:rPr lang="en-US" dirty="0" err="1"/>
+              <a:t>line.split</a:t>
+            </a:r>
+            <a:r>
+              <a:rPr lang="en-US" dirty="0"/>
+              <a:t>(" "))</a:t>
+            </a:r>
+          </a:p>
+          <a:p>
+            <a:r>
+              <a:rPr lang="en-US" dirty="0"/>
+              <a:t>// Transform into pairs and count.</a:t>
+            </a:r>
+          </a:p>
+          <a:p>
+            <a:r>
+              <a:rPr lang="en-US" dirty="0" err="1"/>
+              <a:t>val</a:t>
+            </a:r>
+            <a:r>
+              <a:rPr lang="en-US" dirty="0"/>
+              <a:t> counts = </a:t>
+            </a:r>
+            <a:r>
+              <a:rPr lang="en-US" dirty="0" err="1"/>
+              <a:t>words.map</a:t>
+            </a:r>
+            <a:r>
+              <a:rPr lang="en-US" dirty="0"/>
+              <a:t>(word =&gt; (word, 1)).</a:t>
+            </a:r>
+            <a:r>
+              <a:rPr lang="en-US" dirty="0" err="1"/>
+              <a:t>reduceByKey</a:t>
+            </a:r>
+            <a:r>
+              <a:rPr lang="en-US" dirty="0"/>
+              <a:t>{case (x, y) =&gt; x + y}</a:t>
+            </a:r>
+          </a:p>
+          <a:p>
+            <a:r>
+              <a:rPr lang="en-US" dirty="0"/>
+              <a:t>// Save the word count back out to a text file, causing evaluation.</a:t>
+            </a:r>
+          </a:p>
+          <a:p>
+            <a:r>
+              <a:rPr lang="en-US" dirty="0" err="1"/>
+              <a:t>counts.saveAsTextFile</a:t>
+            </a:r>
+            <a:r>
+              <a:rPr lang="en-US" dirty="0"/>
+              <a:t>(</a:t>
+            </a:r>
+            <a:r>
+              <a:rPr lang="en-US" dirty="0" err="1"/>
+              <a:t>outputFile</a:t>
+            </a:r>
+            <a:r>
+              <a:rPr lang="en-US" dirty="0"/>
+              <a:t>)	</a:t>
+            </a:r>
+            <a:endParaRPr lang="en-US" dirty="0" smtClean="0"/>
+          </a:p>
+        </p:txBody>
+      </p:sp>
+    </p:spTree>
+    <p:extLst>
+      <p:ext uri="{BB962C8B-B14F-4D97-AF65-F5344CB8AC3E}">
+        <p14:creationId xmlns:p14="http://schemas.microsoft.com/office/powerpoint/2010/main" val="489225468"/>
+      </p:ext>
+    </p:extLst>
+  </p:cSld>
+  <p:clrMapOvr>
+    <a:masterClrMapping/>
+  </p:clrMapOvr>
+</p:sld>
+</file>
+
+<file path=ppt/slides/slide34.xml><?xml version="1.0" encoding="utf-8"?>
+<p:sld xmlns:a="http://schemas.openxmlformats.org/drawingml/2006/main" xmlns:r="http://schemas.openxmlformats.org/officeDocument/2006/relationships" xmlns:p="http://schemas.openxmlformats.org/presentationml/2006/main">
+  <p:cSld>
+    <p:spTree>
+      <p:nvGrpSpPr>
+        <p:cNvPr id="1" name=""/>
+        <p:cNvGrpSpPr/>
+        <p:nvPr/>
+      </p:nvGrpSpPr>
+      <p:grpSpPr>
+        <a:xfrm>
+          <a:off x="0" y="0"/>
+          <a:ext cx="0" cy="0"/>
+          <a:chOff x="0" y="0"/>
+          <a:chExt cx="0" cy="0"/>
+        </a:xfrm>
+      </p:grpSpPr>
+      <p:sp>
+        <p:nvSpPr>
+          <p:cNvPr id="2" name="Title 1"/>
+          <p:cNvSpPr>
+            <a:spLocks noGrp="1"/>
+          </p:cNvSpPr>
+          <p:nvPr>
+            <p:ph type="title"/>
+          </p:nvPr>
+        </p:nvSpPr>
+        <p:spPr>
+          <a:xfrm>
+            <a:off x="0" y="6220"/>
+            <a:ext cx="9144000" cy="908180"/>
+          </a:xfrm>
+        </p:spPr>
+        <p:txBody>
+          <a:bodyPr>
+            <a:normAutofit fontScale="90000"/>
+          </a:bodyPr>
+          <a:lstStyle/>
+          <a:p>
+            <a:pPr algn="l"/>
+            <a:r>
+              <a:rPr lang="en-US" dirty="0"/>
+              <a:t>Spark – </a:t>
+            </a:r>
+            <a:r>
+              <a:rPr lang="en-US" dirty="0"/>
+              <a:t>Building Standalone </a:t>
+            </a:r>
+            <a:r>
+              <a:rPr lang="en-US" dirty="0" smtClean="0"/>
+              <a:t>Applications</a:t>
+            </a:r>
+            <a:endParaRPr lang="en-US" dirty="0"/>
+          </a:p>
+        </p:txBody>
+      </p:sp>
+      <p:sp>
+        <p:nvSpPr>
+          <p:cNvPr id="3" name="Content Placeholder 2"/>
+          <p:cNvSpPr>
+            <a:spLocks noGrp="1"/>
+          </p:cNvSpPr>
+          <p:nvPr>
+            <p:ph idx="1"/>
+          </p:nvPr>
+        </p:nvSpPr>
+        <p:spPr>
+          <a:xfrm>
+            <a:off x="17106" y="928396"/>
+            <a:ext cx="9126894" cy="5929604"/>
+          </a:xfrm>
+        </p:spPr>
+        <p:txBody>
+          <a:bodyPr>
+            <a:normAutofit fontScale="92500" lnSpcReduction="10000"/>
+          </a:bodyPr>
+          <a:lstStyle/>
+          <a:p>
+            <a:r>
+              <a:rPr lang="en-US" dirty="0"/>
+              <a:t>We can build these applications using very simple build files with both </a:t>
+            </a:r>
+            <a:r>
+              <a:rPr lang="en-US" dirty="0" err="1"/>
+              <a:t>sbt</a:t>
+            </a:r>
+            <a:r>
+              <a:rPr lang="en-US" dirty="0"/>
+              <a:t> </a:t>
+            </a:r>
+            <a:r>
+              <a:rPr lang="en-US" dirty="0" smtClean="0"/>
+              <a:t>and Maven.</a:t>
+            </a:r>
+            <a:endParaRPr lang="en-US" dirty="0"/>
+          </a:p>
+          <a:p>
+            <a:r>
+              <a:rPr lang="en-US" dirty="0" err="1" smtClean="0"/>
+              <a:t>sbt</a:t>
+            </a:r>
+            <a:r>
+              <a:rPr lang="en-US" dirty="0" smtClean="0"/>
+              <a:t> </a:t>
+            </a:r>
+            <a:r>
+              <a:rPr lang="en-US" dirty="0"/>
+              <a:t>build </a:t>
+            </a:r>
+            <a:r>
+              <a:rPr lang="en-US" dirty="0" smtClean="0"/>
+              <a:t>file: </a:t>
+            </a:r>
+          </a:p>
+          <a:p>
+            <a:endParaRPr lang="en-US" dirty="0"/>
+          </a:p>
+          <a:p>
+            <a:pPr marL="457200" lvl="1" indent="0">
+              <a:buNone/>
+            </a:pPr>
+            <a:r>
+              <a:rPr lang="en-US" dirty="0"/>
+              <a:t>name := "learning-spark-mini-example"</a:t>
+            </a:r>
+          </a:p>
+          <a:p>
+            <a:pPr marL="457200" lvl="1" indent="0">
+              <a:buNone/>
+            </a:pPr>
+            <a:endParaRPr lang="en-US" dirty="0"/>
+          </a:p>
+          <a:p>
+            <a:pPr marL="457200" lvl="1" indent="0">
+              <a:buNone/>
+            </a:pPr>
+            <a:r>
+              <a:rPr lang="en-US" dirty="0"/>
+              <a:t>version := "0.0.1"</a:t>
+            </a:r>
+          </a:p>
+          <a:p>
+            <a:pPr marL="457200" lvl="1" indent="0">
+              <a:buNone/>
+            </a:pPr>
+            <a:endParaRPr lang="en-US" dirty="0"/>
+          </a:p>
+          <a:p>
+            <a:pPr marL="457200" lvl="1" indent="0">
+              <a:buNone/>
+            </a:pPr>
+            <a:r>
+              <a:rPr lang="en-US" dirty="0" err="1"/>
+              <a:t>scalaVersion</a:t>
+            </a:r>
+            <a:r>
+              <a:rPr lang="en-US" dirty="0"/>
+              <a:t> := "2.10.4"</a:t>
+            </a:r>
+          </a:p>
+          <a:p>
+            <a:pPr marL="457200" lvl="1" indent="0">
+              <a:buNone/>
+            </a:pPr>
+            <a:endParaRPr lang="en-US" dirty="0"/>
+          </a:p>
+          <a:p>
+            <a:pPr marL="457200" lvl="1" indent="0">
+              <a:buNone/>
+            </a:pPr>
+            <a:r>
+              <a:rPr lang="en-US" dirty="0"/>
+              <a:t>// additional libraries</a:t>
+            </a:r>
+          </a:p>
+          <a:p>
+            <a:pPr marL="457200" lvl="1" indent="0">
+              <a:buNone/>
+            </a:pPr>
+            <a:r>
+              <a:rPr lang="en-US" dirty="0" err="1"/>
+              <a:t>libraryDependencies</a:t>
+            </a:r>
+            <a:r>
+              <a:rPr lang="en-US" dirty="0"/>
+              <a:t> ++= </a:t>
+            </a:r>
+            <a:r>
+              <a:rPr lang="en-US" dirty="0" err="1"/>
+              <a:t>Seq</a:t>
+            </a:r>
+            <a:r>
+              <a:rPr lang="en-US" dirty="0"/>
+              <a:t>(</a:t>
+            </a:r>
+          </a:p>
+          <a:p>
+            <a:pPr marL="457200" lvl="1" indent="0">
+              <a:buNone/>
+            </a:pPr>
+            <a:r>
+              <a:rPr lang="en-US" dirty="0"/>
+              <a:t>  "</a:t>
+            </a:r>
+            <a:r>
+              <a:rPr lang="en-US" dirty="0" err="1"/>
+              <a:t>org.apache.spark</a:t>
+            </a:r>
+            <a:r>
+              <a:rPr lang="en-US" dirty="0"/>
+              <a:t>" %% "spark-core" % "1.3.0" % "</a:t>
+            </a:r>
+            <a:r>
+              <a:rPr lang="en-US" dirty="0" smtClean="0"/>
+              <a:t>provided“ )</a:t>
+            </a:r>
+          </a:p>
+        </p:txBody>
+      </p:sp>
+    </p:spTree>
+    <p:extLst>
+      <p:ext uri="{BB962C8B-B14F-4D97-AF65-F5344CB8AC3E}">
+        <p14:creationId xmlns:p14="http://schemas.microsoft.com/office/powerpoint/2010/main" val="3545978083"/>
+      </p:ext>
+    </p:extLst>
+  </p:cSld>
+  <p:clrMapOvr>
+    <a:masterClrMapping/>
+  </p:clrMapOvr>
+</p:sld>
+</file>
+
+<file path=ppt/slides/slide35.xml><?xml version="1.0" encoding="utf-8"?>
+<p:sld xmlns:a="http://schemas.openxmlformats.org/drawingml/2006/main" xmlns:r="http://schemas.openxmlformats.org/officeDocument/2006/relationships" xmlns:p="http://schemas.openxmlformats.org/presentationml/2006/main">
+  <p:cSld>
+    <p:spTree>
+      <p:nvGrpSpPr>
+        <p:cNvPr id="1" name=""/>
+        <p:cNvGrpSpPr/>
+        <p:nvPr/>
+      </p:nvGrpSpPr>
+      <p:grpSpPr>
+        <a:xfrm>
+          <a:off x="0" y="0"/>
+          <a:ext cx="0" cy="0"/>
+          <a:chOff x="0" y="0"/>
+          <a:chExt cx="0" cy="0"/>
+        </a:xfrm>
+      </p:grpSpPr>
+      <p:sp>
+        <p:nvSpPr>
+          <p:cNvPr id="2" name="Title 1"/>
+          <p:cNvSpPr>
+            <a:spLocks noGrp="1"/>
+          </p:cNvSpPr>
+          <p:nvPr>
+            <p:ph type="title"/>
+          </p:nvPr>
+        </p:nvSpPr>
+        <p:spPr>
+          <a:xfrm>
+            <a:off x="0" y="6220"/>
+            <a:ext cx="9144000" cy="908180"/>
+          </a:xfrm>
+        </p:spPr>
+        <p:txBody>
+          <a:bodyPr>
+            <a:normAutofit fontScale="90000"/>
+          </a:bodyPr>
+          <a:lstStyle/>
+          <a:p>
+            <a:pPr algn="l"/>
+            <a:r>
+              <a:rPr lang="en-US" dirty="0"/>
+              <a:t>Spark – </a:t>
+            </a:r>
+            <a:r>
+              <a:rPr lang="en-US" dirty="0"/>
+              <a:t>Building Standalone </a:t>
+            </a:r>
+            <a:r>
+              <a:rPr lang="en-US" dirty="0" smtClean="0"/>
+              <a:t>Applications</a:t>
+            </a:r>
+            <a:endParaRPr lang="en-US" dirty="0"/>
+          </a:p>
+        </p:txBody>
+      </p:sp>
+      <p:sp>
+        <p:nvSpPr>
+          <p:cNvPr id="3" name="Content Placeholder 2"/>
+          <p:cNvSpPr>
+            <a:spLocks noGrp="1"/>
+          </p:cNvSpPr>
+          <p:nvPr>
+            <p:ph idx="1"/>
+          </p:nvPr>
+        </p:nvSpPr>
+        <p:spPr>
+          <a:xfrm>
+            <a:off x="17106" y="928396"/>
+            <a:ext cx="9126894" cy="5929604"/>
+          </a:xfrm>
+        </p:spPr>
+        <p:txBody>
+          <a:bodyPr>
+            <a:normAutofit fontScale="55000" lnSpcReduction="20000"/>
+          </a:bodyPr>
+          <a:lstStyle/>
+          <a:p>
+            <a:r>
+              <a:rPr lang="en-US" dirty="0"/>
+              <a:t>Maven build file</a:t>
+            </a:r>
+          </a:p>
+          <a:p>
+            <a:pPr marL="0" indent="0">
+              <a:buNone/>
+            </a:pPr>
+            <a:r>
+              <a:rPr lang="en-US" dirty="0"/>
+              <a:t>&lt;project</a:t>
+            </a:r>
+            <a:r>
+              <a:rPr lang="en-US" dirty="0" smtClean="0"/>
+              <a:t>&gt; </a:t>
+            </a:r>
+            <a:endParaRPr lang="en-US" dirty="0"/>
+          </a:p>
+          <a:p>
+            <a:pPr marL="0" indent="0">
+              <a:buNone/>
+            </a:pPr>
+            <a:r>
+              <a:rPr lang="en-US" dirty="0"/>
+              <a:t>  &lt;</a:t>
+            </a:r>
+            <a:r>
+              <a:rPr lang="en-US" dirty="0" err="1"/>
+              <a:t>groupId</a:t>
+            </a:r>
+            <a:r>
+              <a:rPr lang="en-US" dirty="0"/>
+              <a:t>&gt;</a:t>
+            </a:r>
+            <a:r>
+              <a:rPr lang="en-US" dirty="0" err="1"/>
+              <a:t>com.oreilly.learningsparkexamples.mini</a:t>
+            </a:r>
+            <a:r>
+              <a:rPr lang="en-US" dirty="0"/>
+              <a:t>&lt;/</a:t>
+            </a:r>
+            <a:r>
+              <a:rPr lang="en-US" dirty="0" err="1"/>
+              <a:t>groupId</a:t>
+            </a:r>
+            <a:r>
+              <a:rPr lang="en-US" dirty="0"/>
+              <a:t>&gt;</a:t>
+            </a:r>
+          </a:p>
+          <a:p>
+            <a:pPr marL="0" indent="0">
+              <a:buNone/>
+            </a:pPr>
+            <a:r>
+              <a:rPr lang="en-US" dirty="0"/>
+              <a:t>  &lt;</a:t>
+            </a:r>
+            <a:r>
+              <a:rPr lang="en-US" dirty="0" err="1"/>
+              <a:t>artifactId</a:t>
+            </a:r>
+            <a:r>
+              <a:rPr lang="en-US" dirty="0"/>
+              <a:t>&gt;learning-spark-mini-example&lt;/</a:t>
+            </a:r>
+            <a:r>
+              <a:rPr lang="en-US" dirty="0" err="1"/>
+              <a:t>artifactId</a:t>
+            </a:r>
+            <a:r>
+              <a:rPr lang="en-US" dirty="0"/>
+              <a:t>&gt;</a:t>
+            </a:r>
+          </a:p>
+          <a:p>
+            <a:pPr marL="0" indent="0">
+              <a:buNone/>
+            </a:pPr>
+            <a:r>
+              <a:rPr lang="en-US" dirty="0"/>
+              <a:t>  &lt;</a:t>
+            </a:r>
+            <a:r>
+              <a:rPr lang="en-US" dirty="0" err="1"/>
+              <a:t>modelVersion</a:t>
+            </a:r>
+            <a:r>
+              <a:rPr lang="en-US" dirty="0"/>
+              <a:t>&gt;4.0.0&lt;/</a:t>
+            </a:r>
+            <a:r>
+              <a:rPr lang="en-US" dirty="0" err="1"/>
+              <a:t>modelVersion</a:t>
+            </a:r>
+            <a:r>
+              <a:rPr lang="en-US" dirty="0"/>
+              <a:t>&gt;</a:t>
+            </a:r>
+          </a:p>
+          <a:p>
+            <a:pPr marL="0" indent="0">
+              <a:buNone/>
+            </a:pPr>
+            <a:r>
+              <a:rPr lang="en-US" dirty="0"/>
+              <a:t>  &lt;name&gt;example&lt;/name</a:t>
+            </a:r>
+            <a:r>
+              <a:rPr lang="en-US" dirty="0" smtClean="0"/>
+              <a:t>&gt;    </a:t>
+            </a:r>
+            <a:r>
+              <a:rPr lang="en-US" dirty="0"/>
+              <a:t>&lt;packaging&gt;jar&lt;/packaging</a:t>
+            </a:r>
+            <a:r>
+              <a:rPr lang="en-US" dirty="0" smtClean="0"/>
+              <a:t>&gt;   </a:t>
+            </a:r>
+            <a:r>
+              <a:rPr lang="en-US" dirty="0"/>
+              <a:t>&lt;version&gt;0.0.1&lt;/version&gt;</a:t>
+            </a:r>
+          </a:p>
+          <a:p>
+            <a:pPr marL="0" indent="0">
+              <a:buNone/>
+            </a:pPr>
+            <a:r>
+              <a:rPr lang="en-US" dirty="0"/>
+              <a:t>  &lt;dependencies&gt;</a:t>
+            </a:r>
+          </a:p>
+          <a:p>
+            <a:pPr marL="0" indent="0">
+              <a:buNone/>
+            </a:pPr>
+            <a:r>
+              <a:rPr lang="en-US" dirty="0"/>
+              <a:t>    &lt;dependency&gt; &lt;!-- Spark dependency </a:t>
+            </a:r>
+            <a:r>
+              <a:rPr lang="en-US" dirty="0" smtClean="0"/>
+              <a:t>--&gt;       </a:t>
+            </a:r>
+            <a:r>
+              <a:rPr lang="en-US" dirty="0"/>
+              <a:t>&lt;</a:t>
+            </a:r>
+            <a:r>
+              <a:rPr lang="en-US" dirty="0" err="1"/>
+              <a:t>groupId</a:t>
+            </a:r>
+            <a:r>
+              <a:rPr lang="en-US" dirty="0"/>
+              <a:t>&gt;</a:t>
+            </a:r>
+            <a:r>
+              <a:rPr lang="en-US" dirty="0" err="1"/>
+              <a:t>org.apache.spark</a:t>
+            </a:r>
+            <a:r>
+              <a:rPr lang="en-US" dirty="0"/>
+              <a:t>&lt;/</a:t>
+            </a:r>
+            <a:r>
+              <a:rPr lang="en-US" dirty="0" err="1"/>
+              <a:t>groupId</a:t>
+            </a:r>
+            <a:r>
+              <a:rPr lang="en-US" dirty="0" smtClean="0"/>
+              <a:t>&gt;       </a:t>
+            </a:r>
+            <a:r>
+              <a:rPr lang="en-US" dirty="0"/>
+              <a:t>&lt;</a:t>
+            </a:r>
+            <a:r>
+              <a:rPr lang="en-US" dirty="0" err="1"/>
+              <a:t>artifactId</a:t>
+            </a:r>
+            <a:r>
+              <a:rPr lang="en-US" dirty="0"/>
+              <a:t>&gt;spark-core_2.10&lt;/</a:t>
+            </a:r>
+            <a:r>
+              <a:rPr lang="en-US" dirty="0" err="1"/>
+              <a:t>artifactId</a:t>
+            </a:r>
+            <a:r>
+              <a:rPr lang="en-US" dirty="0" smtClean="0"/>
+              <a:t>&gt;       </a:t>
+            </a:r>
+            <a:r>
+              <a:rPr lang="en-US" dirty="0"/>
+              <a:t>&lt;version&gt;1.3.0&lt;/version&gt;</a:t>
+            </a:r>
+          </a:p>
+          <a:p>
+            <a:pPr marL="0" indent="0">
+              <a:buNone/>
+            </a:pPr>
+            <a:r>
+              <a:rPr lang="en-US" dirty="0"/>
+              <a:t>      &lt;scope&gt;provided&lt;/scope</a:t>
+            </a:r>
+            <a:r>
+              <a:rPr lang="en-US" dirty="0" smtClean="0"/>
+              <a:t>&gt;     </a:t>
+            </a:r>
+            <a:r>
+              <a:rPr lang="en-US" dirty="0"/>
+              <a:t>&lt;/dependency&gt;</a:t>
+            </a:r>
+          </a:p>
+          <a:p>
+            <a:pPr marL="0" indent="0">
+              <a:buNone/>
+            </a:pPr>
+            <a:r>
+              <a:rPr lang="en-US" dirty="0"/>
+              <a:t>  &lt;/dependencies&gt;</a:t>
+            </a:r>
+          </a:p>
+          <a:p>
+            <a:pPr marL="0" indent="0">
+              <a:buNone/>
+            </a:pPr>
+            <a:r>
+              <a:rPr lang="en-US" dirty="0"/>
+              <a:t>  &lt;properties</a:t>
+            </a:r>
+            <a:r>
+              <a:rPr lang="en-US" dirty="0" smtClean="0"/>
+              <a:t>&gt;     </a:t>
+            </a:r>
+            <a:r>
+              <a:rPr lang="en-US" dirty="0"/>
+              <a:t>&lt;</a:t>
+            </a:r>
+            <a:r>
+              <a:rPr lang="en-US" dirty="0" err="1"/>
+              <a:t>java.version</a:t>
+            </a:r>
+            <a:r>
+              <a:rPr lang="en-US" dirty="0"/>
+              <a:t>&gt;1.6&lt;/</a:t>
+            </a:r>
+            <a:r>
+              <a:rPr lang="en-US" dirty="0" err="1"/>
+              <a:t>java.version</a:t>
+            </a:r>
+            <a:r>
+              <a:rPr lang="en-US" dirty="0" smtClean="0"/>
+              <a:t>&gt;   </a:t>
+            </a:r>
+            <a:r>
+              <a:rPr lang="en-US" dirty="0"/>
+              <a:t>&lt;/properties&gt;</a:t>
+            </a:r>
+          </a:p>
+          <a:p>
+            <a:pPr marL="0" indent="0">
+              <a:buNone/>
+            </a:pPr>
+            <a:r>
+              <a:rPr lang="en-US" dirty="0"/>
+              <a:t>  &lt;build&gt;</a:t>
+            </a:r>
+          </a:p>
+          <a:p>
+            <a:pPr marL="0" indent="0">
+              <a:buNone/>
+            </a:pPr>
+            <a:r>
+              <a:rPr lang="en-US" dirty="0"/>
+              <a:t>    &lt;</a:t>
+            </a:r>
+            <a:r>
+              <a:rPr lang="en-US" dirty="0" err="1"/>
+              <a:t>pluginManagement</a:t>
+            </a:r>
+            <a:r>
+              <a:rPr lang="en-US" dirty="0"/>
+              <a:t>&gt;</a:t>
+            </a:r>
+          </a:p>
+          <a:p>
+            <a:pPr marL="0" indent="0">
+              <a:buNone/>
+            </a:pPr>
+            <a:r>
+              <a:rPr lang="en-US" dirty="0"/>
+              <a:t>      &lt;plugins&gt;</a:t>
+            </a:r>
+          </a:p>
+          <a:p>
+            <a:pPr marL="0" indent="0">
+              <a:buNone/>
+            </a:pPr>
+            <a:r>
+              <a:rPr lang="en-US" dirty="0"/>
+              <a:t>        &lt;plugin</a:t>
+            </a:r>
+            <a:r>
+              <a:rPr lang="en-US" dirty="0" smtClean="0"/>
+              <a:t>&gt; &lt;</a:t>
+            </a:r>
+            <a:r>
+              <a:rPr lang="en-US" dirty="0" err="1" smtClean="0"/>
+              <a:t>groupId</a:t>
+            </a:r>
+            <a:r>
+              <a:rPr lang="en-US" dirty="0" smtClean="0"/>
+              <a:t>&gt;</a:t>
+            </a:r>
+            <a:r>
+              <a:rPr lang="en-US" dirty="0" err="1" smtClean="0"/>
+              <a:t>org.apache.maven.plugins</a:t>
+            </a:r>
+            <a:r>
+              <a:rPr lang="en-US" dirty="0" smtClean="0"/>
+              <a:t>&lt;/</a:t>
+            </a:r>
+            <a:r>
+              <a:rPr lang="en-US" dirty="0" err="1" smtClean="0"/>
+              <a:t>groupId</a:t>
+            </a:r>
+            <a:r>
+              <a:rPr lang="en-US" dirty="0" smtClean="0"/>
+              <a:t>&gt; &lt;</a:t>
+            </a:r>
+            <a:r>
+              <a:rPr lang="en-US" dirty="0" err="1" smtClean="0"/>
+              <a:t>artifactId</a:t>
+            </a:r>
+            <a:r>
+              <a:rPr lang="en-US" dirty="0" smtClean="0"/>
+              <a:t>&gt;maven-compiler-plugin&lt;/</a:t>
+            </a:r>
+            <a:r>
+              <a:rPr lang="en-US" dirty="0" err="1" smtClean="0"/>
+              <a:t>artifactId</a:t>
+            </a:r>
+            <a:r>
+              <a:rPr lang="en-US" dirty="0" smtClean="0"/>
+              <a:t>&gt;</a:t>
+            </a:r>
+          </a:p>
+          <a:p>
+            <a:pPr marL="0" indent="0">
+              <a:buNone/>
+            </a:pPr>
+            <a:r>
+              <a:rPr lang="en-US" dirty="0" smtClean="0"/>
+              <a:t>          </a:t>
+            </a:r>
+            <a:r>
+              <a:rPr lang="en-US" dirty="0"/>
+              <a:t>&lt;version&gt;3.1&lt;/version</a:t>
+            </a:r>
+            <a:r>
+              <a:rPr lang="en-US" dirty="0" smtClean="0"/>
+              <a:t>&gt;          </a:t>
+            </a:r>
+            <a:r>
+              <a:rPr lang="en-US" dirty="0"/>
+              <a:t>&lt;configuration&gt;</a:t>
+            </a:r>
+          </a:p>
+          <a:p>
+            <a:pPr marL="0" indent="0">
+              <a:buNone/>
+            </a:pPr>
+            <a:r>
+              <a:rPr lang="en-US" dirty="0"/>
+              <a:t>            &lt;source&gt;${</a:t>
+            </a:r>
+            <a:r>
+              <a:rPr lang="en-US" dirty="0" err="1"/>
+              <a:t>java.version</a:t>
+            </a:r>
+            <a:r>
+              <a:rPr lang="en-US" dirty="0"/>
+              <a:t>}&lt;/source</a:t>
+            </a:r>
+            <a:r>
+              <a:rPr lang="en-US" dirty="0" smtClean="0"/>
+              <a:t>&gt;            </a:t>
+            </a:r>
+            <a:r>
+              <a:rPr lang="en-US" dirty="0"/>
+              <a:t>&lt;target&gt;${</a:t>
+            </a:r>
+            <a:r>
+              <a:rPr lang="en-US" dirty="0" err="1"/>
+              <a:t>java.version</a:t>
+            </a:r>
+            <a:r>
+              <a:rPr lang="en-US" dirty="0"/>
+              <a:t>}&lt;/target&gt;</a:t>
+            </a:r>
+          </a:p>
+          <a:p>
+            <a:pPr marL="0" indent="0">
+              <a:buNone/>
+            </a:pPr>
+            <a:r>
+              <a:rPr lang="en-US" dirty="0"/>
+              <a:t>          &lt;/configuration</a:t>
+            </a:r>
+            <a:r>
+              <a:rPr lang="en-US" dirty="0" smtClean="0"/>
+              <a:t>&gt; </a:t>
+            </a:r>
+            <a:r>
+              <a:rPr lang="en-US" dirty="0"/>
+              <a:t>	&lt;/plugin</a:t>
+            </a:r>
+            <a:r>
+              <a:rPr lang="en-US" dirty="0" smtClean="0"/>
+              <a:t>&gt;      </a:t>
+            </a:r>
+            <a:r>
+              <a:rPr lang="en-US" dirty="0"/>
+              <a:t>&lt;/plugins</a:t>
+            </a:r>
+            <a:r>
+              <a:rPr lang="en-US" dirty="0" smtClean="0"/>
+              <a:t>&gt;      </a:t>
+            </a:r>
+            <a:r>
+              <a:rPr lang="en-US" dirty="0"/>
+              <a:t>&lt;/</a:t>
+            </a:r>
+            <a:r>
+              <a:rPr lang="en-US" dirty="0" err="1"/>
+              <a:t>pluginManagement</a:t>
+            </a:r>
+            <a:r>
+              <a:rPr lang="en-US" dirty="0"/>
+              <a:t>&gt;</a:t>
+            </a:r>
+          </a:p>
+          <a:p>
+            <a:pPr marL="0" indent="0">
+              <a:buNone/>
+            </a:pPr>
+            <a:r>
+              <a:rPr lang="en-US" dirty="0"/>
+              <a:t>  &lt;/build</a:t>
+            </a:r>
+            <a:r>
+              <a:rPr lang="en-US" dirty="0" smtClean="0"/>
+              <a:t>&gt;  &lt;/</a:t>
+            </a:r>
+            <a:r>
+              <a:rPr lang="en-US" dirty="0"/>
+              <a:t>project&gt;</a:t>
+            </a:r>
+            <a:endParaRPr lang="en-US" dirty="0" smtClean="0"/>
+          </a:p>
+        </p:txBody>
+      </p:sp>
+    </p:spTree>
+    <p:extLst>
+      <p:ext uri="{BB962C8B-B14F-4D97-AF65-F5344CB8AC3E}">
+        <p14:creationId xmlns:p14="http://schemas.microsoft.com/office/powerpoint/2010/main" val="2068895887"/>
+      </p:ext>
+    </p:extLst>
+  </p:cSld>
+  <p:clrMapOvr>
+    <a:masterClrMapping/>
+  </p:clrMapOvr>
+</p:sld>
+</file>
+
+<file path=ppt/slides/slide36.xml><?xml version="1.0" encoding="utf-8"?>
+<p:sld xmlns:a="http://schemas.openxmlformats.org/drawingml/2006/main" xmlns:r="http://schemas.openxmlformats.org/officeDocument/2006/relationships" xmlns:p="http://schemas.openxmlformats.org/presentationml/2006/main">
+  <p:cSld>
+    <p:spTree>
+      <p:nvGrpSpPr>
+        <p:cNvPr id="1" name=""/>
+        <p:cNvGrpSpPr/>
+        <p:nvPr/>
+      </p:nvGrpSpPr>
+      <p:grpSpPr>
+        <a:xfrm>
+          <a:off x="0" y="0"/>
+          <a:ext cx="0" cy="0"/>
+          <a:chOff x="0" y="0"/>
+          <a:chExt cx="0" cy="0"/>
+        </a:xfrm>
+      </p:grpSpPr>
+      <p:sp>
+        <p:nvSpPr>
+          <p:cNvPr id="2" name="Title 1"/>
+          <p:cNvSpPr>
+            <a:spLocks noGrp="1"/>
+          </p:cNvSpPr>
+          <p:nvPr>
+            <p:ph type="title"/>
+          </p:nvPr>
+        </p:nvSpPr>
+        <p:spPr>
+          <a:xfrm>
+            <a:off x="0" y="6220"/>
+            <a:ext cx="9144000" cy="908180"/>
+          </a:xfrm>
+        </p:spPr>
+        <p:txBody>
+          <a:bodyPr>
+            <a:normAutofit fontScale="90000"/>
+          </a:bodyPr>
+          <a:lstStyle/>
+          <a:p>
+            <a:pPr algn="l"/>
+            <a:r>
+              <a:rPr lang="en-US" dirty="0"/>
+              <a:t>Spark – </a:t>
+            </a:r>
+            <a:r>
+              <a:rPr lang="en-US" dirty="0"/>
+              <a:t>Building Standalone </a:t>
+            </a:r>
+            <a:r>
+              <a:rPr lang="en-US" dirty="0" smtClean="0"/>
+              <a:t>Applications</a:t>
+            </a:r>
+            <a:endParaRPr lang="en-US" dirty="0"/>
+          </a:p>
+        </p:txBody>
+      </p:sp>
+      <p:sp>
+        <p:nvSpPr>
+          <p:cNvPr id="3" name="Content Placeholder 2"/>
+          <p:cNvSpPr>
+            <a:spLocks noGrp="1"/>
+          </p:cNvSpPr>
+          <p:nvPr>
+            <p:ph idx="1"/>
+          </p:nvPr>
+        </p:nvSpPr>
+        <p:spPr>
+          <a:xfrm>
+            <a:off x="17106" y="928396"/>
+            <a:ext cx="9126894" cy="5929604"/>
+          </a:xfrm>
+        </p:spPr>
+        <p:txBody>
+          <a:bodyPr>
+            <a:normAutofit fontScale="62500" lnSpcReduction="20000"/>
+          </a:bodyPr>
+          <a:lstStyle/>
+          <a:p>
+            <a:r>
+              <a:rPr lang="en-US" dirty="0"/>
+              <a:t>Once we have our build defined, we can easily package and run our application using the </a:t>
+            </a:r>
+            <a:r>
+              <a:rPr lang="en-US" u="sng" dirty="0"/>
+              <a:t>bin/spark-submit</a:t>
+            </a:r>
+            <a:r>
+              <a:rPr lang="en-US" dirty="0"/>
+              <a:t> script</a:t>
+            </a:r>
+            <a:r>
+              <a:rPr lang="en-US" dirty="0" smtClean="0"/>
+              <a:t>.</a:t>
+            </a:r>
+            <a:endParaRPr lang="en-US" dirty="0"/>
+          </a:p>
+          <a:p>
+            <a:r>
+              <a:rPr lang="en-US" dirty="0"/>
+              <a:t>The spark-submit script sets up a number of environment variables used by </a:t>
+            </a:r>
+            <a:r>
+              <a:rPr lang="en-US" dirty="0" smtClean="0"/>
+              <a:t>Spark.</a:t>
+            </a:r>
+          </a:p>
+          <a:p>
+            <a:r>
+              <a:rPr lang="en-US" dirty="0"/>
+              <a:t>From the mini-complete-example directory we can build in both Scala  and Java </a:t>
+            </a:r>
+            <a:r>
+              <a:rPr lang="en-US" dirty="0" smtClean="0"/>
+              <a:t>.</a:t>
+            </a:r>
+            <a:endParaRPr lang="en-US" dirty="0"/>
+          </a:p>
+          <a:p>
+            <a:pPr lvl="1"/>
+            <a:r>
+              <a:rPr lang="en-US" dirty="0"/>
+              <a:t>Scala build and run</a:t>
+            </a:r>
+          </a:p>
+          <a:p>
+            <a:pPr marL="457200" lvl="1" indent="0">
+              <a:buNone/>
+            </a:pPr>
+            <a:r>
+              <a:rPr lang="en-US" dirty="0" err="1"/>
+              <a:t>sbt</a:t>
+            </a:r>
+            <a:r>
+              <a:rPr lang="en-US" dirty="0"/>
+              <a:t> clean package</a:t>
+            </a:r>
+          </a:p>
+          <a:p>
+            <a:pPr marL="457200" lvl="1" indent="0">
+              <a:buNone/>
+            </a:pPr>
+            <a:r>
+              <a:rPr lang="en-US" dirty="0"/>
+              <a:t>$SPARK_HOME/bin/spark-submit \</a:t>
+            </a:r>
+          </a:p>
+          <a:p>
+            <a:pPr marL="457200" lvl="1" indent="0">
+              <a:buNone/>
+            </a:pPr>
+            <a:r>
+              <a:rPr lang="en-US" dirty="0"/>
+              <a:t>  --class </a:t>
+            </a:r>
+            <a:r>
+              <a:rPr lang="en-US" dirty="0" err="1"/>
+              <a:t>com.oreilly.learningsparkexamples.mini.scala.WordCount</a:t>
+            </a:r>
+            <a:r>
+              <a:rPr lang="en-US" dirty="0"/>
+              <a:t> \</a:t>
+            </a:r>
+          </a:p>
+          <a:p>
+            <a:pPr marL="457200" lvl="1" indent="0">
+              <a:buNone/>
+            </a:pPr>
+            <a:r>
+              <a:rPr lang="en-US" dirty="0"/>
+              <a:t>  ./target/...(as above) \</a:t>
+            </a:r>
+          </a:p>
+          <a:p>
+            <a:pPr marL="457200" lvl="1" indent="0">
+              <a:buNone/>
+            </a:pPr>
+            <a:r>
+              <a:rPr lang="en-US" dirty="0"/>
+              <a:t>  ./README.md ./</a:t>
+            </a:r>
+            <a:r>
+              <a:rPr lang="en-US" dirty="0" err="1" smtClean="0"/>
+              <a:t>wordcounts</a:t>
+            </a:r>
+            <a:endParaRPr lang="en-US" dirty="0" smtClean="0"/>
+          </a:p>
+          <a:p>
+            <a:pPr lvl="1"/>
+            <a:r>
+              <a:rPr lang="en-US" dirty="0"/>
+              <a:t>Maven build and run</a:t>
+            </a:r>
+          </a:p>
+          <a:p>
+            <a:pPr marL="457200" lvl="1" indent="0">
+              <a:buNone/>
+            </a:pPr>
+            <a:r>
+              <a:rPr lang="en-US" dirty="0" err="1"/>
+              <a:t>mvn</a:t>
+            </a:r>
+            <a:r>
+              <a:rPr lang="en-US" dirty="0"/>
+              <a:t> clean &amp;&amp; </a:t>
+            </a:r>
+            <a:r>
+              <a:rPr lang="en-US" dirty="0" err="1"/>
+              <a:t>mvn</a:t>
+            </a:r>
+            <a:r>
+              <a:rPr lang="en-US" dirty="0"/>
+              <a:t> compile &amp;&amp; </a:t>
+            </a:r>
+            <a:r>
+              <a:rPr lang="en-US" dirty="0" err="1"/>
+              <a:t>mvn</a:t>
+            </a:r>
+            <a:r>
+              <a:rPr lang="en-US" dirty="0"/>
+              <a:t> package</a:t>
+            </a:r>
+          </a:p>
+          <a:p>
+            <a:pPr marL="457200" lvl="1" indent="0">
+              <a:buNone/>
+            </a:pPr>
+            <a:r>
+              <a:rPr lang="en-US" dirty="0"/>
+              <a:t>$SPARK_HOME/bin/spark-submit \</a:t>
+            </a:r>
+          </a:p>
+          <a:p>
+            <a:pPr marL="457200" lvl="1" indent="0">
+              <a:buNone/>
+            </a:pPr>
+            <a:r>
+              <a:rPr lang="en-US" dirty="0"/>
+              <a:t>  --class </a:t>
+            </a:r>
+            <a:r>
+              <a:rPr lang="en-US" dirty="0" err="1"/>
+              <a:t>com.oreilly.learningsparkexamples.mini.java.WordCount</a:t>
+            </a:r>
+            <a:r>
+              <a:rPr lang="en-US" dirty="0"/>
+              <a:t> \</a:t>
+            </a:r>
+          </a:p>
+          <a:p>
+            <a:pPr marL="457200" lvl="1" indent="0">
+              <a:buNone/>
+            </a:pPr>
+            <a:r>
+              <a:rPr lang="en-US" dirty="0"/>
+              <a:t>  ./target/learning-spark-mini-example-0.0.1.jar \</a:t>
+            </a:r>
+          </a:p>
+          <a:p>
+            <a:pPr marL="457200" lvl="1" indent="0">
+              <a:buNone/>
+            </a:pPr>
+            <a:r>
+              <a:rPr lang="en-US" dirty="0"/>
+              <a:t>  ./README.md ./</a:t>
+            </a:r>
+            <a:r>
+              <a:rPr lang="en-US" dirty="0" err="1" smtClean="0"/>
+              <a:t>wordcounts</a:t>
+            </a:r>
+            <a:endParaRPr lang="en-US" smtClean="0"/>
+          </a:p>
+          <a:p>
+            <a:pPr marL="457200" lvl="1" indent="0">
+              <a:buNone/>
+            </a:pPr>
+            <a:endParaRPr lang="en-US" dirty="0" smtClean="0"/>
+          </a:p>
+          <a:p>
+            <a:r>
+              <a:rPr lang="en-US" dirty="0"/>
+              <a:t>For even more detailed examples of linking applications to Spark, refer to the Quick Start Guide in the official Spark documentation. </a:t>
+            </a:r>
+            <a:endParaRPr lang="en-US" dirty="0" smtClean="0"/>
+          </a:p>
+        </p:txBody>
+      </p:sp>
+    </p:spTree>
+    <p:extLst>
+      <p:ext uri="{BB962C8B-B14F-4D97-AF65-F5344CB8AC3E}">
+        <p14:creationId xmlns:p14="http://schemas.microsoft.com/office/powerpoint/2010/main" val="3800155434"/>
+      </p:ext>
+    </p:extLst>
+  </p:cSld>
+  <p:clrMapOvr>
+    <a:masterClrMapping/>
+  </p:clrMapOvr>
 </p:sld>
 </file>
 
@@ -12798,4 +18209,265 @@
   <a:objectDefaults/>
   <a:extraClrSchemeLst/>
 </a:theme>
+</file>
+
+<file path=ppt/theme/theme2.xml><?xml version="1.0" encoding="utf-8"?>
+<a:theme xmlns:a="http://schemas.openxmlformats.org/drawingml/2006/main" name="Office Theme">
+  <a:themeElements>
+    <a:clrScheme name="Office">
+      <a:dk1>
+        <a:sysClr val="windowText" lastClr="000000"/>
+      </a:dk1>
+      <a:lt1>
+        <a:sysClr val="window" lastClr="FFFFFF"/>
+      </a:lt1>
+      <a:dk2>
+        <a:srgbClr val="44546A"/>
+      </a:dk2>
+      <a:lt2>
+        <a:srgbClr val="E7E6E6"/>
+      </a:lt2>
+      <a:accent1>
+        <a:srgbClr val="5B9BD5"/>
+      </a:accent1>
+      <a:accent2>
+        <a:srgbClr val="ED7D31"/>
+      </a:accent2>
+      <a:accent3>
+        <a:srgbClr val="A5A5A5"/>
+      </a:accent3>
+      <a:accent4>
+        <a:srgbClr val="FFC000"/>
+      </a:accent4>
+      <a:accent5>
+        <a:srgbClr val="4472C4"/>
+      </a:accent5>
+      <a:accent6>
+        <a:srgbClr val="70AD47"/>
+      </a:accent6>
+      <a:hlink>
+        <a:srgbClr val="0563C1"/>
+      </a:hlink>
+      <a:folHlink>
+        <a:srgbClr val="954F72"/>
+      </a:folHlink>
+    </a:clrScheme>
+    <a:fontScheme name="Office">
+      <a:majorFont>
+        <a:latin typeface="Calibri Light" panose="020F0302020204030204"/>
+        <a:ea typeface=""/>
+        <a:cs typeface=""/>
+        <a:font script="Jpan" typeface="ＭＳ Ｐゴシック"/>
+        <a:font script="Hang" typeface="맑은 고딕"/>
+        <a:font script="Hans" typeface="宋体"/>
+        <a:font script="Hant" typeface="新細明體"/>
+        <a:font script="Arab" typeface="Times New Roman"/>
+        <a:font script="Hebr" typeface="Times New Roman"/>
+        <a:font script="Thai" typeface="Angsana New"/>
+        <a:font script="Ethi" typeface="Nyala"/>
+        <a:font script="Beng" typeface="Vrinda"/>
+        <a:font script="Gujr" typeface="Shruti"/>
+        <a:font script="Khmr" typeface="MoolBoran"/>
+        <a:font script="Knda" typeface="Tunga"/>
+        <a:font script="Guru" typeface="Raavi"/>
+        <a:font script="Cans" typeface="Euphemia"/>
+        <a:font script="Cher" typeface="Plantagenet Cherokee"/>
+        <a:font script="Yiii" typeface="Microsoft Yi Baiti"/>
+        <a:font script="Tibt" typeface="Microsoft Himalaya"/>
+        <a:font script="Thaa" typeface="MV Boli"/>
+        <a:font script="Deva" typeface="Mangal"/>
+        <a:font script="Telu" typeface="Gautami"/>
+        <a:font script="Taml" typeface="Latha"/>
+        <a:font script="Syrc" typeface="Estrangelo Edessa"/>
+        <a:font script="Orya" typeface="Kalinga"/>
+        <a:font script="Mlym" typeface="Kartika"/>
+        <a:font script="Laoo" typeface="DokChampa"/>
+        <a:font script="Sinh" typeface="Iskoola Pota"/>
+        <a:font script="Mong" typeface="Mongolian Baiti"/>
+        <a:font script="Viet" typeface="Times New Roman"/>
+        <a:font script="Uigh" typeface="Microsoft Uighur"/>
+        <a:font script="Geor" typeface="Sylfaen"/>
+      </a:majorFont>
+      <a:minorFont>
+        <a:latin typeface="Calibri" panose="020F0502020204030204"/>
+        <a:ea typeface=""/>
+        <a:cs typeface=""/>
+        <a:font script="Jpan" typeface="ＭＳ Ｐゴシック"/>
+        <a:font script="Hang" typeface="맑은 고딕"/>
+        <a:font script="Hans" typeface="宋体"/>
+        <a:font script="Hant" typeface="新細明體"/>
+        <a:font script="Arab" typeface="Arial"/>
+        <a:font script="Hebr" typeface="Arial"/>
+        <a:font script="Thai" typeface="Cordia New"/>
+        <a:font script="Ethi" typeface="Nyala"/>
+        <a:font script="Beng" typeface="Vrinda"/>
+        <a:font script="Gujr" typeface="Shruti"/>
+        <a:font script="Khmr" typeface="DaunPenh"/>
+        <a:font script="Knda" typeface="Tunga"/>
+        <a:font script="Guru" typeface="Raavi"/>
+        <a:font script="Cans" typeface="Euphemia"/>
+        <a:font script="Cher" typeface="Plantagenet Cherokee"/>
+        <a:font script="Yiii" typeface="Microsoft Yi Baiti"/>
+        <a:font script="Tibt" typeface="Microsoft Himalaya"/>
+        <a:font script="Thaa" typeface="MV Boli"/>
+        <a:font script="Deva" typeface="Mangal"/>
+        <a:font script="Telu" typeface="Gautami"/>
+        <a:font script="Taml" typeface="Latha"/>
+        <a:font script="Syrc" typeface="Estrangelo Edessa"/>
+        <a:font script="Orya" typeface="Kalinga"/>
+        <a:font script="Mlym" typeface="Kartika"/>
+        <a:font script="Laoo" typeface="DokChampa"/>
+        <a:font script="Sinh" typeface="Iskoola Pota"/>
+        <a:font script="Mong" typeface="Mongolian Baiti"/>
+        <a:font script="Viet" typeface="Arial"/>
+        <a:font script="Uigh" typeface="Microsoft Uighur"/>
+        <a:font script="Geor" typeface="Sylfaen"/>
+      </a:minorFont>
+    </a:fontScheme>
+    <a:fmtScheme name="Office">
+      <a:fillStyleLst>
+        <a:solidFill>
+          <a:schemeClr val="phClr"/>
+        </a:solidFill>
+        <a:gradFill rotWithShape="1">
+          <a:gsLst>
+            <a:gs pos="0">
+              <a:schemeClr val="phClr">
+                <a:lumMod val="110000"/>
+                <a:satMod val="105000"/>
+                <a:tint val="67000"/>
+              </a:schemeClr>
+            </a:gs>
+            <a:gs pos="50000">
+              <a:schemeClr val="phClr">
+                <a:lumMod val="105000"/>
+                <a:satMod val="103000"/>
+                <a:tint val="73000"/>
+              </a:schemeClr>
+            </a:gs>
+            <a:gs pos="100000">
+              <a:schemeClr val="phClr">
+                <a:lumMod val="105000"/>
+                <a:satMod val="109000"/>
+                <a:tint val="81000"/>
+              </a:schemeClr>
+            </a:gs>
+          </a:gsLst>
+          <a:lin ang="5400000" scaled="0"/>
+        </a:gradFill>
+        <a:gradFill rotWithShape="1">
+          <a:gsLst>
+            <a:gs pos="0">
+              <a:schemeClr val="phClr">
+                <a:satMod val="103000"/>
+                <a:lumMod val="102000"/>
+                <a:tint val="94000"/>
+              </a:schemeClr>
+            </a:gs>
+            <a:gs pos="50000">
+              <a:schemeClr val="phClr">
+                <a:satMod val="110000"/>
+                <a:lumMod val="100000"/>
+                <a:shade val="100000"/>
+              </a:schemeClr>
+            </a:gs>
+            <a:gs pos="100000">
+              <a:schemeClr val="phClr">
+                <a:lumMod val="99000"/>
+                <a:satMod val="120000"/>
+                <a:shade val="78000"/>
+              </a:schemeClr>
+            </a:gs>
+          </a:gsLst>
+          <a:lin ang="5400000" scaled="0"/>
+        </a:gradFill>
+      </a:fillStyleLst>
+      <a:lnStyleLst>
+        <a:ln w="6350" cap="flat" cmpd="sng" algn="ctr">
+          <a:solidFill>
+            <a:schemeClr val="phClr"/>
+          </a:solidFill>
+          <a:prstDash val="solid"/>
+          <a:miter lim="800000"/>
+        </a:ln>
+        <a:ln w="12700" cap="flat" cmpd="sng" algn="ctr">
+          <a:solidFill>
+            <a:schemeClr val="phClr"/>
+          </a:solidFill>
+          <a:prstDash val="solid"/>
+          <a:miter lim="800000"/>
+        </a:ln>
+        <a:ln w="19050" cap="flat" cmpd="sng" algn="ctr">
+          <a:solidFill>
+            <a:schemeClr val="phClr"/>
+          </a:solidFill>
+          <a:prstDash val="solid"/>
+          <a:miter lim="800000"/>
+        </a:ln>
+      </a:lnStyleLst>
+      <a:effectStyleLst>
+        <a:effectStyle>
+          <a:effectLst/>
+        </a:effectStyle>
+        <a:effectStyle>
+          <a:effectLst/>
+        </a:effectStyle>
+        <a:effectStyle>
+          <a:effectLst>
+            <a:outerShdw blurRad="57150" dist="19050" dir="5400000" algn="ctr" rotWithShape="0">
+              <a:srgbClr val="000000">
+                <a:alpha val="63000"/>
+              </a:srgbClr>
+            </a:outerShdw>
+          </a:effectLst>
+        </a:effectStyle>
+      </a:effectStyleLst>
+      <a:bgFillStyleLst>
+        <a:solidFill>
+          <a:schemeClr val="phClr"/>
+        </a:solidFill>
+        <a:solidFill>
+          <a:schemeClr val="phClr">
+            <a:tint val="95000"/>
+            <a:satMod val="170000"/>
+          </a:schemeClr>
+        </a:solidFill>
+        <a:gradFill rotWithShape="1">
+          <a:gsLst>
+            <a:gs pos="0">
+              <a:schemeClr val="phClr">
+                <a:tint val="93000"/>
+                <a:satMod val="150000"/>
+                <a:shade val="98000"/>
+                <a:lumMod val="102000"/>
+              </a:schemeClr>
+            </a:gs>
+            <a:gs pos="50000">
+              <a:schemeClr val="phClr">
+                <a:tint val="98000"/>
+                <a:satMod val="130000"/>
+                <a:shade val="90000"/>
+                <a:lumMod val="103000"/>
+              </a:schemeClr>
+            </a:gs>
+            <a:gs pos="100000">
+              <a:schemeClr val="phClr">
+                <a:shade val="63000"/>
+                <a:satMod val="120000"/>
+              </a:schemeClr>
+            </a:gs>
+          </a:gsLst>
+          <a:lin ang="5400000" scaled="0"/>
+        </a:gradFill>
+      </a:bgFillStyleLst>
+    </a:fmtScheme>
+  </a:themeElements>
+  <a:objectDefaults/>
+  <a:extraClrSchemeLst/>
+  <a:extLst>
+    <a:ext uri="{05A4C25C-085E-4340-85A3-A5531E510DB2}">
+      <thm15:themeFamily xmlns:thm15="http://schemas.microsoft.com/office/thememl/2012/main" name="Office Theme" id="{62F939B6-93AF-4DB8-9C6B-D6C7DFDC589F}" vid="{4A3C46E8-61CC-4603-A589-7422A47A8E4A}"/>
+    </a:ext>
+  </a:extLst>
+</a:theme>
 </file>
--- a/Spark_PPT/Spark_part1.pptx
+++ b/Spark_PPT/Spark_part1.pptx
@@ -786,6 +786,526 @@
     <p:extLst>
       <p:ext uri="{BB962C8B-B14F-4D97-AF65-F5344CB8AC3E}">
         <p14:creationId xmlns:p14="http://schemas.microsoft.com/office/powerpoint/2010/main" val="3432447663"/>
+      </p:ext>
+    </p:extLst>
+  </p:cSld>
+  <p:clrMapOvr>
+    <a:masterClrMapping/>
+  </p:clrMapOvr>
+</p:notes>
+</file>
+
+<file path=ppt/notesSlides/notesSlide3.xml><?xml version="1.0" encoding="utf-8"?>
+<p:notes xmlns:a="http://schemas.openxmlformats.org/drawingml/2006/main" xmlns:r="http://schemas.openxmlformats.org/officeDocument/2006/relationships" xmlns:p="http://schemas.openxmlformats.org/presentationml/2006/main">
+  <p:cSld>
+    <p:spTree>
+      <p:nvGrpSpPr>
+        <p:cNvPr id="1" name=""/>
+        <p:cNvGrpSpPr/>
+        <p:nvPr/>
+      </p:nvGrpSpPr>
+      <p:grpSpPr>
+        <a:xfrm>
+          <a:off x="0" y="0"/>
+          <a:ext cx="0" cy="0"/>
+          <a:chOff x="0" y="0"/>
+          <a:chExt cx="0" cy="0"/>
+        </a:xfrm>
+      </p:grpSpPr>
+      <p:sp>
+        <p:nvSpPr>
+          <p:cNvPr id="2" name="Slide Image Placeholder 1"/>
+          <p:cNvSpPr>
+            <a:spLocks noGrp="1" noRot="1" noChangeAspect="1"/>
+          </p:cNvSpPr>
+          <p:nvPr>
+            <p:ph type="sldImg"/>
+          </p:nvPr>
+        </p:nvSpPr>
+        <p:spPr/>
+      </p:sp>
+      <p:sp>
+        <p:nvSpPr>
+          <p:cNvPr id="3" name="Notes Placeholder 2"/>
+          <p:cNvSpPr>
+            <a:spLocks noGrp="1"/>
+          </p:cNvSpPr>
+          <p:nvPr>
+            <p:ph type="body" idx="1"/>
+          </p:nvPr>
+        </p:nvSpPr>
+        <p:spPr/>
+        <p:txBody>
+          <a:bodyPr/>
+          <a:lstStyle/>
+          <a:p>
+            <a:r>
+              <a:rPr lang="en-US" dirty="0" smtClean="0"/>
+              <a:t>Install Spark Plugin (Scala</a:t>
+            </a:r>
+            <a:r>
+              <a:rPr lang="en-US" baseline="0" dirty="0" smtClean="0"/>
+              <a:t> plugin ) in java EE IDE follow the steps:</a:t>
+            </a:r>
+          </a:p>
+          <a:p>
+            <a:endParaRPr lang="en-US" baseline="0" dirty="0" smtClean="0"/>
+          </a:p>
+          <a:p>
+            <a:r>
+              <a:rPr lang="en-US" dirty="0" smtClean="0"/>
+              <a:t>http://www.ai.sri.com/~spark/eclipse/doc/spark-ide-install.html</a:t>
+            </a:r>
+          </a:p>
+          <a:p>
+            <a:endParaRPr lang="en-US" dirty="0" smtClean="0"/>
+          </a:p>
+          <a:p>
+            <a:r>
+              <a:rPr lang="en-US" sz="1200" b="0" i="0" kern="1200" dirty="0" smtClean="0">
+                <a:solidFill>
+                  <a:schemeClr val="tx1"/>
+                </a:solidFill>
+                <a:effectLst/>
+                <a:latin typeface="+mn-lt"/>
+                <a:ea typeface="+mn-ea"/>
+                <a:cs typeface="+mn-cs"/>
+              </a:rPr>
+              <a:t>Select Help-&gt;Software Updates-&gt;Find and Install Updates</a:t>
+            </a:r>
+          </a:p>
+          <a:p>
+            <a:r>
+              <a:rPr lang="en-US" sz="1200" b="0" i="0" kern="1200" dirty="0" smtClean="0">
+                <a:solidFill>
+                  <a:schemeClr val="tx1"/>
+                </a:solidFill>
+                <a:effectLst/>
+                <a:latin typeface="+mn-lt"/>
+                <a:ea typeface="+mn-ea"/>
+                <a:cs typeface="+mn-cs"/>
+              </a:rPr>
+              <a:t>Select </a:t>
+            </a:r>
+            <a:r>
+              <a:rPr lang="en-US" sz="1200" b="1" i="0" kern="1200" dirty="0" smtClean="0">
+                <a:solidFill>
+                  <a:schemeClr val="tx1"/>
+                </a:solidFill>
+                <a:effectLst/>
+                <a:latin typeface="+mn-lt"/>
+                <a:ea typeface="+mn-ea"/>
+                <a:cs typeface="+mn-cs"/>
+              </a:rPr>
+              <a:t>Search for new features to install</a:t>
+            </a:r>
+            <a:endParaRPr lang="en-US" sz="1200" b="0" i="0" kern="1200" dirty="0" smtClean="0">
+              <a:solidFill>
+                <a:schemeClr val="tx1"/>
+              </a:solidFill>
+              <a:effectLst/>
+              <a:latin typeface="+mn-lt"/>
+              <a:ea typeface="+mn-ea"/>
+              <a:cs typeface="+mn-cs"/>
+            </a:endParaRPr>
+          </a:p>
+          <a:p>
+            <a:r>
+              <a:rPr lang="en-US" sz="1200" b="0" i="0" kern="1200" dirty="0" smtClean="0">
+                <a:solidFill>
+                  <a:schemeClr val="tx1"/>
+                </a:solidFill>
+                <a:effectLst/>
+                <a:latin typeface="+mn-lt"/>
+                <a:ea typeface="+mn-ea"/>
+                <a:cs typeface="+mn-cs"/>
+              </a:rPr>
+              <a:t>Select </a:t>
+            </a:r>
+            <a:r>
+              <a:rPr lang="en-US" sz="1200" b="1" i="0" kern="1200" dirty="0" smtClean="0">
+                <a:solidFill>
+                  <a:schemeClr val="tx1"/>
+                </a:solidFill>
+                <a:effectLst/>
+                <a:latin typeface="+mn-lt"/>
+                <a:ea typeface="+mn-ea"/>
+                <a:cs typeface="+mn-cs"/>
+              </a:rPr>
+              <a:t>New Remote Site</a:t>
+            </a:r>
+            <a:endParaRPr lang="en-US" sz="1200" b="0" i="0" kern="1200" dirty="0" smtClean="0">
+              <a:solidFill>
+                <a:schemeClr val="tx1"/>
+              </a:solidFill>
+              <a:effectLst/>
+              <a:latin typeface="+mn-lt"/>
+              <a:ea typeface="+mn-ea"/>
+              <a:cs typeface="+mn-cs"/>
+            </a:endParaRPr>
+          </a:p>
+          <a:p>
+            <a:r>
+              <a:rPr lang="en-US" sz="1200" b="0" i="0" kern="1200" dirty="0" smtClean="0">
+                <a:solidFill>
+                  <a:schemeClr val="tx1"/>
+                </a:solidFill>
+                <a:effectLst/>
+                <a:latin typeface="+mn-lt"/>
+                <a:ea typeface="+mn-ea"/>
+                <a:cs typeface="+mn-cs"/>
+              </a:rPr>
+              <a:t>In the dialog box </a:t>
+            </a:r>
+            <a:r>
+              <a:rPr lang="en-US" sz="1200" b="0" i="0" kern="1200" dirty="0" err="1" smtClean="0">
+                <a:solidFill>
+                  <a:schemeClr val="tx1"/>
+                </a:solidFill>
+                <a:effectLst/>
+                <a:latin typeface="+mn-lt"/>
+                <a:ea typeface="+mn-ea"/>
+                <a:cs typeface="+mn-cs"/>
+              </a:rPr>
+              <a:t>enter:Name</a:t>
+            </a:r>
+            <a:r>
+              <a:rPr lang="en-US" sz="1200" b="0" i="0" kern="1200" dirty="0" smtClean="0">
+                <a:solidFill>
+                  <a:schemeClr val="tx1"/>
+                </a:solidFill>
+                <a:effectLst/>
+                <a:latin typeface="+mn-lt"/>
+                <a:ea typeface="+mn-ea"/>
+                <a:cs typeface="+mn-cs"/>
+              </a:rPr>
+              <a:t>: Spark Plugin </a:t>
+            </a:r>
+            <a:br>
+              <a:rPr lang="en-US" sz="1200" b="0" i="0" kern="1200" dirty="0" smtClean="0">
+                <a:solidFill>
+                  <a:schemeClr val="tx1"/>
+                </a:solidFill>
+                <a:effectLst/>
+                <a:latin typeface="+mn-lt"/>
+                <a:ea typeface="+mn-ea"/>
+                <a:cs typeface="+mn-cs"/>
+              </a:rPr>
+            </a:br>
+            <a:r>
+              <a:rPr lang="en-US" sz="1200" b="0" i="0" kern="1200" dirty="0" smtClean="0">
+                <a:solidFill>
+                  <a:schemeClr val="tx1"/>
+                </a:solidFill>
+                <a:effectLst/>
+                <a:latin typeface="+mn-lt"/>
+                <a:ea typeface="+mn-ea"/>
+                <a:cs typeface="+mn-cs"/>
+              </a:rPr>
+              <a:t>URL: http://www.ai.sri.com/~spark/eclipse </a:t>
+            </a:r>
+            <a:br>
+              <a:rPr lang="en-US" sz="1200" b="0" i="0" kern="1200" dirty="0" smtClean="0">
+                <a:solidFill>
+                  <a:schemeClr val="tx1"/>
+                </a:solidFill>
+                <a:effectLst/>
+                <a:latin typeface="+mn-lt"/>
+                <a:ea typeface="+mn-ea"/>
+                <a:cs typeface="+mn-cs"/>
+              </a:rPr>
+            </a:br>
+            <a:r>
+              <a:rPr lang="en-US" sz="1200" b="0" i="1" kern="1200" dirty="0" smtClean="0">
+                <a:solidFill>
+                  <a:schemeClr val="tx1"/>
+                </a:solidFill>
+                <a:effectLst/>
+                <a:latin typeface="+mn-lt"/>
+                <a:ea typeface="+mn-ea"/>
+                <a:cs typeface="+mn-cs"/>
+              </a:rPr>
+              <a:t>Under </a:t>
+            </a:r>
+            <a:r>
+              <a:rPr lang="en-US" sz="1200" b="1" i="1" kern="1200" dirty="0" smtClean="0">
+                <a:solidFill>
+                  <a:schemeClr val="tx1"/>
+                </a:solidFill>
+                <a:effectLst/>
+                <a:latin typeface="+mn-lt"/>
+                <a:ea typeface="+mn-ea"/>
+                <a:cs typeface="+mn-cs"/>
+              </a:rPr>
+              <a:t>Sites to Include in Search</a:t>
+            </a:r>
+            <a:r>
+              <a:rPr lang="en-US" sz="1200" b="0" i="1" kern="1200" dirty="0" smtClean="0">
+                <a:solidFill>
+                  <a:schemeClr val="tx1"/>
+                </a:solidFill>
+                <a:effectLst/>
+                <a:latin typeface="+mn-lt"/>
+                <a:ea typeface="+mn-ea"/>
+                <a:cs typeface="+mn-cs"/>
+              </a:rPr>
+              <a:t> you should now see </a:t>
+            </a:r>
+            <a:r>
+              <a:rPr lang="en-US" sz="1200" b="1" i="1" kern="1200" dirty="0" smtClean="0">
+                <a:solidFill>
+                  <a:schemeClr val="tx1"/>
+                </a:solidFill>
+                <a:effectLst/>
+                <a:latin typeface="+mn-lt"/>
+                <a:ea typeface="+mn-ea"/>
+                <a:cs typeface="+mn-cs"/>
+              </a:rPr>
+              <a:t>SPARK Plugin</a:t>
+            </a:r>
+            <a:endParaRPr lang="en-US" sz="1200" b="0" i="0" kern="1200" dirty="0" smtClean="0">
+              <a:solidFill>
+                <a:schemeClr val="tx1"/>
+              </a:solidFill>
+              <a:effectLst/>
+              <a:latin typeface="+mn-lt"/>
+              <a:ea typeface="+mn-ea"/>
+              <a:cs typeface="+mn-cs"/>
+            </a:endParaRPr>
+          </a:p>
+          <a:p>
+            <a:r>
+              <a:rPr lang="en-US" sz="1200" b="0" i="0" kern="1200" dirty="0" smtClean="0">
+                <a:solidFill>
+                  <a:schemeClr val="tx1"/>
+                </a:solidFill>
+                <a:effectLst/>
+                <a:latin typeface="+mn-lt"/>
+                <a:ea typeface="+mn-ea"/>
+                <a:cs typeface="+mn-cs"/>
+              </a:rPr>
+              <a:t>Check the checkbox next to </a:t>
+            </a:r>
+            <a:r>
+              <a:rPr lang="en-US" sz="1200" b="1" i="0" kern="1200" dirty="0" smtClean="0">
+                <a:solidFill>
+                  <a:schemeClr val="tx1"/>
+                </a:solidFill>
+                <a:effectLst/>
+                <a:latin typeface="+mn-lt"/>
+                <a:ea typeface="+mn-ea"/>
+                <a:cs typeface="+mn-cs"/>
+              </a:rPr>
+              <a:t>SPARK Plugin</a:t>
+            </a:r>
+            <a:r>
+              <a:rPr lang="en-US" sz="1200" b="0" i="0" kern="1200" dirty="0" smtClean="0">
+                <a:solidFill>
+                  <a:schemeClr val="tx1"/>
+                </a:solidFill>
+                <a:effectLst/>
+                <a:latin typeface="+mn-lt"/>
+                <a:ea typeface="+mn-ea"/>
+                <a:cs typeface="+mn-cs"/>
+              </a:rPr>
+              <a:t> under </a:t>
+            </a:r>
+            <a:r>
+              <a:rPr lang="en-US" sz="1200" b="1" i="0" kern="1200" dirty="0" smtClean="0">
+                <a:solidFill>
+                  <a:schemeClr val="tx1"/>
+                </a:solidFill>
+                <a:effectLst/>
+                <a:latin typeface="+mn-lt"/>
+                <a:ea typeface="+mn-ea"/>
+                <a:cs typeface="+mn-cs"/>
+              </a:rPr>
+              <a:t>Sites to Include...</a:t>
+            </a:r>
+            <a:r>
+              <a:rPr lang="en-US" sz="1200" b="0" i="0" kern="1200" dirty="0" smtClean="0">
+                <a:solidFill>
+                  <a:schemeClr val="tx1"/>
+                </a:solidFill>
+                <a:effectLst/>
+                <a:latin typeface="+mn-lt"/>
+                <a:ea typeface="+mn-ea"/>
+                <a:cs typeface="+mn-cs"/>
+              </a:rPr>
+              <a:t> and click </a:t>
+            </a:r>
+            <a:r>
+              <a:rPr lang="en-US" sz="1200" b="1" i="0" kern="1200" dirty="0" smtClean="0">
+                <a:solidFill>
+                  <a:schemeClr val="tx1"/>
+                </a:solidFill>
+                <a:effectLst/>
+                <a:latin typeface="+mn-lt"/>
+                <a:ea typeface="+mn-ea"/>
+                <a:cs typeface="+mn-cs"/>
+              </a:rPr>
+              <a:t>Next</a:t>
+            </a:r>
+            <a:endParaRPr lang="en-US" sz="1200" b="0" i="0" kern="1200" dirty="0" smtClean="0">
+              <a:solidFill>
+                <a:schemeClr val="tx1"/>
+              </a:solidFill>
+              <a:effectLst/>
+              <a:latin typeface="+mn-lt"/>
+              <a:ea typeface="+mn-ea"/>
+              <a:cs typeface="+mn-cs"/>
+            </a:endParaRPr>
+          </a:p>
+          <a:p>
+            <a:r>
+              <a:rPr lang="en-US" sz="1200" b="0" i="0" kern="1200" dirty="0" smtClean="0">
+                <a:solidFill>
+                  <a:schemeClr val="tx1"/>
+                </a:solidFill>
+                <a:effectLst/>
+                <a:latin typeface="+mn-lt"/>
+                <a:ea typeface="+mn-ea"/>
+                <a:cs typeface="+mn-cs"/>
+              </a:rPr>
+              <a:t>Select the latest version of </a:t>
+            </a:r>
+            <a:r>
+              <a:rPr lang="en-US" sz="1200" b="1" i="0" kern="1200" dirty="0" smtClean="0">
+                <a:solidFill>
+                  <a:schemeClr val="tx1"/>
+                </a:solidFill>
+                <a:effectLst/>
+                <a:latin typeface="+mn-lt"/>
+                <a:ea typeface="+mn-ea"/>
+                <a:cs typeface="+mn-cs"/>
+              </a:rPr>
+              <a:t>SPARK Plugin for Eclipse</a:t>
+            </a:r>
+            <a:r>
+              <a:rPr lang="en-US" sz="1200" b="0" i="0" kern="1200" dirty="0" smtClean="0">
+                <a:solidFill>
+                  <a:schemeClr val="tx1"/>
+                </a:solidFill>
+                <a:effectLst/>
+                <a:latin typeface="+mn-lt"/>
+                <a:ea typeface="+mn-ea"/>
+                <a:cs typeface="+mn-cs"/>
+              </a:rPr>
+              <a:t> and click </a:t>
+            </a:r>
+            <a:r>
+              <a:rPr lang="en-US" sz="1200" b="1" i="0" kern="1200" dirty="0" smtClean="0">
+                <a:solidFill>
+                  <a:schemeClr val="tx1"/>
+                </a:solidFill>
+                <a:effectLst/>
+                <a:latin typeface="+mn-lt"/>
+                <a:ea typeface="+mn-ea"/>
+                <a:cs typeface="+mn-cs"/>
+              </a:rPr>
+              <a:t>Next</a:t>
+            </a:r>
+            <a:endParaRPr lang="en-US" sz="1200" b="0" i="0" kern="1200" dirty="0" smtClean="0">
+              <a:solidFill>
+                <a:schemeClr val="tx1"/>
+              </a:solidFill>
+              <a:effectLst/>
+              <a:latin typeface="+mn-lt"/>
+              <a:ea typeface="+mn-ea"/>
+              <a:cs typeface="+mn-cs"/>
+            </a:endParaRPr>
+          </a:p>
+          <a:p>
+            <a:r>
+              <a:rPr lang="en-US" sz="1200" b="0" i="0" kern="1200" dirty="0" smtClean="0">
+                <a:solidFill>
+                  <a:schemeClr val="tx1"/>
+                </a:solidFill>
+                <a:effectLst/>
+                <a:latin typeface="+mn-lt"/>
+                <a:ea typeface="+mn-ea"/>
+                <a:cs typeface="+mn-cs"/>
+              </a:rPr>
+              <a:t>Select </a:t>
+            </a:r>
+            <a:r>
+              <a:rPr lang="en-US" sz="1200" b="1" i="0" kern="1200" dirty="0" smtClean="0">
+                <a:solidFill>
+                  <a:schemeClr val="tx1"/>
+                </a:solidFill>
+                <a:effectLst/>
+                <a:latin typeface="+mn-lt"/>
+                <a:ea typeface="+mn-ea"/>
+                <a:cs typeface="+mn-cs"/>
+              </a:rPr>
+              <a:t>I accept the terms in the license agreement</a:t>
+            </a:r>
+            <a:r>
+              <a:rPr lang="en-US" sz="1200" b="0" i="0" kern="1200" dirty="0" smtClean="0">
+                <a:solidFill>
+                  <a:schemeClr val="tx1"/>
+                </a:solidFill>
+                <a:effectLst/>
+                <a:latin typeface="+mn-lt"/>
+                <a:ea typeface="+mn-ea"/>
+                <a:cs typeface="+mn-cs"/>
+              </a:rPr>
+              <a:t> and click </a:t>
+            </a:r>
+            <a:r>
+              <a:rPr lang="en-US" sz="1200" b="1" i="0" kern="1200" smtClean="0">
+                <a:solidFill>
+                  <a:schemeClr val="tx1"/>
+                </a:solidFill>
+                <a:effectLst/>
+                <a:latin typeface="+mn-lt"/>
+                <a:ea typeface="+mn-ea"/>
+                <a:cs typeface="+mn-cs"/>
+              </a:rPr>
+              <a:t>Next  Finish.</a:t>
+            </a:r>
+            <a:endParaRPr lang="en-US" sz="1200" b="0" i="0" kern="1200" smtClean="0">
+              <a:solidFill>
+                <a:schemeClr val="tx1"/>
+              </a:solidFill>
+              <a:effectLst/>
+              <a:latin typeface="+mn-lt"/>
+              <a:ea typeface="+mn-ea"/>
+              <a:cs typeface="+mn-cs"/>
+            </a:endParaRPr>
+          </a:p>
+          <a:p>
+            <a:endParaRPr lang="en-US" dirty="0"/>
+          </a:p>
+        </p:txBody>
+      </p:sp>
+      <p:sp>
+        <p:nvSpPr>
+          <p:cNvPr id="4" name="Slide Number Placeholder 3"/>
+          <p:cNvSpPr>
+            <a:spLocks noGrp="1"/>
+          </p:cNvSpPr>
+          <p:nvPr>
+            <p:ph type="sldNum" sz="quarter" idx="10"/>
+          </p:nvPr>
+        </p:nvSpPr>
+        <p:spPr/>
+        <p:txBody>
+          <a:bodyPr/>
+          <a:lstStyle/>
+          <a:p>
+            <a:fld id="{CF30A53F-7D6B-4AFB-9AF7-F1AC7F9437A7}" type="slidenum">
+              <a:rPr lang="en-US" smtClean="0"/>
+              <a:t>18</a:t>
+            </a:fld>
+            <a:endParaRPr lang="en-US"/>
+          </a:p>
+        </p:txBody>
+      </p:sp>
+    </p:spTree>
+    <p:extLst>
+      <p:ext uri="{BB962C8B-B14F-4D97-AF65-F5344CB8AC3E}">
+        <p14:creationId xmlns:p14="http://schemas.microsoft.com/office/powerpoint/2010/main" val="2583309213"/>
       </p:ext>
     </p:extLst>
   </p:cSld>
@@ -8526,7 +9046,6 @@
               <a:rPr lang="en-US" b="1" u="sng" dirty="0"/>
               <a:t>The API is similar in every language.</a:t>
             </a:r>
-            <a:endParaRPr lang="en-US" b="1" u="sng" dirty="0"/>
           </a:p>
         </p:txBody>
       </p:sp>
@@ -8660,11 +9179,7 @@
             <a:pPr lvl="1"/>
             <a:r>
               <a:rPr lang="en-US" dirty="0"/>
-              <a:t> </a:t>
-            </a:r>
-            <a:r>
-              <a:rPr lang="en-US" dirty="0"/>
-              <a:t>make a copy </a:t>
+              <a:t> make a copy </a:t>
             </a:r>
             <a:r>
               <a:rPr lang="en-US" dirty="0" smtClean="0"/>
@@ -11475,11 +11990,7 @@
             <a:pPr algn="l"/>
             <a:r>
               <a:rPr lang="en-US" dirty="0"/>
-              <a:t>Spark – </a:t>
-            </a:r>
-            <a:r>
-              <a:rPr lang="en-US" dirty="0"/>
-              <a:t>Initializing a </a:t>
+              <a:t>Spark – Initializing a </a:t>
             </a:r>
             <a:r>
               <a:rPr lang="en-US" dirty="0" err="1" smtClean="0"/>
@@ -12298,11 +12809,7 @@
             <a:pPr algn="l"/>
             <a:r>
               <a:rPr lang="en-US" dirty="0"/>
-              <a:t>Spark – </a:t>
-            </a:r>
-            <a:r>
-              <a:rPr lang="en-US" dirty="0"/>
-              <a:t>Initializing a </a:t>
+              <a:t>Spark – Initializing a </a:t>
             </a:r>
             <a:r>
               <a:rPr lang="en-US" dirty="0" err="1" smtClean="0"/>
@@ -12598,11 +13105,7 @@
             <a:pPr algn="l"/>
             <a:r>
               <a:rPr lang="en-US" dirty="0"/>
-              <a:t>Spark – </a:t>
-            </a:r>
-            <a:r>
-              <a:rPr lang="en-US" dirty="0"/>
-              <a:t>Building Standalone </a:t>
+              <a:t>Spark – Building Standalone </a:t>
             </a:r>
             <a:r>
               <a:rPr lang="en-US" dirty="0" smtClean="0"/>
@@ -12715,11 +13218,7 @@
             <a:pPr algn="l"/>
             <a:r>
               <a:rPr lang="en-US" dirty="0"/>
-              <a:t>Spark – </a:t>
-            </a:r>
-            <a:r>
-              <a:rPr lang="en-US" dirty="0"/>
-              <a:t>Building Standalone </a:t>
+              <a:t>Spark – Building Standalone </a:t>
             </a:r>
             <a:r>
               <a:rPr lang="en-US" dirty="0" smtClean="0"/>
@@ -13105,11 +13604,7 @@
             <a:pPr algn="l"/>
             <a:r>
               <a:rPr lang="en-US" dirty="0"/>
-              <a:t>Spark – </a:t>
-            </a:r>
-            <a:r>
-              <a:rPr lang="en-US" dirty="0"/>
-              <a:t>Building Standalone </a:t>
+              <a:t>Spark – Building Standalone </a:t>
             </a:r>
             <a:r>
               <a:rPr lang="en-US" dirty="0" smtClean="0"/>
@@ -13417,11 +13912,7 @@
             <a:pPr algn="l"/>
             <a:r>
               <a:rPr lang="en-US" dirty="0"/>
-              <a:t>Spark – </a:t>
-            </a:r>
-            <a:r>
-              <a:rPr lang="en-US" dirty="0"/>
-              <a:t>Building Standalone </a:t>
+              <a:t>Spark – Building Standalone </a:t>
             </a:r>
             <a:r>
               <a:rPr lang="en-US" dirty="0" smtClean="0"/>
@@ -13649,11 +14140,7 @@
             <a:pPr algn="l"/>
             <a:r>
               <a:rPr lang="en-US" dirty="0"/>
-              <a:t>Spark – </a:t>
-            </a:r>
-            <a:r>
-              <a:rPr lang="en-US" dirty="0"/>
-              <a:t>Building Standalone </a:t>
+              <a:t>Spark – Building Standalone </a:t>
             </a:r>
             <a:r>
               <a:rPr lang="en-US" dirty="0" smtClean="0"/>
@@ -14207,11 +14694,7 @@
             <a:pPr algn="l"/>
             <a:r>
               <a:rPr lang="en-US" dirty="0"/>
-              <a:t>Spark – </a:t>
-            </a:r>
-            <a:r>
-              <a:rPr lang="en-US" dirty="0"/>
-              <a:t>Building Standalone </a:t>
+              <a:t>Spark – Building Standalone </a:t>
             </a:r>
             <a:r>
               <a:rPr lang="en-US" dirty="0" smtClean="0"/>
